--- a/01.basic/day1/day01.pptx
+++ b/01.basic/day1/day01.pptx
@@ -4,8 +4,28 @@
   <p:sldMasterIdLst>
     <p:sldMasterId id="2147483648" r:id="rId1"/>
   </p:sldMasterIdLst>
+  <p:notesMasterIdLst>
+    <p:notesMasterId r:id="rId20"/>
+  </p:notesMasterIdLst>
   <p:sldIdLst>
     <p:sldId id="256" r:id="rId2"/>
+    <p:sldId id="274" r:id="rId3"/>
+    <p:sldId id="257" r:id="rId4"/>
+    <p:sldId id="258" r:id="rId5"/>
+    <p:sldId id="260" r:id="rId6"/>
+    <p:sldId id="261" r:id="rId7"/>
+    <p:sldId id="263" r:id="rId8"/>
+    <p:sldId id="262" r:id="rId9"/>
+    <p:sldId id="264" r:id="rId10"/>
+    <p:sldId id="265" r:id="rId11"/>
+    <p:sldId id="267" r:id="rId12"/>
+    <p:sldId id="268" r:id="rId13"/>
+    <p:sldId id="269" r:id="rId14"/>
+    <p:sldId id="270" r:id="rId15"/>
+    <p:sldId id="266" r:id="rId16"/>
+    <p:sldId id="272" r:id="rId17"/>
+    <p:sldId id="275" r:id="rId18"/>
+    <p:sldId id="273" r:id="rId19"/>
   </p:sldIdLst>
   <p:sldSz cx="12192000" cy="6858000"/>
   <p:notesSz cx="6858000" cy="9144000"/>
@@ -104,7 +124,1981 @@
       </a:defRPr>
     </a:lvl9pPr>
   </p:defaultTextStyle>
+  <p:extLst>
+    <p:ext uri="{EFAFB233-063F-42B5-8137-9DF3F51BA10A}">
+      <p15:sldGuideLst xmlns:p15="http://schemas.microsoft.com/office/powerpoint/2012/main"/>
+    </p:ext>
+  </p:extLst>
 </p:presentation>
+</file>
+
+<file path=ppt/notesMasters/notesMaster1.xml><?xml version="1.0" encoding="utf-8"?>
+<p:notesMaster xmlns:a="http://schemas.openxmlformats.org/drawingml/2006/main" xmlns:r="http://schemas.openxmlformats.org/officeDocument/2006/relationships" xmlns:p="http://schemas.openxmlformats.org/presentationml/2006/main">
+  <p:cSld>
+    <p:bg>
+      <p:bgRef idx="1001">
+        <a:schemeClr val="bg1"/>
+      </p:bgRef>
+    </p:bg>
+    <p:spTree>
+      <p:nvGrpSpPr>
+        <p:cNvPr id="1" name=""/>
+        <p:cNvGrpSpPr/>
+        <p:nvPr/>
+      </p:nvGrpSpPr>
+      <p:grpSpPr>
+        <a:xfrm>
+          <a:off x="0" y="0"/>
+          <a:ext cx="0" cy="0"/>
+          <a:chOff x="0" y="0"/>
+          <a:chExt cx="0" cy="0"/>
+        </a:xfrm>
+      </p:grpSpPr>
+      <p:sp>
+        <p:nvSpPr>
+          <p:cNvPr id="2" name="页眉占位符 1"/>
+          <p:cNvSpPr>
+            <a:spLocks noGrp="1"/>
+          </p:cNvSpPr>
+          <p:nvPr>
+            <p:ph type="hdr" sz="quarter"/>
+          </p:nvPr>
+        </p:nvSpPr>
+        <p:spPr>
+          <a:xfrm>
+            <a:off x="0" y="0"/>
+            <a:ext cx="2971800" cy="458788"/>
+          </a:xfrm>
+          <a:prstGeom prst="rect">
+            <a:avLst/>
+          </a:prstGeom>
+        </p:spPr>
+        <p:txBody>
+          <a:bodyPr vert="horz" lIns="91440" tIns="45720" rIns="91440" bIns="45720" rtlCol="0"/>
+          <a:lstStyle>
+            <a:lvl1pPr algn="l">
+              <a:defRPr sz="1200"/>
+            </a:lvl1pPr>
+          </a:lstStyle>
+          <a:p>
+            <a:endParaRPr kumimoji="1" lang="zh-CN" altLang="en-US"/>
+          </a:p>
+        </p:txBody>
+      </p:sp>
+      <p:sp>
+        <p:nvSpPr>
+          <p:cNvPr id="3" name="日期占位符 2"/>
+          <p:cNvSpPr>
+            <a:spLocks noGrp="1"/>
+          </p:cNvSpPr>
+          <p:nvPr>
+            <p:ph type="dt" idx="1"/>
+          </p:nvPr>
+        </p:nvSpPr>
+        <p:spPr>
+          <a:xfrm>
+            <a:off x="3884613" y="0"/>
+            <a:ext cx="2971800" cy="458788"/>
+          </a:xfrm>
+          <a:prstGeom prst="rect">
+            <a:avLst/>
+          </a:prstGeom>
+        </p:spPr>
+        <p:txBody>
+          <a:bodyPr vert="horz" lIns="91440" tIns="45720" rIns="91440" bIns="45720" rtlCol="0"/>
+          <a:lstStyle>
+            <a:lvl1pPr algn="r">
+              <a:defRPr sz="1200"/>
+            </a:lvl1pPr>
+          </a:lstStyle>
+          <a:p>
+            <a:fld id="{1704634C-D031-8744-8DBA-B4EBE976299F}" type="datetimeFigureOut">
+              <a:rPr kumimoji="1" lang="zh-CN" altLang="en-US" smtClean="0"/>
+              <a:t>2021/4/6</a:t>
+            </a:fld>
+            <a:endParaRPr kumimoji="1" lang="zh-CN" altLang="en-US"/>
+          </a:p>
+        </p:txBody>
+      </p:sp>
+      <p:sp>
+        <p:nvSpPr>
+          <p:cNvPr id="4" name="幻灯片图像占位符 3"/>
+          <p:cNvSpPr>
+            <a:spLocks noGrp="1" noRot="1" noChangeAspect="1"/>
+          </p:cNvSpPr>
+          <p:nvPr>
+            <p:ph type="sldImg" idx="2"/>
+          </p:nvPr>
+        </p:nvSpPr>
+        <p:spPr>
+          <a:xfrm>
+            <a:off x="685800" y="1143000"/>
+            <a:ext cx="5486400" cy="3086100"/>
+          </a:xfrm>
+          <a:prstGeom prst="rect">
+            <a:avLst/>
+          </a:prstGeom>
+          <a:noFill/>
+          <a:ln w="12700">
+            <a:solidFill>
+              <a:prstClr val="black"/>
+            </a:solidFill>
+          </a:ln>
+        </p:spPr>
+        <p:txBody>
+          <a:bodyPr vert="horz" lIns="91440" tIns="45720" rIns="91440" bIns="45720" rtlCol="0" anchor="ctr"/>
+          <a:lstStyle/>
+          <a:p>
+            <a:endParaRPr lang="zh-CN" altLang="en-US"/>
+          </a:p>
+        </p:txBody>
+      </p:sp>
+      <p:sp>
+        <p:nvSpPr>
+          <p:cNvPr id="5" name="备注占位符 4"/>
+          <p:cNvSpPr>
+            <a:spLocks noGrp="1"/>
+          </p:cNvSpPr>
+          <p:nvPr>
+            <p:ph type="body" sz="quarter" idx="3"/>
+          </p:nvPr>
+        </p:nvSpPr>
+        <p:spPr>
+          <a:xfrm>
+            <a:off x="685800" y="4400550"/>
+            <a:ext cx="5486400" cy="3600450"/>
+          </a:xfrm>
+          <a:prstGeom prst="rect">
+            <a:avLst/>
+          </a:prstGeom>
+        </p:spPr>
+        <p:txBody>
+          <a:bodyPr vert="horz" lIns="91440" tIns="45720" rIns="91440" bIns="45720" rtlCol="0"/>
+          <a:lstStyle/>
+          <a:p>
+            <a:pPr lvl="0"/>
+            <a:r>
+              <a:rPr kumimoji="1" lang="zh-CN" altLang="en-US"/>
+              <a:t>单击此处编辑母版文本样式</a:t>
+            </a:r>
+          </a:p>
+          <a:p>
+            <a:pPr lvl="1"/>
+            <a:r>
+              <a:rPr kumimoji="1" lang="zh-CN" altLang="en-US"/>
+              <a:t>二级</a:t>
+            </a:r>
+          </a:p>
+          <a:p>
+            <a:pPr lvl="2"/>
+            <a:r>
+              <a:rPr kumimoji="1" lang="zh-CN" altLang="en-US"/>
+              <a:t>三级</a:t>
+            </a:r>
+          </a:p>
+          <a:p>
+            <a:pPr lvl="3"/>
+            <a:r>
+              <a:rPr kumimoji="1" lang="zh-CN" altLang="en-US"/>
+              <a:t>四级</a:t>
+            </a:r>
+          </a:p>
+          <a:p>
+            <a:pPr lvl="4"/>
+            <a:r>
+              <a:rPr kumimoji="1" lang="zh-CN" altLang="en-US"/>
+              <a:t>五级</a:t>
+            </a:r>
+          </a:p>
+        </p:txBody>
+      </p:sp>
+      <p:sp>
+        <p:nvSpPr>
+          <p:cNvPr id="6" name="页脚占位符 5"/>
+          <p:cNvSpPr>
+            <a:spLocks noGrp="1"/>
+          </p:cNvSpPr>
+          <p:nvPr>
+            <p:ph type="ftr" sz="quarter" idx="4"/>
+          </p:nvPr>
+        </p:nvSpPr>
+        <p:spPr>
+          <a:xfrm>
+            <a:off x="0" y="8685213"/>
+            <a:ext cx="2971800" cy="458787"/>
+          </a:xfrm>
+          <a:prstGeom prst="rect">
+            <a:avLst/>
+          </a:prstGeom>
+        </p:spPr>
+        <p:txBody>
+          <a:bodyPr vert="horz" lIns="91440" tIns="45720" rIns="91440" bIns="45720" rtlCol="0" anchor="b"/>
+          <a:lstStyle>
+            <a:lvl1pPr algn="l">
+              <a:defRPr sz="1200"/>
+            </a:lvl1pPr>
+          </a:lstStyle>
+          <a:p>
+            <a:endParaRPr kumimoji="1" lang="zh-CN" altLang="en-US"/>
+          </a:p>
+        </p:txBody>
+      </p:sp>
+      <p:sp>
+        <p:nvSpPr>
+          <p:cNvPr id="7" name="灯片编号占位符 6"/>
+          <p:cNvSpPr>
+            <a:spLocks noGrp="1"/>
+          </p:cNvSpPr>
+          <p:nvPr>
+            <p:ph type="sldNum" sz="quarter" idx="5"/>
+          </p:nvPr>
+        </p:nvSpPr>
+        <p:spPr>
+          <a:xfrm>
+            <a:off x="3884613" y="8685213"/>
+            <a:ext cx="2971800" cy="458787"/>
+          </a:xfrm>
+          <a:prstGeom prst="rect">
+            <a:avLst/>
+          </a:prstGeom>
+        </p:spPr>
+        <p:txBody>
+          <a:bodyPr vert="horz" lIns="91440" tIns="45720" rIns="91440" bIns="45720" rtlCol="0" anchor="b"/>
+          <a:lstStyle>
+            <a:lvl1pPr algn="r">
+              <a:defRPr sz="1200"/>
+            </a:lvl1pPr>
+          </a:lstStyle>
+          <a:p>
+            <a:fld id="{35D51C03-BFE0-3740-A7A6-0D931BE4F335}" type="slidenum">
+              <a:rPr kumimoji="1" lang="zh-CN" altLang="en-US" smtClean="0"/>
+              <a:t>‹#›</a:t>
+            </a:fld>
+            <a:endParaRPr kumimoji="1" lang="zh-CN" altLang="en-US"/>
+          </a:p>
+        </p:txBody>
+      </p:sp>
+    </p:spTree>
+    <p:extLst>
+      <p:ext uri="{BB962C8B-B14F-4D97-AF65-F5344CB8AC3E}">
+        <p14:creationId xmlns:p14="http://schemas.microsoft.com/office/powerpoint/2010/main" val="1273647744"/>
+      </p:ext>
+    </p:extLst>
+  </p:cSld>
+  <p:clrMap bg1="lt1" tx1="dk1" bg2="lt2" tx2="dk2" accent1="accent1" accent2="accent2" accent3="accent3" accent4="accent4" accent5="accent5" accent6="accent6" hlink="hlink" folHlink="folHlink"/>
+  <p:notesStyle>
+    <a:lvl1pPr marL="0" algn="l" defTabSz="914400" rtl="0" eaLnBrk="1" latinLnBrk="0" hangingPunct="1">
+      <a:defRPr sz="1200" kern="1200">
+        <a:solidFill>
+          <a:schemeClr val="tx1"/>
+        </a:solidFill>
+        <a:latin typeface="+mn-lt"/>
+        <a:ea typeface="+mn-ea"/>
+        <a:cs typeface="+mn-cs"/>
+      </a:defRPr>
+    </a:lvl1pPr>
+    <a:lvl2pPr marL="457200" algn="l" defTabSz="914400" rtl="0" eaLnBrk="1" latinLnBrk="0" hangingPunct="1">
+      <a:defRPr sz="1200" kern="1200">
+        <a:solidFill>
+          <a:schemeClr val="tx1"/>
+        </a:solidFill>
+        <a:latin typeface="+mn-lt"/>
+        <a:ea typeface="+mn-ea"/>
+        <a:cs typeface="+mn-cs"/>
+      </a:defRPr>
+    </a:lvl2pPr>
+    <a:lvl3pPr marL="914400" algn="l" defTabSz="914400" rtl="0" eaLnBrk="1" latinLnBrk="0" hangingPunct="1">
+      <a:defRPr sz="1200" kern="1200">
+        <a:solidFill>
+          <a:schemeClr val="tx1"/>
+        </a:solidFill>
+        <a:latin typeface="+mn-lt"/>
+        <a:ea typeface="+mn-ea"/>
+        <a:cs typeface="+mn-cs"/>
+      </a:defRPr>
+    </a:lvl3pPr>
+    <a:lvl4pPr marL="1371600" algn="l" defTabSz="914400" rtl="0" eaLnBrk="1" latinLnBrk="0" hangingPunct="1">
+      <a:defRPr sz="1200" kern="1200">
+        <a:solidFill>
+          <a:schemeClr val="tx1"/>
+        </a:solidFill>
+        <a:latin typeface="+mn-lt"/>
+        <a:ea typeface="+mn-ea"/>
+        <a:cs typeface="+mn-cs"/>
+      </a:defRPr>
+    </a:lvl4pPr>
+    <a:lvl5pPr marL="1828800" algn="l" defTabSz="914400" rtl="0" eaLnBrk="1" latinLnBrk="0" hangingPunct="1">
+      <a:defRPr sz="1200" kern="1200">
+        <a:solidFill>
+          <a:schemeClr val="tx1"/>
+        </a:solidFill>
+        <a:latin typeface="+mn-lt"/>
+        <a:ea typeface="+mn-ea"/>
+        <a:cs typeface="+mn-cs"/>
+      </a:defRPr>
+    </a:lvl5pPr>
+    <a:lvl6pPr marL="2286000" algn="l" defTabSz="914400" rtl="0" eaLnBrk="1" latinLnBrk="0" hangingPunct="1">
+      <a:defRPr sz="1200" kern="1200">
+        <a:solidFill>
+          <a:schemeClr val="tx1"/>
+        </a:solidFill>
+        <a:latin typeface="+mn-lt"/>
+        <a:ea typeface="+mn-ea"/>
+        <a:cs typeface="+mn-cs"/>
+      </a:defRPr>
+    </a:lvl6pPr>
+    <a:lvl7pPr marL="2743200" algn="l" defTabSz="914400" rtl="0" eaLnBrk="1" latinLnBrk="0" hangingPunct="1">
+      <a:defRPr sz="1200" kern="1200">
+        <a:solidFill>
+          <a:schemeClr val="tx1"/>
+        </a:solidFill>
+        <a:latin typeface="+mn-lt"/>
+        <a:ea typeface="+mn-ea"/>
+        <a:cs typeface="+mn-cs"/>
+      </a:defRPr>
+    </a:lvl7pPr>
+    <a:lvl8pPr marL="3200400" algn="l" defTabSz="914400" rtl="0" eaLnBrk="1" latinLnBrk="0" hangingPunct="1">
+      <a:defRPr sz="1200" kern="1200">
+        <a:solidFill>
+          <a:schemeClr val="tx1"/>
+        </a:solidFill>
+        <a:latin typeface="+mn-lt"/>
+        <a:ea typeface="+mn-ea"/>
+        <a:cs typeface="+mn-cs"/>
+      </a:defRPr>
+    </a:lvl8pPr>
+    <a:lvl9pPr marL="3657600" algn="l" defTabSz="914400" rtl="0" eaLnBrk="1" latinLnBrk="0" hangingPunct="1">
+      <a:defRPr sz="1200" kern="1200">
+        <a:solidFill>
+          <a:schemeClr val="tx1"/>
+        </a:solidFill>
+        <a:latin typeface="+mn-lt"/>
+        <a:ea typeface="+mn-ea"/>
+        <a:cs typeface="+mn-cs"/>
+      </a:defRPr>
+    </a:lvl9pPr>
+  </p:notesStyle>
+</p:notesMaster>
+</file>
+
+<file path=ppt/notesSlides/notesSlide1.xml><?xml version="1.0" encoding="utf-8"?>
+<p:notes xmlns:a="http://schemas.openxmlformats.org/drawingml/2006/main" xmlns:r="http://schemas.openxmlformats.org/officeDocument/2006/relationships" xmlns:p="http://schemas.openxmlformats.org/presentationml/2006/main">
+  <p:cSld>
+    <p:spTree>
+      <p:nvGrpSpPr>
+        <p:cNvPr id="1" name=""/>
+        <p:cNvGrpSpPr/>
+        <p:nvPr/>
+      </p:nvGrpSpPr>
+      <p:grpSpPr>
+        <a:xfrm>
+          <a:off x="0" y="0"/>
+          <a:ext cx="0" cy="0"/>
+          <a:chOff x="0" y="0"/>
+          <a:chExt cx="0" cy="0"/>
+        </a:xfrm>
+      </p:grpSpPr>
+      <p:sp>
+        <p:nvSpPr>
+          <p:cNvPr id="2" name="幻灯片图像占位符 1"/>
+          <p:cNvSpPr>
+            <a:spLocks noGrp="1" noRot="1" noChangeAspect="1"/>
+          </p:cNvSpPr>
+          <p:nvPr>
+            <p:ph type="sldImg"/>
+          </p:nvPr>
+        </p:nvSpPr>
+        <p:spPr/>
+      </p:sp>
+      <p:sp>
+        <p:nvSpPr>
+          <p:cNvPr id="3" name="备注占位符 2"/>
+          <p:cNvSpPr>
+            <a:spLocks noGrp="1"/>
+          </p:cNvSpPr>
+          <p:nvPr>
+            <p:ph type="body" idx="1"/>
+          </p:nvPr>
+        </p:nvSpPr>
+        <p:spPr/>
+        <p:txBody>
+          <a:bodyPr/>
+          <a:lstStyle/>
+          <a:p>
+            <a:endParaRPr kumimoji="1" lang="zh-CN" altLang="en-US" dirty="0"/>
+          </a:p>
+        </p:txBody>
+      </p:sp>
+      <p:sp>
+        <p:nvSpPr>
+          <p:cNvPr id="4" name="灯片编号占位符 3"/>
+          <p:cNvSpPr>
+            <a:spLocks noGrp="1"/>
+          </p:cNvSpPr>
+          <p:nvPr>
+            <p:ph type="sldNum" sz="quarter" idx="5"/>
+          </p:nvPr>
+        </p:nvSpPr>
+        <p:spPr/>
+        <p:txBody>
+          <a:bodyPr/>
+          <a:lstStyle/>
+          <a:p>
+            <a:fld id="{35D51C03-BFE0-3740-A7A6-0D931BE4F335}" type="slidenum">
+              <a:rPr kumimoji="1" lang="zh-CN" altLang="en-US" smtClean="0"/>
+              <a:t>1</a:t>
+            </a:fld>
+            <a:endParaRPr kumimoji="1" lang="zh-CN" altLang="en-US"/>
+          </a:p>
+        </p:txBody>
+      </p:sp>
+    </p:spTree>
+    <p:extLst>
+      <p:ext uri="{BB962C8B-B14F-4D97-AF65-F5344CB8AC3E}">
+        <p14:creationId xmlns:p14="http://schemas.microsoft.com/office/powerpoint/2010/main" val="3559065935"/>
+      </p:ext>
+    </p:extLst>
+  </p:cSld>
+  <p:clrMapOvr>
+    <a:masterClrMapping/>
+  </p:clrMapOvr>
+</p:notes>
+</file>
+
+<file path=ppt/notesSlides/notesSlide10.xml><?xml version="1.0" encoding="utf-8"?>
+<p:notes xmlns:a="http://schemas.openxmlformats.org/drawingml/2006/main" xmlns:r="http://schemas.openxmlformats.org/officeDocument/2006/relationships" xmlns:p="http://schemas.openxmlformats.org/presentationml/2006/main">
+  <p:cSld>
+    <p:spTree>
+      <p:nvGrpSpPr>
+        <p:cNvPr id="1" name=""/>
+        <p:cNvGrpSpPr/>
+        <p:nvPr/>
+      </p:nvGrpSpPr>
+      <p:grpSpPr>
+        <a:xfrm>
+          <a:off x="0" y="0"/>
+          <a:ext cx="0" cy="0"/>
+          <a:chOff x="0" y="0"/>
+          <a:chExt cx="0" cy="0"/>
+        </a:xfrm>
+      </p:grpSpPr>
+      <p:sp>
+        <p:nvSpPr>
+          <p:cNvPr id="2" name="幻灯片图像占位符 1"/>
+          <p:cNvSpPr>
+            <a:spLocks noGrp="1" noRot="1" noChangeAspect="1"/>
+          </p:cNvSpPr>
+          <p:nvPr>
+            <p:ph type="sldImg"/>
+          </p:nvPr>
+        </p:nvSpPr>
+        <p:spPr/>
+      </p:sp>
+      <p:sp>
+        <p:nvSpPr>
+          <p:cNvPr id="3" name="备注占位符 2"/>
+          <p:cNvSpPr>
+            <a:spLocks noGrp="1"/>
+          </p:cNvSpPr>
+          <p:nvPr>
+            <p:ph type="body" idx="1"/>
+          </p:nvPr>
+        </p:nvSpPr>
+        <p:spPr/>
+        <p:txBody>
+          <a:bodyPr/>
+          <a:lstStyle/>
+          <a:p>
+            <a:endParaRPr kumimoji="1" lang="zh-CN" altLang="en-US" dirty="0"/>
+          </a:p>
+        </p:txBody>
+      </p:sp>
+      <p:sp>
+        <p:nvSpPr>
+          <p:cNvPr id="4" name="灯片编号占位符 3"/>
+          <p:cNvSpPr>
+            <a:spLocks noGrp="1"/>
+          </p:cNvSpPr>
+          <p:nvPr>
+            <p:ph type="sldNum" sz="quarter" idx="5"/>
+          </p:nvPr>
+        </p:nvSpPr>
+        <p:spPr/>
+        <p:txBody>
+          <a:bodyPr/>
+          <a:lstStyle/>
+          <a:p>
+            <a:fld id="{35D51C03-BFE0-3740-A7A6-0D931BE4F335}" type="slidenum">
+              <a:rPr kumimoji="1" lang="zh-CN" altLang="en-US" smtClean="0"/>
+              <a:t>10</a:t>
+            </a:fld>
+            <a:endParaRPr kumimoji="1" lang="zh-CN" altLang="en-US"/>
+          </a:p>
+        </p:txBody>
+      </p:sp>
+    </p:spTree>
+    <p:extLst>
+      <p:ext uri="{BB962C8B-B14F-4D97-AF65-F5344CB8AC3E}">
+        <p14:creationId xmlns:p14="http://schemas.microsoft.com/office/powerpoint/2010/main" val="2267387969"/>
+      </p:ext>
+    </p:extLst>
+  </p:cSld>
+  <p:clrMapOvr>
+    <a:masterClrMapping/>
+  </p:clrMapOvr>
+</p:notes>
+</file>
+
+<file path=ppt/notesSlides/notesSlide11.xml><?xml version="1.0" encoding="utf-8"?>
+<p:notes xmlns:a="http://schemas.openxmlformats.org/drawingml/2006/main" xmlns:r="http://schemas.openxmlformats.org/officeDocument/2006/relationships" xmlns:p="http://schemas.openxmlformats.org/presentationml/2006/main">
+  <p:cSld>
+    <p:spTree>
+      <p:nvGrpSpPr>
+        <p:cNvPr id="1" name=""/>
+        <p:cNvGrpSpPr/>
+        <p:nvPr/>
+      </p:nvGrpSpPr>
+      <p:grpSpPr>
+        <a:xfrm>
+          <a:off x="0" y="0"/>
+          <a:ext cx="0" cy="0"/>
+          <a:chOff x="0" y="0"/>
+          <a:chExt cx="0" cy="0"/>
+        </a:xfrm>
+      </p:grpSpPr>
+      <p:sp>
+        <p:nvSpPr>
+          <p:cNvPr id="2" name="幻灯片图像占位符 1"/>
+          <p:cNvSpPr>
+            <a:spLocks noGrp="1" noRot="1" noChangeAspect="1"/>
+          </p:cNvSpPr>
+          <p:nvPr>
+            <p:ph type="sldImg"/>
+          </p:nvPr>
+        </p:nvSpPr>
+        <p:spPr/>
+      </p:sp>
+      <p:sp>
+        <p:nvSpPr>
+          <p:cNvPr id="3" name="备注占位符 2"/>
+          <p:cNvSpPr>
+            <a:spLocks noGrp="1"/>
+          </p:cNvSpPr>
+          <p:nvPr>
+            <p:ph type="body" idx="1"/>
+          </p:nvPr>
+        </p:nvSpPr>
+        <p:spPr/>
+        <p:txBody>
+          <a:bodyPr/>
+          <a:lstStyle/>
+          <a:p>
+            <a:endParaRPr kumimoji="1" lang="zh-CN" altLang="en-US" dirty="0"/>
+          </a:p>
+        </p:txBody>
+      </p:sp>
+      <p:sp>
+        <p:nvSpPr>
+          <p:cNvPr id="4" name="灯片编号占位符 3"/>
+          <p:cNvSpPr>
+            <a:spLocks noGrp="1"/>
+          </p:cNvSpPr>
+          <p:nvPr>
+            <p:ph type="sldNum" sz="quarter" idx="5"/>
+          </p:nvPr>
+        </p:nvSpPr>
+        <p:spPr/>
+        <p:txBody>
+          <a:bodyPr/>
+          <a:lstStyle/>
+          <a:p>
+            <a:fld id="{35D51C03-BFE0-3740-A7A6-0D931BE4F335}" type="slidenum">
+              <a:rPr kumimoji="1" lang="zh-CN" altLang="en-US" smtClean="0"/>
+              <a:t>11</a:t>
+            </a:fld>
+            <a:endParaRPr kumimoji="1" lang="zh-CN" altLang="en-US"/>
+          </a:p>
+        </p:txBody>
+      </p:sp>
+    </p:spTree>
+    <p:extLst>
+      <p:ext uri="{BB962C8B-B14F-4D97-AF65-F5344CB8AC3E}">
+        <p14:creationId xmlns:p14="http://schemas.microsoft.com/office/powerpoint/2010/main" val="1304209003"/>
+      </p:ext>
+    </p:extLst>
+  </p:cSld>
+  <p:clrMapOvr>
+    <a:masterClrMapping/>
+  </p:clrMapOvr>
+</p:notes>
+</file>
+
+<file path=ppt/notesSlides/notesSlide12.xml><?xml version="1.0" encoding="utf-8"?>
+<p:notes xmlns:a="http://schemas.openxmlformats.org/drawingml/2006/main" xmlns:r="http://schemas.openxmlformats.org/officeDocument/2006/relationships" xmlns:p="http://schemas.openxmlformats.org/presentationml/2006/main">
+  <p:cSld>
+    <p:spTree>
+      <p:nvGrpSpPr>
+        <p:cNvPr id="1" name=""/>
+        <p:cNvGrpSpPr/>
+        <p:nvPr/>
+      </p:nvGrpSpPr>
+      <p:grpSpPr>
+        <a:xfrm>
+          <a:off x="0" y="0"/>
+          <a:ext cx="0" cy="0"/>
+          <a:chOff x="0" y="0"/>
+          <a:chExt cx="0" cy="0"/>
+        </a:xfrm>
+      </p:grpSpPr>
+      <p:sp>
+        <p:nvSpPr>
+          <p:cNvPr id="2" name="幻灯片图像占位符 1"/>
+          <p:cNvSpPr>
+            <a:spLocks noGrp="1" noRot="1" noChangeAspect="1"/>
+          </p:cNvSpPr>
+          <p:nvPr>
+            <p:ph type="sldImg"/>
+          </p:nvPr>
+        </p:nvSpPr>
+        <p:spPr/>
+      </p:sp>
+      <p:sp>
+        <p:nvSpPr>
+          <p:cNvPr id="3" name="备注占位符 2"/>
+          <p:cNvSpPr>
+            <a:spLocks noGrp="1"/>
+          </p:cNvSpPr>
+          <p:nvPr>
+            <p:ph type="body" idx="1"/>
+          </p:nvPr>
+        </p:nvSpPr>
+        <p:spPr/>
+        <p:txBody>
+          <a:bodyPr/>
+          <a:lstStyle/>
+          <a:p>
+            <a:endParaRPr kumimoji="1" lang="zh-CN" altLang="en-US" dirty="0"/>
+          </a:p>
+        </p:txBody>
+      </p:sp>
+      <p:sp>
+        <p:nvSpPr>
+          <p:cNvPr id="4" name="灯片编号占位符 3"/>
+          <p:cNvSpPr>
+            <a:spLocks noGrp="1"/>
+          </p:cNvSpPr>
+          <p:nvPr>
+            <p:ph type="sldNum" sz="quarter" idx="5"/>
+          </p:nvPr>
+        </p:nvSpPr>
+        <p:spPr/>
+        <p:txBody>
+          <a:bodyPr/>
+          <a:lstStyle/>
+          <a:p>
+            <a:fld id="{35D51C03-BFE0-3740-A7A6-0D931BE4F335}" type="slidenum">
+              <a:rPr kumimoji="1" lang="zh-CN" altLang="en-US" smtClean="0"/>
+              <a:t>12</a:t>
+            </a:fld>
+            <a:endParaRPr kumimoji="1" lang="zh-CN" altLang="en-US"/>
+          </a:p>
+        </p:txBody>
+      </p:sp>
+    </p:spTree>
+    <p:extLst>
+      <p:ext uri="{BB962C8B-B14F-4D97-AF65-F5344CB8AC3E}">
+        <p14:creationId xmlns:p14="http://schemas.microsoft.com/office/powerpoint/2010/main" val="1664250112"/>
+      </p:ext>
+    </p:extLst>
+  </p:cSld>
+  <p:clrMapOvr>
+    <a:masterClrMapping/>
+  </p:clrMapOvr>
+</p:notes>
+</file>
+
+<file path=ppt/notesSlides/notesSlide13.xml><?xml version="1.0" encoding="utf-8"?>
+<p:notes xmlns:a="http://schemas.openxmlformats.org/drawingml/2006/main" xmlns:r="http://schemas.openxmlformats.org/officeDocument/2006/relationships" xmlns:p="http://schemas.openxmlformats.org/presentationml/2006/main">
+  <p:cSld>
+    <p:spTree>
+      <p:nvGrpSpPr>
+        <p:cNvPr id="1" name=""/>
+        <p:cNvGrpSpPr/>
+        <p:nvPr/>
+      </p:nvGrpSpPr>
+      <p:grpSpPr>
+        <a:xfrm>
+          <a:off x="0" y="0"/>
+          <a:ext cx="0" cy="0"/>
+          <a:chOff x="0" y="0"/>
+          <a:chExt cx="0" cy="0"/>
+        </a:xfrm>
+      </p:grpSpPr>
+      <p:sp>
+        <p:nvSpPr>
+          <p:cNvPr id="2" name="幻灯片图像占位符 1"/>
+          <p:cNvSpPr>
+            <a:spLocks noGrp="1" noRot="1" noChangeAspect="1"/>
+          </p:cNvSpPr>
+          <p:nvPr>
+            <p:ph type="sldImg"/>
+          </p:nvPr>
+        </p:nvSpPr>
+        <p:spPr/>
+      </p:sp>
+      <p:sp>
+        <p:nvSpPr>
+          <p:cNvPr id="3" name="备注占位符 2"/>
+          <p:cNvSpPr>
+            <a:spLocks noGrp="1"/>
+          </p:cNvSpPr>
+          <p:nvPr>
+            <p:ph type="body" idx="1"/>
+          </p:nvPr>
+        </p:nvSpPr>
+        <p:spPr/>
+        <p:txBody>
+          <a:bodyPr/>
+          <a:lstStyle/>
+          <a:p>
+            <a:endParaRPr kumimoji="1" lang="zh-CN" altLang="en-US" dirty="0"/>
+          </a:p>
+        </p:txBody>
+      </p:sp>
+      <p:sp>
+        <p:nvSpPr>
+          <p:cNvPr id="4" name="灯片编号占位符 3"/>
+          <p:cNvSpPr>
+            <a:spLocks noGrp="1"/>
+          </p:cNvSpPr>
+          <p:nvPr>
+            <p:ph type="sldNum" sz="quarter" idx="5"/>
+          </p:nvPr>
+        </p:nvSpPr>
+        <p:spPr/>
+        <p:txBody>
+          <a:bodyPr/>
+          <a:lstStyle/>
+          <a:p>
+            <a:fld id="{35D51C03-BFE0-3740-A7A6-0D931BE4F335}" type="slidenum">
+              <a:rPr kumimoji="1" lang="zh-CN" altLang="en-US" smtClean="0"/>
+              <a:t>13</a:t>
+            </a:fld>
+            <a:endParaRPr kumimoji="1" lang="zh-CN" altLang="en-US"/>
+          </a:p>
+        </p:txBody>
+      </p:sp>
+    </p:spTree>
+    <p:extLst>
+      <p:ext uri="{BB962C8B-B14F-4D97-AF65-F5344CB8AC3E}">
+        <p14:creationId xmlns:p14="http://schemas.microsoft.com/office/powerpoint/2010/main" val="2674981976"/>
+      </p:ext>
+    </p:extLst>
+  </p:cSld>
+  <p:clrMapOvr>
+    <a:masterClrMapping/>
+  </p:clrMapOvr>
+</p:notes>
+</file>
+
+<file path=ppt/notesSlides/notesSlide14.xml><?xml version="1.0" encoding="utf-8"?>
+<p:notes xmlns:a="http://schemas.openxmlformats.org/drawingml/2006/main" xmlns:r="http://schemas.openxmlformats.org/officeDocument/2006/relationships" xmlns:p="http://schemas.openxmlformats.org/presentationml/2006/main">
+  <p:cSld>
+    <p:spTree>
+      <p:nvGrpSpPr>
+        <p:cNvPr id="1" name=""/>
+        <p:cNvGrpSpPr/>
+        <p:nvPr/>
+      </p:nvGrpSpPr>
+      <p:grpSpPr>
+        <a:xfrm>
+          <a:off x="0" y="0"/>
+          <a:ext cx="0" cy="0"/>
+          <a:chOff x="0" y="0"/>
+          <a:chExt cx="0" cy="0"/>
+        </a:xfrm>
+      </p:grpSpPr>
+      <p:sp>
+        <p:nvSpPr>
+          <p:cNvPr id="2" name="幻灯片图像占位符 1"/>
+          <p:cNvSpPr>
+            <a:spLocks noGrp="1" noRot="1" noChangeAspect="1"/>
+          </p:cNvSpPr>
+          <p:nvPr>
+            <p:ph type="sldImg"/>
+          </p:nvPr>
+        </p:nvSpPr>
+        <p:spPr/>
+      </p:sp>
+      <p:sp>
+        <p:nvSpPr>
+          <p:cNvPr id="3" name="备注占位符 2"/>
+          <p:cNvSpPr>
+            <a:spLocks noGrp="1"/>
+          </p:cNvSpPr>
+          <p:nvPr>
+            <p:ph type="body" idx="1"/>
+          </p:nvPr>
+        </p:nvSpPr>
+        <p:spPr/>
+        <p:txBody>
+          <a:bodyPr/>
+          <a:lstStyle/>
+          <a:p>
+            <a:endParaRPr kumimoji="1" lang="zh-CN" altLang="en-US" dirty="0"/>
+          </a:p>
+        </p:txBody>
+      </p:sp>
+      <p:sp>
+        <p:nvSpPr>
+          <p:cNvPr id="4" name="灯片编号占位符 3"/>
+          <p:cNvSpPr>
+            <a:spLocks noGrp="1"/>
+          </p:cNvSpPr>
+          <p:nvPr>
+            <p:ph type="sldNum" sz="quarter" idx="5"/>
+          </p:nvPr>
+        </p:nvSpPr>
+        <p:spPr/>
+        <p:txBody>
+          <a:bodyPr/>
+          <a:lstStyle/>
+          <a:p>
+            <a:fld id="{35D51C03-BFE0-3740-A7A6-0D931BE4F335}" type="slidenum">
+              <a:rPr kumimoji="1" lang="zh-CN" altLang="en-US" smtClean="0"/>
+              <a:t>14</a:t>
+            </a:fld>
+            <a:endParaRPr kumimoji="1" lang="zh-CN" altLang="en-US"/>
+          </a:p>
+        </p:txBody>
+      </p:sp>
+    </p:spTree>
+    <p:extLst>
+      <p:ext uri="{BB962C8B-B14F-4D97-AF65-F5344CB8AC3E}">
+        <p14:creationId xmlns:p14="http://schemas.microsoft.com/office/powerpoint/2010/main" val="3712930158"/>
+      </p:ext>
+    </p:extLst>
+  </p:cSld>
+  <p:clrMapOvr>
+    <a:masterClrMapping/>
+  </p:clrMapOvr>
+</p:notes>
+</file>
+
+<file path=ppt/notesSlides/notesSlide15.xml><?xml version="1.0" encoding="utf-8"?>
+<p:notes xmlns:a="http://schemas.openxmlformats.org/drawingml/2006/main" xmlns:r="http://schemas.openxmlformats.org/officeDocument/2006/relationships" xmlns:p="http://schemas.openxmlformats.org/presentationml/2006/main">
+  <p:cSld>
+    <p:spTree>
+      <p:nvGrpSpPr>
+        <p:cNvPr id="1" name=""/>
+        <p:cNvGrpSpPr/>
+        <p:nvPr/>
+      </p:nvGrpSpPr>
+      <p:grpSpPr>
+        <a:xfrm>
+          <a:off x="0" y="0"/>
+          <a:ext cx="0" cy="0"/>
+          <a:chOff x="0" y="0"/>
+          <a:chExt cx="0" cy="0"/>
+        </a:xfrm>
+      </p:grpSpPr>
+      <p:sp>
+        <p:nvSpPr>
+          <p:cNvPr id="2" name="幻灯片图像占位符 1"/>
+          <p:cNvSpPr>
+            <a:spLocks noGrp="1" noRot="1" noChangeAspect="1"/>
+          </p:cNvSpPr>
+          <p:nvPr>
+            <p:ph type="sldImg"/>
+          </p:nvPr>
+        </p:nvSpPr>
+        <p:spPr/>
+      </p:sp>
+      <p:sp>
+        <p:nvSpPr>
+          <p:cNvPr id="3" name="备注占位符 2"/>
+          <p:cNvSpPr>
+            <a:spLocks noGrp="1"/>
+          </p:cNvSpPr>
+          <p:nvPr>
+            <p:ph type="body" idx="1"/>
+          </p:nvPr>
+        </p:nvSpPr>
+        <p:spPr/>
+        <p:txBody>
+          <a:bodyPr/>
+          <a:lstStyle/>
+          <a:p>
+            <a:endParaRPr kumimoji="1" lang="zh-CN" altLang="en-US" dirty="0"/>
+          </a:p>
+        </p:txBody>
+      </p:sp>
+      <p:sp>
+        <p:nvSpPr>
+          <p:cNvPr id="4" name="灯片编号占位符 3"/>
+          <p:cNvSpPr>
+            <a:spLocks noGrp="1"/>
+          </p:cNvSpPr>
+          <p:nvPr>
+            <p:ph type="sldNum" sz="quarter" idx="5"/>
+          </p:nvPr>
+        </p:nvSpPr>
+        <p:spPr/>
+        <p:txBody>
+          <a:bodyPr/>
+          <a:lstStyle/>
+          <a:p>
+            <a:fld id="{35D51C03-BFE0-3740-A7A6-0D931BE4F335}" type="slidenum">
+              <a:rPr kumimoji="1" lang="zh-CN" altLang="en-US" smtClean="0"/>
+              <a:t>15</a:t>
+            </a:fld>
+            <a:endParaRPr kumimoji="1" lang="zh-CN" altLang="en-US"/>
+          </a:p>
+        </p:txBody>
+      </p:sp>
+    </p:spTree>
+    <p:extLst>
+      <p:ext uri="{BB962C8B-B14F-4D97-AF65-F5344CB8AC3E}">
+        <p14:creationId xmlns:p14="http://schemas.microsoft.com/office/powerpoint/2010/main" val="2812810881"/>
+      </p:ext>
+    </p:extLst>
+  </p:cSld>
+  <p:clrMapOvr>
+    <a:masterClrMapping/>
+  </p:clrMapOvr>
+</p:notes>
+</file>
+
+<file path=ppt/notesSlides/notesSlide16.xml><?xml version="1.0" encoding="utf-8"?>
+<p:notes xmlns:a="http://schemas.openxmlformats.org/drawingml/2006/main" xmlns:r="http://schemas.openxmlformats.org/officeDocument/2006/relationships" xmlns:p="http://schemas.openxmlformats.org/presentationml/2006/main">
+  <p:cSld>
+    <p:spTree>
+      <p:nvGrpSpPr>
+        <p:cNvPr id="1" name=""/>
+        <p:cNvGrpSpPr/>
+        <p:nvPr/>
+      </p:nvGrpSpPr>
+      <p:grpSpPr>
+        <a:xfrm>
+          <a:off x="0" y="0"/>
+          <a:ext cx="0" cy="0"/>
+          <a:chOff x="0" y="0"/>
+          <a:chExt cx="0" cy="0"/>
+        </a:xfrm>
+      </p:grpSpPr>
+      <p:sp>
+        <p:nvSpPr>
+          <p:cNvPr id="2" name="幻灯片图像占位符 1"/>
+          <p:cNvSpPr>
+            <a:spLocks noGrp="1" noRot="1" noChangeAspect="1"/>
+          </p:cNvSpPr>
+          <p:nvPr>
+            <p:ph type="sldImg"/>
+          </p:nvPr>
+        </p:nvSpPr>
+        <p:spPr/>
+      </p:sp>
+      <p:sp>
+        <p:nvSpPr>
+          <p:cNvPr id="3" name="备注占位符 2"/>
+          <p:cNvSpPr>
+            <a:spLocks noGrp="1"/>
+          </p:cNvSpPr>
+          <p:nvPr>
+            <p:ph type="body" idx="1"/>
+          </p:nvPr>
+        </p:nvSpPr>
+        <p:spPr/>
+        <p:txBody>
+          <a:bodyPr/>
+          <a:lstStyle/>
+          <a:p>
+            <a:endParaRPr kumimoji="1" lang="zh-CN" altLang="en-US" dirty="0"/>
+          </a:p>
+        </p:txBody>
+      </p:sp>
+      <p:sp>
+        <p:nvSpPr>
+          <p:cNvPr id="4" name="灯片编号占位符 3"/>
+          <p:cNvSpPr>
+            <a:spLocks noGrp="1"/>
+          </p:cNvSpPr>
+          <p:nvPr>
+            <p:ph type="sldNum" sz="quarter" idx="5"/>
+          </p:nvPr>
+        </p:nvSpPr>
+        <p:spPr/>
+        <p:txBody>
+          <a:bodyPr/>
+          <a:lstStyle/>
+          <a:p>
+            <a:fld id="{35D51C03-BFE0-3740-A7A6-0D931BE4F335}" type="slidenum">
+              <a:rPr kumimoji="1" lang="zh-CN" altLang="en-US" smtClean="0"/>
+              <a:t>16</a:t>
+            </a:fld>
+            <a:endParaRPr kumimoji="1" lang="zh-CN" altLang="en-US"/>
+          </a:p>
+        </p:txBody>
+      </p:sp>
+    </p:spTree>
+    <p:extLst>
+      <p:ext uri="{BB962C8B-B14F-4D97-AF65-F5344CB8AC3E}">
+        <p14:creationId xmlns:p14="http://schemas.microsoft.com/office/powerpoint/2010/main" val="4200284054"/>
+      </p:ext>
+    </p:extLst>
+  </p:cSld>
+  <p:clrMapOvr>
+    <a:masterClrMapping/>
+  </p:clrMapOvr>
+</p:notes>
+</file>
+
+<file path=ppt/notesSlides/notesSlide17.xml><?xml version="1.0" encoding="utf-8"?>
+<p:notes xmlns:a="http://schemas.openxmlformats.org/drawingml/2006/main" xmlns:r="http://schemas.openxmlformats.org/officeDocument/2006/relationships" xmlns:p="http://schemas.openxmlformats.org/presentationml/2006/main">
+  <p:cSld>
+    <p:spTree>
+      <p:nvGrpSpPr>
+        <p:cNvPr id="1" name=""/>
+        <p:cNvGrpSpPr/>
+        <p:nvPr/>
+      </p:nvGrpSpPr>
+      <p:grpSpPr>
+        <a:xfrm>
+          <a:off x="0" y="0"/>
+          <a:ext cx="0" cy="0"/>
+          <a:chOff x="0" y="0"/>
+          <a:chExt cx="0" cy="0"/>
+        </a:xfrm>
+      </p:grpSpPr>
+      <p:sp>
+        <p:nvSpPr>
+          <p:cNvPr id="2" name="幻灯片图像占位符 1"/>
+          <p:cNvSpPr>
+            <a:spLocks noGrp="1" noRot="1" noChangeAspect="1"/>
+          </p:cNvSpPr>
+          <p:nvPr>
+            <p:ph type="sldImg"/>
+          </p:nvPr>
+        </p:nvSpPr>
+        <p:spPr/>
+      </p:sp>
+      <p:sp>
+        <p:nvSpPr>
+          <p:cNvPr id="3" name="备注占位符 2"/>
+          <p:cNvSpPr>
+            <a:spLocks noGrp="1"/>
+          </p:cNvSpPr>
+          <p:nvPr>
+            <p:ph type="body" idx="1"/>
+          </p:nvPr>
+        </p:nvSpPr>
+        <p:spPr/>
+        <p:txBody>
+          <a:bodyPr/>
+          <a:lstStyle/>
+          <a:p>
+            <a:endParaRPr kumimoji="1" lang="zh-CN" altLang="en-US" dirty="0"/>
+          </a:p>
+        </p:txBody>
+      </p:sp>
+      <p:sp>
+        <p:nvSpPr>
+          <p:cNvPr id="4" name="灯片编号占位符 3"/>
+          <p:cNvSpPr>
+            <a:spLocks noGrp="1"/>
+          </p:cNvSpPr>
+          <p:nvPr>
+            <p:ph type="sldNum" sz="quarter" idx="5"/>
+          </p:nvPr>
+        </p:nvSpPr>
+        <p:spPr/>
+        <p:txBody>
+          <a:bodyPr/>
+          <a:lstStyle/>
+          <a:p>
+            <a:fld id="{35D51C03-BFE0-3740-A7A6-0D931BE4F335}" type="slidenum">
+              <a:rPr kumimoji="1" lang="zh-CN" altLang="en-US" smtClean="0"/>
+              <a:t>17</a:t>
+            </a:fld>
+            <a:endParaRPr kumimoji="1" lang="zh-CN" altLang="en-US"/>
+          </a:p>
+        </p:txBody>
+      </p:sp>
+    </p:spTree>
+    <p:extLst>
+      <p:ext uri="{BB962C8B-B14F-4D97-AF65-F5344CB8AC3E}">
+        <p14:creationId xmlns:p14="http://schemas.microsoft.com/office/powerpoint/2010/main" val="120780821"/>
+      </p:ext>
+    </p:extLst>
+  </p:cSld>
+  <p:clrMapOvr>
+    <a:masterClrMapping/>
+  </p:clrMapOvr>
+</p:notes>
+</file>
+
+<file path=ppt/notesSlides/notesSlide18.xml><?xml version="1.0" encoding="utf-8"?>
+<p:notes xmlns:a="http://schemas.openxmlformats.org/drawingml/2006/main" xmlns:r="http://schemas.openxmlformats.org/officeDocument/2006/relationships" xmlns:p="http://schemas.openxmlformats.org/presentationml/2006/main">
+  <p:cSld>
+    <p:spTree>
+      <p:nvGrpSpPr>
+        <p:cNvPr id="1" name=""/>
+        <p:cNvGrpSpPr/>
+        <p:nvPr/>
+      </p:nvGrpSpPr>
+      <p:grpSpPr>
+        <a:xfrm>
+          <a:off x="0" y="0"/>
+          <a:ext cx="0" cy="0"/>
+          <a:chOff x="0" y="0"/>
+          <a:chExt cx="0" cy="0"/>
+        </a:xfrm>
+      </p:grpSpPr>
+      <p:sp>
+        <p:nvSpPr>
+          <p:cNvPr id="2" name="幻灯片图像占位符 1"/>
+          <p:cNvSpPr>
+            <a:spLocks noGrp="1" noRot="1" noChangeAspect="1"/>
+          </p:cNvSpPr>
+          <p:nvPr>
+            <p:ph type="sldImg"/>
+          </p:nvPr>
+        </p:nvSpPr>
+        <p:spPr/>
+      </p:sp>
+      <p:sp>
+        <p:nvSpPr>
+          <p:cNvPr id="3" name="备注占位符 2"/>
+          <p:cNvSpPr>
+            <a:spLocks noGrp="1"/>
+          </p:cNvSpPr>
+          <p:nvPr>
+            <p:ph type="body" idx="1"/>
+          </p:nvPr>
+        </p:nvSpPr>
+        <p:spPr/>
+        <p:txBody>
+          <a:bodyPr/>
+          <a:lstStyle/>
+          <a:p>
+            <a:endParaRPr kumimoji="1" lang="zh-CN" altLang="en-US" dirty="0"/>
+          </a:p>
+        </p:txBody>
+      </p:sp>
+      <p:sp>
+        <p:nvSpPr>
+          <p:cNvPr id="4" name="灯片编号占位符 3"/>
+          <p:cNvSpPr>
+            <a:spLocks noGrp="1"/>
+          </p:cNvSpPr>
+          <p:nvPr>
+            <p:ph type="sldNum" sz="quarter" idx="5"/>
+          </p:nvPr>
+        </p:nvSpPr>
+        <p:spPr/>
+        <p:txBody>
+          <a:bodyPr/>
+          <a:lstStyle/>
+          <a:p>
+            <a:fld id="{35D51C03-BFE0-3740-A7A6-0D931BE4F335}" type="slidenum">
+              <a:rPr kumimoji="1" lang="zh-CN" altLang="en-US" smtClean="0"/>
+              <a:t>18</a:t>
+            </a:fld>
+            <a:endParaRPr kumimoji="1" lang="zh-CN" altLang="en-US"/>
+          </a:p>
+        </p:txBody>
+      </p:sp>
+    </p:spTree>
+    <p:extLst>
+      <p:ext uri="{BB962C8B-B14F-4D97-AF65-F5344CB8AC3E}">
+        <p14:creationId xmlns:p14="http://schemas.microsoft.com/office/powerpoint/2010/main" val="29914839"/>
+      </p:ext>
+    </p:extLst>
+  </p:cSld>
+  <p:clrMapOvr>
+    <a:masterClrMapping/>
+  </p:clrMapOvr>
+</p:notes>
+</file>
+
+<file path=ppt/notesSlides/notesSlide2.xml><?xml version="1.0" encoding="utf-8"?>
+<p:notes xmlns:a="http://schemas.openxmlformats.org/drawingml/2006/main" xmlns:r="http://schemas.openxmlformats.org/officeDocument/2006/relationships" xmlns:p="http://schemas.openxmlformats.org/presentationml/2006/main">
+  <p:cSld>
+    <p:spTree>
+      <p:nvGrpSpPr>
+        <p:cNvPr id="1" name=""/>
+        <p:cNvGrpSpPr/>
+        <p:nvPr/>
+      </p:nvGrpSpPr>
+      <p:grpSpPr>
+        <a:xfrm>
+          <a:off x="0" y="0"/>
+          <a:ext cx="0" cy="0"/>
+          <a:chOff x="0" y="0"/>
+          <a:chExt cx="0" cy="0"/>
+        </a:xfrm>
+      </p:grpSpPr>
+      <p:sp>
+        <p:nvSpPr>
+          <p:cNvPr id="2" name="幻灯片图像占位符 1"/>
+          <p:cNvSpPr>
+            <a:spLocks noGrp="1" noRot="1" noChangeAspect="1"/>
+          </p:cNvSpPr>
+          <p:nvPr>
+            <p:ph type="sldImg"/>
+          </p:nvPr>
+        </p:nvSpPr>
+        <p:spPr/>
+      </p:sp>
+      <p:sp>
+        <p:nvSpPr>
+          <p:cNvPr id="3" name="备注占位符 2"/>
+          <p:cNvSpPr>
+            <a:spLocks noGrp="1"/>
+          </p:cNvSpPr>
+          <p:nvPr>
+            <p:ph type="body" idx="1"/>
+          </p:nvPr>
+        </p:nvSpPr>
+        <p:spPr/>
+        <p:txBody>
+          <a:bodyPr/>
+          <a:lstStyle/>
+          <a:p>
+            <a:endParaRPr kumimoji="1" lang="zh-CN" altLang="en-US" dirty="0"/>
+          </a:p>
+        </p:txBody>
+      </p:sp>
+      <p:sp>
+        <p:nvSpPr>
+          <p:cNvPr id="4" name="灯片编号占位符 3"/>
+          <p:cNvSpPr>
+            <a:spLocks noGrp="1"/>
+          </p:cNvSpPr>
+          <p:nvPr>
+            <p:ph type="sldNum" sz="quarter" idx="5"/>
+          </p:nvPr>
+        </p:nvSpPr>
+        <p:spPr/>
+        <p:txBody>
+          <a:bodyPr/>
+          <a:lstStyle/>
+          <a:p>
+            <a:fld id="{35D51C03-BFE0-3740-A7A6-0D931BE4F335}" type="slidenum">
+              <a:rPr kumimoji="1" lang="zh-CN" altLang="en-US" smtClean="0"/>
+              <a:t>2</a:t>
+            </a:fld>
+            <a:endParaRPr kumimoji="1" lang="zh-CN" altLang="en-US"/>
+          </a:p>
+        </p:txBody>
+      </p:sp>
+    </p:spTree>
+    <p:extLst>
+      <p:ext uri="{BB962C8B-B14F-4D97-AF65-F5344CB8AC3E}">
+        <p14:creationId xmlns:p14="http://schemas.microsoft.com/office/powerpoint/2010/main" val="1716104830"/>
+      </p:ext>
+    </p:extLst>
+  </p:cSld>
+  <p:clrMapOvr>
+    <a:masterClrMapping/>
+  </p:clrMapOvr>
+</p:notes>
+</file>
+
+<file path=ppt/notesSlides/notesSlide3.xml><?xml version="1.0" encoding="utf-8"?>
+<p:notes xmlns:a="http://schemas.openxmlformats.org/drawingml/2006/main" xmlns:r="http://schemas.openxmlformats.org/officeDocument/2006/relationships" xmlns:p="http://schemas.openxmlformats.org/presentationml/2006/main">
+  <p:cSld>
+    <p:spTree>
+      <p:nvGrpSpPr>
+        <p:cNvPr id="1" name=""/>
+        <p:cNvGrpSpPr/>
+        <p:nvPr/>
+      </p:nvGrpSpPr>
+      <p:grpSpPr>
+        <a:xfrm>
+          <a:off x="0" y="0"/>
+          <a:ext cx="0" cy="0"/>
+          <a:chOff x="0" y="0"/>
+          <a:chExt cx="0" cy="0"/>
+        </a:xfrm>
+      </p:grpSpPr>
+      <p:sp>
+        <p:nvSpPr>
+          <p:cNvPr id="2" name="幻灯片图像占位符 1"/>
+          <p:cNvSpPr>
+            <a:spLocks noGrp="1" noRot="1" noChangeAspect="1"/>
+          </p:cNvSpPr>
+          <p:nvPr>
+            <p:ph type="sldImg"/>
+          </p:nvPr>
+        </p:nvSpPr>
+        <p:spPr/>
+      </p:sp>
+      <p:sp>
+        <p:nvSpPr>
+          <p:cNvPr id="3" name="备注占位符 2"/>
+          <p:cNvSpPr>
+            <a:spLocks noGrp="1"/>
+          </p:cNvSpPr>
+          <p:nvPr>
+            <p:ph type="body" idx="1"/>
+          </p:nvPr>
+        </p:nvSpPr>
+        <p:spPr/>
+        <p:txBody>
+          <a:bodyPr/>
+          <a:lstStyle/>
+          <a:p>
+            <a:endParaRPr kumimoji="1" lang="zh-CN" altLang="en-US" dirty="0"/>
+          </a:p>
+        </p:txBody>
+      </p:sp>
+      <p:sp>
+        <p:nvSpPr>
+          <p:cNvPr id="4" name="灯片编号占位符 3"/>
+          <p:cNvSpPr>
+            <a:spLocks noGrp="1"/>
+          </p:cNvSpPr>
+          <p:nvPr>
+            <p:ph type="sldNum" sz="quarter" idx="5"/>
+          </p:nvPr>
+        </p:nvSpPr>
+        <p:spPr/>
+        <p:txBody>
+          <a:bodyPr/>
+          <a:lstStyle/>
+          <a:p>
+            <a:fld id="{35D51C03-BFE0-3740-A7A6-0D931BE4F335}" type="slidenum">
+              <a:rPr kumimoji="1" lang="zh-CN" altLang="en-US" smtClean="0"/>
+              <a:t>3</a:t>
+            </a:fld>
+            <a:endParaRPr kumimoji="1" lang="zh-CN" altLang="en-US"/>
+          </a:p>
+        </p:txBody>
+      </p:sp>
+    </p:spTree>
+    <p:extLst>
+      <p:ext uri="{BB962C8B-B14F-4D97-AF65-F5344CB8AC3E}">
+        <p14:creationId xmlns:p14="http://schemas.microsoft.com/office/powerpoint/2010/main" val="2965665968"/>
+      </p:ext>
+    </p:extLst>
+  </p:cSld>
+  <p:clrMapOvr>
+    <a:masterClrMapping/>
+  </p:clrMapOvr>
+</p:notes>
+</file>
+
+<file path=ppt/notesSlides/notesSlide4.xml><?xml version="1.0" encoding="utf-8"?>
+<p:notes xmlns:a="http://schemas.openxmlformats.org/drawingml/2006/main" xmlns:r="http://schemas.openxmlformats.org/officeDocument/2006/relationships" xmlns:p="http://schemas.openxmlformats.org/presentationml/2006/main">
+  <p:cSld>
+    <p:spTree>
+      <p:nvGrpSpPr>
+        <p:cNvPr id="1" name=""/>
+        <p:cNvGrpSpPr/>
+        <p:nvPr/>
+      </p:nvGrpSpPr>
+      <p:grpSpPr>
+        <a:xfrm>
+          <a:off x="0" y="0"/>
+          <a:ext cx="0" cy="0"/>
+          <a:chOff x="0" y="0"/>
+          <a:chExt cx="0" cy="0"/>
+        </a:xfrm>
+      </p:grpSpPr>
+      <p:sp>
+        <p:nvSpPr>
+          <p:cNvPr id="2" name="幻灯片图像占位符 1"/>
+          <p:cNvSpPr>
+            <a:spLocks noGrp="1" noRot="1" noChangeAspect="1"/>
+          </p:cNvSpPr>
+          <p:nvPr>
+            <p:ph type="sldImg"/>
+          </p:nvPr>
+        </p:nvSpPr>
+        <p:spPr/>
+      </p:sp>
+      <p:sp>
+        <p:nvSpPr>
+          <p:cNvPr id="3" name="备注占位符 2"/>
+          <p:cNvSpPr>
+            <a:spLocks noGrp="1"/>
+          </p:cNvSpPr>
+          <p:nvPr>
+            <p:ph type="body" idx="1"/>
+          </p:nvPr>
+        </p:nvSpPr>
+        <p:spPr/>
+        <p:txBody>
+          <a:bodyPr/>
+          <a:lstStyle/>
+          <a:p>
+            <a:pPr marL="0" marR="0" lvl="0" indent="0" algn="l" defTabSz="914400" rtl="0" eaLnBrk="1" fontAlgn="auto" latinLnBrk="0" hangingPunct="1">
+              <a:lnSpc>
+                <a:spcPct val="100000"/>
+              </a:lnSpc>
+              <a:spcBef>
+                <a:spcPts val="0"/>
+              </a:spcBef>
+              <a:spcAft>
+                <a:spcPts val="0"/>
+              </a:spcAft>
+              <a:buClrTx/>
+              <a:buSzTx/>
+              <a:buFontTx/>
+              <a:buNone/>
+              <a:tabLst/>
+              <a:defRPr/>
+            </a:pPr>
+            <a:r>
+              <a:rPr kumimoji="1" lang="zh-CN" altLang="en-US" dirty="0"/>
+              <a:t>様々な言語で書くプログラムに対して、コンピュータはどうやって区別して認識しますか</a:t>
+            </a:r>
+            <a:endParaRPr kumimoji="1" lang="en-US" altLang="zh-CN" dirty="0"/>
+          </a:p>
+          <a:p>
+            <a:pPr marL="0" marR="0" lvl="0" indent="0" algn="l" defTabSz="914400" rtl="0" eaLnBrk="1" fontAlgn="auto" latinLnBrk="0" hangingPunct="1">
+              <a:lnSpc>
+                <a:spcPct val="100000"/>
+              </a:lnSpc>
+              <a:spcBef>
+                <a:spcPts val="0"/>
+              </a:spcBef>
+              <a:spcAft>
+                <a:spcPts val="0"/>
+              </a:spcAft>
+              <a:buClrTx/>
+              <a:buSzTx/>
+              <a:buFontTx/>
+              <a:buNone/>
+              <a:tabLst/>
+              <a:defRPr/>
+            </a:pPr>
+            <a:endParaRPr kumimoji="1" lang="en-US" altLang="zh-CN" dirty="0"/>
+          </a:p>
+          <a:p>
+            <a:pPr marL="0" marR="0" lvl="0" indent="0" algn="l" defTabSz="914400" rtl="0" eaLnBrk="1" fontAlgn="auto" latinLnBrk="0" hangingPunct="1">
+              <a:lnSpc>
+                <a:spcPct val="100000"/>
+              </a:lnSpc>
+              <a:spcBef>
+                <a:spcPts val="0"/>
+              </a:spcBef>
+              <a:spcAft>
+                <a:spcPts val="0"/>
+              </a:spcAft>
+              <a:buClrTx/>
+              <a:buSzTx/>
+              <a:buFontTx/>
+              <a:buNone/>
+              <a:tabLst/>
+              <a:defRPr/>
+            </a:pPr>
+            <a:r>
+              <a:rPr kumimoji="1" lang="zh-CN" altLang="en-US" dirty="0"/>
+              <a:t>コンピュータは電子だから、「正」と「負」２ステータスしかありません。</a:t>
+            </a:r>
+            <a:endParaRPr kumimoji="1" lang="en-US" altLang="zh-CN" dirty="0"/>
+          </a:p>
+          <a:p>
+            <a:endParaRPr kumimoji="1" lang="zh-CN" altLang="en-US" dirty="0"/>
+          </a:p>
+        </p:txBody>
+      </p:sp>
+      <p:sp>
+        <p:nvSpPr>
+          <p:cNvPr id="4" name="灯片编号占位符 3"/>
+          <p:cNvSpPr>
+            <a:spLocks noGrp="1"/>
+          </p:cNvSpPr>
+          <p:nvPr>
+            <p:ph type="sldNum" sz="quarter" idx="5"/>
+          </p:nvPr>
+        </p:nvSpPr>
+        <p:spPr/>
+        <p:txBody>
+          <a:bodyPr/>
+          <a:lstStyle/>
+          <a:p>
+            <a:fld id="{35D51C03-BFE0-3740-A7A6-0D931BE4F335}" type="slidenum">
+              <a:rPr kumimoji="1" lang="zh-CN" altLang="en-US" smtClean="0"/>
+              <a:t>4</a:t>
+            </a:fld>
+            <a:endParaRPr kumimoji="1" lang="zh-CN" altLang="en-US"/>
+          </a:p>
+        </p:txBody>
+      </p:sp>
+    </p:spTree>
+    <p:extLst>
+      <p:ext uri="{BB962C8B-B14F-4D97-AF65-F5344CB8AC3E}">
+        <p14:creationId xmlns:p14="http://schemas.microsoft.com/office/powerpoint/2010/main" val="343082109"/>
+      </p:ext>
+    </p:extLst>
+  </p:cSld>
+  <p:clrMapOvr>
+    <a:masterClrMapping/>
+  </p:clrMapOvr>
+</p:notes>
+</file>
+
+<file path=ppt/notesSlides/notesSlide5.xml><?xml version="1.0" encoding="utf-8"?>
+<p:notes xmlns:a="http://schemas.openxmlformats.org/drawingml/2006/main" xmlns:r="http://schemas.openxmlformats.org/officeDocument/2006/relationships" xmlns:p="http://schemas.openxmlformats.org/presentationml/2006/main">
+  <p:cSld>
+    <p:spTree>
+      <p:nvGrpSpPr>
+        <p:cNvPr id="1" name=""/>
+        <p:cNvGrpSpPr/>
+        <p:nvPr/>
+      </p:nvGrpSpPr>
+      <p:grpSpPr>
+        <a:xfrm>
+          <a:off x="0" y="0"/>
+          <a:ext cx="0" cy="0"/>
+          <a:chOff x="0" y="0"/>
+          <a:chExt cx="0" cy="0"/>
+        </a:xfrm>
+      </p:grpSpPr>
+      <p:sp>
+        <p:nvSpPr>
+          <p:cNvPr id="2" name="幻灯片图像占位符 1"/>
+          <p:cNvSpPr>
+            <a:spLocks noGrp="1" noRot="1" noChangeAspect="1"/>
+          </p:cNvSpPr>
+          <p:nvPr>
+            <p:ph type="sldImg"/>
+          </p:nvPr>
+        </p:nvSpPr>
+        <p:spPr/>
+      </p:sp>
+      <p:sp>
+        <p:nvSpPr>
+          <p:cNvPr id="3" name="备注占位符 2"/>
+          <p:cNvSpPr>
+            <a:spLocks noGrp="1"/>
+          </p:cNvSpPr>
+          <p:nvPr>
+            <p:ph type="body" idx="1"/>
+          </p:nvPr>
+        </p:nvSpPr>
+        <p:spPr/>
+        <p:txBody>
+          <a:bodyPr/>
+          <a:lstStyle/>
+          <a:p>
+            <a:endParaRPr kumimoji="1" lang="zh-CN" altLang="en-US" dirty="0"/>
+          </a:p>
+        </p:txBody>
+      </p:sp>
+      <p:sp>
+        <p:nvSpPr>
+          <p:cNvPr id="4" name="灯片编号占位符 3"/>
+          <p:cNvSpPr>
+            <a:spLocks noGrp="1"/>
+          </p:cNvSpPr>
+          <p:nvPr>
+            <p:ph type="sldNum" sz="quarter" idx="5"/>
+          </p:nvPr>
+        </p:nvSpPr>
+        <p:spPr/>
+        <p:txBody>
+          <a:bodyPr/>
+          <a:lstStyle/>
+          <a:p>
+            <a:fld id="{35D51C03-BFE0-3740-A7A6-0D931BE4F335}" type="slidenum">
+              <a:rPr kumimoji="1" lang="zh-CN" altLang="en-US" smtClean="0"/>
+              <a:t>5</a:t>
+            </a:fld>
+            <a:endParaRPr kumimoji="1" lang="zh-CN" altLang="en-US"/>
+          </a:p>
+        </p:txBody>
+      </p:sp>
+    </p:spTree>
+    <p:extLst>
+      <p:ext uri="{BB962C8B-B14F-4D97-AF65-F5344CB8AC3E}">
+        <p14:creationId xmlns:p14="http://schemas.microsoft.com/office/powerpoint/2010/main" val="2594606936"/>
+      </p:ext>
+    </p:extLst>
+  </p:cSld>
+  <p:clrMapOvr>
+    <a:masterClrMapping/>
+  </p:clrMapOvr>
+</p:notes>
+</file>
+
+<file path=ppt/notesSlides/notesSlide6.xml><?xml version="1.0" encoding="utf-8"?>
+<p:notes xmlns:a="http://schemas.openxmlformats.org/drawingml/2006/main" xmlns:r="http://schemas.openxmlformats.org/officeDocument/2006/relationships" xmlns:p="http://schemas.openxmlformats.org/presentationml/2006/main">
+  <p:cSld>
+    <p:spTree>
+      <p:nvGrpSpPr>
+        <p:cNvPr id="1" name=""/>
+        <p:cNvGrpSpPr/>
+        <p:nvPr/>
+      </p:nvGrpSpPr>
+      <p:grpSpPr>
+        <a:xfrm>
+          <a:off x="0" y="0"/>
+          <a:ext cx="0" cy="0"/>
+          <a:chOff x="0" y="0"/>
+          <a:chExt cx="0" cy="0"/>
+        </a:xfrm>
+      </p:grpSpPr>
+      <p:sp>
+        <p:nvSpPr>
+          <p:cNvPr id="2" name="幻灯片图像占位符 1"/>
+          <p:cNvSpPr>
+            <a:spLocks noGrp="1" noRot="1" noChangeAspect="1"/>
+          </p:cNvSpPr>
+          <p:nvPr>
+            <p:ph type="sldImg"/>
+          </p:nvPr>
+        </p:nvSpPr>
+        <p:spPr/>
+      </p:sp>
+      <p:sp>
+        <p:nvSpPr>
+          <p:cNvPr id="3" name="备注占位符 2"/>
+          <p:cNvSpPr>
+            <a:spLocks noGrp="1"/>
+          </p:cNvSpPr>
+          <p:nvPr>
+            <p:ph type="body" idx="1"/>
+          </p:nvPr>
+        </p:nvSpPr>
+        <p:spPr/>
+        <p:txBody>
+          <a:bodyPr/>
+          <a:lstStyle/>
+          <a:p>
+            <a:r>
+              <a:rPr kumimoji="1" lang="zh-CN" altLang="en-US" dirty="0"/>
+              <a:t>テキストで開く</a:t>
+            </a:r>
+            <a:endParaRPr kumimoji="1" lang="en-US" altLang="zh-CN" dirty="0"/>
+          </a:p>
+          <a:p>
+            <a:r>
+              <a:rPr kumimoji="1" lang="zh-CN" altLang="en-US" dirty="0"/>
+              <a:t>ソースコード本体はテキストです。</a:t>
+            </a:r>
+            <a:endParaRPr kumimoji="1" lang="en-US" altLang="zh-CN" dirty="0"/>
+          </a:p>
+          <a:p>
+            <a:r>
+              <a:rPr kumimoji="1" lang="zh-CN" altLang="en-US" dirty="0"/>
+              <a:t>「</a:t>
+            </a:r>
+            <a:r>
+              <a:rPr kumimoji="1" lang="en-US" altLang="zh-CN" dirty="0"/>
+              <a:t>console</a:t>
+            </a:r>
+            <a:r>
+              <a:rPr kumimoji="1" lang="zh-CN" altLang="en-US" dirty="0"/>
+              <a:t>」対象</a:t>
+            </a:r>
+            <a:endParaRPr kumimoji="1" lang="en-US" altLang="zh-CN" dirty="0"/>
+          </a:p>
+          <a:p>
+            <a:r>
+              <a:rPr kumimoji="1" lang="zh-CN" altLang="en-US" dirty="0"/>
+              <a:t>「</a:t>
+            </a:r>
+            <a:r>
+              <a:rPr kumimoji="1" lang="en-US" altLang="zh-CN" dirty="0"/>
+              <a:t>log</a:t>
+            </a:r>
+            <a:r>
+              <a:rPr kumimoji="1" lang="zh-CN" altLang="en-US" dirty="0"/>
+              <a:t>」関数</a:t>
+            </a:r>
+          </a:p>
+        </p:txBody>
+      </p:sp>
+      <p:sp>
+        <p:nvSpPr>
+          <p:cNvPr id="4" name="灯片编号占位符 3"/>
+          <p:cNvSpPr>
+            <a:spLocks noGrp="1"/>
+          </p:cNvSpPr>
+          <p:nvPr>
+            <p:ph type="sldNum" sz="quarter" idx="5"/>
+          </p:nvPr>
+        </p:nvSpPr>
+        <p:spPr/>
+        <p:txBody>
+          <a:bodyPr/>
+          <a:lstStyle/>
+          <a:p>
+            <a:fld id="{35D51C03-BFE0-3740-A7A6-0D931BE4F335}" type="slidenum">
+              <a:rPr kumimoji="1" lang="zh-CN" altLang="en-US" smtClean="0"/>
+              <a:t>6</a:t>
+            </a:fld>
+            <a:endParaRPr kumimoji="1" lang="zh-CN" altLang="en-US"/>
+          </a:p>
+        </p:txBody>
+      </p:sp>
+    </p:spTree>
+    <p:extLst>
+      <p:ext uri="{BB962C8B-B14F-4D97-AF65-F5344CB8AC3E}">
+        <p14:creationId xmlns:p14="http://schemas.microsoft.com/office/powerpoint/2010/main" val="1544116593"/>
+      </p:ext>
+    </p:extLst>
+  </p:cSld>
+  <p:clrMapOvr>
+    <a:masterClrMapping/>
+  </p:clrMapOvr>
+</p:notes>
+</file>
+
+<file path=ppt/notesSlides/notesSlide7.xml><?xml version="1.0" encoding="utf-8"?>
+<p:notes xmlns:a="http://schemas.openxmlformats.org/drawingml/2006/main" xmlns:r="http://schemas.openxmlformats.org/officeDocument/2006/relationships" xmlns:p="http://schemas.openxmlformats.org/presentationml/2006/main">
+  <p:cSld>
+    <p:spTree>
+      <p:nvGrpSpPr>
+        <p:cNvPr id="1" name=""/>
+        <p:cNvGrpSpPr/>
+        <p:nvPr/>
+      </p:nvGrpSpPr>
+      <p:grpSpPr>
+        <a:xfrm>
+          <a:off x="0" y="0"/>
+          <a:ext cx="0" cy="0"/>
+          <a:chOff x="0" y="0"/>
+          <a:chExt cx="0" cy="0"/>
+        </a:xfrm>
+      </p:grpSpPr>
+      <p:sp>
+        <p:nvSpPr>
+          <p:cNvPr id="2" name="幻灯片图像占位符 1"/>
+          <p:cNvSpPr>
+            <a:spLocks noGrp="1" noRot="1" noChangeAspect="1"/>
+          </p:cNvSpPr>
+          <p:nvPr>
+            <p:ph type="sldImg"/>
+          </p:nvPr>
+        </p:nvSpPr>
+        <p:spPr/>
+      </p:sp>
+      <p:sp>
+        <p:nvSpPr>
+          <p:cNvPr id="3" name="备注占位符 2"/>
+          <p:cNvSpPr>
+            <a:spLocks noGrp="1"/>
+          </p:cNvSpPr>
+          <p:nvPr>
+            <p:ph type="body" idx="1"/>
+          </p:nvPr>
+        </p:nvSpPr>
+        <p:spPr/>
+        <p:txBody>
+          <a:bodyPr/>
+          <a:lstStyle/>
+          <a:p>
+            <a:endParaRPr kumimoji="1" lang="zh-CN" altLang="en-US" dirty="0"/>
+          </a:p>
+        </p:txBody>
+      </p:sp>
+      <p:sp>
+        <p:nvSpPr>
+          <p:cNvPr id="4" name="灯片编号占位符 3"/>
+          <p:cNvSpPr>
+            <a:spLocks noGrp="1"/>
+          </p:cNvSpPr>
+          <p:nvPr>
+            <p:ph type="sldNum" sz="quarter" idx="5"/>
+          </p:nvPr>
+        </p:nvSpPr>
+        <p:spPr/>
+        <p:txBody>
+          <a:bodyPr/>
+          <a:lstStyle/>
+          <a:p>
+            <a:fld id="{35D51C03-BFE0-3740-A7A6-0D931BE4F335}" type="slidenum">
+              <a:rPr kumimoji="1" lang="zh-CN" altLang="en-US" smtClean="0"/>
+              <a:t>7</a:t>
+            </a:fld>
+            <a:endParaRPr kumimoji="1" lang="zh-CN" altLang="en-US"/>
+          </a:p>
+        </p:txBody>
+      </p:sp>
+    </p:spTree>
+    <p:extLst>
+      <p:ext uri="{BB962C8B-B14F-4D97-AF65-F5344CB8AC3E}">
+        <p14:creationId xmlns:p14="http://schemas.microsoft.com/office/powerpoint/2010/main" val="2479050550"/>
+      </p:ext>
+    </p:extLst>
+  </p:cSld>
+  <p:clrMapOvr>
+    <a:masterClrMapping/>
+  </p:clrMapOvr>
+</p:notes>
+</file>
+
+<file path=ppt/notesSlides/notesSlide8.xml><?xml version="1.0" encoding="utf-8"?>
+<p:notes xmlns:a="http://schemas.openxmlformats.org/drawingml/2006/main" xmlns:r="http://schemas.openxmlformats.org/officeDocument/2006/relationships" xmlns:p="http://schemas.openxmlformats.org/presentationml/2006/main">
+  <p:cSld>
+    <p:spTree>
+      <p:nvGrpSpPr>
+        <p:cNvPr id="1" name=""/>
+        <p:cNvGrpSpPr/>
+        <p:nvPr/>
+      </p:nvGrpSpPr>
+      <p:grpSpPr>
+        <a:xfrm>
+          <a:off x="0" y="0"/>
+          <a:ext cx="0" cy="0"/>
+          <a:chOff x="0" y="0"/>
+          <a:chExt cx="0" cy="0"/>
+        </a:xfrm>
+      </p:grpSpPr>
+      <p:sp>
+        <p:nvSpPr>
+          <p:cNvPr id="2" name="幻灯片图像占位符 1"/>
+          <p:cNvSpPr>
+            <a:spLocks noGrp="1" noRot="1" noChangeAspect="1"/>
+          </p:cNvSpPr>
+          <p:nvPr>
+            <p:ph type="sldImg"/>
+          </p:nvPr>
+        </p:nvSpPr>
+        <p:spPr/>
+      </p:sp>
+      <p:sp>
+        <p:nvSpPr>
+          <p:cNvPr id="3" name="备注占位符 2"/>
+          <p:cNvSpPr>
+            <a:spLocks noGrp="1"/>
+          </p:cNvSpPr>
+          <p:nvPr>
+            <p:ph type="body" idx="1"/>
+          </p:nvPr>
+        </p:nvSpPr>
+        <p:spPr/>
+        <p:txBody>
+          <a:bodyPr/>
+          <a:lstStyle/>
+          <a:p>
+            <a:endParaRPr kumimoji="1" lang="zh-CN" altLang="en-US" dirty="0"/>
+          </a:p>
+        </p:txBody>
+      </p:sp>
+      <p:sp>
+        <p:nvSpPr>
+          <p:cNvPr id="4" name="灯片编号占位符 3"/>
+          <p:cNvSpPr>
+            <a:spLocks noGrp="1"/>
+          </p:cNvSpPr>
+          <p:nvPr>
+            <p:ph type="sldNum" sz="quarter" idx="5"/>
+          </p:nvPr>
+        </p:nvSpPr>
+        <p:spPr/>
+        <p:txBody>
+          <a:bodyPr/>
+          <a:lstStyle/>
+          <a:p>
+            <a:fld id="{35D51C03-BFE0-3740-A7A6-0D931BE4F335}" type="slidenum">
+              <a:rPr kumimoji="1" lang="zh-CN" altLang="en-US" smtClean="0"/>
+              <a:t>8</a:t>
+            </a:fld>
+            <a:endParaRPr kumimoji="1" lang="zh-CN" altLang="en-US"/>
+          </a:p>
+        </p:txBody>
+      </p:sp>
+    </p:spTree>
+    <p:extLst>
+      <p:ext uri="{BB962C8B-B14F-4D97-AF65-F5344CB8AC3E}">
+        <p14:creationId xmlns:p14="http://schemas.microsoft.com/office/powerpoint/2010/main" val="928188700"/>
+      </p:ext>
+    </p:extLst>
+  </p:cSld>
+  <p:clrMapOvr>
+    <a:masterClrMapping/>
+  </p:clrMapOvr>
+</p:notes>
+</file>
+
+<file path=ppt/notesSlides/notesSlide9.xml><?xml version="1.0" encoding="utf-8"?>
+<p:notes xmlns:a="http://schemas.openxmlformats.org/drawingml/2006/main" xmlns:r="http://schemas.openxmlformats.org/officeDocument/2006/relationships" xmlns:p="http://schemas.openxmlformats.org/presentationml/2006/main">
+  <p:cSld>
+    <p:spTree>
+      <p:nvGrpSpPr>
+        <p:cNvPr id="1" name=""/>
+        <p:cNvGrpSpPr/>
+        <p:nvPr/>
+      </p:nvGrpSpPr>
+      <p:grpSpPr>
+        <a:xfrm>
+          <a:off x="0" y="0"/>
+          <a:ext cx="0" cy="0"/>
+          <a:chOff x="0" y="0"/>
+          <a:chExt cx="0" cy="0"/>
+        </a:xfrm>
+      </p:grpSpPr>
+      <p:sp>
+        <p:nvSpPr>
+          <p:cNvPr id="2" name="幻灯片图像占位符 1"/>
+          <p:cNvSpPr>
+            <a:spLocks noGrp="1" noRot="1" noChangeAspect="1"/>
+          </p:cNvSpPr>
+          <p:nvPr>
+            <p:ph type="sldImg"/>
+          </p:nvPr>
+        </p:nvSpPr>
+        <p:spPr/>
+      </p:sp>
+      <p:sp>
+        <p:nvSpPr>
+          <p:cNvPr id="3" name="备注占位符 2"/>
+          <p:cNvSpPr>
+            <a:spLocks noGrp="1"/>
+          </p:cNvSpPr>
+          <p:nvPr>
+            <p:ph type="body" idx="1"/>
+          </p:nvPr>
+        </p:nvSpPr>
+        <p:spPr/>
+        <p:txBody>
+          <a:bodyPr/>
+          <a:lstStyle/>
+          <a:p>
+            <a:endParaRPr kumimoji="1" lang="zh-CN" altLang="en-US" dirty="0"/>
+          </a:p>
+        </p:txBody>
+      </p:sp>
+      <p:sp>
+        <p:nvSpPr>
+          <p:cNvPr id="4" name="灯片编号占位符 3"/>
+          <p:cNvSpPr>
+            <a:spLocks noGrp="1"/>
+          </p:cNvSpPr>
+          <p:nvPr>
+            <p:ph type="sldNum" sz="quarter" idx="5"/>
+          </p:nvPr>
+        </p:nvSpPr>
+        <p:spPr/>
+        <p:txBody>
+          <a:bodyPr/>
+          <a:lstStyle/>
+          <a:p>
+            <a:fld id="{35D51C03-BFE0-3740-A7A6-0D931BE4F335}" type="slidenum">
+              <a:rPr kumimoji="1" lang="zh-CN" altLang="en-US" smtClean="0"/>
+              <a:t>9</a:t>
+            </a:fld>
+            <a:endParaRPr kumimoji="1" lang="zh-CN" altLang="en-US"/>
+          </a:p>
+        </p:txBody>
+      </p:sp>
+    </p:spTree>
+    <p:extLst>
+      <p:ext uri="{BB962C8B-B14F-4D97-AF65-F5344CB8AC3E}">
+        <p14:creationId xmlns:p14="http://schemas.microsoft.com/office/powerpoint/2010/main" val="501078111"/>
+      </p:ext>
+    </p:extLst>
+  </p:cSld>
+  <p:clrMapOvr>
+    <a:masterClrMapping/>
+  </p:clrMapOvr>
+</p:notes>
 </file>
 
 <file path=ppt/slideLayouts/slideLayout1.xml><?xml version="1.0" encoding="utf-8"?>
@@ -129,7 +2123,7 @@
           <p:cNvPr id="2" name="标题 1">
             <a:extLst>
               <a:ext uri="{FF2B5EF4-FFF2-40B4-BE49-F238E27FC236}">
-                <a16:creationId xmlns:a16="http://schemas.microsoft.com/office/drawing/2014/main" id="{BD9708AD-757F-5C48-9A47-EDF75BA9F4EF}"/>
+                <a16:creationId xmlns:a16="http://schemas.microsoft.com/office/drawing/2014/main" id="{3320ABC2-BC72-A640-90B8-F8DA39B47D2B}"/>
               </a:ext>
             </a:extLst>
           </p:cNvPr>
@@ -166,7 +2160,7 @@
           <p:cNvPr id="3" name="副标题 2">
             <a:extLst>
               <a:ext uri="{FF2B5EF4-FFF2-40B4-BE49-F238E27FC236}">
-                <a16:creationId xmlns:a16="http://schemas.microsoft.com/office/drawing/2014/main" id="{BE147105-27EF-7B43-9300-3E43831683BE}"/>
+                <a16:creationId xmlns:a16="http://schemas.microsoft.com/office/drawing/2014/main" id="{59BE9089-CF21-1F4A-8EE6-C8B4406B3AE2}"/>
               </a:ext>
             </a:extLst>
           </p:cNvPr>
@@ -236,7 +2230,7 @@
           <p:cNvPr id="4" name="日期占位符 3">
             <a:extLst>
               <a:ext uri="{FF2B5EF4-FFF2-40B4-BE49-F238E27FC236}">
-                <a16:creationId xmlns:a16="http://schemas.microsoft.com/office/drawing/2014/main" id="{94EC95FA-5DB4-DF4D-87AE-AA16A07B6454}"/>
+                <a16:creationId xmlns:a16="http://schemas.microsoft.com/office/drawing/2014/main" id="{C2D3BE33-8B4C-884F-9EAF-FD4BD0082B9F}"/>
               </a:ext>
             </a:extLst>
           </p:cNvPr>
@@ -252,9 +2246,9 @@
           <a:bodyPr/>
           <a:lstStyle/>
           <a:p>
-            <a:fld id="{200D8F0C-D461-154F-8875-97D3B31102A2}" type="datetimeFigureOut">
+            <a:fld id="{64E65BB6-1D9C-254C-AD75-784507605180}" type="datetimeFigureOut">
               <a:rPr kumimoji="1" lang="zh-CN" altLang="en-US" smtClean="0"/>
-              <a:t>2021/3/29</a:t>
+              <a:t>2021/4/6</a:t>
             </a:fld>
             <a:endParaRPr kumimoji="1" lang="zh-CN" altLang="en-US"/>
           </a:p>
@@ -265,7 +2259,7 @@
           <p:cNvPr id="5" name="页脚占位符 4">
             <a:extLst>
               <a:ext uri="{FF2B5EF4-FFF2-40B4-BE49-F238E27FC236}">
-                <a16:creationId xmlns:a16="http://schemas.microsoft.com/office/drawing/2014/main" id="{D7032046-F23E-DC44-9BDC-B1EC619A2507}"/>
+                <a16:creationId xmlns:a16="http://schemas.microsoft.com/office/drawing/2014/main" id="{8468519B-5B55-E74D-9FDD-9F1B8D705AD1}"/>
               </a:ext>
             </a:extLst>
           </p:cNvPr>
@@ -290,7 +2284,7 @@
           <p:cNvPr id="6" name="灯片编号占位符 5">
             <a:extLst>
               <a:ext uri="{FF2B5EF4-FFF2-40B4-BE49-F238E27FC236}">
-                <a16:creationId xmlns:a16="http://schemas.microsoft.com/office/drawing/2014/main" id="{3DAA4FC0-80FF-6443-B139-4842E74F15E2}"/>
+                <a16:creationId xmlns:a16="http://schemas.microsoft.com/office/drawing/2014/main" id="{A291E241-EB38-E145-A9D1-035C0DCC979D}"/>
               </a:ext>
             </a:extLst>
           </p:cNvPr>
@@ -306,7 +2300,7 @@
           <a:bodyPr/>
           <a:lstStyle/>
           <a:p>
-            <a:fld id="{29595400-4E08-3641-BDF0-B64AA373DF3D}" type="slidenum">
+            <a:fld id="{BA223463-936B-B24A-852E-D02566DA0C9A}" type="slidenum">
               <a:rPr kumimoji="1" lang="zh-CN" altLang="en-US" smtClean="0"/>
               <a:t>‹#›</a:t>
             </a:fld>
@@ -317,7 +2311,7 @@
     </p:spTree>
     <p:extLst>
       <p:ext uri="{BB962C8B-B14F-4D97-AF65-F5344CB8AC3E}">
-        <p14:creationId xmlns:p14="http://schemas.microsoft.com/office/powerpoint/2010/main" val="1753216230"/>
+        <p14:creationId xmlns:p14="http://schemas.microsoft.com/office/powerpoint/2010/main" val="3582615837"/>
       </p:ext>
     </p:extLst>
   </p:cSld>
@@ -349,7 +2343,7 @@
           <p:cNvPr id="2" name="标题 1">
             <a:extLst>
               <a:ext uri="{FF2B5EF4-FFF2-40B4-BE49-F238E27FC236}">
-                <a16:creationId xmlns:a16="http://schemas.microsoft.com/office/drawing/2014/main" id="{7797D3D5-B454-0A4D-BD6A-F784523691EC}"/>
+                <a16:creationId xmlns:a16="http://schemas.microsoft.com/office/drawing/2014/main" id="{7ACF3B2D-79C5-5E40-92DB-B54F5075D8BF}"/>
               </a:ext>
             </a:extLst>
           </p:cNvPr>
@@ -377,7 +2371,7 @@
           <p:cNvPr id="3" name="竖排文字占位符 2">
             <a:extLst>
               <a:ext uri="{FF2B5EF4-FFF2-40B4-BE49-F238E27FC236}">
-                <a16:creationId xmlns:a16="http://schemas.microsoft.com/office/drawing/2014/main" id="{4ADB0494-3492-1E4C-9E47-D50D6FDCBF38}"/>
+                <a16:creationId xmlns:a16="http://schemas.microsoft.com/office/drawing/2014/main" id="{6ED87F44-1CF7-6145-8505-1F26F7DE621B}"/>
               </a:ext>
             </a:extLst>
           </p:cNvPr>
@@ -434,7 +2428,7 @@
           <p:cNvPr id="4" name="日期占位符 3">
             <a:extLst>
               <a:ext uri="{FF2B5EF4-FFF2-40B4-BE49-F238E27FC236}">
-                <a16:creationId xmlns:a16="http://schemas.microsoft.com/office/drawing/2014/main" id="{621DD5B3-1F5D-8949-80C6-D31C7057D897}"/>
+                <a16:creationId xmlns:a16="http://schemas.microsoft.com/office/drawing/2014/main" id="{1A1C9632-A65D-8740-BABA-3689CD815157}"/>
               </a:ext>
             </a:extLst>
           </p:cNvPr>
@@ -450,9 +2444,9 @@
           <a:bodyPr/>
           <a:lstStyle/>
           <a:p>
-            <a:fld id="{200D8F0C-D461-154F-8875-97D3B31102A2}" type="datetimeFigureOut">
+            <a:fld id="{64E65BB6-1D9C-254C-AD75-784507605180}" type="datetimeFigureOut">
               <a:rPr kumimoji="1" lang="zh-CN" altLang="en-US" smtClean="0"/>
-              <a:t>2021/3/29</a:t>
+              <a:t>2021/4/6</a:t>
             </a:fld>
             <a:endParaRPr kumimoji="1" lang="zh-CN" altLang="en-US"/>
           </a:p>
@@ -463,7 +2457,7 @@
           <p:cNvPr id="5" name="页脚占位符 4">
             <a:extLst>
               <a:ext uri="{FF2B5EF4-FFF2-40B4-BE49-F238E27FC236}">
-                <a16:creationId xmlns:a16="http://schemas.microsoft.com/office/drawing/2014/main" id="{40AF884F-D066-0E4A-9271-3515A0733248}"/>
+                <a16:creationId xmlns:a16="http://schemas.microsoft.com/office/drawing/2014/main" id="{75C2363C-5D6B-DD41-AD63-C0EA1CA60731}"/>
               </a:ext>
             </a:extLst>
           </p:cNvPr>
@@ -488,7 +2482,7 @@
           <p:cNvPr id="6" name="灯片编号占位符 5">
             <a:extLst>
               <a:ext uri="{FF2B5EF4-FFF2-40B4-BE49-F238E27FC236}">
-                <a16:creationId xmlns:a16="http://schemas.microsoft.com/office/drawing/2014/main" id="{96268E8E-2744-5347-A0E1-1D25BD4C0CE4}"/>
+                <a16:creationId xmlns:a16="http://schemas.microsoft.com/office/drawing/2014/main" id="{0D1F51D1-8281-1545-93BC-02AC63F80014}"/>
               </a:ext>
             </a:extLst>
           </p:cNvPr>
@@ -504,7 +2498,7 @@
           <a:bodyPr/>
           <a:lstStyle/>
           <a:p>
-            <a:fld id="{29595400-4E08-3641-BDF0-B64AA373DF3D}" type="slidenum">
+            <a:fld id="{BA223463-936B-B24A-852E-D02566DA0C9A}" type="slidenum">
               <a:rPr kumimoji="1" lang="zh-CN" altLang="en-US" smtClean="0"/>
               <a:t>‹#›</a:t>
             </a:fld>
@@ -515,7 +2509,7 @@
     </p:spTree>
     <p:extLst>
       <p:ext uri="{BB962C8B-B14F-4D97-AF65-F5344CB8AC3E}">
-        <p14:creationId xmlns:p14="http://schemas.microsoft.com/office/powerpoint/2010/main" val="2425336117"/>
+        <p14:creationId xmlns:p14="http://schemas.microsoft.com/office/powerpoint/2010/main" val="816268633"/>
       </p:ext>
     </p:extLst>
   </p:cSld>
@@ -547,7 +2541,7 @@
           <p:cNvPr id="2" name="竖排标题 1">
             <a:extLst>
               <a:ext uri="{FF2B5EF4-FFF2-40B4-BE49-F238E27FC236}">
-                <a16:creationId xmlns:a16="http://schemas.microsoft.com/office/drawing/2014/main" id="{083E3FD2-5FB1-634A-800F-396011C2B225}"/>
+                <a16:creationId xmlns:a16="http://schemas.microsoft.com/office/drawing/2014/main" id="{AE32C66F-B57A-E447-9035-6E46D727EBD8}"/>
               </a:ext>
             </a:extLst>
           </p:cNvPr>
@@ -580,7 +2574,7 @@
           <p:cNvPr id="3" name="竖排文字占位符 2">
             <a:extLst>
               <a:ext uri="{FF2B5EF4-FFF2-40B4-BE49-F238E27FC236}">
-                <a16:creationId xmlns:a16="http://schemas.microsoft.com/office/drawing/2014/main" id="{E78042DD-4734-3346-A5C7-44137A3C8E3D}"/>
+                <a16:creationId xmlns:a16="http://schemas.microsoft.com/office/drawing/2014/main" id="{FA93131A-5757-5A40-887F-9542106C9DD2}"/>
               </a:ext>
             </a:extLst>
           </p:cNvPr>
@@ -642,7 +2636,7 @@
           <p:cNvPr id="4" name="日期占位符 3">
             <a:extLst>
               <a:ext uri="{FF2B5EF4-FFF2-40B4-BE49-F238E27FC236}">
-                <a16:creationId xmlns:a16="http://schemas.microsoft.com/office/drawing/2014/main" id="{6EA5EC04-ADD6-3644-A6CF-75DFA75891D3}"/>
+                <a16:creationId xmlns:a16="http://schemas.microsoft.com/office/drawing/2014/main" id="{BEF05A2C-07A3-104B-8B78-BC616429C5BF}"/>
               </a:ext>
             </a:extLst>
           </p:cNvPr>
@@ -658,9 +2652,9 @@
           <a:bodyPr/>
           <a:lstStyle/>
           <a:p>
-            <a:fld id="{200D8F0C-D461-154F-8875-97D3B31102A2}" type="datetimeFigureOut">
+            <a:fld id="{64E65BB6-1D9C-254C-AD75-784507605180}" type="datetimeFigureOut">
               <a:rPr kumimoji="1" lang="zh-CN" altLang="en-US" smtClean="0"/>
-              <a:t>2021/3/29</a:t>
+              <a:t>2021/4/6</a:t>
             </a:fld>
             <a:endParaRPr kumimoji="1" lang="zh-CN" altLang="en-US"/>
           </a:p>
@@ -671,7 +2665,7 @@
           <p:cNvPr id="5" name="页脚占位符 4">
             <a:extLst>
               <a:ext uri="{FF2B5EF4-FFF2-40B4-BE49-F238E27FC236}">
-                <a16:creationId xmlns:a16="http://schemas.microsoft.com/office/drawing/2014/main" id="{A1A40389-7502-5745-913A-31B849856D5C}"/>
+                <a16:creationId xmlns:a16="http://schemas.microsoft.com/office/drawing/2014/main" id="{D7BC47DA-ED36-E341-B4EE-FA57E8D3C622}"/>
               </a:ext>
             </a:extLst>
           </p:cNvPr>
@@ -696,7 +2690,7 @@
           <p:cNvPr id="6" name="灯片编号占位符 5">
             <a:extLst>
               <a:ext uri="{FF2B5EF4-FFF2-40B4-BE49-F238E27FC236}">
-                <a16:creationId xmlns:a16="http://schemas.microsoft.com/office/drawing/2014/main" id="{4A0E30FF-81E5-374D-9D52-4C87DE66BC18}"/>
+                <a16:creationId xmlns:a16="http://schemas.microsoft.com/office/drawing/2014/main" id="{39EB7E8E-B3CC-834C-8C03-D6EADED27182}"/>
               </a:ext>
             </a:extLst>
           </p:cNvPr>
@@ -712,7 +2706,7 @@
           <a:bodyPr/>
           <a:lstStyle/>
           <a:p>
-            <a:fld id="{29595400-4E08-3641-BDF0-B64AA373DF3D}" type="slidenum">
+            <a:fld id="{BA223463-936B-B24A-852E-D02566DA0C9A}" type="slidenum">
               <a:rPr kumimoji="1" lang="zh-CN" altLang="en-US" smtClean="0"/>
               <a:t>‹#›</a:t>
             </a:fld>
@@ -723,7 +2717,7 @@
     </p:spTree>
     <p:extLst>
       <p:ext uri="{BB962C8B-B14F-4D97-AF65-F5344CB8AC3E}">
-        <p14:creationId xmlns:p14="http://schemas.microsoft.com/office/powerpoint/2010/main" val="1171025529"/>
+        <p14:creationId xmlns:p14="http://schemas.microsoft.com/office/powerpoint/2010/main" val="1501474807"/>
       </p:ext>
     </p:extLst>
   </p:cSld>
@@ -755,7 +2749,7 @@
           <p:cNvPr id="2" name="标题 1">
             <a:extLst>
               <a:ext uri="{FF2B5EF4-FFF2-40B4-BE49-F238E27FC236}">
-                <a16:creationId xmlns:a16="http://schemas.microsoft.com/office/drawing/2014/main" id="{CBC52ED4-C97C-2B4C-BD42-A914C04B5E23}"/>
+                <a16:creationId xmlns:a16="http://schemas.microsoft.com/office/drawing/2014/main" id="{6E3A3503-0013-894C-BB89-73099F09D08C}"/>
               </a:ext>
             </a:extLst>
           </p:cNvPr>
@@ -783,7 +2777,7 @@
           <p:cNvPr id="3" name="内容占位符 2">
             <a:extLst>
               <a:ext uri="{FF2B5EF4-FFF2-40B4-BE49-F238E27FC236}">
-                <a16:creationId xmlns:a16="http://schemas.microsoft.com/office/drawing/2014/main" id="{FD45589F-861A-F347-A827-B0D1BE9FEB53}"/>
+                <a16:creationId xmlns:a16="http://schemas.microsoft.com/office/drawing/2014/main" id="{C20D85C9-9FBF-684F-A55C-2817FB14B288}"/>
               </a:ext>
             </a:extLst>
           </p:cNvPr>
@@ -840,7 +2834,7 @@
           <p:cNvPr id="4" name="日期占位符 3">
             <a:extLst>
               <a:ext uri="{FF2B5EF4-FFF2-40B4-BE49-F238E27FC236}">
-                <a16:creationId xmlns:a16="http://schemas.microsoft.com/office/drawing/2014/main" id="{B1AD16D7-3FA4-E144-91EF-C9562B0D298D}"/>
+                <a16:creationId xmlns:a16="http://schemas.microsoft.com/office/drawing/2014/main" id="{D3BB3A05-69DC-9543-8E29-9C697E2E729E}"/>
               </a:ext>
             </a:extLst>
           </p:cNvPr>
@@ -856,9 +2850,9 @@
           <a:bodyPr/>
           <a:lstStyle/>
           <a:p>
-            <a:fld id="{200D8F0C-D461-154F-8875-97D3B31102A2}" type="datetimeFigureOut">
+            <a:fld id="{64E65BB6-1D9C-254C-AD75-784507605180}" type="datetimeFigureOut">
               <a:rPr kumimoji="1" lang="zh-CN" altLang="en-US" smtClean="0"/>
-              <a:t>2021/3/29</a:t>
+              <a:t>2021/4/6</a:t>
             </a:fld>
             <a:endParaRPr kumimoji="1" lang="zh-CN" altLang="en-US"/>
           </a:p>
@@ -869,7 +2863,7 @@
           <p:cNvPr id="5" name="页脚占位符 4">
             <a:extLst>
               <a:ext uri="{FF2B5EF4-FFF2-40B4-BE49-F238E27FC236}">
-                <a16:creationId xmlns:a16="http://schemas.microsoft.com/office/drawing/2014/main" id="{8B9EAAEF-50EF-6A42-B1D8-2CB18E37E2E5}"/>
+                <a16:creationId xmlns:a16="http://schemas.microsoft.com/office/drawing/2014/main" id="{1217B497-49D6-0641-A3A7-3D6E0D356C11}"/>
               </a:ext>
             </a:extLst>
           </p:cNvPr>
@@ -894,7 +2888,7 @@
           <p:cNvPr id="6" name="灯片编号占位符 5">
             <a:extLst>
               <a:ext uri="{FF2B5EF4-FFF2-40B4-BE49-F238E27FC236}">
-                <a16:creationId xmlns:a16="http://schemas.microsoft.com/office/drawing/2014/main" id="{5B694A36-B499-FE43-8ABD-8EEF629AC099}"/>
+                <a16:creationId xmlns:a16="http://schemas.microsoft.com/office/drawing/2014/main" id="{28029367-BC8E-B347-A3C1-9A669219C455}"/>
               </a:ext>
             </a:extLst>
           </p:cNvPr>
@@ -910,7 +2904,7 @@
           <a:bodyPr/>
           <a:lstStyle/>
           <a:p>
-            <a:fld id="{29595400-4E08-3641-BDF0-B64AA373DF3D}" type="slidenum">
+            <a:fld id="{BA223463-936B-B24A-852E-D02566DA0C9A}" type="slidenum">
               <a:rPr kumimoji="1" lang="zh-CN" altLang="en-US" smtClean="0"/>
               <a:t>‹#›</a:t>
             </a:fld>
@@ -921,7 +2915,7 @@
     </p:spTree>
     <p:extLst>
       <p:ext uri="{BB962C8B-B14F-4D97-AF65-F5344CB8AC3E}">
-        <p14:creationId xmlns:p14="http://schemas.microsoft.com/office/powerpoint/2010/main" val="631220626"/>
+        <p14:creationId xmlns:p14="http://schemas.microsoft.com/office/powerpoint/2010/main" val="2701234495"/>
       </p:ext>
     </p:extLst>
   </p:cSld>
@@ -953,7 +2947,7 @@
           <p:cNvPr id="2" name="标题 1">
             <a:extLst>
               <a:ext uri="{FF2B5EF4-FFF2-40B4-BE49-F238E27FC236}">
-                <a16:creationId xmlns:a16="http://schemas.microsoft.com/office/drawing/2014/main" id="{257FABCC-7BF8-BE44-9D91-9A014FA0E679}"/>
+                <a16:creationId xmlns:a16="http://schemas.microsoft.com/office/drawing/2014/main" id="{6457CA5D-E981-4D49-A174-A638BD2115A7}"/>
               </a:ext>
             </a:extLst>
           </p:cNvPr>
@@ -990,7 +2984,7 @@
           <p:cNvPr id="3" name="文本占位符 2">
             <a:extLst>
               <a:ext uri="{FF2B5EF4-FFF2-40B4-BE49-F238E27FC236}">
-                <a16:creationId xmlns:a16="http://schemas.microsoft.com/office/drawing/2014/main" id="{B6288DFA-7BEF-5C4D-A517-50D87F7B4A2C}"/>
+                <a16:creationId xmlns:a16="http://schemas.microsoft.com/office/drawing/2014/main" id="{46283898-7FB2-EA44-ABBB-4477D3257755}"/>
               </a:ext>
             </a:extLst>
           </p:cNvPr>
@@ -1115,7 +3109,7 @@
           <p:cNvPr id="4" name="日期占位符 3">
             <a:extLst>
               <a:ext uri="{FF2B5EF4-FFF2-40B4-BE49-F238E27FC236}">
-                <a16:creationId xmlns:a16="http://schemas.microsoft.com/office/drawing/2014/main" id="{C17E2FA3-07A6-DA49-BECA-A20EF4B83DA2}"/>
+                <a16:creationId xmlns:a16="http://schemas.microsoft.com/office/drawing/2014/main" id="{0D15EA01-C8ED-5342-A4A1-7848FD5D375B}"/>
               </a:ext>
             </a:extLst>
           </p:cNvPr>
@@ -1131,9 +3125,9 @@
           <a:bodyPr/>
           <a:lstStyle/>
           <a:p>
-            <a:fld id="{200D8F0C-D461-154F-8875-97D3B31102A2}" type="datetimeFigureOut">
+            <a:fld id="{64E65BB6-1D9C-254C-AD75-784507605180}" type="datetimeFigureOut">
               <a:rPr kumimoji="1" lang="zh-CN" altLang="en-US" smtClean="0"/>
-              <a:t>2021/3/29</a:t>
+              <a:t>2021/4/6</a:t>
             </a:fld>
             <a:endParaRPr kumimoji="1" lang="zh-CN" altLang="en-US"/>
           </a:p>
@@ -1144,7 +3138,7 @@
           <p:cNvPr id="5" name="页脚占位符 4">
             <a:extLst>
               <a:ext uri="{FF2B5EF4-FFF2-40B4-BE49-F238E27FC236}">
-                <a16:creationId xmlns:a16="http://schemas.microsoft.com/office/drawing/2014/main" id="{8F574AC5-002E-8C44-BC06-AD36972F667A}"/>
+                <a16:creationId xmlns:a16="http://schemas.microsoft.com/office/drawing/2014/main" id="{0144274B-45EB-4540-B210-51CE317350DB}"/>
               </a:ext>
             </a:extLst>
           </p:cNvPr>
@@ -1169,7 +3163,7 @@
           <p:cNvPr id="6" name="灯片编号占位符 5">
             <a:extLst>
               <a:ext uri="{FF2B5EF4-FFF2-40B4-BE49-F238E27FC236}">
-                <a16:creationId xmlns:a16="http://schemas.microsoft.com/office/drawing/2014/main" id="{EE7EC40E-8885-E246-A6B1-673B4DEC12C0}"/>
+                <a16:creationId xmlns:a16="http://schemas.microsoft.com/office/drawing/2014/main" id="{35588D3E-5A1F-FE46-936A-9834F2DFBDFA}"/>
               </a:ext>
             </a:extLst>
           </p:cNvPr>
@@ -1185,7 +3179,7 @@
           <a:bodyPr/>
           <a:lstStyle/>
           <a:p>
-            <a:fld id="{29595400-4E08-3641-BDF0-B64AA373DF3D}" type="slidenum">
+            <a:fld id="{BA223463-936B-B24A-852E-D02566DA0C9A}" type="slidenum">
               <a:rPr kumimoji="1" lang="zh-CN" altLang="en-US" smtClean="0"/>
               <a:t>‹#›</a:t>
             </a:fld>
@@ -1196,7 +3190,7 @@
     </p:spTree>
     <p:extLst>
       <p:ext uri="{BB962C8B-B14F-4D97-AF65-F5344CB8AC3E}">
-        <p14:creationId xmlns:p14="http://schemas.microsoft.com/office/powerpoint/2010/main" val="2248324379"/>
+        <p14:creationId xmlns:p14="http://schemas.microsoft.com/office/powerpoint/2010/main" val="657157509"/>
       </p:ext>
     </p:extLst>
   </p:cSld>
@@ -1228,7 +3222,7 @@
           <p:cNvPr id="2" name="标题 1">
             <a:extLst>
               <a:ext uri="{FF2B5EF4-FFF2-40B4-BE49-F238E27FC236}">
-                <a16:creationId xmlns:a16="http://schemas.microsoft.com/office/drawing/2014/main" id="{28ECFE7E-6DD1-2348-80ED-9831F6CA534F}"/>
+                <a16:creationId xmlns:a16="http://schemas.microsoft.com/office/drawing/2014/main" id="{A3292CBD-F409-4D45-BA58-44B4BA86041F}"/>
               </a:ext>
             </a:extLst>
           </p:cNvPr>
@@ -1256,7 +3250,7 @@
           <p:cNvPr id="3" name="内容占位符 2">
             <a:extLst>
               <a:ext uri="{FF2B5EF4-FFF2-40B4-BE49-F238E27FC236}">
-                <a16:creationId xmlns:a16="http://schemas.microsoft.com/office/drawing/2014/main" id="{A2921970-5673-0446-BDD1-482CB4E1A7F5}"/>
+                <a16:creationId xmlns:a16="http://schemas.microsoft.com/office/drawing/2014/main" id="{08335D0B-3795-5846-9F1C-821BE4E57ED4}"/>
               </a:ext>
             </a:extLst>
           </p:cNvPr>
@@ -1318,7 +3312,7 @@
           <p:cNvPr id="4" name="内容占位符 3">
             <a:extLst>
               <a:ext uri="{FF2B5EF4-FFF2-40B4-BE49-F238E27FC236}">
-                <a16:creationId xmlns:a16="http://schemas.microsoft.com/office/drawing/2014/main" id="{D60951A4-38C0-B541-B89A-211C70695119}"/>
+                <a16:creationId xmlns:a16="http://schemas.microsoft.com/office/drawing/2014/main" id="{9F4FC102-863F-CE45-BC52-3EBCE7D3F1A1}"/>
               </a:ext>
             </a:extLst>
           </p:cNvPr>
@@ -1380,7 +3374,7 @@
           <p:cNvPr id="5" name="日期占位符 4">
             <a:extLst>
               <a:ext uri="{FF2B5EF4-FFF2-40B4-BE49-F238E27FC236}">
-                <a16:creationId xmlns:a16="http://schemas.microsoft.com/office/drawing/2014/main" id="{D3B53B11-361F-FD42-81D6-7E415B0F6C50}"/>
+                <a16:creationId xmlns:a16="http://schemas.microsoft.com/office/drawing/2014/main" id="{6EDB4E12-8E50-5E44-B99B-CBB52B3AB495}"/>
               </a:ext>
             </a:extLst>
           </p:cNvPr>
@@ -1396,9 +3390,9 @@
           <a:bodyPr/>
           <a:lstStyle/>
           <a:p>
-            <a:fld id="{200D8F0C-D461-154F-8875-97D3B31102A2}" type="datetimeFigureOut">
+            <a:fld id="{64E65BB6-1D9C-254C-AD75-784507605180}" type="datetimeFigureOut">
               <a:rPr kumimoji="1" lang="zh-CN" altLang="en-US" smtClean="0"/>
-              <a:t>2021/3/29</a:t>
+              <a:t>2021/4/6</a:t>
             </a:fld>
             <a:endParaRPr kumimoji="1" lang="zh-CN" altLang="en-US"/>
           </a:p>
@@ -1409,7 +3403,7 @@
           <p:cNvPr id="6" name="页脚占位符 5">
             <a:extLst>
               <a:ext uri="{FF2B5EF4-FFF2-40B4-BE49-F238E27FC236}">
-                <a16:creationId xmlns:a16="http://schemas.microsoft.com/office/drawing/2014/main" id="{F9A2199E-2213-1B41-AF7C-2B649F85650F}"/>
+                <a16:creationId xmlns:a16="http://schemas.microsoft.com/office/drawing/2014/main" id="{D567B276-ACD9-4745-B723-2C693999C704}"/>
               </a:ext>
             </a:extLst>
           </p:cNvPr>
@@ -1434,7 +3428,7 @@
           <p:cNvPr id="7" name="灯片编号占位符 6">
             <a:extLst>
               <a:ext uri="{FF2B5EF4-FFF2-40B4-BE49-F238E27FC236}">
-                <a16:creationId xmlns:a16="http://schemas.microsoft.com/office/drawing/2014/main" id="{5416679B-4DC3-E044-81D2-7B2D49839292}"/>
+                <a16:creationId xmlns:a16="http://schemas.microsoft.com/office/drawing/2014/main" id="{174C1C1F-7014-B54B-A7EE-203D364F097A}"/>
               </a:ext>
             </a:extLst>
           </p:cNvPr>
@@ -1450,7 +3444,7 @@
           <a:bodyPr/>
           <a:lstStyle/>
           <a:p>
-            <a:fld id="{29595400-4E08-3641-BDF0-B64AA373DF3D}" type="slidenum">
+            <a:fld id="{BA223463-936B-B24A-852E-D02566DA0C9A}" type="slidenum">
               <a:rPr kumimoji="1" lang="zh-CN" altLang="en-US" smtClean="0"/>
               <a:t>‹#›</a:t>
             </a:fld>
@@ -1461,7 +3455,7 @@
     </p:spTree>
     <p:extLst>
       <p:ext uri="{BB962C8B-B14F-4D97-AF65-F5344CB8AC3E}">
-        <p14:creationId xmlns:p14="http://schemas.microsoft.com/office/powerpoint/2010/main" val="2845301411"/>
+        <p14:creationId xmlns:p14="http://schemas.microsoft.com/office/powerpoint/2010/main" val="985073327"/>
       </p:ext>
     </p:extLst>
   </p:cSld>
@@ -1493,7 +3487,7 @@
           <p:cNvPr id="2" name="标题 1">
             <a:extLst>
               <a:ext uri="{FF2B5EF4-FFF2-40B4-BE49-F238E27FC236}">
-                <a16:creationId xmlns:a16="http://schemas.microsoft.com/office/drawing/2014/main" id="{F7F0C4A0-F05B-614F-A3D7-C0789633E637}"/>
+                <a16:creationId xmlns:a16="http://schemas.microsoft.com/office/drawing/2014/main" id="{F66FAE2F-9BB2-5047-BF38-6EC51D51CF6B}"/>
               </a:ext>
             </a:extLst>
           </p:cNvPr>
@@ -1526,7 +3520,7 @@
           <p:cNvPr id="3" name="文本占位符 2">
             <a:extLst>
               <a:ext uri="{FF2B5EF4-FFF2-40B4-BE49-F238E27FC236}">
-                <a16:creationId xmlns:a16="http://schemas.microsoft.com/office/drawing/2014/main" id="{16B6DD3B-6AA1-F14C-B0D5-3DD0DAEE186C}"/>
+                <a16:creationId xmlns:a16="http://schemas.microsoft.com/office/drawing/2014/main" id="{3EC3A14F-E133-0D48-99A6-6CE149D27550}"/>
               </a:ext>
             </a:extLst>
           </p:cNvPr>
@@ -1597,7 +3591,7 @@
           <p:cNvPr id="4" name="内容占位符 3">
             <a:extLst>
               <a:ext uri="{FF2B5EF4-FFF2-40B4-BE49-F238E27FC236}">
-                <a16:creationId xmlns:a16="http://schemas.microsoft.com/office/drawing/2014/main" id="{0594F472-C528-8445-AB58-D707740EB663}"/>
+                <a16:creationId xmlns:a16="http://schemas.microsoft.com/office/drawing/2014/main" id="{7657E186-7484-7544-AE50-260D9616F80D}"/>
               </a:ext>
             </a:extLst>
           </p:cNvPr>
@@ -1659,7 +3653,7 @@
           <p:cNvPr id="5" name="文本占位符 4">
             <a:extLst>
               <a:ext uri="{FF2B5EF4-FFF2-40B4-BE49-F238E27FC236}">
-                <a16:creationId xmlns:a16="http://schemas.microsoft.com/office/drawing/2014/main" id="{6B12E8E8-D671-BA43-9846-672BDC6002BF}"/>
+                <a16:creationId xmlns:a16="http://schemas.microsoft.com/office/drawing/2014/main" id="{B39BB489-BBCF-9B4B-BD95-37DB1AA8D518}"/>
               </a:ext>
             </a:extLst>
           </p:cNvPr>
@@ -1730,7 +3724,7 @@
           <p:cNvPr id="6" name="内容占位符 5">
             <a:extLst>
               <a:ext uri="{FF2B5EF4-FFF2-40B4-BE49-F238E27FC236}">
-                <a16:creationId xmlns:a16="http://schemas.microsoft.com/office/drawing/2014/main" id="{F0901FCC-FB1B-3F4D-9C91-6476DD4F94D4}"/>
+                <a16:creationId xmlns:a16="http://schemas.microsoft.com/office/drawing/2014/main" id="{43658CF3-9FD5-D845-B04B-B7885F2DCADB}"/>
               </a:ext>
             </a:extLst>
           </p:cNvPr>
@@ -1792,7 +3786,7 @@
           <p:cNvPr id="7" name="日期占位符 6">
             <a:extLst>
               <a:ext uri="{FF2B5EF4-FFF2-40B4-BE49-F238E27FC236}">
-                <a16:creationId xmlns:a16="http://schemas.microsoft.com/office/drawing/2014/main" id="{EC957C83-3560-064F-A73C-76C4C2C4E2B6}"/>
+                <a16:creationId xmlns:a16="http://schemas.microsoft.com/office/drawing/2014/main" id="{40C5D49B-2733-7C46-A381-FFE4803AC027}"/>
               </a:ext>
             </a:extLst>
           </p:cNvPr>
@@ -1808,9 +3802,9 @@
           <a:bodyPr/>
           <a:lstStyle/>
           <a:p>
-            <a:fld id="{200D8F0C-D461-154F-8875-97D3B31102A2}" type="datetimeFigureOut">
+            <a:fld id="{64E65BB6-1D9C-254C-AD75-784507605180}" type="datetimeFigureOut">
               <a:rPr kumimoji="1" lang="zh-CN" altLang="en-US" smtClean="0"/>
-              <a:t>2021/3/29</a:t>
+              <a:t>2021/4/6</a:t>
             </a:fld>
             <a:endParaRPr kumimoji="1" lang="zh-CN" altLang="en-US"/>
           </a:p>
@@ -1821,7 +3815,7 @@
           <p:cNvPr id="8" name="页脚占位符 7">
             <a:extLst>
               <a:ext uri="{FF2B5EF4-FFF2-40B4-BE49-F238E27FC236}">
-                <a16:creationId xmlns:a16="http://schemas.microsoft.com/office/drawing/2014/main" id="{3917C1A1-30C3-D84F-96A3-24E4473A8CD2}"/>
+                <a16:creationId xmlns:a16="http://schemas.microsoft.com/office/drawing/2014/main" id="{C2DB620C-78A2-8D47-900A-AD655E0BEAF5}"/>
               </a:ext>
             </a:extLst>
           </p:cNvPr>
@@ -1846,7 +3840,7 @@
           <p:cNvPr id="9" name="灯片编号占位符 8">
             <a:extLst>
               <a:ext uri="{FF2B5EF4-FFF2-40B4-BE49-F238E27FC236}">
-                <a16:creationId xmlns:a16="http://schemas.microsoft.com/office/drawing/2014/main" id="{77D53EE0-2C56-7346-BB20-660890B34597}"/>
+                <a16:creationId xmlns:a16="http://schemas.microsoft.com/office/drawing/2014/main" id="{8049B6B3-6241-3C4F-826B-C48DD419A84F}"/>
               </a:ext>
             </a:extLst>
           </p:cNvPr>
@@ -1862,7 +3856,7 @@
           <a:bodyPr/>
           <a:lstStyle/>
           <a:p>
-            <a:fld id="{29595400-4E08-3641-BDF0-B64AA373DF3D}" type="slidenum">
+            <a:fld id="{BA223463-936B-B24A-852E-D02566DA0C9A}" type="slidenum">
               <a:rPr kumimoji="1" lang="zh-CN" altLang="en-US" smtClean="0"/>
               <a:t>‹#›</a:t>
             </a:fld>
@@ -1873,7 +3867,7 @@
     </p:spTree>
     <p:extLst>
       <p:ext uri="{BB962C8B-B14F-4D97-AF65-F5344CB8AC3E}">
-        <p14:creationId xmlns:p14="http://schemas.microsoft.com/office/powerpoint/2010/main" val="391841405"/>
+        <p14:creationId xmlns:p14="http://schemas.microsoft.com/office/powerpoint/2010/main" val="1797831282"/>
       </p:ext>
     </p:extLst>
   </p:cSld>
@@ -1905,7 +3899,7 @@
           <p:cNvPr id="2" name="标题 1">
             <a:extLst>
               <a:ext uri="{FF2B5EF4-FFF2-40B4-BE49-F238E27FC236}">
-                <a16:creationId xmlns:a16="http://schemas.microsoft.com/office/drawing/2014/main" id="{E8A180B0-8051-B74E-BFD1-7F52BFD39EBE}"/>
+                <a16:creationId xmlns:a16="http://schemas.microsoft.com/office/drawing/2014/main" id="{F2553549-63A9-2242-8A66-0E6BE827ADE2}"/>
               </a:ext>
             </a:extLst>
           </p:cNvPr>
@@ -1933,7 +3927,7 @@
           <p:cNvPr id="3" name="日期占位符 2">
             <a:extLst>
               <a:ext uri="{FF2B5EF4-FFF2-40B4-BE49-F238E27FC236}">
-                <a16:creationId xmlns:a16="http://schemas.microsoft.com/office/drawing/2014/main" id="{71288378-B325-7F4E-8CA8-032C8DB0F0F9}"/>
+                <a16:creationId xmlns:a16="http://schemas.microsoft.com/office/drawing/2014/main" id="{2A04C8B1-C0C4-8540-8ED7-B4F951024403}"/>
               </a:ext>
             </a:extLst>
           </p:cNvPr>
@@ -1949,9 +3943,9 @@
           <a:bodyPr/>
           <a:lstStyle/>
           <a:p>
-            <a:fld id="{200D8F0C-D461-154F-8875-97D3B31102A2}" type="datetimeFigureOut">
+            <a:fld id="{64E65BB6-1D9C-254C-AD75-784507605180}" type="datetimeFigureOut">
               <a:rPr kumimoji="1" lang="zh-CN" altLang="en-US" smtClean="0"/>
-              <a:t>2021/3/29</a:t>
+              <a:t>2021/4/6</a:t>
             </a:fld>
             <a:endParaRPr kumimoji="1" lang="zh-CN" altLang="en-US"/>
           </a:p>
@@ -1962,7 +3956,7 @@
           <p:cNvPr id="4" name="页脚占位符 3">
             <a:extLst>
               <a:ext uri="{FF2B5EF4-FFF2-40B4-BE49-F238E27FC236}">
-                <a16:creationId xmlns:a16="http://schemas.microsoft.com/office/drawing/2014/main" id="{FBA6920E-FB73-6144-BCEF-7C53E0CB6080}"/>
+                <a16:creationId xmlns:a16="http://schemas.microsoft.com/office/drawing/2014/main" id="{A521E46F-9408-8B45-AFFA-76172B26BD67}"/>
               </a:ext>
             </a:extLst>
           </p:cNvPr>
@@ -1987,7 +3981,7 @@
           <p:cNvPr id="5" name="灯片编号占位符 4">
             <a:extLst>
               <a:ext uri="{FF2B5EF4-FFF2-40B4-BE49-F238E27FC236}">
-                <a16:creationId xmlns:a16="http://schemas.microsoft.com/office/drawing/2014/main" id="{6B68F8F6-53A7-4E49-B207-72C4B3186DE1}"/>
+                <a16:creationId xmlns:a16="http://schemas.microsoft.com/office/drawing/2014/main" id="{E28E6E84-E268-614D-8D0F-C7D9546A5185}"/>
               </a:ext>
             </a:extLst>
           </p:cNvPr>
@@ -2003,7 +3997,7 @@
           <a:bodyPr/>
           <a:lstStyle/>
           <a:p>
-            <a:fld id="{29595400-4E08-3641-BDF0-B64AA373DF3D}" type="slidenum">
+            <a:fld id="{BA223463-936B-B24A-852E-D02566DA0C9A}" type="slidenum">
               <a:rPr kumimoji="1" lang="zh-CN" altLang="en-US" smtClean="0"/>
               <a:t>‹#›</a:t>
             </a:fld>
@@ -2014,7 +4008,7 @@
     </p:spTree>
     <p:extLst>
       <p:ext uri="{BB962C8B-B14F-4D97-AF65-F5344CB8AC3E}">
-        <p14:creationId xmlns:p14="http://schemas.microsoft.com/office/powerpoint/2010/main" val="1068147342"/>
+        <p14:creationId xmlns:p14="http://schemas.microsoft.com/office/powerpoint/2010/main" val="798286810"/>
       </p:ext>
     </p:extLst>
   </p:cSld>
@@ -2046,7 +4040,7 @@
           <p:cNvPr id="2" name="日期占位符 1">
             <a:extLst>
               <a:ext uri="{FF2B5EF4-FFF2-40B4-BE49-F238E27FC236}">
-                <a16:creationId xmlns:a16="http://schemas.microsoft.com/office/drawing/2014/main" id="{B8C16AC8-FF6C-994B-8F44-713BA2BBD137}"/>
+                <a16:creationId xmlns:a16="http://schemas.microsoft.com/office/drawing/2014/main" id="{4907B0E4-6DA8-384D-A239-A5C88E60DBAF}"/>
               </a:ext>
             </a:extLst>
           </p:cNvPr>
@@ -2062,9 +4056,9 @@
           <a:bodyPr/>
           <a:lstStyle/>
           <a:p>
-            <a:fld id="{200D8F0C-D461-154F-8875-97D3B31102A2}" type="datetimeFigureOut">
+            <a:fld id="{64E65BB6-1D9C-254C-AD75-784507605180}" type="datetimeFigureOut">
               <a:rPr kumimoji="1" lang="zh-CN" altLang="en-US" smtClean="0"/>
-              <a:t>2021/3/29</a:t>
+              <a:t>2021/4/6</a:t>
             </a:fld>
             <a:endParaRPr kumimoji="1" lang="zh-CN" altLang="en-US"/>
           </a:p>
@@ -2075,7 +4069,7 @@
           <p:cNvPr id="3" name="页脚占位符 2">
             <a:extLst>
               <a:ext uri="{FF2B5EF4-FFF2-40B4-BE49-F238E27FC236}">
-                <a16:creationId xmlns:a16="http://schemas.microsoft.com/office/drawing/2014/main" id="{9DCDF03D-A716-3C4C-93E9-A5B6A28D88CD}"/>
+                <a16:creationId xmlns:a16="http://schemas.microsoft.com/office/drawing/2014/main" id="{9814937F-2695-6940-8CAB-B31F09B154B6}"/>
               </a:ext>
             </a:extLst>
           </p:cNvPr>
@@ -2100,7 +4094,7 @@
           <p:cNvPr id="4" name="灯片编号占位符 3">
             <a:extLst>
               <a:ext uri="{FF2B5EF4-FFF2-40B4-BE49-F238E27FC236}">
-                <a16:creationId xmlns:a16="http://schemas.microsoft.com/office/drawing/2014/main" id="{01B795D0-662D-524A-970E-05A9E105F595}"/>
+                <a16:creationId xmlns:a16="http://schemas.microsoft.com/office/drawing/2014/main" id="{BCC92FD9-C64D-1F4D-A515-C1AE98E09ECE}"/>
               </a:ext>
             </a:extLst>
           </p:cNvPr>
@@ -2116,7 +4110,7 @@
           <a:bodyPr/>
           <a:lstStyle/>
           <a:p>
-            <a:fld id="{29595400-4E08-3641-BDF0-B64AA373DF3D}" type="slidenum">
+            <a:fld id="{BA223463-936B-B24A-852E-D02566DA0C9A}" type="slidenum">
               <a:rPr kumimoji="1" lang="zh-CN" altLang="en-US" smtClean="0"/>
               <a:t>‹#›</a:t>
             </a:fld>
@@ -2127,7 +4121,7 @@
     </p:spTree>
     <p:extLst>
       <p:ext uri="{BB962C8B-B14F-4D97-AF65-F5344CB8AC3E}">
-        <p14:creationId xmlns:p14="http://schemas.microsoft.com/office/powerpoint/2010/main" val="1452924987"/>
+        <p14:creationId xmlns:p14="http://schemas.microsoft.com/office/powerpoint/2010/main" val="1711540106"/>
       </p:ext>
     </p:extLst>
   </p:cSld>
@@ -2159,7 +4153,7 @@
           <p:cNvPr id="2" name="标题 1">
             <a:extLst>
               <a:ext uri="{FF2B5EF4-FFF2-40B4-BE49-F238E27FC236}">
-                <a16:creationId xmlns:a16="http://schemas.microsoft.com/office/drawing/2014/main" id="{B8BA34D9-F3CD-8242-8AAE-2911D41147FE}"/>
+                <a16:creationId xmlns:a16="http://schemas.microsoft.com/office/drawing/2014/main" id="{13DBF9B7-9241-6C4B-88B0-C9A8A8295B10}"/>
               </a:ext>
             </a:extLst>
           </p:cNvPr>
@@ -2196,7 +4190,7 @@
           <p:cNvPr id="3" name="内容占位符 2">
             <a:extLst>
               <a:ext uri="{FF2B5EF4-FFF2-40B4-BE49-F238E27FC236}">
-                <a16:creationId xmlns:a16="http://schemas.microsoft.com/office/drawing/2014/main" id="{5A87A217-8E68-AB47-BB49-309C24DFC5A9}"/>
+                <a16:creationId xmlns:a16="http://schemas.microsoft.com/office/drawing/2014/main" id="{C9B68B51-6320-1E48-B631-5967FEBAA12F}"/>
               </a:ext>
             </a:extLst>
           </p:cNvPr>
@@ -2286,7 +4280,7 @@
           <p:cNvPr id="4" name="文本占位符 3">
             <a:extLst>
               <a:ext uri="{FF2B5EF4-FFF2-40B4-BE49-F238E27FC236}">
-                <a16:creationId xmlns:a16="http://schemas.microsoft.com/office/drawing/2014/main" id="{23ED4D9B-F8B5-4042-9BFD-A0E8F9947B53}"/>
+                <a16:creationId xmlns:a16="http://schemas.microsoft.com/office/drawing/2014/main" id="{0827AEE8-81E3-B948-A890-348B9723C7CE}"/>
               </a:ext>
             </a:extLst>
           </p:cNvPr>
@@ -2357,7 +4351,7 @@
           <p:cNvPr id="5" name="日期占位符 4">
             <a:extLst>
               <a:ext uri="{FF2B5EF4-FFF2-40B4-BE49-F238E27FC236}">
-                <a16:creationId xmlns:a16="http://schemas.microsoft.com/office/drawing/2014/main" id="{F0E5F687-87CE-984E-8EA8-9E2EADA5ECD3}"/>
+                <a16:creationId xmlns:a16="http://schemas.microsoft.com/office/drawing/2014/main" id="{3CCEBE47-49DD-4541-A974-A529B67F1DDB}"/>
               </a:ext>
             </a:extLst>
           </p:cNvPr>
@@ -2373,9 +4367,9 @@
           <a:bodyPr/>
           <a:lstStyle/>
           <a:p>
-            <a:fld id="{200D8F0C-D461-154F-8875-97D3B31102A2}" type="datetimeFigureOut">
+            <a:fld id="{64E65BB6-1D9C-254C-AD75-784507605180}" type="datetimeFigureOut">
               <a:rPr kumimoji="1" lang="zh-CN" altLang="en-US" smtClean="0"/>
-              <a:t>2021/3/29</a:t>
+              <a:t>2021/4/6</a:t>
             </a:fld>
             <a:endParaRPr kumimoji="1" lang="zh-CN" altLang="en-US"/>
           </a:p>
@@ -2386,7 +4380,7 @@
           <p:cNvPr id="6" name="页脚占位符 5">
             <a:extLst>
               <a:ext uri="{FF2B5EF4-FFF2-40B4-BE49-F238E27FC236}">
-                <a16:creationId xmlns:a16="http://schemas.microsoft.com/office/drawing/2014/main" id="{23D21C5F-9117-9748-BD0E-3A8BDAFF7E02}"/>
+                <a16:creationId xmlns:a16="http://schemas.microsoft.com/office/drawing/2014/main" id="{C3912D5C-27A7-EA49-BC3C-8DCF4B5055CD}"/>
               </a:ext>
             </a:extLst>
           </p:cNvPr>
@@ -2411,7 +4405,7 @@
           <p:cNvPr id="7" name="灯片编号占位符 6">
             <a:extLst>
               <a:ext uri="{FF2B5EF4-FFF2-40B4-BE49-F238E27FC236}">
-                <a16:creationId xmlns:a16="http://schemas.microsoft.com/office/drawing/2014/main" id="{0BFF45A9-2E0D-7D46-A4F5-95C02E8551CC}"/>
+                <a16:creationId xmlns:a16="http://schemas.microsoft.com/office/drawing/2014/main" id="{E499CB3F-A7C8-1042-B0FA-7EF43C4EA984}"/>
               </a:ext>
             </a:extLst>
           </p:cNvPr>
@@ -2427,7 +4421,7 @@
           <a:bodyPr/>
           <a:lstStyle/>
           <a:p>
-            <a:fld id="{29595400-4E08-3641-BDF0-B64AA373DF3D}" type="slidenum">
+            <a:fld id="{BA223463-936B-B24A-852E-D02566DA0C9A}" type="slidenum">
               <a:rPr kumimoji="1" lang="zh-CN" altLang="en-US" smtClean="0"/>
               <a:t>‹#›</a:t>
             </a:fld>
@@ -2438,7 +4432,7 @@
     </p:spTree>
     <p:extLst>
       <p:ext uri="{BB962C8B-B14F-4D97-AF65-F5344CB8AC3E}">
-        <p14:creationId xmlns:p14="http://schemas.microsoft.com/office/powerpoint/2010/main" val="3324002032"/>
+        <p14:creationId xmlns:p14="http://schemas.microsoft.com/office/powerpoint/2010/main" val="62392638"/>
       </p:ext>
     </p:extLst>
   </p:cSld>
@@ -2470,7 +4464,7 @@
           <p:cNvPr id="2" name="标题 1">
             <a:extLst>
               <a:ext uri="{FF2B5EF4-FFF2-40B4-BE49-F238E27FC236}">
-                <a16:creationId xmlns:a16="http://schemas.microsoft.com/office/drawing/2014/main" id="{441F25BD-F78A-3643-AAAF-1385F5AE9C60}"/>
+                <a16:creationId xmlns:a16="http://schemas.microsoft.com/office/drawing/2014/main" id="{FE3B58F3-E410-BF48-BF48-45441AB8A84E}"/>
               </a:ext>
             </a:extLst>
           </p:cNvPr>
@@ -2507,7 +4501,7 @@
           <p:cNvPr id="3" name="图片占位符 2">
             <a:extLst>
               <a:ext uri="{FF2B5EF4-FFF2-40B4-BE49-F238E27FC236}">
-                <a16:creationId xmlns:a16="http://schemas.microsoft.com/office/drawing/2014/main" id="{DBEC1A4E-1806-D044-A696-28BABC1366E6}"/>
+                <a16:creationId xmlns:a16="http://schemas.microsoft.com/office/drawing/2014/main" id="{6B2BC5B1-18C1-984E-8E41-C052DE88F655}"/>
               </a:ext>
             </a:extLst>
           </p:cNvPr>
@@ -2574,7 +4568,7 @@
           <p:cNvPr id="4" name="文本占位符 3">
             <a:extLst>
               <a:ext uri="{FF2B5EF4-FFF2-40B4-BE49-F238E27FC236}">
-                <a16:creationId xmlns:a16="http://schemas.microsoft.com/office/drawing/2014/main" id="{5A6DB0B1-E295-BB48-9024-DDCC5429C45C}"/>
+                <a16:creationId xmlns:a16="http://schemas.microsoft.com/office/drawing/2014/main" id="{4456AA42-6660-EF49-A749-F5A3F79406B0}"/>
               </a:ext>
             </a:extLst>
           </p:cNvPr>
@@ -2645,7 +4639,7 @@
           <p:cNvPr id="5" name="日期占位符 4">
             <a:extLst>
               <a:ext uri="{FF2B5EF4-FFF2-40B4-BE49-F238E27FC236}">
-                <a16:creationId xmlns:a16="http://schemas.microsoft.com/office/drawing/2014/main" id="{0F09227F-A2D2-1D42-A8E1-ED253A4F4CAF}"/>
+                <a16:creationId xmlns:a16="http://schemas.microsoft.com/office/drawing/2014/main" id="{85975EE3-BFF9-A44C-A755-FE385E1AB3D5}"/>
               </a:ext>
             </a:extLst>
           </p:cNvPr>
@@ -2661,9 +4655,9 @@
           <a:bodyPr/>
           <a:lstStyle/>
           <a:p>
-            <a:fld id="{200D8F0C-D461-154F-8875-97D3B31102A2}" type="datetimeFigureOut">
+            <a:fld id="{64E65BB6-1D9C-254C-AD75-784507605180}" type="datetimeFigureOut">
               <a:rPr kumimoji="1" lang="zh-CN" altLang="en-US" smtClean="0"/>
-              <a:t>2021/3/29</a:t>
+              <a:t>2021/4/6</a:t>
             </a:fld>
             <a:endParaRPr kumimoji="1" lang="zh-CN" altLang="en-US"/>
           </a:p>
@@ -2674,7 +4668,7 @@
           <p:cNvPr id="6" name="页脚占位符 5">
             <a:extLst>
               <a:ext uri="{FF2B5EF4-FFF2-40B4-BE49-F238E27FC236}">
-                <a16:creationId xmlns:a16="http://schemas.microsoft.com/office/drawing/2014/main" id="{268105A1-0F58-534E-BBBE-75E55FC1B4A9}"/>
+                <a16:creationId xmlns:a16="http://schemas.microsoft.com/office/drawing/2014/main" id="{8F4A8BC5-0CA1-034C-B23C-415B2A7FAC69}"/>
               </a:ext>
             </a:extLst>
           </p:cNvPr>
@@ -2699,7 +4693,7 @@
           <p:cNvPr id="7" name="灯片编号占位符 6">
             <a:extLst>
               <a:ext uri="{FF2B5EF4-FFF2-40B4-BE49-F238E27FC236}">
-                <a16:creationId xmlns:a16="http://schemas.microsoft.com/office/drawing/2014/main" id="{5CF80890-BFAE-5A4B-AB22-248CD9FFA642}"/>
+                <a16:creationId xmlns:a16="http://schemas.microsoft.com/office/drawing/2014/main" id="{E634E697-C1AD-2846-90DD-A1F6627D287A}"/>
               </a:ext>
             </a:extLst>
           </p:cNvPr>
@@ -2715,7 +4709,7 @@
           <a:bodyPr/>
           <a:lstStyle/>
           <a:p>
-            <a:fld id="{29595400-4E08-3641-BDF0-B64AA373DF3D}" type="slidenum">
+            <a:fld id="{BA223463-936B-B24A-852E-D02566DA0C9A}" type="slidenum">
               <a:rPr kumimoji="1" lang="zh-CN" altLang="en-US" smtClean="0"/>
               <a:t>‹#›</a:t>
             </a:fld>
@@ -2726,7 +4720,7 @@
     </p:spTree>
     <p:extLst>
       <p:ext uri="{BB962C8B-B14F-4D97-AF65-F5344CB8AC3E}">
-        <p14:creationId xmlns:p14="http://schemas.microsoft.com/office/powerpoint/2010/main" val="4104485911"/>
+        <p14:creationId xmlns:p14="http://schemas.microsoft.com/office/powerpoint/2010/main" val="2853065957"/>
       </p:ext>
     </p:extLst>
   </p:cSld>
@@ -2763,7 +4757,7 @@
           <p:cNvPr id="2" name="标题占位符 1">
             <a:extLst>
               <a:ext uri="{FF2B5EF4-FFF2-40B4-BE49-F238E27FC236}">
-                <a16:creationId xmlns:a16="http://schemas.microsoft.com/office/drawing/2014/main" id="{8737C534-E1B9-7248-B5D0-9C61BC9BEF51}"/>
+                <a16:creationId xmlns:a16="http://schemas.microsoft.com/office/drawing/2014/main" id="{FE5EE944-E5A1-B646-AC80-A64621A618A5}"/>
               </a:ext>
             </a:extLst>
           </p:cNvPr>
@@ -2801,7 +4795,7 @@
           <p:cNvPr id="3" name="文本占位符 2">
             <a:extLst>
               <a:ext uri="{FF2B5EF4-FFF2-40B4-BE49-F238E27FC236}">
-                <a16:creationId xmlns:a16="http://schemas.microsoft.com/office/drawing/2014/main" id="{F94DE468-B9A1-2C4A-A891-F74B1F132C50}"/>
+                <a16:creationId xmlns:a16="http://schemas.microsoft.com/office/drawing/2014/main" id="{641E8D1B-A5AC-D848-BEFB-32B3172345BB}"/>
               </a:ext>
             </a:extLst>
           </p:cNvPr>
@@ -2868,7 +4862,7 @@
           <p:cNvPr id="4" name="日期占位符 3">
             <a:extLst>
               <a:ext uri="{FF2B5EF4-FFF2-40B4-BE49-F238E27FC236}">
-                <a16:creationId xmlns:a16="http://schemas.microsoft.com/office/drawing/2014/main" id="{F720DD00-9535-3F43-8AA7-490B042252FB}"/>
+                <a16:creationId xmlns:a16="http://schemas.microsoft.com/office/drawing/2014/main" id="{0DBAC2B1-9681-784D-84DF-71FE61B34F22}"/>
               </a:ext>
             </a:extLst>
           </p:cNvPr>
@@ -2902,9 +4896,9 @@
             </a:lvl1pPr>
           </a:lstStyle>
           <a:p>
-            <a:fld id="{200D8F0C-D461-154F-8875-97D3B31102A2}" type="datetimeFigureOut">
+            <a:fld id="{64E65BB6-1D9C-254C-AD75-784507605180}" type="datetimeFigureOut">
               <a:rPr kumimoji="1" lang="zh-CN" altLang="en-US" smtClean="0"/>
-              <a:t>2021/3/29</a:t>
+              <a:t>2021/4/6</a:t>
             </a:fld>
             <a:endParaRPr kumimoji="1" lang="zh-CN" altLang="en-US"/>
           </a:p>
@@ -2915,7 +4909,7 @@
           <p:cNvPr id="5" name="页脚占位符 4">
             <a:extLst>
               <a:ext uri="{FF2B5EF4-FFF2-40B4-BE49-F238E27FC236}">
-                <a16:creationId xmlns:a16="http://schemas.microsoft.com/office/drawing/2014/main" id="{DE529B44-A688-C642-AE8B-4858E4EB6522}"/>
+                <a16:creationId xmlns:a16="http://schemas.microsoft.com/office/drawing/2014/main" id="{5FDD06BF-6016-C445-A959-D1682AA5D862}"/>
               </a:ext>
             </a:extLst>
           </p:cNvPr>
@@ -2958,7 +4952,7 @@
           <p:cNvPr id="6" name="灯片编号占位符 5">
             <a:extLst>
               <a:ext uri="{FF2B5EF4-FFF2-40B4-BE49-F238E27FC236}">
-                <a16:creationId xmlns:a16="http://schemas.microsoft.com/office/drawing/2014/main" id="{29207AA2-6D6F-8444-ABFE-B8BB589D2875}"/>
+                <a16:creationId xmlns:a16="http://schemas.microsoft.com/office/drawing/2014/main" id="{035D52C2-B083-5640-BC92-56CF916AD58A}"/>
               </a:ext>
             </a:extLst>
           </p:cNvPr>
@@ -2992,7 +4986,7 @@
             </a:lvl1pPr>
           </a:lstStyle>
           <a:p>
-            <a:fld id="{29595400-4E08-3641-BDF0-B64AA373DF3D}" type="slidenum">
+            <a:fld id="{BA223463-936B-B24A-852E-D02566DA0C9A}" type="slidenum">
               <a:rPr kumimoji="1" lang="zh-CN" altLang="en-US" smtClean="0"/>
               <a:t>‹#›</a:t>
             </a:fld>
@@ -3003,7 +4997,7 @@
     </p:spTree>
     <p:extLst>
       <p:ext uri="{BB962C8B-B14F-4D97-AF65-F5344CB8AC3E}">
-        <p14:creationId xmlns:p14="http://schemas.microsoft.com/office/powerpoint/2010/main" val="1877841290"/>
+        <p14:creationId xmlns:p14="http://schemas.microsoft.com/office/powerpoint/2010/main" val="223340230"/>
       </p:ext>
     </p:extLst>
   </p:cSld>
@@ -3326,7 +5320,7 @@
           <p:cNvPr id="2" name="标题 1">
             <a:extLst>
               <a:ext uri="{FF2B5EF4-FFF2-40B4-BE49-F238E27FC236}">
-                <a16:creationId xmlns:a16="http://schemas.microsoft.com/office/drawing/2014/main" id="{C7741F27-1FC6-124D-8AC8-1C33F3431FC4}"/>
+                <a16:creationId xmlns:a16="http://schemas.microsoft.com/office/drawing/2014/main" id="{ECA75ED4-C63E-9F4F-BD7C-42535071A1C9}"/>
               </a:ext>
             </a:extLst>
           </p:cNvPr>
@@ -3337,12 +5331,42 @@
             <p:ph type="ctrTitle"/>
           </p:nvPr>
         </p:nvSpPr>
-        <p:spPr/>
+        <p:spPr>
+          <a:xfrm>
+            <a:off x="1524000" y="1041400"/>
+            <a:ext cx="9144000" cy="2387600"/>
+          </a:xfrm>
+        </p:spPr>
         <p:txBody>
           <a:bodyPr/>
           <a:lstStyle/>
           <a:p>
-            <a:endParaRPr kumimoji="1" lang="zh-CN" altLang="en-US"/>
+            <a:r>
+              <a:rPr kumimoji="1" lang="en-US" altLang="zh-CN" dirty="0">
+                <a:solidFill>
+                  <a:schemeClr val="tx1">
+                    <a:lumMod val="85000"/>
+                    <a:lumOff val="15000"/>
+                  </a:schemeClr>
+                </a:solidFill>
+                <a:latin typeface="Microsoft YaHei" panose="020B0503020204020204" pitchFamily="34" charset="-122"/>
+                <a:ea typeface="Microsoft YaHei" panose="020B0503020204020204" pitchFamily="34" charset="-122"/>
+              </a:rPr>
+              <a:t>JAVASCRIPT</a:t>
+            </a:r>
+            <a:r>
+              <a:rPr kumimoji="1" lang="zh-CN" altLang="en-US" dirty="0">
+                <a:solidFill>
+                  <a:schemeClr val="tx1">
+                    <a:lumMod val="85000"/>
+                    <a:lumOff val="15000"/>
+                  </a:schemeClr>
+                </a:solidFill>
+                <a:latin typeface="Microsoft YaHei" panose="020B0503020204020204" pitchFamily="34" charset="-122"/>
+                <a:ea typeface="Microsoft YaHei" panose="020B0503020204020204" pitchFamily="34" charset="-122"/>
+              </a:rPr>
+              <a:t> 入門</a:t>
+            </a:r>
           </a:p>
         </p:txBody>
       </p:sp>
@@ -3351,7 +5375,7 @@
           <p:cNvPr id="3" name="副标题 2">
             <a:extLst>
               <a:ext uri="{FF2B5EF4-FFF2-40B4-BE49-F238E27FC236}">
-                <a16:creationId xmlns:a16="http://schemas.microsoft.com/office/drawing/2014/main" id="{14482966-D52F-AC4C-8EF0-72D94C2EE5EC}"/>
+                <a16:creationId xmlns:a16="http://schemas.microsoft.com/office/drawing/2014/main" id="{BADB44B3-9D9C-A946-8579-6966EA400211}"/>
               </a:ext>
             </a:extLst>
           </p:cNvPr>
@@ -3367,14 +5391,6659 @@
           <a:bodyPr/>
           <a:lstStyle/>
           <a:p>
-            <a:endParaRPr kumimoji="1" lang="zh-CN" altLang="en-US"/>
+            <a:r>
+              <a:rPr kumimoji="1" lang="zh-CN" altLang="en-US" dirty="0">
+                <a:solidFill>
+                  <a:schemeClr val="tx1">
+                    <a:lumMod val="85000"/>
+                    <a:lumOff val="15000"/>
+                  </a:schemeClr>
+                </a:solidFill>
+                <a:latin typeface="Microsoft YaHei" panose="020B0503020204020204" pitchFamily="34" charset="-122"/>
+                <a:ea typeface="Microsoft YaHei" panose="020B0503020204020204" pitchFamily="34" charset="-122"/>
+              </a:rPr>
+              <a:t>鄭祥飛</a:t>
+            </a:r>
+            <a:endParaRPr kumimoji="1" lang="en-US" altLang="zh-CN" dirty="0">
+              <a:solidFill>
+                <a:schemeClr val="tx1">
+                  <a:lumMod val="85000"/>
+                  <a:lumOff val="15000"/>
+                </a:schemeClr>
+              </a:solidFill>
+              <a:latin typeface="Microsoft YaHei" panose="020B0503020204020204" pitchFamily="34" charset="-122"/>
+              <a:ea typeface="Microsoft YaHei" panose="020B0503020204020204" pitchFamily="34" charset="-122"/>
+            </a:endParaRPr>
+          </a:p>
+          <a:p>
+            <a:r>
+              <a:rPr kumimoji="1" lang="en-US" altLang="zh-CN" dirty="0">
+                <a:solidFill>
+                  <a:schemeClr val="tx1">
+                    <a:lumMod val="85000"/>
+                    <a:lumOff val="15000"/>
+                  </a:schemeClr>
+                </a:solidFill>
+                <a:latin typeface="Microsoft YaHei" panose="020B0503020204020204" pitchFamily="34" charset="-122"/>
+                <a:ea typeface="Microsoft YaHei" panose="020B0503020204020204" pitchFamily="34" charset="-122"/>
+              </a:rPr>
+              <a:t>2021/04/06</a:t>
+            </a:r>
+            <a:endParaRPr kumimoji="1" lang="zh-CN" altLang="en-US" dirty="0">
+              <a:solidFill>
+                <a:schemeClr val="tx1">
+                  <a:lumMod val="85000"/>
+                  <a:lumOff val="15000"/>
+                </a:schemeClr>
+              </a:solidFill>
+              <a:latin typeface="Microsoft YaHei" panose="020B0503020204020204" pitchFamily="34" charset="-122"/>
+              <a:ea typeface="Microsoft YaHei" panose="020B0503020204020204" pitchFamily="34" charset="-122"/>
+            </a:endParaRPr>
+          </a:p>
+        </p:txBody>
+      </p:sp>
+      <p:sp>
+        <p:nvSpPr>
+          <p:cNvPr id="8" name="副标题 2">
+            <a:extLst>
+              <a:ext uri="{FF2B5EF4-FFF2-40B4-BE49-F238E27FC236}">
+                <a16:creationId xmlns:a16="http://schemas.microsoft.com/office/drawing/2014/main" id="{18327316-26F4-1744-AF3C-8A76CD0E2AFC}"/>
+              </a:ext>
+            </a:extLst>
+          </p:cNvPr>
+          <p:cNvSpPr txBox="1">
+            <a:spLocks/>
+          </p:cNvSpPr>
+          <p:nvPr/>
+        </p:nvSpPr>
+        <p:spPr>
+          <a:xfrm>
+            <a:off x="1655851" y="6200865"/>
+            <a:ext cx="9144000" cy="437416"/>
+          </a:xfrm>
+          <a:prstGeom prst="rect">
+            <a:avLst/>
+          </a:prstGeom>
+        </p:spPr>
+        <p:txBody>
+          <a:bodyPr vert="horz" lIns="91440" tIns="45720" rIns="91440" bIns="45720" rtlCol="0">
+            <a:normAutofit/>
+          </a:bodyPr>
+          <a:lstStyle>
+            <a:lvl1pPr marL="0" indent="0" algn="ctr" defTabSz="914400" rtl="0" eaLnBrk="1" latinLnBrk="0" hangingPunct="1">
+              <a:lnSpc>
+                <a:spcPct val="90000"/>
+              </a:lnSpc>
+              <a:spcBef>
+                <a:spcPts val="1000"/>
+              </a:spcBef>
+              <a:buFont typeface="Arial" panose="020B0604020202020204" pitchFamily="34" charset="0"/>
+              <a:buNone/>
+              <a:defRPr sz="2400" kern="1200">
+                <a:solidFill>
+                  <a:schemeClr val="tx1"/>
+                </a:solidFill>
+                <a:latin typeface="+mn-lt"/>
+                <a:ea typeface="+mn-ea"/>
+                <a:cs typeface="+mn-cs"/>
+              </a:defRPr>
+            </a:lvl1pPr>
+            <a:lvl2pPr marL="457200" indent="0" algn="ctr" defTabSz="914400" rtl="0" eaLnBrk="1" latinLnBrk="0" hangingPunct="1">
+              <a:lnSpc>
+                <a:spcPct val="90000"/>
+              </a:lnSpc>
+              <a:spcBef>
+                <a:spcPts val="500"/>
+              </a:spcBef>
+              <a:buFont typeface="Arial" panose="020B0604020202020204" pitchFamily="34" charset="0"/>
+              <a:buNone/>
+              <a:defRPr sz="2000" kern="1200">
+                <a:solidFill>
+                  <a:schemeClr val="tx1"/>
+                </a:solidFill>
+                <a:latin typeface="+mn-lt"/>
+                <a:ea typeface="+mn-ea"/>
+                <a:cs typeface="+mn-cs"/>
+              </a:defRPr>
+            </a:lvl2pPr>
+            <a:lvl3pPr marL="914400" indent="0" algn="ctr" defTabSz="914400" rtl="0" eaLnBrk="1" latinLnBrk="0" hangingPunct="1">
+              <a:lnSpc>
+                <a:spcPct val="90000"/>
+              </a:lnSpc>
+              <a:spcBef>
+                <a:spcPts val="500"/>
+              </a:spcBef>
+              <a:buFont typeface="Arial" panose="020B0604020202020204" pitchFamily="34" charset="0"/>
+              <a:buNone/>
+              <a:defRPr sz="1800" kern="1200">
+                <a:solidFill>
+                  <a:schemeClr val="tx1"/>
+                </a:solidFill>
+                <a:latin typeface="+mn-lt"/>
+                <a:ea typeface="+mn-ea"/>
+                <a:cs typeface="+mn-cs"/>
+              </a:defRPr>
+            </a:lvl3pPr>
+            <a:lvl4pPr marL="1371600" indent="0" algn="ctr" defTabSz="914400" rtl="0" eaLnBrk="1" latinLnBrk="0" hangingPunct="1">
+              <a:lnSpc>
+                <a:spcPct val="90000"/>
+              </a:lnSpc>
+              <a:spcBef>
+                <a:spcPts val="500"/>
+              </a:spcBef>
+              <a:buFont typeface="Arial" panose="020B0604020202020204" pitchFamily="34" charset="0"/>
+              <a:buNone/>
+              <a:defRPr sz="1600" kern="1200">
+                <a:solidFill>
+                  <a:schemeClr val="tx1"/>
+                </a:solidFill>
+                <a:latin typeface="+mn-lt"/>
+                <a:ea typeface="+mn-ea"/>
+                <a:cs typeface="+mn-cs"/>
+              </a:defRPr>
+            </a:lvl4pPr>
+            <a:lvl5pPr marL="1828800" indent="0" algn="ctr" defTabSz="914400" rtl="0" eaLnBrk="1" latinLnBrk="0" hangingPunct="1">
+              <a:lnSpc>
+                <a:spcPct val="90000"/>
+              </a:lnSpc>
+              <a:spcBef>
+                <a:spcPts val="500"/>
+              </a:spcBef>
+              <a:buFont typeface="Arial" panose="020B0604020202020204" pitchFamily="34" charset="0"/>
+              <a:buNone/>
+              <a:defRPr sz="1600" kern="1200">
+                <a:solidFill>
+                  <a:schemeClr val="tx1"/>
+                </a:solidFill>
+                <a:latin typeface="+mn-lt"/>
+                <a:ea typeface="+mn-ea"/>
+                <a:cs typeface="+mn-cs"/>
+              </a:defRPr>
+            </a:lvl5pPr>
+            <a:lvl6pPr marL="2286000" indent="0" algn="ctr" defTabSz="914400" rtl="0" eaLnBrk="1" latinLnBrk="0" hangingPunct="1">
+              <a:lnSpc>
+                <a:spcPct val="90000"/>
+              </a:lnSpc>
+              <a:spcBef>
+                <a:spcPts val="500"/>
+              </a:spcBef>
+              <a:buFont typeface="Arial" panose="020B0604020202020204" pitchFamily="34" charset="0"/>
+              <a:buNone/>
+              <a:defRPr sz="1600" kern="1200">
+                <a:solidFill>
+                  <a:schemeClr val="tx1"/>
+                </a:solidFill>
+                <a:latin typeface="+mn-lt"/>
+                <a:ea typeface="+mn-ea"/>
+                <a:cs typeface="+mn-cs"/>
+              </a:defRPr>
+            </a:lvl6pPr>
+            <a:lvl7pPr marL="2743200" indent="0" algn="ctr" defTabSz="914400" rtl="0" eaLnBrk="1" latinLnBrk="0" hangingPunct="1">
+              <a:lnSpc>
+                <a:spcPct val="90000"/>
+              </a:lnSpc>
+              <a:spcBef>
+                <a:spcPts val="500"/>
+              </a:spcBef>
+              <a:buFont typeface="Arial" panose="020B0604020202020204" pitchFamily="34" charset="0"/>
+              <a:buNone/>
+              <a:defRPr sz="1600" kern="1200">
+                <a:solidFill>
+                  <a:schemeClr val="tx1"/>
+                </a:solidFill>
+                <a:latin typeface="+mn-lt"/>
+                <a:ea typeface="+mn-ea"/>
+                <a:cs typeface="+mn-cs"/>
+              </a:defRPr>
+            </a:lvl7pPr>
+            <a:lvl8pPr marL="3200400" indent="0" algn="ctr" defTabSz="914400" rtl="0" eaLnBrk="1" latinLnBrk="0" hangingPunct="1">
+              <a:lnSpc>
+                <a:spcPct val="90000"/>
+              </a:lnSpc>
+              <a:spcBef>
+                <a:spcPts val="500"/>
+              </a:spcBef>
+              <a:buFont typeface="Arial" panose="020B0604020202020204" pitchFamily="34" charset="0"/>
+              <a:buNone/>
+              <a:defRPr sz="1600" kern="1200">
+                <a:solidFill>
+                  <a:schemeClr val="tx1"/>
+                </a:solidFill>
+                <a:latin typeface="+mn-lt"/>
+                <a:ea typeface="+mn-ea"/>
+                <a:cs typeface="+mn-cs"/>
+              </a:defRPr>
+            </a:lvl8pPr>
+            <a:lvl9pPr marL="3657600" indent="0" algn="ctr" defTabSz="914400" rtl="0" eaLnBrk="1" latinLnBrk="0" hangingPunct="1">
+              <a:lnSpc>
+                <a:spcPct val="90000"/>
+              </a:lnSpc>
+              <a:spcBef>
+                <a:spcPts val="500"/>
+              </a:spcBef>
+              <a:buFont typeface="Arial" panose="020B0604020202020204" pitchFamily="34" charset="0"/>
+              <a:buNone/>
+              <a:defRPr sz="1600" kern="1200">
+                <a:solidFill>
+                  <a:schemeClr val="tx1"/>
+                </a:solidFill>
+                <a:latin typeface="+mn-lt"/>
+                <a:ea typeface="+mn-ea"/>
+                <a:cs typeface="+mn-cs"/>
+              </a:defRPr>
+            </a:lvl9pPr>
+          </a:lstStyle>
+          <a:p>
+            <a:r>
+              <a:rPr lang="en-US" altLang="zh-CN" dirty="0">
+                <a:solidFill>
+                  <a:schemeClr val="bg2">
+                    <a:lumMod val="50000"/>
+                  </a:schemeClr>
+                </a:solidFill>
+                <a:latin typeface="Microsoft YaHei" panose="020B0503020204020204" pitchFamily="34" charset="-122"/>
+                <a:ea typeface="Microsoft YaHei" panose="020B0503020204020204" pitchFamily="34" charset="-122"/>
+              </a:rPr>
+              <a:t>2021©</a:t>
+            </a:r>
+            <a:r>
+              <a:rPr lang="en-US" altLang="zh-CN" sz="2000" dirty="0">
+                <a:solidFill>
+                  <a:schemeClr val="bg2">
+                    <a:lumMod val="50000"/>
+                  </a:schemeClr>
+                </a:solidFill>
+                <a:latin typeface="Microsoft YaHei" panose="020B0503020204020204" pitchFamily="34" charset="-122"/>
+                <a:ea typeface="Microsoft YaHei" panose="020B0503020204020204" pitchFamily="34" charset="-122"/>
+              </a:rPr>
+              <a:t>ROCOCO</a:t>
+            </a:r>
+            <a:endParaRPr kumimoji="1" lang="zh-CN" altLang="en-US" sz="2000" dirty="0">
+              <a:solidFill>
+                <a:schemeClr val="bg2">
+                  <a:lumMod val="50000"/>
+                </a:schemeClr>
+              </a:solidFill>
+              <a:latin typeface="Microsoft YaHei" panose="020B0503020204020204" pitchFamily="34" charset="-122"/>
+              <a:ea typeface="Microsoft YaHei" panose="020B0503020204020204" pitchFamily="34" charset="-122"/>
+            </a:endParaRPr>
           </a:p>
         </p:txBody>
       </p:sp>
     </p:spTree>
     <p:extLst>
       <p:ext uri="{BB962C8B-B14F-4D97-AF65-F5344CB8AC3E}">
-        <p14:creationId xmlns:p14="http://schemas.microsoft.com/office/powerpoint/2010/main" val="3073966799"/>
+        <p14:creationId xmlns:p14="http://schemas.microsoft.com/office/powerpoint/2010/main" val="4099410138"/>
+      </p:ext>
+    </p:extLst>
+  </p:cSld>
+  <p:clrMapOvr>
+    <a:masterClrMapping/>
+  </p:clrMapOvr>
+</p:sld>
+</file>
+
+<file path=ppt/slides/slide10.xml><?xml version="1.0" encoding="utf-8"?>
+<p:sld xmlns:a="http://schemas.openxmlformats.org/drawingml/2006/main" xmlns:r="http://schemas.openxmlformats.org/officeDocument/2006/relationships" xmlns:p="http://schemas.openxmlformats.org/presentationml/2006/main">
+  <p:cSld>
+    <p:spTree>
+      <p:nvGrpSpPr>
+        <p:cNvPr id="1" name=""/>
+        <p:cNvGrpSpPr/>
+        <p:nvPr/>
+      </p:nvGrpSpPr>
+      <p:grpSpPr>
+        <a:xfrm>
+          <a:off x="0" y="0"/>
+          <a:ext cx="0" cy="0"/>
+          <a:chOff x="0" y="0"/>
+          <a:chExt cx="0" cy="0"/>
+        </a:xfrm>
+      </p:grpSpPr>
+      <p:sp>
+        <p:nvSpPr>
+          <p:cNvPr id="5" name="矩形 4">
+            <a:extLst>
+              <a:ext uri="{FF2B5EF4-FFF2-40B4-BE49-F238E27FC236}">
+                <a16:creationId xmlns:a16="http://schemas.microsoft.com/office/drawing/2014/main" id="{F979A305-980D-624D-98F0-376F455F6824}"/>
+              </a:ext>
+            </a:extLst>
+          </p:cNvPr>
+          <p:cNvSpPr/>
+          <p:nvPr/>
+        </p:nvSpPr>
+        <p:spPr>
+          <a:xfrm>
+            <a:off x="464969" y="325676"/>
+            <a:ext cx="11727032" cy="770562"/>
+          </a:xfrm>
+          <a:prstGeom prst="rect">
+            <a:avLst/>
+          </a:prstGeom>
+          <a:noFill/>
+          <a:ln>
+            <a:noFill/>
+          </a:ln>
+        </p:spPr>
+        <p:style>
+          <a:lnRef idx="2">
+            <a:schemeClr val="accent1">
+              <a:shade val="50000"/>
+            </a:schemeClr>
+          </a:lnRef>
+          <a:fillRef idx="1">
+            <a:schemeClr val="accent1"/>
+          </a:fillRef>
+          <a:effectRef idx="0">
+            <a:schemeClr val="accent1"/>
+          </a:effectRef>
+          <a:fontRef idx="minor">
+            <a:schemeClr val="lt1"/>
+          </a:fontRef>
+        </p:style>
+        <p:txBody>
+          <a:bodyPr rtlCol="0" anchor="ctr"/>
+          <a:lstStyle/>
+          <a:p>
+            <a:r>
+              <a:rPr kumimoji="1" lang="zh-CN" altLang="en-US" sz="3600" b="1" u="sng" dirty="0">
+                <a:solidFill>
+                  <a:schemeClr val="tx1">
+                    <a:lumMod val="85000"/>
+                    <a:lumOff val="15000"/>
+                  </a:schemeClr>
+                </a:solidFill>
+                <a:latin typeface="Microsoft YaHei" panose="020B0503020204020204" pitchFamily="34" charset="-122"/>
+                <a:ea typeface="Microsoft YaHei" panose="020B0503020204020204" pitchFamily="34" charset="-122"/>
+              </a:rPr>
+              <a:t>データ型</a:t>
+            </a:r>
+          </a:p>
+        </p:txBody>
+      </p:sp>
+      <p:sp>
+        <p:nvSpPr>
+          <p:cNvPr id="9" name="文本框 8">
+            <a:extLst>
+              <a:ext uri="{FF2B5EF4-FFF2-40B4-BE49-F238E27FC236}">
+                <a16:creationId xmlns:a16="http://schemas.microsoft.com/office/drawing/2014/main" id="{004DCEA4-4400-4149-9172-65651219B67A}"/>
+              </a:ext>
+            </a:extLst>
+          </p:cNvPr>
+          <p:cNvSpPr txBox="1"/>
+          <p:nvPr/>
+        </p:nvSpPr>
+        <p:spPr>
+          <a:xfrm>
+            <a:off x="668604" y="1574560"/>
+            <a:ext cx="3889206" cy="1477328"/>
+          </a:xfrm>
+          <a:prstGeom prst="rect">
+            <a:avLst/>
+          </a:prstGeom>
+          <a:noFill/>
+        </p:spPr>
+        <p:txBody>
+          <a:bodyPr wrap="none" rtlCol="0">
+            <a:spAutoFit/>
+          </a:bodyPr>
+          <a:lstStyle/>
+          <a:p>
+            <a:pPr marL="342900" indent="-342900">
+              <a:buAutoNum type="arabicPeriod"/>
+            </a:pPr>
+            <a:r>
+              <a:rPr kumimoji="1" lang="en-US" altLang="zh-CN" dirty="0">
+                <a:solidFill>
+                  <a:schemeClr val="tx1">
+                    <a:lumMod val="65000"/>
+                    <a:lumOff val="35000"/>
+                  </a:schemeClr>
+                </a:solidFill>
+                <a:latin typeface="Microsoft YaHei" panose="020B0503020204020204" pitchFamily="34" charset="-122"/>
+                <a:ea typeface="Microsoft YaHei" panose="020B0503020204020204" pitchFamily="34" charset="-122"/>
+              </a:rPr>
+              <a:t>String</a:t>
+            </a:r>
+            <a:r>
+              <a:rPr kumimoji="1" lang="zh-CN" altLang="en-US" dirty="0">
+                <a:solidFill>
+                  <a:schemeClr val="tx1">
+                    <a:lumMod val="65000"/>
+                    <a:lumOff val="35000"/>
+                  </a:schemeClr>
+                </a:solidFill>
+                <a:latin typeface="Microsoft YaHei" panose="020B0503020204020204" pitchFamily="34" charset="-122"/>
+                <a:ea typeface="Microsoft YaHei" panose="020B0503020204020204" pitchFamily="34" charset="-122"/>
+              </a:rPr>
+              <a:t>：文字列</a:t>
+            </a:r>
+            <a:endParaRPr kumimoji="1" lang="en-US" altLang="zh-CN" dirty="0">
+              <a:solidFill>
+                <a:schemeClr val="tx1">
+                  <a:lumMod val="65000"/>
+                  <a:lumOff val="35000"/>
+                </a:schemeClr>
+              </a:solidFill>
+              <a:latin typeface="Microsoft YaHei" panose="020B0503020204020204" pitchFamily="34" charset="-122"/>
+              <a:ea typeface="Microsoft YaHei" panose="020B0503020204020204" pitchFamily="34" charset="-122"/>
+            </a:endParaRPr>
+          </a:p>
+          <a:p>
+            <a:pPr marL="342900" indent="-342900">
+              <a:buAutoNum type="arabicPeriod"/>
+            </a:pPr>
+            <a:r>
+              <a:rPr kumimoji="1" lang="en-US" altLang="zh-CN" dirty="0">
+                <a:solidFill>
+                  <a:schemeClr val="tx1">
+                    <a:lumMod val="65000"/>
+                    <a:lumOff val="35000"/>
+                  </a:schemeClr>
+                </a:solidFill>
+                <a:latin typeface="Microsoft YaHei" panose="020B0503020204020204" pitchFamily="34" charset="-122"/>
+                <a:ea typeface="Microsoft YaHei" panose="020B0503020204020204" pitchFamily="34" charset="-122"/>
+              </a:rPr>
+              <a:t>Number</a:t>
+            </a:r>
+            <a:r>
+              <a:rPr kumimoji="1" lang="zh-CN" altLang="en-US" dirty="0">
+                <a:solidFill>
+                  <a:schemeClr val="tx1">
+                    <a:lumMod val="65000"/>
+                    <a:lumOff val="35000"/>
+                  </a:schemeClr>
+                </a:solidFill>
+                <a:latin typeface="Microsoft YaHei" panose="020B0503020204020204" pitchFamily="34" charset="-122"/>
+                <a:ea typeface="Microsoft YaHei" panose="020B0503020204020204" pitchFamily="34" charset="-122"/>
+              </a:rPr>
+              <a:t>：数字</a:t>
+            </a:r>
+            <a:endParaRPr kumimoji="1" lang="en-US" altLang="zh-CN" dirty="0">
+              <a:solidFill>
+                <a:schemeClr val="tx1">
+                  <a:lumMod val="65000"/>
+                  <a:lumOff val="35000"/>
+                </a:schemeClr>
+              </a:solidFill>
+              <a:latin typeface="Microsoft YaHei" panose="020B0503020204020204" pitchFamily="34" charset="-122"/>
+              <a:ea typeface="Microsoft YaHei" panose="020B0503020204020204" pitchFamily="34" charset="-122"/>
+            </a:endParaRPr>
+          </a:p>
+          <a:p>
+            <a:pPr marL="342900" indent="-342900">
+              <a:buAutoNum type="arabicPeriod"/>
+            </a:pPr>
+            <a:r>
+              <a:rPr kumimoji="1" lang="en-US" altLang="zh-CN" dirty="0">
+                <a:solidFill>
+                  <a:schemeClr val="tx1">
+                    <a:lumMod val="65000"/>
+                    <a:lumOff val="35000"/>
+                  </a:schemeClr>
+                </a:solidFill>
+                <a:latin typeface="Microsoft YaHei" panose="020B0503020204020204" pitchFamily="34" charset="-122"/>
+                <a:ea typeface="Microsoft YaHei" panose="020B0503020204020204" pitchFamily="34" charset="-122"/>
+              </a:rPr>
+              <a:t>Boolean</a:t>
+            </a:r>
+            <a:r>
+              <a:rPr kumimoji="1" lang="zh-CN" altLang="en-US" dirty="0">
+                <a:solidFill>
+                  <a:schemeClr val="tx1">
+                    <a:lumMod val="65000"/>
+                    <a:lumOff val="35000"/>
+                  </a:schemeClr>
+                </a:solidFill>
+                <a:latin typeface="Microsoft YaHei" panose="020B0503020204020204" pitchFamily="34" charset="-122"/>
+                <a:ea typeface="Microsoft YaHei" panose="020B0503020204020204" pitchFamily="34" charset="-122"/>
+              </a:rPr>
+              <a:t>：</a:t>
+            </a:r>
+            <a:r>
+              <a:rPr lang="en" altLang="zh-CN" dirty="0"/>
+              <a:t>true </a:t>
+            </a:r>
+            <a:r>
+              <a:rPr lang="ja-JP" altLang="en-US"/>
+              <a:t>と </a:t>
+            </a:r>
+            <a:r>
+              <a:rPr lang="en" altLang="zh-CN" dirty="0"/>
+              <a:t>false</a:t>
+            </a:r>
+            <a:endParaRPr kumimoji="1" lang="en-US" altLang="zh-CN" dirty="0">
+              <a:solidFill>
+                <a:schemeClr val="tx1">
+                  <a:lumMod val="65000"/>
+                  <a:lumOff val="35000"/>
+                </a:schemeClr>
+              </a:solidFill>
+              <a:latin typeface="Microsoft YaHei" panose="020B0503020204020204" pitchFamily="34" charset="-122"/>
+              <a:ea typeface="Microsoft YaHei" panose="020B0503020204020204" pitchFamily="34" charset="-122"/>
+            </a:endParaRPr>
+          </a:p>
+          <a:p>
+            <a:pPr marL="342900" indent="-342900">
+              <a:buAutoNum type="arabicPeriod"/>
+            </a:pPr>
+            <a:r>
+              <a:rPr kumimoji="1" lang="en-US" altLang="zh-CN" dirty="0">
+                <a:solidFill>
+                  <a:schemeClr val="tx1">
+                    <a:lumMod val="65000"/>
+                    <a:lumOff val="35000"/>
+                  </a:schemeClr>
+                </a:solidFill>
+                <a:latin typeface="Microsoft YaHei" panose="020B0503020204020204" pitchFamily="34" charset="-122"/>
+                <a:ea typeface="Microsoft YaHei" panose="020B0503020204020204" pitchFamily="34" charset="-122"/>
+              </a:rPr>
+              <a:t>Array</a:t>
+            </a:r>
+            <a:r>
+              <a:rPr kumimoji="1" lang="zh-CN" altLang="en-US" dirty="0">
+                <a:solidFill>
+                  <a:schemeClr val="tx1">
+                    <a:lumMod val="65000"/>
+                    <a:lumOff val="35000"/>
+                  </a:schemeClr>
+                </a:solidFill>
+                <a:latin typeface="Microsoft YaHei" panose="020B0503020204020204" pitchFamily="34" charset="-122"/>
+                <a:ea typeface="Microsoft YaHei" panose="020B0503020204020204" pitchFamily="34" charset="-122"/>
+              </a:rPr>
+              <a:t>：</a:t>
+            </a:r>
+            <a:r>
+              <a:rPr lang="zh-CN" altLang="en-US" dirty="0"/>
+              <a:t>複数</a:t>
+            </a:r>
+            <a:r>
+              <a:rPr lang="ja-JP" altLang="en-US"/>
+              <a:t>の</a:t>
+            </a:r>
+            <a:r>
+              <a:rPr lang="zh-CN" altLang="en-US" dirty="0"/>
+              <a:t>値</a:t>
+            </a:r>
+            <a:r>
+              <a:rPr lang="ja-JP" altLang="en-US"/>
+              <a:t>を</a:t>
+            </a:r>
+            <a:r>
+              <a:rPr lang="zh-CN" altLang="en-US" dirty="0"/>
+              <a:t>格納</a:t>
+            </a:r>
+            <a:r>
+              <a:rPr lang="ja-JP" altLang="en-US"/>
+              <a:t>できる。</a:t>
+            </a:r>
+            <a:endParaRPr lang="en-US" altLang="ja-JP" dirty="0"/>
+          </a:p>
+          <a:p>
+            <a:pPr marL="342900" indent="-342900">
+              <a:buAutoNum type="arabicPeriod"/>
+            </a:pPr>
+            <a:r>
+              <a:rPr kumimoji="1" lang="en-US" altLang="zh-CN" dirty="0">
+                <a:solidFill>
+                  <a:schemeClr val="tx1">
+                    <a:lumMod val="65000"/>
+                    <a:lumOff val="35000"/>
+                  </a:schemeClr>
+                </a:solidFill>
+                <a:latin typeface="Microsoft YaHei" panose="020B0503020204020204" pitchFamily="34" charset="-122"/>
+                <a:ea typeface="Microsoft YaHei" panose="020B0503020204020204" pitchFamily="34" charset="-122"/>
+              </a:rPr>
+              <a:t>Object:</a:t>
+            </a:r>
+            <a:r>
+              <a:rPr kumimoji="1" lang="zh-CN" altLang="en-US" dirty="0">
+                <a:solidFill>
+                  <a:schemeClr val="tx1">
+                    <a:lumMod val="65000"/>
+                    <a:lumOff val="35000"/>
+                  </a:schemeClr>
+                </a:solidFill>
+                <a:latin typeface="Microsoft YaHei" panose="020B0503020204020204" pitchFamily="34" charset="-122"/>
+                <a:ea typeface="Microsoft YaHei" panose="020B0503020204020204" pitchFamily="34" charset="-122"/>
+              </a:rPr>
+              <a:t>何を格納できる</a:t>
+            </a:r>
+            <a:endParaRPr kumimoji="1" lang="en-US" altLang="zh-CN" dirty="0">
+              <a:solidFill>
+                <a:schemeClr val="tx1">
+                  <a:lumMod val="65000"/>
+                  <a:lumOff val="35000"/>
+                </a:schemeClr>
+              </a:solidFill>
+              <a:latin typeface="Microsoft YaHei" panose="020B0503020204020204" pitchFamily="34" charset="-122"/>
+              <a:ea typeface="Microsoft YaHei" panose="020B0503020204020204" pitchFamily="34" charset="-122"/>
+            </a:endParaRPr>
+          </a:p>
+        </p:txBody>
+      </p:sp>
+    </p:spTree>
+    <p:extLst>
+      <p:ext uri="{BB962C8B-B14F-4D97-AF65-F5344CB8AC3E}">
+        <p14:creationId xmlns:p14="http://schemas.microsoft.com/office/powerpoint/2010/main" val="3336718790"/>
+      </p:ext>
+    </p:extLst>
+  </p:cSld>
+  <p:clrMapOvr>
+    <a:masterClrMapping/>
+  </p:clrMapOvr>
+</p:sld>
+</file>
+
+<file path=ppt/slides/slide11.xml><?xml version="1.0" encoding="utf-8"?>
+<p:sld xmlns:a="http://schemas.openxmlformats.org/drawingml/2006/main" xmlns:r="http://schemas.openxmlformats.org/officeDocument/2006/relationships" xmlns:p="http://schemas.openxmlformats.org/presentationml/2006/main">
+  <p:cSld>
+    <p:spTree>
+      <p:nvGrpSpPr>
+        <p:cNvPr id="1" name=""/>
+        <p:cNvGrpSpPr/>
+        <p:nvPr/>
+      </p:nvGrpSpPr>
+      <p:grpSpPr>
+        <a:xfrm>
+          <a:off x="0" y="0"/>
+          <a:ext cx="0" cy="0"/>
+          <a:chOff x="0" y="0"/>
+          <a:chExt cx="0" cy="0"/>
+        </a:xfrm>
+      </p:grpSpPr>
+      <p:sp>
+        <p:nvSpPr>
+          <p:cNvPr id="5" name="矩形 4">
+            <a:extLst>
+              <a:ext uri="{FF2B5EF4-FFF2-40B4-BE49-F238E27FC236}">
+                <a16:creationId xmlns:a16="http://schemas.microsoft.com/office/drawing/2014/main" id="{F979A305-980D-624D-98F0-376F455F6824}"/>
+              </a:ext>
+            </a:extLst>
+          </p:cNvPr>
+          <p:cNvSpPr/>
+          <p:nvPr/>
+        </p:nvSpPr>
+        <p:spPr>
+          <a:xfrm>
+            <a:off x="464969" y="325676"/>
+            <a:ext cx="11727032" cy="770562"/>
+          </a:xfrm>
+          <a:prstGeom prst="rect">
+            <a:avLst/>
+          </a:prstGeom>
+          <a:noFill/>
+          <a:ln>
+            <a:noFill/>
+          </a:ln>
+        </p:spPr>
+        <p:style>
+          <a:lnRef idx="2">
+            <a:schemeClr val="accent1">
+              <a:shade val="50000"/>
+            </a:schemeClr>
+          </a:lnRef>
+          <a:fillRef idx="1">
+            <a:schemeClr val="accent1"/>
+          </a:fillRef>
+          <a:effectRef idx="0">
+            <a:schemeClr val="accent1"/>
+          </a:effectRef>
+          <a:fontRef idx="minor">
+            <a:schemeClr val="lt1"/>
+          </a:fontRef>
+        </p:style>
+        <p:txBody>
+          <a:bodyPr rtlCol="0" anchor="ctr"/>
+          <a:lstStyle/>
+          <a:p>
+            <a:r>
+              <a:rPr kumimoji="1" lang="zh-CN" altLang="en-US" sz="3600" b="1" u="sng" dirty="0">
+                <a:solidFill>
+                  <a:schemeClr val="tx1">
+                    <a:lumMod val="85000"/>
+                    <a:lumOff val="15000"/>
+                  </a:schemeClr>
+                </a:solidFill>
+                <a:latin typeface="Microsoft YaHei" panose="020B0503020204020204" pitchFamily="34" charset="-122"/>
+                <a:ea typeface="Microsoft YaHei" panose="020B0503020204020204" pitchFamily="34" charset="-122"/>
+              </a:rPr>
+              <a:t>演算子</a:t>
+            </a:r>
+          </a:p>
+        </p:txBody>
+      </p:sp>
+      <p:sp>
+        <p:nvSpPr>
+          <p:cNvPr id="9" name="文本框 8">
+            <a:extLst>
+              <a:ext uri="{FF2B5EF4-FFF2-40B4-BE49-F238E27FC236}">
+                <a16:creationId xmlns:a16="http://schemas.microsoft.com/office/drawing/2014/main" id="{004DCEA4-4400-4149-9172-65651219B67A}"/>
+              </a:ext>
+            </a:extLst>
+          </p:cNvPr>
+          <p:cNvSpPr txBox="1"/>
+          <p:nvPr/>
+        </p:nvSpPr>
+        <p:spPr>
+          <a:xfrm>
+            <a:off x="668604" y="1574560"/>
+            <a:ext cx="1223412" cy="3139321"/>
+          </a:xfrm>
+          <a:prstGeom prst="rect">
+            <a:avLst/>
+          </a:prstGeom>
+          <a:noFill/>
+        </p:spPr>
+        <p:txBody>
+          <a:bodyPr wrap="none" rtlCol="0">
+            <a:spAutoFit/>
+          </a:bodyPr>
+          <a:lstStyle/>
+          <a:p>
+            <a:pPr marL="342900" indent="-342900">
+              <a:buAutoNum type="arabicPeriod"/>
+            </a:pPr>
+            <a:r>
+              <a:rPr kumimoji="1" lang="zh-CN" altLang="en-US" dirty="0">
+                <a:solidFill>
+                  <a:schemeClr val="tx1">
+                    <a:lumMod val="65000"/>
+                    <a:lumOff val="35000"/>
+                  </a:schemeClr>
+                </a:solidFill>
+                <a:latin typeface="Microsoft YaHei" panose="020B0503020204020204" pitchFamily="34" charset="-122"/>
+                <a:ea typeface="Microsoft YaHei" panose="020B0503020204020204" pitchFamily="34" charset="-122"/>
+              </a:rPr>
+              <a:t>＋</a:t>
+            </a:r>
+            <a:endParaRPr kumimoji="1" lang="en-US" altLang="zh-CN" dirty="0">
+              <a:solidFill>
+                <a:schemeClr val="tx1">
+                  <a:lumMod val="65000"/>
+                  <a:lumOff val="35000"/>
+                </a:schemeClr>
+              </a:solidFill>
+              <a:latin typeface="Microsoft YaHei" panose="020B0503020204020204" pitchFamily="34" charset="-122"/>
+              <a:ea typeface="Microsoft YaHei" panose="020B0503020204020204" pitchFamily="34" charset="-122"/>
+            </a:endParaRPr>
+          </a:p>
+          <a:p>
+            <a:pPr marL="342900" indent="-342900">
+              <a:buAutoNum type="arabicPeriod"/>
+            </a:pPr>
+            <a:r>
+              <a:rPr kumimoji="1" lang="zh-CN" altLang="en-US" dirty="0">
+                <a:solidFill>
+                  <a:schemeClr val="tx1">
+                    <a:lumMod val="65000"/>
+                    <a:lumOff val="35000"/>
+                  </a:schemeClr>
+                </a:solidFill>
+                <a:latin typeface="Microsoft YaHei" panose="020B0503020204020204" pitchFamily="34" charset="-122"/>
+                <a:ea typeface="Microsoft YaHei" panose="020B0503020204020204" pitchFamily="34" charset="-122"/>
+              </a:rPr>
+              <a:t>ー</a:t>
+            </a:r>
+            <a:endParaRPr kumimoji="1" lang="en-US" altLang="zh-CN" dirty="0">
+              <a:solidFill>
+                <a:schemeClr val="tx1">
+                  <a:lumMod val="65000"/>
+                  <a:lumOff val="35000"/>
+                </a:schemeClr>
+              </a:solidFill>
+              <a:latin typeface="Microsoft YaHei" panose="020B0503020204020204" pitchFamily="34" charset="-122"/>
+              <a:ea typeface="Microsoft YaHei" panose="020B0503020204020204" pitchFamily="34" charset="-122"/>
+            </a:endParaRPr>
+          </a:p>
+          <a:p>
+            <a:pPr marL="342900" indent="-342900">
+              <a:buAutoNum type="arabicPeriod"/>
+            </a:pPr>
+            <a:r>
+              <a:rPr kumimoji="1" lang="zh-CN" altLang="en-US" dirty="0">
+                <a:solidFill>
+                  <a:schemeClr val="tx1">
+                    <a:lumMod val="65000"/>
+                    <a:lumOff val="35000"/>
+                  </a:schemeClr>
+                </a:solidFill>
+                <a:latin typeface="Microsoft YaHei" panose="020B0503020204020204" pitchFamily="34" charset="-122"/>
+                <a:ea typeface="Microsoft YaHei" panose="020B0503020204020204" pitchFamily="34" charset="-122"/>
+              </a:rPr>
+              <a:t>＝</a:t>
+            </a:r>
+            <a:endParaRPr kumimoji="1" lang="en-US" altLang="zh-CN" dirty="0">
+              <a:solidFill>
+                <a:schemeClr val="tx1">
+                  <a:lumMod val="65000"/>
+                  <a:lumOff val="35000"/>
+                </a:schemeClr>
+              </a:solidFill>
+              <a:latin typeface="Microsoft YaHei" panose="020B0503020204020204" pitchFamily="34" charset="-122"/>
+              <a:ea typeface="Microsoft YaHei" panose="020B0503020204020204" pitchFamily="34" charset="-122"/>
+            </a:endParaRPr>
+          </a:p>
+          <a:p>
+            <a:pPr marL="342900" indent="-342900">
+              <a:buAutoNum type="arabicPeriod"/>
+            </a:pPr>
+            <a:r>
+              <a:rPr kumimoji="1" lang="zh-CN" altLang="en-US" dirty="0">
+                <a:solidFill>
+                  <a:schemeClr val="tx1">
+                    <a:lumMod val="65000"/>
+                    <a:lumOff val="35000"/>
+                  </a:schemeClr>
+                </a:solidFill>
+                <a:latin typeface="Microsoft YaHei" panose="020B0503020204020204" pitchFamily="34" charset="-122"/>
+                <a:ea typeface="Microsoft YaHei" panose="020B0503020204020204" pitchFamily="34" charset="-122"/>
+              </a:rPr>
+              <a:t>＝＝</a:t>
+            </a:r>
+            <a:endParaRPr kumimoji="1" lang="en-US" altLang="zh-CN" dirty="0">
+              <a:solidFill>
+                <a:schemeClr val="tx1">
+                  <a:lumMod val="65000"/>
+                  <a:lumOff val="35000"/>
+                </a:schemeClr>
+              </a:solidFill>
+              <a:latin typeface="Microsoft YaHei" panose="020B0503020204020204" pitchFamily="34" charset="-122"/>
+              <a:ea typeface="Microsoft YaHei" panose="020B0503020204020204" pitchFamily="34" charset="-122"/>
+            </a:endParaRPr>
+          </a:p>
+          <a:p>
+            <a:pPr marL="342900" indent="-342900">
+              <a:buAutoNum type="arabicPeriod"/>
+            </a:pPr>
+            <a:r>
+              <a:rPr kumimoji="1" lang="zh-CN" altLang="en-US" dirty="0">
+                <a:solidFill>
+                  <a:schemeClr val="tx1">
+                    <a:lumMod val="65000"/>
+                    <a:lumOff val="35000"/>
+                  </a:schemeClr>
+                </a:solidFill>
+                <a:latin typeface="Microsoft YaHei" panose="020B0503020204020204" pitchFamily="34" charset="-122"/>
+                <a:ea typeface="Microsoft YaHei" panose="020B0503020204020204" pitchFamily="34" charset="-122"/>
+              </a:rPr>
+              <a:t>＝＝＝</a:t>
+            </a:r>
+            <a:endParaRPr kumimoji="1" lang="en-US" altLang="zh-CN" dirty="0">
+              <a:solidFill>
+                <a:schemeClr val="tx1">
+                  <a:lumMod val="65000"/>
+                  <a:lumOff val="35000"/>
+                </a:schemeClr>
+              </a:solidFill>
+              <a:latin typeface="Microsoft YaHei" panose="020B0503020204020204" pitchFamily="34" charset="-122"/>
+              <a:ea typeface="Microsoft YaHei" panose="020B0503020204020204" pitchFamily="34" charset="-122"/>
+            </a:endParaRPr>
+          </a:p>
+          <a:p>
+            <a:pPr marL="342900" indent="-342900">
+              <a:buAutoNum type="arabicPeriod"/>
+            </a:pPr>
+            <a:r>
+              <a:rPr kumimoji="1" lang="zh-CN" altLang="en-US" dirty="0">
+                <a:solidFill>
+                  <a:schemeClr val="tx1">
+                    <a:lumMod val="65000"/>
+                    <a:lumOff val="35000"/>
+                  </a:schemeClr>
+                </a:solidFill>
+                <a:latin typeface="Microsoft YaHei" panose="020B0503020204020204" pitchFamily="34" charset="-122"/>
+                <a:ea typeface="Microsoft YaHei" panose="020B0503020204020204" pitchFamily="34" charset="-122"/>
+              </a:rPr>
+              <a:t>＋＋</a:t>
+            </a:r>
+            <a:endParaRPr kumimoji="1" lang="en-US" altLang="zh-CN" dirty="0">
+              <a:solidFill>
+                <a:schemeClr val="tx1">
+                  <a:lumMod val="65000"/>
+                  <a:lumOff val="35000"/>
+                </a:schemeClr>
+              </a:solidFill>
+              <a:latin typeface="Microsoft YaHei" panose="020B0503020204020204" pitchFamily="34" charset="-122"/>
+              <a:ea typeface="Microsoft YaHei" panose="020B0503020204020204" pitchFamily="34" charset="-122"/>
+            </a:endParaRPr>
+          </a:p>
+          <a:p>
+            <a:pPr marL="342900" indent="-342900">
+              <a:buAutoNum type="arabicPeriod"/>
+            </a:pPr>
+            <a:r>
+              <a:rPr kumimoji="1" lang="zh-CN" altLang="en-US" dirty="0">
+                <a:solidFill>
+                  <a:schemeClr val="tx1">
+                    <a:lumMod val="65000"/>
+                    <a:lumOff val="35000"/>
+                  </a:schemeClr>
+                </a:solidFill>
+                <a:latin typeface="Microsoft YaHei" panose="020B0503020204020204" pitchFamily="34" charset="-122"/>
+                <a:ea typeface="Microsoft YaHei" panose="020B0503020204020204" pitchFamily="34" charset="-122"/>
+              </a:rPr>
+              <a:t>ーー</a:t>
+            </a:r>
+            <a:endParaRPr kumimoji="1" lang="en-US" altLang="zh-CN" dirty="0">
+              <a:solidFill>
+                <a:schemeClr val="tx1">
+                  <a:lumMod val="65000"/>
+                  <a:lumOff val="35000"/>
+                </a:schemeClr>
+              </a:solidFill>
+              <a:latin typeface="Microsoft YaHei" panose="020B0503020204020204" pitchFamily="34" charset="-122"/>
+              <a:ea typeface="Microsoft YaHei" panose="020B0503020204020204" pitchFamily="34" charset="-122"/>
+            </a:endParaRPr>
+          </a:p>
+          <a:p>
+            <a:pPr marL="342900" indent="-342900">
+              <a:buAutoNum type="arabicPeriod"/>
+            </a:pPr>
+            <a:r>
+              <a:rPr kumimoji="1" lang="zh-CN" altLang="en-US" dirty="0">
+                <a:solidFill>
+                  <a:schemeClr val="tx1">
+                    <a:lumMod val="65000"/>
+                    <a:lumOff val="35000"/>
+                  </a:schemeClr>
+                </a:solidFill>
+                <a:latin typeface="Microsoft YaHei" panose="020B0503020204020204" pitchFamily="34" charset="-122"/>
+                <a:ea typeface="Microsoft YaHei" panose="020B0503020204020204" pitchFamily="34" charset="-122"/>
+              </a:rPr>
+              <a:t>＞</a:t>
+            </a:r>
+            <a:endParaRPr kumimoji="1" lang="en-US" altLang="zh-CN" dirty="0">
+              <a:solidFill>
+                <a:schemeClr val="tx1">
+                  <a:lumMod val="65000"/>
+                  <a:lumOff val="35000"/>
+                </a:schemeClr>
+              </a:solidFill>
+              <a:latin typeface="Microsoft YaHei" panose="020B0503020204020204" pitchFamily="34" charset="-122"/>
+              <a:ea typeface="Microsoft YaHei" panose="020B0503020204020204" pitchFamily="34" charset="-122"/>
+            </a:endParaRPr>
+          </a:p>
+          <a:p>
+            <a:pPr marL="342900" indent="-342900">
+              <a:buAutoNum type="arabicPeriod"/>
+            </a:pPr>
+            <a:r>
+              <a:rPr kumimoji="1" lang="zh-CN" altLang="en-US" dirty="0">
+                <a:solidFill>
+                  <a:schemeClr val="tx1">
+                    <a:lumMod val="65000"/>
+                    <a:lumOff val="35000"/>
+                  </a:schemeClr>
+                </a:solidFill>
+                <a:latin typeface="Microsoft YaHei" panose="020B0503020204020204" pitchFamily="34" charset="-122"/>
+                <a:ea typeface="Microsoft YaHei" panose="020B0503020204020204" pitchFamily="34" charset="-122"/>
+              </a:rPr>
+              <a:t>＞＝</a:t>
+            </a:r>
+            <a:endParaRPr kumimoji="1" lang="en-US" altLang="zh-CN" dirty="0">
+              <a:solidFill>
+                <a:schemeClr val="tx1">
+                  <a:lumMod val="65000"/>
+                  <a:lumOff val="35000"/>
+                </a:schemeClr>
+              </a:solidFill>
+              <a:latin typeface="Microsoft YaHei" panose="020B0503020204020204" pitchFamily="34" charset="-122"/>
+              <a:ea typeface="Microsoft YaHei" panose="020B0503020204020204" pitchFamily="34" charset="-122"/>
+            </a:endParaRPr>
+          </a:p>
+          <a:p>
+            <a:pPr marL="342900" indent="-342900">
+              <a:buAutoNum type="arabicPeriod"/>
+            </a:pPr>
+            <a:r>
+              <a:rPr kumimoji="1" lang="zh-CN" altLang="en-US" dirty="0">
+                <a:solidFill>
+                  <a:schemeClr val="tx1">
+                    <a:lumMod val="65000"/>
+                    <a:lumOff val="35000"/>
+                  </a:schemeClr>
+                </a:solidFill>
+                <a:latin typeface="Microsoft YaHei" panose="020B0503020204020204" pitchFamily="34" charset="-122"/>
+                <a:ea typeface="Microsoft YaHei" panose="020B0503020204020204" pitchFamily="34" charset="-122"/>
+              </a:rPr>
+              <a:t>＜</a:t>
+            </a:r>
+            <a:endParaRPr kumimoji="1" lang="en-US" altLang="zh-CN" dirty="0">
+              <a:solidFill>
+                <a:schemeClr val="tx1">
+                  <a:lumMod val="65000"/>
+                  <a:lumOff val="35000"/>
+                </a:schemeClr>
+              </a:solidFill>
+              <a:latin typeface="Microsoft YaHei" panose="020B0503020204020204" pitchFamily="34" charset="-122"/>
+              <a:ea typeface="Microsoft YaHei" panose="020B0503020204020204" pitchFamily="34" charset="-122"/>
+            </a:endParaRPr>
+          </a:p>
+          <a:p>
+            <a:pPr marL="342900" indent="-342900">
+              <a:buAutoNum type="arabicPeriod"/>
+            </a:pPr>
+            <a:r>
+              <a:rPr kumimoji="1" lang="zh-CN" altLang="en-US" dirty="0">
+                <a:solidFill>
+                  <a:schemeClr val="tx1">
+                    <a:lumMod val="65000"/>
+                    <a:lumOff val="35000"/>
+                  </a:schemeClr>
+                </a:solidFill>
+                <a:latin typeface="Microsoft YaHei" panose="020B0503020204020204" pitchFamily="34" charset="-122"/>
+                <a:ea typeface="Microsoft YaHei" panose="020B0503020204020204" pitchFamily="34" charset="-122"/>
+              </a:rPr>
+              <a:t>＜＝</a:t>
+            </a:r>
+            <a:endParaRPr kumimoji="1" lang="en-US" altLang="zh-CN" dirty="0">
+              <a:solidFill>
+                <a:schemeClr val="tx1">
+                  <a:lumMod val="65000"/>
+                  <a:lumOff val="35000"/>
+                </a:schemeClr>
+              </a:solidFill>
+              <a:latin typeface="Microsoft YaHei" panose="020B0503020204020204" pitchFamily="34" charset="-122"/>
+              <a:ea typeface="Microsoft YaHei" panose="020B0503020204020204" pitchFamily="34" charset="-122"/>
+            </a:endParaRPr>
+          </a:p>
+        </p:txBody>
+      </p:sp>
+    </p:spTree>
+    <p:extLst>
+      <p:ext uri="{BB962C8B-B14F-4D97-AF65-F5344CB8AC3E}">
+        <p14:creationId xmlns:p14="http://schemas.microsoft.com/office/powerpoint/2010/main" val="3299105906"/>
+      </p:ext>
+    </p:extLst>
+  </p:cSld>
+  <p:clrMapOvr>
+    <a:masterClrMapping/>
+  </p:clrMapOvr>
+</p:sld>
+</file>
+
+<file path=ppt/slides/slide12.xml><?xml version="1.0" encoding="utf-8"?>
+<p:sld xmlns:a="http://schemas.openxmlformats.org/drawingml/2006/main" xmlns:r="http://schemas.openxmlformats.org/officeDocument/2006/relationships" xmlns:p="http://schemas.openxmlformats.org/presentationml/2006/main">
+  <p:cSld>
+    <p:spTree>
+      <p:nvGrpSpPr>
+        <p:cNvPr id="1" name=""/>
+        <p:cNvGrpSpPr/>
+        <p:nvPr/>
+      </p:nvGrpSpPr>
+      <p:grpSpPr>
+        <a:xfrm>
+          <a:off x="0" y="0"/>
+          <a:ext cx="0" cy="0"/>
+          <a:chOff x="0" y="0"/>
+          <a:chExt cx="0" cy="0"/>
+        </a:xfrm>
+      </p:grpSpPr>
+      <p:sp>
+        <p:nvSpPr>
+          <p:cNvPr id="5" name="矩形 4">
+            <a:extLst>
+              <a:ext uri="{FF2B5EF4-FFF2-40B4-BE49-F238E27FC236}">
+                <a16:creationId xmlns:a16="http://schemas.microsoft.com/office/drawing/2014/main" id="{F979A305-980D-624D-98F0-376F455F6824}"/>
+              </a:ext>
+            </a:extLst>
+          </p:cNvPr>
+          <p:cNvSpPr/>
+          <p:nvPr/>
+        </p:nvSpPr>
+        <p:spPr>
+          <a:xfrm>
+            <a:off x="464969" y="325676"/>
+            <a:ext cx="11727032" cy="770562"/>
+          </a:xfrm>
+          <a:prstGeom prst="rect">
+            <a:avLst/>
+          </a:prstGeom>
+          <a:noFill/>
+          <a:ln>
+            <a:noFill/>
+          </a:ln>
+        </p:spPr>
+        <p:style>
+          <a:lnRef idx="2">
+            <a:schemeClr val="accent1">
+              <a:shade val="50000"/>
+            </a:schemeClr>
+          </a:lnRef>
+          <a:fillRef idx="1">
+            <a:schemeClr val="accent1"/>
+          </a:fillRef>
+          <a:effectRef idx="0">
+            <a:schemeClr val="accent1"/>
+          </a:effectRef>
+          <a:fontRef idx="minor">
+            <a:schemeClr val="lt1"/>
+          </a:fontRef>
+        </p:style>
+        <p:txBody>
+          <a:bodyPr rtlCol="0" anchor="ctr"/>
+          <a:lstStyle/>
+          <a:p>
+            <a:r>
+              <a:rPr kumimoji="1" lang="zh-CN" altLang="en-US" sz="3600" b="1" u="sng" dirty="0">
+                <a:solidFill>
+                  <a:schemeClr val="tx1">
+                    <a:lumMod val="85000"/>
+                    <a:lumOff val="15000"/>
+                  </a:schemeClr>
+                </a:solidFill>
+                <a:latin typeface="Microsoft YaHei" panose="020B0503020204020204" pitchFamily="34" charset="-122"/>
+                <a:ea typeface="Microsoft YaHei" panose="020B0503020204020204" pitchFamily="34" charset="-122"/>
+              </a:rPr>
+              <a:t>条件文</a:t>
+            </a:r>
+          </a:p>
+        </p:txBody>
+      </p:sp>
+      <p:sp>
+        <p:nvSpPr>
+          <p:cNvPr id="9" name="文本框 8">
+            <a:extLst>
+              <a:ext uri="{FF2B5EF4-FFF2-40B4-BE49-F238E27FC236}">
+                <a16:creationId xmlns:a16="http://schemas.microsoft.com/office/drawing/2014/main" id="{004DCEA4-4400-4149-9172-65651219B67A}"/>
+              </a:ext>
+            </a:extLst>
+          </p:cNvPr>
+          <p:cNvSpPr txBox="1"/>
+          <p:nvPr/>
+        </p:nvSpPr>
+        <p:spPr>
+          <a:xfrm>
+            <a:off x="668604" y="1574560"/>
+            <a:ext cx="1277914" cy="369332"/>
+          </a:xfrm>
+          <a:prstGeom prst="rect">
+            <a:avLst/>
+          </a:prstGeom>
+          <a:noFill/>
+        </p:spPr>
+        <p:txBody>
+          <a:bodyPr wrap="none" rtlCol="0">
+            <a:spAutoFit/>
+          </a:bodyPr>
+          <a:lstStyle/>
+          <a:p>
+            <a:r>
+              <a:rPr kumimoji="1" lang="en-US" altLang="zh-CN" dirty="0">
+                <a:solidFill>
+                  <a:schemeClr val="tx1">
+                    <a:lumMod val="65000"/>
+                    <a:lumOff val="35000"/>
+                  </a:schemeClr>
+                </a:solidFill>
+                <a:latin typeface="Microsoft YaHei" panose="020B0503020204020204" pitchFamily="34" charset="-122"/>
+                <a:ea typeface="Microsoft YaHei" panose="020B0503020204020204" pitchFamily="34" charset="-122"/>
+              </a:rPr>
+              <a:t>If {} else {}</a:t>
+            </a:r>
+          </a:p>
+        </p:txBody>
+      </p:sp>
+    </p:spTree>
+    <p:extLst>
+      <p:ext uri="{BB962C8B-B14F-4D97-AF65-F5344CB8AC3E}">
+        <p14:creationId xmlns:p14="http://schemas.microsoft.com/office/powerpoint/2010/main" val="2144687081"/>
+      </p:ext>
+    </p:extLst>
+  </p:cSld>
+  <p:clrMapOvr>
+    <a:masterClrMapping/>
+  </p:clrMapOvr>
+</p:sld>
+</file>
+
+<file path=ppt/slides/slide13.xml><?xml version="1.0" encoding="utf-8"?>
+<p:sld xmlns:a="http://schemas.openxmlformats.org/drawingml/2006/main" xmlns:r="http://schemas.openxmlformats.org/officeDocument/2006/relationships" xmlns:p="http://schemas.openxmlformats.org/presentationml/2006/main">
+  <p:cSld>
+    <p:spTree>
+      <p:nvGrpSpPr>
+        <p:cNvPr id="1" name=""/>
+        <p:cNvGrpSpPr/>
+        <p:nvPr/>
+      </p:nvGrpSpPr>
+      <p:grpSpPr>
+        <a:xfrm>
+          <a:off x="0" y="0"/>
+          <a:ext cx="0" cy="0"/>
+          <a:chOff x="0" y="0"/>
+          <a:chExt cx="0" cy="0"/>
+        </a:xfrm>
+      </p:grpSpPr>
+      <p:sp>
+        <p:nvSpPr>
+          <p:cNvPr id="5" name="矩形 4">
+            <a:extLst>
+              <a:ext uri="{FF2B5EF4-FFF2-40B4-BE49-F238E27FC236}">
+                <a16:creationId xmlns:a16="http://schemas.microsoft.com/office/drawing/2014/main" id="{F979A305-980D-624D-98F0-376F455F6824}"/>
+              </a:ext>
+            </a:extLst>
+          </p:cNvPr>
+          <p:cNvSpPr/>
+          <p:nvPr/>
+        </p:nvSpPr>
+        <p:spPr>
+          <a:xfrm>
+            <a:off x="464969" y="325676"/>
+            <a:ext cx="11727032" cy="770562"/>
+          </a:xfrm>
+          <a:prstGeom prst="rect">
+            <a:avLst/>
+          </a:prstGeom>
+          <a:noFill/>
+          <a:ln>
+            <a:noFill/>
+          </a:ln>
+        </p:spPr>
+        <p:style>
+          <a:lnRef idx="2">
+            <a:schemeClr val="accent1">
+              <a:shade val="50000"/>
+            </a:schemeClr>
+          </a:lnRef>
+          <a:fillRef idx="1">
+            <a:schemeClr val="accent1"/>
+          </a:fillRef>
+          <a:effectRef idx="0">
+            <a:schemeClr val="accent1"/>
+          </a:effectRef>
+          <a:fontRef idx="minor">
+            <a:schemeClr val="lt1"/>
+          </a:fontRef>
+        </p:style>
+        <p:txBody>
+          <a:bodyPr rtlCol="0" anchor="ctr"/>
+          <a:lstStyle/>
+          <a:p>
+            <a:r>
+              <a:rPr kumimoji="1" lang="zh-CN" altLang="en-US" sz="3600" b="1" u="sng" dirty="0">
+                <a:solidFill>
+                  <a:schemeClr val="tx1">
+                    <a:lumMod val="85000"/>
+                    <a:lumOff val="15000"/>
+                  </a:schemeClr>
+                </a:solidFill>
+                <a:latin typeface="Microsoft YaHei" panose="020B0503020204020204" pitchFamily="34" charset="-122"/>
+                <a:ea typeface="Microsoft YaHei" panose="020B0503020204020204" pitchFamily="34" charset="-122"/>
+              </a:rPr>
+              <a:t>循環処理</a:t>
+            </a:r>
+          </a:p>
+        </p:txBody>
+      </p:sp>
+      <p:sp>
+        <p:nvSpPr>
+          <p:cNvPr id="9" name="文本框 8">
+            <a:extLst>
+              <a:ext uri="{FF2B5EF4-FFF2-40B4-BE49-F238E27FC236}">
+                <a16:creationId xmlns:a16="http://schemas.microsoft.com/office/drawing/2014/main" id="{004DCEA4-4400-4149-9172-65651219B67A}"/>
+              </a:ext>
+            </a:extLst>
+          </p:cNvPr>
+          <p:cNvSpPr txBox="1"/>
+          <p:nvPr/>
+        </p:nvSpPr>
+        <p:spPr>
+          <a:xfrm>
+            <a:off x="668604" y="1574560"/>
+            <a:ext cx="763351" cy="646331"/>
+          </a:xfrm>
+          <a:prstGeom prst="rect">
+            <a:avLst/>
+          </a:prstGeom>
+          <a:noFill/>
+        </p:spPr>
+        <p:txBody>
+          <a:bodyPr wrap="none" rtlCol="0">
+            <a:spAutoFit/>
+          </a:bodyPr>
+          <a:lstStyle/>
+          <a:p>
+            <a:r>
+              <a:rPr kumimoji="1" lang="en-US" altLang="zh-CN" dirty="0">
+                <a:solidFill>
+                  <a:schemeClr val="tx1">
+                    <a:lumMod val="65000"/>
+                    <a:lumOff val="35000"/>
+                  </a:schemeClr>
+                </a:solidFill>
+                <a:latin typeface="Microsoft YaHei" panose="020B0503020204020204" pitchFamily="34" charset="-122"/>
+                <a:ea typeface="Microsoft YaHei" panose="020B0503020204020204" pitchFamily="34" charset="-122"/>
+              </a:rPr>
+              <a:t>For</a:t>
+            </a:r>
+          </a:p>
+          <a:p>
+            <a:r>
+              <a:rPr kumimoji="1" lang="en-US" altLang="zh-CN" dirty="0">
+                <a:solidFill>
+                  <a:schemeClr val="tx1">
+                    <a:lumMod val="65000"/>
+                    <a:lumOff val="35000"/>
+                  </a:schemeClr>
+                </a:solidFill>
+                <a:latin typeface="Microsoft YaHei" panose="020B0503020204020204" pitchFamily="34" charset="-122"/>
+                <a:ea typeface="Microsoft YaHei" panose="020B0503020204020204" pitchFamily="34" charset="-122"/>
+              </a:rPr>
+              <a:t>while</a:t>
+            </a:r>
+          </a:p>
+        </p:txBody>
+      </p:sp>
+      <p:sp>
+        <p:nvSpPr>
+          <p:cNvPr id="2" name="文本框 1">
+            <a:extLst>
+              <a:ext uri="{FF2B5EF4-FFF2-40B4-BE49-F238E27FC236}">
+                <a16:creationId xmlns:a16="http://schemas.microsoft.com/office/drawing/2014/main" id="{3C0383BB-7464-D445-9E49-042C626D83D4}"/>
+              </a:ext>
+            </a:extLst>
+          </p:cNvPr>
+          <p:cNvSpPr txBox="1"/>
+          <p:nvPr/>
+        </p:nvSpPr>
+        <p:spPr>
+          <a:xfrm>
+            <a:off x="2604053" y="3697357"/>
+            <a:ext cx="5004896" cy="369332"/>
+          </a:xfrm>
+          <a:prstGeom prst="rect">
+            <a:avLst/>
+          </a:prstGeom>
+          <a:noFill/>
+        </p:spPr>
+        <p:txBody>
+          <a:bodyPr wrap="none" rtlCol="0">
+            <a:spAutoFit/>
+          </a:bodyPr>
+          <a:lstStyle/>
+          <a:p>
+            <a:r>
+              <a:rPr lang="en" altLang="zh-CN" dirty="0"/>
+              <a:t>let </a:t>
+            </a:r>
+            <a:r>
+              <a:rPr lang="en" altLang="zh-CN" dirty="0" err="1"/>
+              <a:t>i</a:t>
+            </a:r>
+            <a:r>
+              <a:rPr lang="en" altLang="zh-CN" dirty="0"/>
+              <a:t> = 0; do { </a:t>
+            </a:r>
+            <a:r>
+              <a:rPr lang="en" altLang="zh-CN" dirty="0" err="1"/>
+              <a:t>i</a:t>
+            </a:r>
+            <a:r>
+              <a:rPr lang="en" altLang="zh-CN" dirty="0"/>
+              <a:t> += 1; </a:t>
+            </a:r>
+            <a:r>
+              <a:rPr lang="en" altLang="zh-CN" dirty="0" err="1"/>
+              <a:t>console.log</a:t>
+            </a:r>
+            <a:r>
+              <a:rPr lang="en" altLang="zh-CN" dirty="0"/>
+              <a:t>(</a:t>
+            </a:r>
+            <a:r>
+              <a:rPr lang="en" altLang="zh-CN" dirty="0" err="1"/>
+              <a:t>i</a:t>
+            </a:r>
+            <a:r>
+              <a:rPr lang="en" altLang="zh-CN" dirty="0"/>
+              <a:t>); } while (</a:t>
+            </a:r>
+            <a:r>
+              <a:rPr lang="en" altLang="zh-CN" dirty="0" err="1"/>
+              <a:t>i</a:t>
+            </a:r>
+            <a:r>
+              <a:rPr lang="en" altLang="zh-CN" dirty="0"/>
+              <a:t> &lt; 5);</a:t>
+            </a:r>
+            <a:endParaRPr kumimoji="1" lang="zh-CN" altLang="en-US" dirty="0"/>
+          </a:p>
+        </p:txBody>
+      </p:sp>
+      <p:sp>
+        <p:nvSpPr>
+          <p:cNvPr id="3" name="矩形 2">
+            <a:extLst>
+              <a:ext uri="{FF2B5EF4-FFF2-40B4-BE49-F238E27FC236}">
+                <a16:creationId xmlns:a16="http://schemas.microsoft.com/office/drawing/2014/main" id="{6F235AC4-1598-7841-AF6F-29270B35AC0A}"/>
+              </a:ext>
+            </a:extLst>
+          </p:cNvPr>
+          <p:cNvSpPr/>
+          <p:nvPr/>
+        </p:nvSpPr>
+        <p:spPr>
+          <a:xfrm>
+            <a:off x="2680253" y="4646400"/>
+            <a:ext cx="6096000" cy="646331"/>
+          </a:xfrm>
+          <a:prstGeom prst="rect">
+            <a:avLst/>
+          </a:prstGeom>
+        </p:spPr>
+        <p:txBody>
+          <a:bodyPr>
+            <a:spAutoFit/>
+          </a:bodyPr>
+          <a:lstStyle/>
+          <a:p>
+            <a:r>
+              <a:rPr lang="en" altLang="zh-CN" dirty="0">
+                <a:solidFill>
+                  <a:srgbClr val="00458B"/>
+                </a:solidFill>
+              </a:rPr>
+              <a:t>for</a:t>
+            </a:r>
+            <a:r>
+              <a:rPr lang="en" altLang="zh-CN" dirty="0"/>
+              <a:t> </a:t>
+            </a:r>
+            <a:r>
+              <a:rPr lang="en" altLang="zh-CN" dirty="0">
+                <a:solidFill>
+                  <a:srgbClr val="626262"/>
+                </a:solidFill>
+              </a:rPr>
+              <a:t>(</a:t>
+            </a:r>
+            <a:r>
+              <a:rPr lang="en" altLang="zh-CN" dirty="0">
+                <a:solidFill>
+                  <a:srgbClr val="00458B"/>
+                </a:solidFill>
+              </a:rPr>
+              <a:t>let</a:t>
+            </a:r>
+            <a:r>
+              <a:rPr lang="en" altLang="zh-CN" dirty="0"/>
+              <a:t> step </a:t>
+            </a:r>
+            <a:r>
+              <a:rPr lang="en" altLang="zh-CN" dirty="0">
+                <a:solidFill>
+                  <a:srgbClr val="212121"/>
+                </a:solidFill>
+              </a:rPr>
+              <a:t>=</a:t>
+            </a:r>
+            <a:r>
+              <a:rPr lang="en" altLang="zh-CN" dirty="0"/>
+              <a:t> </a:t>
+            </a:r>
+            <a:r>
+              <a:rPr lang="en" altLang="zh-CN" dirty="0">
+                <a:solidFill>
+                  <a:srgbClr val="95353A"/>
+                </a:solidFill>
+              </a:rPr>
+              <a:t>0</a:t>
+            </a:r>
+            <a:r>
+              <a:rPr lang="en" altLang="zh-CN" dirty="0">
+                <a:solidFill>
+                  <a:srgbClr val="626262"/>
+                </a:solidFill>
+              </a:rPr>
+              <a:t>;</a:t>
+            </a:r>
+            <a:r>
+              <a:rPr lang="en" altLang="zh-CN" dirty="0"/>
+              <a:t> step </a:t>
+            </a:r>
+            <a:r>
+              <a:rPr lang="en" altLang="zh-CN" dirty="0">
+                <a:solidFill>
+                  <a:srgbClr val="212121"/>
+                </a:solidFill>
+              </a:rPr>
+              <a:t>&lt;</a:t>
+            </a:r>
+            <a:r>
+              <a:rPr lang="en" altLang="zh-CN" dirty="0"/>
+              <a:t> </a:t>
+            </a:r>
+            <a:r>
+              <a:rPr lang="en" altLang="zh-CN" dirty="0">
+                <a:solidFill>
+                  <a:srgbClr val="95353A"/>
+                </a:solidFill>
+              </a:rPr>
+              <a:t>5</a:t>
+            </a:r>
+            <a:r>
+              <a:rPr lang="en" altLang="zh-CN" dirty="0">
+                <a:solidFill>
+                  <a:srgbClr val="626262"/>
+                </a:solidFill>
+              </a:rPr>
+              <a:t>;</a:t>
+            </a:r>
+            <a:r>
+              <a:rPr lang="en" altLang="zh-CN" dirty="0"/>
+              <a:t> step</a:t>
+            </a:r>
+            <a:r>
+              <a:rPr lang="en" altLang="zh-CN" dirty="0">
+                <a:solidFill>
+                  <a:srgbClr val="212121"/>
+                </a:solidFill>
+              </a:rPr>
+              <a:t>++</a:t>
+            </a:r>
+            <a:r>
+              <a:rPr lang="en" altLang="zh-CN" dirty="0">
+                <a:solidFill>
+                  <a:srgbClr val="626262"/>
+                </a:solidFill>
+              </a:rPr>
+              <a:t>)</a:t>
+            </a:r>
+            <a:r>
+              <a:rPr lang="en" altLang="zh-CN" dirty="0"/>
+              <a:t> </a:t>
+            </a:r>
+            <a:r>
+              <a:rPr lang="en" altLang="zh-CN" dirty="0">
+                <a:solidFill>
+                  <a:srgbClr val="626262"/>
+                </a:solidFill>
+              </a:rPr>
+              <a:t>{</a:t>
+            </a:r>
+            <a:r>
+              <a:rPr lang="en" altLang="zh-CN" dirty="0"/>
+              <a:t> </a:t>
+            </a:r>
+            <a:r>
+              <a:rPr lang="en" altLang="zh-CN" dirty="0">
+                <a:solidFill>
+                  <a:srgbClr val="626262"/>
+                </a:solidFill>
+              </a:rPr>
+              <a:t>// </a:t>
+            </a:r>
+            <a:r>
+              <a:rPr lang="zh-CN" altLang="en-US" dirty="0">
+                <a:solidFill>
+                  <a:srgbClr val="626262"/>
+                </a:solidFill>
+              </a:rPr>
+              <a:t>値</a:t>
+            </a:r>
+            <a:r>
+              <a:rPr lang="ja-JP" altLang="en-US">
+                <a:solidFill>
+                  <a:srgbClr val="626262"/>
+                </a:solidFill>
+              </a:rPr>
+              <a:t>が </a:t>
+            </a:r>
+            <a:r>
+              <a:rPr lang="en-US" altLang="ja-JP" dirty="0">
+                <a:solidFill>
+                  <a:srgbClr val="626262"/>
+                </a:solidFill>
+              </a:rPr>
+              <a:t>0 </a:t>
+            </a:r>
+            <a:r>
+              <a:rPr lang="ja-JP" altLang="en-US">
+                <a:solidFill>
+                  <a:srgbClr val="626262"/>
+                </a:solidFill>
+              </a:rPr>
+              <a:t>から </a:t>
+            </a:r>
+            <a:r>
+              <a:rPr lang="en-US" altLang="ja-JP" dirty="0">
+                <a:solidFill>
+                  <a:srgbClr val="626262"/>
+                </a:solidFill>
+              </a:rPr>
+              <a:t>4 </a:t>
+            </a:r>
+            <a:r>
+              <a:rPr lang="ja-JP" altLang="en-US">
+                <a:solidFill>
+                  <a:srgbClr val="626262"/>
+                </a:solidFill>
+              </a:rPr>
+              <a:t>まで</a:t>
+            </a:r>
+            <a:r>
+              <a:rPr lang="zh-CN" altLang="en-US" dirty="0">
+                <a:solidFill>
+                  <a:srgbClr val="626262"/>
+                </a:solidFill>
+              </a:rPr>
+              <a:t>計 </a:t>
+            </a:r>
+            <a:r>
+              <a:rPr lang="en-US" altLang="zh-CN" dirty="0">
+                <a:solidFill>
+                  <a:srgbClr val="626262"/>
+                </a:solidFill>
+              </a:rPr>
+              <a:t>5 </a:t>
+            </a:r>
+            <a:r>
+              <a:rPr lang="zh-CN" altLang="en-US" dirty="0">
+                <a:solidFill>
+                  <a:srgbClr val="626262"/>
+                </a:solidFill>
+              </a:rPr>
+              <a:t>回実行</a:t>
+            </a:r>
+            <a:r>
+              <a:rPr lang="ja-JP" altLang="en-US">
+                <a:solidFill>
+                  <a:srgbClr val="626262"/>
+                </a:solidFill>
+              </a:rPr>
+              <a:t>される</a:t>
+            </a:r>
+            <a:r>
+              <a:rPr lang="ja-JP" altLang="en-US"/>
+              <a:t> </a:t>
+            </a:r>
+            <a:r>
+              <a:rPr lang="en" altLang="zh-CN" dirty="0" err="1"/>
+              <a:t>console</a:t>
+            </a:r>
+            <a:r>
+              <a:rPr lang="en" altLang="zh-CN" dirty="0" err="1">
+                <a:solidFill>
+                  <a:srgbClr val="626262"/>
+                </a:solidFill>
+              </a:rPr>
+              <a:t>.</a:t>
+            </a:r>
+            <a:r>
+              <a:rPr lang="en" altLang="zh-CN" dirty="0" err="1">
+                <a:solidFill>
+                  <a:srgbClr val="B54248"/>
+                </a:solidFill>
+              </a:rPr>
+              <a:t>log</a:t>
+            </a:r>
+            <a:r>
+              <a:rPr lang="en" altLang="zh-CN" dirty="0">
+                <a:solidFill>
+                  <a:srgbClr val="626262"/>
+                </a:solidFill>
+              </a:rPr>
+              <a:t>(</a:t>
+            </a:r>
+            <a:r>
+              <a:rPr lang="en" altLang="zh-CN" dirty="0">
+                <a:solidFill>
+                  <a:srgbClr val="276738"/>
+                </a:solidFill>
+              </a:rPr>
+              <a:t>'</a:t>
+            </a:r>
+            <a:r>
+              <a:rPr lang="zh-CN" altLang="en-US" dirty="0">
+                <a:solidFill>
+                  <a:srgbClr val="276738"/>
+                </a:solidFill>
+              </a:rPr>
+              <a:t>一歩西</a:t>
+            </a:r>
+            <a:r>
+              <a:rPr lang="ja-JP" altLang="en-US">
+                <a:solidFill>
+                  <a:srgbClr val="276738"/>
+                </a:solidFill>
+              </a:rPr>
+              <a:t>に</a:t>
+            </a:r>
+            <a:r>
+              <a:rPr lang="zh-CN" altLang="en-US" dirty="0">
+                <a:solidFill>
+                  <a:srgbClr val="276738"/>
+                </a:solidFill>
+              </a:rPr>
+              <a:t>歩</a:t>
+            </a:r>
+            <a:r>
+              <a:rPr lang="ja-JP" altLang="en-US">
+                <a:solidFill>
+                  <a:srgbClr val="276738"/>
+                </a:solidFill>
+              </a:rPr>
+              <a:t>く</a:t>
+            </a:r>
+            <a:r>
+              <a:rPr lang="en-US" altLang="ja-JP" dirty="0">
+                <a:solidFill>
+                  <a:srgbClr val="276738"/>
+                </a:solidFill>
+              </a:rPr>
+              <a:t>'</a:t>
+            </a:r>
+            <a:r>
+              <a:rPr lang="en-US" altLang="ja-JP" dirty="0">
+                <a:solidFill>
+                  <a:srgbClr val="626262"/>
+                </a:solidFill>
+              </a:rPr>
+              <a:t>);</a:t>
+            </a:r>
+            <a:r>
+              <a:rPr lang="ja-JP" altLang="en-US"/>
+              <a:t> </a:t>
+            </a:r>
+            <a:r>
+              <a:rPr lang="en-US" altLang="ja-JP" dirty="0">
+                <a:solidFill>
+                  <a:srgbClr val="626262"/>
+                </a:solidFill>
+              </a:rPr>
+              <a:t>}</a:t>
+            </a:r>
+            <a:endParaRPr lang="zh-CN" altLang="en-US" dirty="0"/>
+          </a:p>
+        </p:txBody>
+      </p:sp>
+    </p:spTree>
+    <p:extLst>
+      <p:ext uri="{BB962C8B-B14F-4D97-AF65-F5344CB8AC3E}">
+        <p14:creationId xmlns:p14="http://schemas.microsoft.com/office/powerpoint/2010/main" val="2349708939"/>
+      </p:ext>
+    </p:extLst>
+  </p:cSld>
+  <p:clrMapOvr>
+    <a:masterClrMapping/>
+  </p:clrMapOvr>
+</p:sld>
+</file>
+
+<file path=ppt/slides/slide14.xml><?xml version="1.0" encoding="utf-8"?>
+<p:sld xmlns:a="http://schemas.openxmlformats.org/drawingml/2006/main" xmlns:r="http://schemas.openxmlformats.org/officeDocument/2006/relationships" xmlns:p="http://schemas.openxmlformats.org/presentationml/2006/main">
+  <p:cSld>
+    <p:spTree>
+      <p:nvGrpSpPr>
+        <p:cNvPr id="1" name=""/>
+        <p:cNvGrpSpPr/>
+        <p:nvPr/>
+      </p:nvGrpSpPr>
+      <p:grpSpPr>
+        <a:xfrm>
+          <a:off x="0" y="0"/>
+          <a:ext cx="0" cy="0"/>
+          <a:chOff x="0" y="0"/>
+          <a:chExt cx="0" cy="0"/>
+        </a:xfrm>
+      </p:grpSpPr>
+      <p:sp>
+        <p:nvSpPr>
+          <p:cNvPr id="5" name="矩形 4">
+            <a:extLst>
+              <a:ext uri="{FF2B5EF4-FFF2-40B4-BE49-F238E27FC236}">
+                <a16:creationId xmlns:a16="http://schemas.microsoft.com/office/drawing/2014/main" id="{F979A305-980D-624D-98F0-376F455F6824}"/>
+              </a:ext>
+            </a:extLst>
+          </p:cNvPr>
+          <p:cNvSpPr/>
+          <p:nvPr/>
+        </p:nvSpPr>
+        <p:spPr>
+          <a:xfrm>
+            <a:off x="464969" y="325676"/>
+            <a:ext cx="11727032" cy="770562"/>
+          </a:xfrm>
+          <a:prstGeom prst="rect">
+            <a:avLst/>
+          </a:prstGeom>
+          <a:noFill/>
+          <a:ln>
+            <a:noFill/>
+          </a:ln>
+        </p:spPr>
+        <p:style>
+          <a:lnRef idx="2">
+            <a:schemeClr val="accent1">
+              <a:shade val="50000"/>
+            </a:schemeClr>
+          </a:lnRef>
+          <a:fillRef idx="1">
+            <a:schemeClr val="accent1"/>
+          </a:fillRef>
+          <a:effectRef idx="0">
+            <a:schemeClr val="accent1"/>
+          </a:effectRef>
+          <a:fontRef idx="minor">
+            <a:schemeClr val="lt1"/>
+          </a:fontRef>
+        </p:style>
+        <p:txBody>
+          <a:bodyPr rtlCol="0" anchor="ctr"/>
+          <a:lstStyle/>
+          <a:p>
+            <a:r>
+              <a:rPr kumimoji="1" lang="zh-CN" altLang="en-US" sz="3600" b="1" u="sng" dirty="0">
+                <a:solidFill>
+                  <a:schemeClr val="tx1">
+                    <a:lumMod val="85000"/>
+                    <a:lumOff val="15000"/>
+                  </a:schemeClr>
+                </a:solidFill>
+                <a:latin typeface="Microsoft YaHei" panose="020B0503020204020204" pitchFamily="34" charset="-122"/>
+                <a:ea typeface="Microsoft YaHei" panose="020B0503020204020204" pitchFamily="34" charset="-122"/>
+              </a:rPr>
+              <a:t>関数</a:t>
+            </a:r>
+          </a:p>
+        </p:txBody>
+      </p:sp>
+      <p:sp>
+        <p:nvSpPr>
+          <p:cNvPr id="3" name="矩形 2">
+            <a:extLst>
+              <a:ext uri="{FF2B5EF4-FFF2-40B4-BE49-F238E27FC236}">
+                <a16:creationId xmlns:a16="http://schemas.microsoft.com/office/drawing/2014/main" id="{6F235AC4-1598-7841-AF6F-29270B35AC0A}"/>
+              </a:ext>
+            </a:extLst>
+          </p:cNvPr>
+          <p:cNvSpPr/>
+          <p:nvPr/>
+        </p:nvSpPr>
+        <p:spPr>
+          <a:xfrm>
+            <a:off x="3048000" y="3105835"/>
+            <a:ext cx="6096000" cy="923330"/>
+          </a:xfrm>
+          <a:prstGeom prst="rect">
+            <a:avLst/>
+          </a:prstGeom>
+        </p:spPr>
+        <p:txBody>
+          <a:bodyPr>
+            <a:spAutoFit/>
+          </a:bodyPr>
+          <a:lstStyle/>
+          <a:p>
+            <a:r>
+              <a:rPr lang="en" altLang="zh-CN" dirty="0"/>
+              <a:t>function multiply(num1,num2) </a:t>
+            </a:r>
+            <a:r>
+              <a:rPr lang="ja-JP" altLang="en-US"/>
+              <a:t>　</a:t>
+            </a:r>
+            <a:r>
+              <a:rPr lang="en" altLang="zh-CN" dirty="0"/>
+              <a:t>{</a:t>
+            </a:r>
+          </a:p>
+          <a:p>
+            <a:r>
+              <a:rPr lang="en" altLang="zh-CN" dirty="0"/>
+              <a:t> 	let result = num1 * num2; return result; </a:t>
+            </a:r>
+          </a:p>
+          <a:p>
+            <a:r>
+              <a:rPr lang="en" altLang="zh-CN" dirty="0"/>
+              <a:t>}</a:t>
+            </a:r>
+            <a:endParaRPr lang="zh-CN" altLang="en-US" dirty="0"/>
+          </a:p>
+        </p:txBody>
+      </p:sp>
+    </p:spTree>
+    <p:extLst>
+      <p:ext uri="{BB962C8B-B14F-4D97-AF65-F5344CB8AC3E}">
+        <p14:creationId xmlns:p14="http://schemas.microsoft.com/office/powerpoint/2010/main" val="3888753692"/>
+      </p:ext>
+    </p:extLst>
+  </p:cSld>
+  <p:clrMapOvr>
+    <a:masterClrMapping/>
+  </p:clrMapOvr>
+</p:sld>
+</file>
+
+<file path=ppt/slides/slide15.xml><?xml version="1.0" encoding="utf-8"?>
+<p:sld xmlns:a="http://schemas.openxmlformats.org/drawingml/2006/main" xmlns:r="http://schemas.openxmlformats.org/officeDocument/2006/relationships" xmlns:p="http://schemas.openxmlformats.org/presentationml/2006/main">
+  <p:cSld>
+    <p:spTree>
+      <p:nvGrpSpPr>
+        <p:cNvPr id="1" name=""/>
+        <p:cNvGrpSpPr/>
+        <p:nvPr/>
+      </p:nvGrpSpPr>
+      <p:grpSpPr>
+        <a:xfrm>
+          <a:off x="0" y="0"/>
+          <a:ext cx="0" cy="0"/>
+          <a:chOff x="0" y="0"/>
+          <a:chExt cx="0" cy="0"/>
+        </a:xfrm>
+      </p:grpSpPr>
+      <p:sp>
+        <p:nvSpPr>
+          <p:cNvPr id="5" name="矩形 4">
+            <a:extLst>
+              <a:ext uri="{FF2B5EF4-FFF2-40B4-BE49-F238E27FC236}">
+                <a16:creationId xmlns:a16="http://schemas.microsoft.com/office/drawing/2014/main" id="{F979A305-980D-624D-98F0-376F455F6824}"/>
+              </a:ext>
+            </a:extLst>
+          </p:cNvPr>
+          <p:cNvSpPr/>
+          <p:nvPr/>
+        </p:nvSpPr>
+        <p:spPr>
+          <a:xfrm>
+            <a:off x="464969" y="325676"/>
+            <a:ext cx="11727032" cy="770562"/>
+          </a:xfrm>
+          <a:prstGeom prst="rect">
+            <a:avLst/>
+          </a:prstGeom>
+          <a:noFill/>
+          <a:ln>
+            <a:noFill/>
+          </a:ln>
+        </p:spPr>
+        <p:style>
+          <a:lnRef idx="2">
+            <a:schemeClr val="accent1">
+              <a:shade val="50000"/>
+            </a:schemeClr>
+          </a:lnRef>
+          <a:fillRef idx="1">
+            <a:schemeClr val="accent1"/>
+          </a:fillRef>
+          <a:effectRef idx="0">
+            <a:schemeClr val="accent1"/>
+          </a:effectRef>
+          <a:fontRef idx="minor">
+            <a:schemeClr val="lt1"/>
+          </a:fontRef>
+        </p:style>
+        <p:txBody>
+          <a:bodyPr rtlCol="0" anchor="ctr"/>
+          <a:lstStyle/>
+          <a:p>
+            <a:r>
+              <a:rPr kumimoji="1" lang="zh-CN" altLang="en-US" sz="3600" b="1" u="sng" dirty="0">
+                <a:solidFill>
+                  <a:schemeClr val="tx1">
+                    <a:lumMod val="85000"/>
+                    <a:lumOff val="15000"/>
+                  </a:schemeClr>
+                </a:solidFill>
+                <a:latin typeface="Microsoft YaHei" panose="020B0503020204020204" pitchFamily="34" charset="-122"/>
+                <a:ea typeface="Microsoft YaHei" panose="020B0503020204020204" pitchFamily="34" charset="-122"/>
+              </a:rPr>
+              <a:t>コメント</a:t>
+            </a:r>
+          </a:p>
+        </p:txBody>
+      </p:sp>
+      <p:sp>
+        <p:nvSpPr>
+          <p:cNvPr id="9" name="文本框 8">
+            <a:extLst>
+              <a:ext uri="{FF2B5EF4-FFF2-40B4-BE49-F238E27FC236}">
+                <a16:creationId xmlns:a16="http://schemas.microsoft.com/office/drawing/2014/main" id="{004DCEA4-4400-4149-9172-65651219B67A}"/>
+              </a:ext>
+            </a:extLst>
+          </p:cNvPr>
+          <p:cNvSpPr txBox="1"/>
+          <p:nvPr/>
+        </p:nvSpPr>
+        <p:spPr>
+          <a:xfrm>
+            <a:off x="668604" y="1574560"/>
+            <a:ext cx="4942379" cy="923330"/>
+          </a:xfrm>
+          <a:prstGeom prst="rect">
+            <a:avLst/>
+          </a:prstGeom>
+          <a:noFill/>
+        </p:spPr>
+        <p:txBody>
+          <a:bodyPr wrap="none" rtlCol="0">
+            <a:spAutoFit/>
+          </a:bodyPr>
+          <a:lstStyle/>
+          <a:p>
+            <a:pPr marL="342900" indent="-342900">
+              <a:buAutoNum type="arabicPeriod"/>
+            </a:pPr>
+            <a:r>
+              <a:rPr lang="en-US" altLang="zh-CN" dirty="0"/>
+              <a:t>/* </a:t>
+            </a:r>
+            <a:r>
+              <a:rPr lang="zh-CN" altLang="en-US" dirty="0"/>
+              <a:t>挟</a:t>
+            </a:r>
+            <a:r>
+              <a:rPr lang="ja-JP" altLang="en-US"/>
+              <a:t>まれているすべてがコメントです。 *</a:t>
+            </a:r>
+            <a:r>
+              <a:rPr lang="en-US" altLang="ja-JP" dirty="0"/>
+              <a:t>/</a:t>
+            </a:r>
+          </a:p>
+          <a:p>
+            <a:pPr marL="342900" indent="-342900">
+              <a:buAutoNum type="arabicPeriod"/>
+            </a:pPr>
+            <a:endParaRPr kumimoji="1" lang="en-US" altLang="zh-CN" dirty="0">
+              <a:solidFill>
+                <a:schemeClr val="tx1">
+                  <a:lumMod val="65000"/>
+                  <a:lumOff val="35000"/>
+                </a:schemeClr>
+              </a:solidFill>
+              <a:latin typeface="Microsoft YaHei" panose="020B0503020204020204" pitchFamily="34" charset="-122"/>
+              <a:ea typeface="Microsoft YaHei" panose="020B0503020204020204" pitchFamily="34" charset="-122"/>
+            </a:endParaRPr>
+          </a:p>
+          <a:p>
+            <a:pPr marL="342900" indent="-342900">
+              <a:buAutoNum type="arabicPeriod"/>
+            </a:pPr>
+            <a:r>
+              <a:rPr lang="en-US" altLang="ja-JP" dirty="0"/>
+              <a:t>// </a:t>
+            </a:r>
+            <a:r>
+              <a:rPr lang="ja-JP" altLang="en-US"/>
+              <a:t>これはコメントです</a:t>
+            </a:r>
+            <a:endParaRPr kumimoji="1" lang="en-US" altLang="zh-CN" dirty="0">
+              <a:solidFill>
+                <a:schemeClr val="tx1">
+                  <a:lumMod val="65000"/>
+                  <a:lumOff val="35000"/>
+                </a:schemeClr>
+              </a:solidFill>
+              <a:latin typeface="Microsoft YaHei" panose="020B0503020204020204" pitchFamily="34" charset="-122"/>
+              <a:ea typeface="Microsoft YaHei" panose="020B0503020204020204" pitchFamily="34" charset="-122"/>
+            </a:endParaRPr>
+          </a:p>
+        </p:txBody>
+      </p:sp>
+    </p:spTree>
+    <p:extLst>
+      <p:ext uri="{BB962C8B-B14F-4D97-AF65-F5344CB8AC3E}">
+        <p14:creationId xmlns:p14="http://schemas.microsoft.com/office/powerpoint/2010/main" val="3450789575"/>
+      </p:ext>
+    </p:extLst>
+  </p:cSld>
+  <p:clrMapOvr>
+    <a:masterClrMapping/>
+  </p:clrMapOvr>
+</p:sld>
+</file>
+
+<file path=ppt/slides/slide16.xml><?xml version="1.0" encoding="utf-8"?>
+<p:sld xmlns:a="http://schemas.openxmlformats.org/drawingml/2006/main" xmlns:r="http://schemas.openxmlformats.org/officeDocument/2006/relationships" xmlns:p="http://schemas.openxmlformats.org/presentationml/2006/main">
+  <p:cSld>
+    <p:spTree>
+      <p:nvGrpSpPr>
+        <p:cNvPr id="1" name=""/>
+        <p:cNvGrpSpPr/>
+        <p:nvPr/>
+      </p:nvGrpSpPr>
+      <p:grpSpPr>
+        <a:xfrm>
+          <a:off x="0" y="0"/>
+          <a:ext cx="0" cy="0"/>
+          <a:chOff x="0" y="0"/>
+          <a:chExt cx="0" cy="0"/>
+        </a:xfrm>
+      </p:grpSpPr>
+      <p:sp>
+        <p:nvSpPr>
+          <p:cNvPr id="5" name="矩形 4">
+            <a:extLst>
+              <a:ext uri="{FF2B5EF4-FFF2-40B4-BE49-F238E27FC236}">
+                <a16:creationId xmlns:a16="http://schemas.microsoft.com/office/drawing/2014/main" id="{F979A305-980D-624D-98F0-376F455F6824}"/>
+              </a:ext>
+            </a:extLst>
+          </p:cNvPr>
+          <p:cNvSpPr/>
+          <p:nvPr/>
+        </p:nvSpPr>
+        <p:spPr>
+          <a:xfrm>
+            <a:off x="464969" y="325676"/>
+            <a:ext cx="11727032" cy="770562"/>
+          </a:xfrm>
+          <a:prstGeom prst="rect">
+            <a:avLst/>
+          </a:prstGeom>
+          <a:noFill/>
+          <a:ln>
+            <a:noFill/>
+          </a:ln>
+        </p:spPr>
+        <p:style>
+          <a:lnRef idx="2">
+            <a:schemeClr val="accent1">
+              <a:shade val="50000"/>
+            </a:schemeClr>
+          </a:lnRef>
+          <a:fillRef idx="1">
+            <a:schemeClr val="accent1"/>
+          </a:fillRef>
+          <a:effectRef idx="0">
+            <a:schemeClr val="accent1"/>
+          </a:effectRef>
+          <a:fontRef idx="minor">
+            <a:schemeClr val="lt1"/>
+          </a:fontRef>
+        </p:style>
+        <p:txBody>
+          <a:bodyPr rtlCol="0" anchor="ctr"/>
+          <a:lstStyle/>
+          <a:p>
+            <a:r>
+              <a:rPr kumimoji="1" lang="zh-CN" altLang="en-US" sz="3600" b="1" u="sng" dirty="0">
+                <a:solidFill>
+                  <a:schemeClr val="tx1">
+                    <a:lumMod val="85000"/>
+                    <a:lumOff val="15000"/>
+                  </a:schemeClr>
+                </a:solidFill>
+                <a:latin typeface="Microsoft YaHei" panose="020B0503020204020204" pitchFamily="34" charset="-122"/>
+                <a:ea typeface="Microsoft YaHei" panose="020B0503020204020204" pitchFamily="34" charset="-122"/>
+              </a:rPr>
+              <a:t>宿題</a:t>
+            </a:r>
+          </a:p>
+        </p:txBody>
+      </p:sp>
+      <p:sp>
+        <p:nvSpPr>
+          <p:cNvPr id="9" name="文本框 8">
+            <a:extLst>
+              <a:ext uri="{FF2B5EF4-FFF2-40B4-BE49-F238E27FC236}">
+                <a16:creationId xmlns:a16="http://schemas.microsoft.com/office/drawing/2014/main" id="{004DCEA4-4400-4149-9172-65651219B67A}"/>
+              </a:ext>
+            </a:extLst>
+          </p:cNvPr>
+          <p:cNvSpPr txBox="1"/>
+          <p:nvPr/>
+        </p:nvSpPr>
+        <p:spPr>
+          <a:xfrm>
+            <a:off x="668604" y="1574560"/>
+            <a:ext cx="2262158" cy="1754326"/>
+          </a:xfrm>
+          <a:prstGeom prst="rect">
+            <a:avLst/>
+          </a:prstGeom>
+          <a:noFill/>
+        </p:spPr>
+        <p:txBody>
+          <a:bodyPr wrap="none" rtlCol="0">
+            <a:spAutoFit/>
+          </a:bodyPr>
+          <a:lstStyle/>
+          <a:p>
+            <a:r>
+              <a:rPr kumimoji="1" lang="zh-CN" altLang="en-US" dirty="0">
+                <a:solidFill>
+                  <a:schemeClr val="tx1">
+                    <a:lumMod val="65000"/>
+                    <a:lumOff val="35000"/>
+                  </a:schemeClr>
+                </a:solidFill>
+                <a:latin typeface="Microsoft YaHei" panose="020B0503020204020204" pitchFamily="34" charset="-122"/>
+                <a:ea typeface="Microsoft YaHei" panose="020B0503020204020204" pitchFamily="34" charset="-122"/>
+              </a:rPr>
+              <a:t>①下記のものを出力</a:t>
+            </a:r>
+            <a:endParaRPr kumimoji="1" lang="en-US" altLang="zh-CN" dirty="0">
+              <a:solidFill>
+                <a:schemeClr val="tx1">
+                  <a:lumMod val="65000"/>
+                  <a:lumOff val="35000"/>
+                </a:schemeClr>
+              </a:solidFill>
+              <a:latin typeface="Microsoft YaHei" panose="020B0503020204020204" pitchFamily="34" charset="-122"/>
+              <a:ea typeface="Microsoft YaHei" panose="020B0503020204020204" pitchFamily="34" charset="-122"/>
+            </a:endParaRPr>
+          </a:p>
+          <a:p>
+            <a:endParaRPr kumimoji="1" lang="en-US" altLang="zh-CN" dirty="0">
+              <a:solidFill>
+                <a:schemeClr val="tx1">
+                  <a:lumMod val="65000"/>
+                  <a:lumOff val="35000"/>
+                </a:schemeClr>
+              </a:solidFill>
+              <a:latin typeface="Microsoft YaHei" panose="020B0503020204020204" pitchFamily="34" charset="-122"/>
+              <a:ea typeface="Microsoft YaHei" panose="020B0503020204020204" pitchFamily="34" charset="-122"/>
+            </a:endParaRPr>
+          </a:p>
+          <a:p>
+            <a:r>
+              <a:rPr kumimoji="1" lang="en-US" altLang="zh-CN" dirty="0">
+                <a:solidFill>
+                  <a:schemeClr val="tx1">
+                    <a:lumMod val="65000"/>
+                    <a:lumOff val="35000"/>
+                  </a:schemeClr>
+                </a:solidFill>
+                <a:latin typeface="Microsoft YaHei" panose="020B0503020204020204" pitchFamily="34" charset="-122"/>
+                <a:ea typeface="Microsoft YaHei" panose="020B0503020204020204" pitchFamily="34" charset="-122"/>
+              </a:rPr>
+              <a:t>*</a:t>
+            </a:r>
+          </a:p>
+          <a:p>
+            <a:r>
+              <a:rPr kumimoji="1" lang="en-US" altLang="zh-CN" dirty="0">
+                <a:solidFill>
+                  <a:schemeClr val="tx1">
+                    <a:lumMod val="65000"/>
+                    <a:lumOff val="35000"/>
+                  </a:schemeClr>
+                </a:solidFill>
+                <a:latin typeface="Microsoft YaHei" panose="020B0503020204020204" pitchFamily="34" charset="-122"/>
+                <a:ea typeface="Microsoft YaHei" panose="020B0503020204020204" pitchFamily="34" charset="-122"/>
+              </a:rPr>
+              <a:t>**</a:t>
+            </a:r>
+          </a:p>
+          <a:p>
+            <a:r>
+              <a:rPr kumimoji="1" lang="en-US" altLang="zh-CN" dirty="0">
+                <a:solidFill>
+                  <a:schemeClr val="tx1">
+                    <a:lumMod val="65000"/>
+                    <a:lumOff val="35000"/>
+                  </a:schemeClr>
+                </a:solidFill>
+                <a:latin typeface="Microsoft YaHei" panose="020B0503020204020204" pitchFamily="34" charset="-122"/>
+                <a:ea typeface="Microsoft YaHei" panose="020B0503020204020204" pitchFamily="34" charset="-122"/>
+              </a:rPr>
+              <a:t>***</a:t>
+            </a:r>
+          </a:p>
+          <a:p>
+            <a:r>
+              <a:rPr kumimoji="1" lang="en-US" altLang="zh-CN" dirty="0">
+                <a:solidFill>
+                  <a:schemeClr val="tx1">
+                    <a:lumMod val="65000"/>
+                    <a:lumOff val="35000"/>
+                  </a:schemeClr>
+                </a:solidFill>
+                <a:latin typeface="Microsoft YaHei" panose="020B0503020204020204" pitchFamily="34" charset="-122"/>
+                <a:ea typeface="Microsoft YaHei" panose="020B0503020204020204" pitchFamily="34" charset="-122"/>
+              </a:rPr>
+              <a:t>****</a:t>
+            </a:r>
+          </a:p>
+        </p:txBody>
+      </p:sp>
+      <p:sp>
+        <p:nvSpPr>
+          <p:cNvPr id="4" name="文本框 3">
+            <a:extLst>
+              <a:ext uri="{FF2B5EF4-FFF2-40B4-BE49-F238E27FC236}">
+                <a16:creationId xmlns:a16="http://schemas.microsoft.com/office/drawing/2014/main" id="{7B9D0E68-44AF-7845-A05C-B7535ED34970}"/>
+              </a:ext>
+            </a:extLst>
+          </p:cNvPr>
+          <p:cNvSpPr txBox="1"/>
+          <p:nvPr/>
+        </p:nvSpPr>
+        <p:spPr>
+          <a:xfrm>
+            <a:off x="6436612" y="1674674"/>
+            <a:ext cx="4570482" cy="646331"/>
+          </a:xfrm>
+          <a:prstGeom prst="rect">
+            <a:avLst/>
+          </a:prstGeom>
+          <a:noFill/>
+        </p:spPr>
+        <p:txBody>
+          <a:bodyPr wrap="none" rtlCol="0">
+            <a:spAutoFit/>
+          </a:bodyPr>
+          <a:lstStyle/>
+          <a:p>
+            <a:r>
+              <a:rPr kumimoji="1" lang="zh-CN" altLang="en-US" dirty="0">
+                <a:solidFill>
+                  <a:schemeClr val="tx1">
+                    <a:lumMod val="65000"/>
+                    <a:lumOff val="35000"/>
+                  </a:schemeClr>
+                </a:solidFill>
+                <a:latin typeface="Microsoft YaHei" panose="020B0503020204020204" pitchFamily="34" charset="-122"/>
+                <a:ea typeface="Microsoft YaHei" panose="020B0503020204020204" pitchFamily="34" charset="-122"/>
+              </a:rPr>
+              <a:t>②下記配列から偶数を洗い出して出力する</a:t>
+            </a:r>
+            <a:endParaRPr kumimoji="1" lang="en-US" altLang="zh-CN" dirty="0">
+              <a:solidFill>
+                <a:schemeClr val="tx1">
+                  <a:lumMod val="65000"/>
+                  <a:lumOff val="35000"/>
+                </a:schemeClr>
+              </a:solidFill>
+              <a:latin typeface="Microsoft YaHei" panose="020B0503020204020204" pitchFamily="34" charset="-122"/>
+              <a:ea typeface="Microsoft YaHei" panose="020B0503020204020204" pitchFamily="34" charset="-122"/>
+            </a:endParaRPr>
+          </a:p>
+          <a:p>
+            <a:r>
+              <a:rPr kumimoji="1" lang="en-US" altLang="zh-CN" dirty="0">
+                <a:solidFill>
+                  <a:schemeClr val="tx1">
+                    <a:lumMod val="65000"/>
+                    <a:lumOff val="35000"/>
+                  </a:schemeClr>
+                </a:solidFill>
+                <a:latin typeface="Microsoft YaHei" panose="020B0503020204020204" pitchFamily="34" charset="-122"/>
+                <a:ea typeface="Microsoft YaHei" panose="020B0503020204020204" pitchFamily="34" charset="-122"/>
+              </a:rPr>
+              <a:t>[10,3,7,12,25,87,30,28]</a:t>
+            </a:r>
+          </a:p>
+        </p:txBody>
+      </p:sp>
+    </p:spTree>
+    <p:extLst>
+      <p:ext uri="{BB962C8B-B14F-4D97-AF65-F5344CB8AC3E}">
+        <p14:creationId xmlns:p14="http://schemas.microsoft.com/office/powerpoint/2010/main" val="49765014"/>
+      </p:ext>
+    </p:extLst>
+  </p:cSld>
+  <p:clrMapOvr>
+    <a:masterClrMapping/>
+  </p:clrMapOvr>
+</p:sld>
+</file>
+
+<file path=ppt/slides/slide17.xml><?xml version="1.0" encoding="utf-8"?>
+<p:sld xmlns:a="http://schemas.openxmlformats.org/drawingml/2006/main" xmlns:r="http://schemas.openxmlformats.org/officeDocument/2006/relationships" xmlns:p="http://schemas.openxmlformats.org/presentationml/2006/main">
+  <p:cSld>
+    <p:spTree>
+      <p:nvGrpSpPr>
+        <p:cNvPr id="1" name=""/>
+        <p:cNvGrpSpPr/>
+        <p:nvPr/>
+      </p:nvGrpSpPr>
+      <p:grpSpPr>
+        <a:xfrm>
+          <a:off x="0" y="0"/>
+          <a:ext cx="0" cy="0"/>
+          <a:chOff x="0" y="0"/>
+          <a:chExt cx="0" cy="0"/>
+        </a:xfrm>
+      </p:grpSpPr>
+      <p:sp>
+        <p:nvSpPr>
+          <p:cNvPr id="5" name="矩形 4">
+            <a:extLst>
+              <a:ext uri="{FF2B5EF4-FFF2-40B4-BE49-F238E27FC236}">
+                <a16:creationId xmlns:a16="http://schemas.microsoft.com/office/drawing/2014/main" id="{F979A305-980D-624D-98F0-376F455F6824}"/>
+              </a:ext>
+            </a:extLst>
+          </p:cNvPr>
+          <p:cNvSpPr/>
+          <p:nvPr/>
+        </p:nvSpPr>
+        <p:spPr>
+          <a:xfrm>
+            <a:off x="464969" y="325676"/>
+            <a:ext cx="11727032" cy="770562"/>
+          </a:xfrm>
+          <a:prstGeom prst="rect">
+            <a:avLst/>
+          </a:prstGeom>
+          <a:noFill/>
+          <a:ln>
+            <a:noFill/>
+          </a:ln>
+        </p:spPr>
+        <p:style>
+          <a:lnRef idx="2">
+            <a:schemeClr val="accent1">
+              <a:shade val="50000"/>
+            </a:schemeClr>
+          </a:lnRef>
+          <a:fillRef idx="1">
+            <a:schemeClr val="accent1"/>
+          </a:fillRef>
+          <a:effectRef idx="0">
+            <a:schemeClr val="accent1"/>
+          </a:effectRef>
+          <a:fontRef idx="minor">
+            <a:schemeClr val="lt1"/>
+          </a:fontRef>
+        </p:style>
+        <p:txBody>
+          <a:bodyPr rtlCol="0" anchor="ctr"/>
+          <a:lstStyle/>
+          <a:p>
+            <a:r>
+              <a:rPr kumimoji="1" lang="zh-CN" altLang="en-US" sz="3600" b="1" u="sng" dirty="0">
+                <a:solidFill>
+                  <a:schemeClr val="tx1">
+                    <a:lumMod val="85000"/>
+                    <a:lumOff val="15000"/>
+                  </a:schemeClr>
+                </a:solidFill>
+                <a:latin typeface="Microsoft YaHei" panose="020B0503020204020204" pitchFamily="34" charset="-122"/>
+                <a:ea typeface="Microsoft YaHei" panose="020B0503020204020204" pitchFamily="34" charset="-122"/>
+              </a:rPr>
+              <a:t>開発環境の準備</a:t>
+            </a:r>
+          </a:p>
+        </p:txBody>
+      </p:sp>
+      <p:sp>
+        <p:nvSpPr>
+          <p:cNvPr id="9" name="文本框 8">
+            <a:extLst>
+              <a:ext uri="{FF2B5EF4-FFF2-40B4-BE49-F238E27FC236}">
+                <a16:creationId xmlns:a16="http://schemas.microsoft.com/office/drawing/2014/main" id="{004DCEA4-4400-4149-9172-65651219B67A}"/>
+              </a:ext>
+            </a:extLst>
+          </p:cNvPr>
+          <p:cNvSpPr txBox="1"/>
+          <p:nvPr/>
+        </p:nvSpPr>
+        <p:spPr>
+          <a:xfrm>
+            <a:off x="464969" y="1186934"/>
+            <a:ext cx="11108234" cy="2031325"/>
+          </a:xfrm>
+          <a:prstGeom prst="rect">
+            <a:avLst/>
+          </a:prstGeom>
+          <a:noFill/>
+        </p:spPr>
+        <p:txBody>
+          <a:bodyPr wrap="none" rtlCol="0">
+            <a:spAutoFit/>
+          </a:bodyPr>
+          <a:lstStyle/>
+          <a:p>
+            <a:endParaRPr kumimoji="1" lang="en-US" altLang="zh-CN" dirty="0">
+              <a:solidFill>
+                <a:schemeClr val="bg1">
+                  <a:lumMod val="50000"/>
+                </a:schemeClr>
+              </a:solidFill>
+              <a:latin typeface="Microsoft YaHei" panose="020B0503020204020204" pitchFamily="34" charset="-122"/>
+              <a:ea typeface="Microsoft YaHei" panose="020B0503020204020204" pitchFamily="34" charset="-122"/>
+            </a:endParaRPr>
+          </a:p>
+          <a:p>
+            <a:r>
+              <a:rPr kumimoji="1" lang="en-US" altLang="zh-CN" dirty="0">
+                <a:solidFill>
+                  <a:schemeClr val="bg1">
+                    <a:lumMod val="50000"/>
+                  </a:schemeClr>
+                </a:solidFill>
+                <a:latin typeface="Microsoft YaHei" panose="020B0503020204020204" pitchFamily="34" charset="-122"/>
+                <a:ea typeface="Microsoft YaHei" panose="020B0503020204020204" pitchFamily="34" charset="-122"/>
+              </a:rPr>
+              <a:t>1. </a:t>
+            </a:r>
+            <a:r>
+              <a:rPr kumimoji="1" lang="en-US" altLang="zh-CN" dirty="0">
+                <a:solidFill>
+                  <a:schemeClr val="bg1">
+                    <a:lumMod val="50000"/>
+                  </a:schemeClr>
+                </a:solidFill>
+                <a:latin typeface="Microsoft YaHei" panose="020B0503020204020204" pitchFamily="34" charset="-122"/>
+                <a:ea typeface="Microsoft YaHei" panose="020B0503020204020204" pitchFamily="34" charset="-122"/>
+                <a:hlinkClick r:id="rId3">
+                  <a:extLst>
+                    <a:ext uri="{A12FA001-AC4F-418D-AE19-62706E023703}">
+                      <ahyp:hlinkClr xmlns:ahyp="http://schemas.microsoft.com/office/drawing/2018/hyperlinkcolor" val="tx"/>
+                    </a:ext>
+                  </a:extLst>
+                </a:hlinkClick>
+              </a:rPr>
+              <a:t>https://code.visualstudio.com/</a:t>
+            </a:r>
+            <a:endParaRPr kumimoji="1" lang="en-US" altLang="zh-CN" dirty="0">
+              <a:solidFill>
+                <a:schemeClr val="bg1">
+                  <a:lumMod val="50000"/>
+                </a:schemeClr>
+              </a:solidFill>
+              <a:latin typeface="Microsoft YaHei" panose="020B0503020204020204" pitchFamily="34" charset="-122"/>
+              <a:ea typeface="Microsoft YaHei" panose="020B0503020204020204" pitchFamily="34" charset="-122"/>
+            </a:endParaRPr>
+          </a:p>
+          <a:p>
+            <a:r>
+              <a:rPr kumimoji="1" lang="en-US" altLang="zh-CN" dirty="0">
+                <a:solidFill>
+                  <a:schemeClr val="bg1">
+                    <a:lumMod val="50000"/>
+                  </a:schemeClr>
+                </a:solidFill>
+                <a:latin typeface="Microsoft YaHei" panose="020B0503020204020204" pitchFamily="34" charset="-122"/>
+                <a:ea typeface="Microsoft YaHei" panose="020B0503020204020204" pitchFamily="34" charset="-122"/>
+              </a:rPr>
+              <a:t>2. Git</a:t>
+            </a:r>
+          </a:p>
+          <a:p>
+            <a:r>
+              <a:rPr kumimoji="1" lang="en-US" altLang="zh-CN" dirty="0">
+                <a:solidFill>
+                  <a:schemeClr val="bg1">
+                    <a:lumMod val="50000"/>
+                  </a:schemeClr>
+                </a:solidFill>
+                <a:latin typeface="Microsoft YaHei" panose="020B0503020204020204" pitchFamily="34" charset="-122"/>
+                <a:ea typeface="Microsoft YaHei" panose="020B0503020204020204" pitchFamily="34" charset="-122"/>
+              </a:rPr>
+              <a:t>	https://git-</a:t>
+            </a:r>
+            <a:r>
+              <a:rPr kumimoji="1" lang="en-US" altLang="zh-CN" dirty="0" err="1">
+                <a:solidFill>
+                  <a:schemeClr val="bg1">
+                    <a:lumMod val="50000"/>
+                  </a:schemeClr>
+                </a:solidFill>
+                <a:latin typeface="Microsoft YaHei" panose="020B0503020204020204" pitchFamily="34" charset="-122"/>
+                <a:ea typeface="Microsoft YaHei" panose="020B0503020204020204" pitchFamily="34" charset="-122"/>
+              </a:rPr>
+              <a:t>scm.com</a:t>
+            </a:r>
+            <a:r>
+              <a:rPr kumimoji="1" lang="en-US" altLang="zh-CN" dirty="0">
+                <a:solidFill>
+                  <a:schemeClr val="bg1">
+                    <a:lumMod val="50000"/>
+                  </a:schemeClr>
+                </a:solidFill>
+                <a:latin typeface="Microsoft YaHei" panose="020B0503020204020204" pitchFamily="34" charset="-122"/>
+                <a:ea typeface="Microsoft YaHei" panose="020B0503020204020204" pitchFamily="34" charset="-122"/>
+              </a:rPr>
+              <a:t>/book/</a:t>
+            </a:r>
+            <a:r>
+              <a:rPr kumimoji="1" lang="en-US" altLang="zh-CN" dirty="0" err="1">
+                <a:solidFill>
+                  <a:schemeClr val="bg1">
+                    <a:lumMod val="50000"/>
+                  </a:schemeClr>
+                </a:solidFill>
+                <a:latin typeface="Microsoft YaHei" panose="020B0503020204020204" pitchFamily="34" charset="-122"/>
+                <a:ea typeface="Microsoft YaHei" panose="020B0503020204020204" pitchFamily="34" charset="-122"/>
+              </a:rPr>
+              <a:t>zh</a:t>
+            </a:r>
+            <a:r>
+              <a:rPr kumimoji="1" lang="en-US" altLang="zh-CN" dirty="0">
+                <a:solidFill>
+                  <a:schemeClr val="bg1">
+                    <a:lumMod val="50000"/>
+                  </a:schemeClr>
+                </a:solidFill>
+                <a:latin typeface="Microsoft YaHei" panose="020B0503020204020204" pitchFamily="34" charset="-122"/>
+                <a:ea typeface="Microsoft YaHei" panose="020B0503020204020204" pitchFamily="34" charset="-122"/>
+              </a:rPr>
+              <a:t>/v2/%E8%B5%B7%E6%AD%A5-%E5%AE%89%E8%A3%85-Git</a:t>
+            </a:r>
+          </a:p>
+          <a:p>
+            <a:r>
+              <a:rPr kumimoji="1" lang="en-US" altLang="zh-CN" dirty="0">
+                <a:solidFill>
+                  <a:schemeClr val="bg1">
+                    <a:lumMod val="50000"/>
+                  </a:schemeClr>
+                </a:solidFill>
+                <a:latin typeface="Microsoft YaHei" panose="020B0503020204020204" pitchFamily="34" charset="-122"/>
+                <a:ea typeface="Microsoft YaHei" panose="020B0503020204020204" pitchFamily="34" charset="-122"/>
+              </a:rPr>
+              <a:t>3. Git hub:</a:t>
+            </a:r>
+          </a:p>
+          <a:p>
+            <a:r>
+              <a:rPr kumimoji="1" lang="en-US" altLang="zh-CN" dirty="0">
+                <a:solidFill>
+                  <a:schemeClr val="bg1">
+                    <a:lumMod val="50000"/>
+                  </a:schemeClr>
+                </a:solidFill>
+                <a:latin typeface="Microsoft YaHei" panose="020B0503020204020204" pitchFamily="34" charset="-122"/>
+                <a:ea typeface="Microsoft YaHei" panose="020B0503020204020204" pitchFamily="34" charset="-122"/>
+              </a:rPr>
+              <a:t>	</a:t>
+            </a:r>
+            <a:r>
+              <a:rPr kumimoji="1" lang="en-US" altLang="zh-CN" dirty="0">
+                <a:solidFill>
+                  <a:schemeClr val="bg1">
+                    <a:lumMod val="50000"/>
+                  </a:schemeClr>
+                </a:solidFill>
+                <a:latin typeface="Microsoft YaHei" panose="020B0503020204020204" pitchFamily="34" charset="-122"/>
+                <a:ea typeface="Microsoft YaHei" panose="020B0503020204020204" pitchFamily="34" charset="-122"/>
+                <a:hlinkClick r:id="rId4">
+                  <a:extLst>
+                    <a:ext uri="{A12FA001-AC4F-418D-AE19-62706E023703}">
+                      <ahyp:hlinkClr xmlns:ahyp="http://schemas.microsoft.com/office/drawing/2018/hyperlinkcolor" val="tx"/>
+                    </a:ext>
+                  </a:extLst>
+                </a:hlinkClick>
+              </a:rPr>
+              <a:t>https://github.com/</a:t>
+            </a:r>
+            <a:endParaRPr kumimoji="1" lang="en-US" altLang="zh-CN" dirty="0">
+              <a:solidFill>
+                <a:schemeClr val="bg1">
+                  <a:lumMod val="50000"/>
+                </a:schemeClr>
+              </a:solidFill>
+              <a:latin typeface="Microsoft YaHei" panose="020B0503020204020204" pitchFamily="34" charset="-122"/>
+              <a:ea typeface="Microsoft YaHei" panose="020B0503020204020204" pitchFamily="34" charset="-122"/>
+            </a:endParaRPr>
+          </a:p>
+          <a:p>
+            <a:r>
+              <a:rPr kumimoji="1" lang="en-US" altLang="zh-CN" dirty="0">
+                <a:solidFill>
+                  <a:schemeClr val="bg1">
+                    <a:lumMod val="50000"/>
+                  </a:schemeClr>
+                </a:solidFill>
+                <a:latin typeface="Microsoft YaHei" panose="020B0503020204020204" pitchFamily="34" charset="-122"/>
+                <a:ea typeface="Microsoft YaHei" panose="020B0503020204020204" pitchFamily="34" charset="-122"/>
+              </a:rPr>
+              <a:t>	</a:t>
+            </a:r>
+            <a:r>
+              <a:rPr kumimoji="1" lang="zh-CN" altLang="en-US" dirty="0">
+                <a:solidFill>
+                  <a:schemeClr val="bg1">
+                    <a:lumMod val="50000"/>
+                  </a:schemeClr>
+                </a:solidFill>
+                <a:latin typeface="Microsoft YaHei" panose="020B0503020204020204" pitchFamily="34" charset="-122"/>
+                <a:ea typeface="Microsoft YaHei" panose="020B0503020204020204" pitchFamily="34" charset="-122"/>
+              </a:rPr>
+              <a:t>アカウントの作成</a:t>
+            </a:r>
+            <a:r>
+              <a:rPr kumimoji="1" lang="en-US" altLang="zh-CN" dirty="0">
+                <a:solidFill>
+                  <a:schemeClr val="tx1">
+                    <a:lumMod val="65000"/>
+                    <a:lumOff val="35000"/>
+                  </a:schemeClr>
+                </a:solidFill>
+                <a:latin typeface="Microsoft YaHei" panose="020B0503020204020204" pitchFamily="34" charset="-122"/>
+                <a:ea typeface="Microsoft YaHei" panose="020B0503020204020204" pitchFamily="34" charset="-122"/>
+              </a:rPr>
+              <a:t>	</a:t>
+            </a:r>
+          </a:p>
+        </p:txBody>
+      </p:sp>
+    </p:spTree>
+    <p:extLst>
+      <p:ext uri="{BB962C8B-B14F-4D97-AF65-F5344CB8AC3E}">
+        <p14:creationId xmlns:p14="http://schemas.microsoft.com/office/powerpoint/2010/main" val="447086757"/>
+      </p:ext>
+    </p:extLst>
+  </p:cSld>
+  <p:clrMapOvr>
+    <a:masterClrMapping/>
+  </p:clrMapOvr>
+</p:sld>
+</file>
+
+<file path=ppt/slides/slide18.xml><?xml version="1.0" encoding="utf-8"?>
+<p:sld xmlns:a="http://schemas.openxmlformats.org/drawingml/2006/main" xmlns:r="http://schemas.openxmlformats.org/officeDocument/2006/relationships" xmlns:p="http://schemas.openxmlformats.org/presentationml/2006/main">
+  <p:cSld>
+    <p:spTree>
+      <p:nvGrpSpPr>
+        <p:cNvPr id="1" name=""/>
+        <p:cNvGrpSpPr/>
+        <p:nvPr/>
+      </p:nvGrpSpPr>
+      <p:grpSpPr>
+        <a:xfrm>
+          <a:off x="0" y="0"/>
+          <a:ext cx="0" cy="0"/>
+          <a:chOff x="0" y="0"/>
+          <a:chExt cx="0" cy="0"/>
+        </a:xfrm>
+      </p:grpSpPr>
+      <p:sp>
+        <p:nvSpPr>
+          <p:cNvPr id="5" name="矩形 4">
+            <a:extLst>
+              <a:ext uri="{FF2B5EF4-FFF2-40B4-BE49-F238E27FC236}">
+                <a16:creationId xmlns:a16="http://schemas.microsoft.com/office/drawing/2014/main" id="{F979A305-980D-624D-98F0-376F455F6824}"/>
+              </a:ext>
+            </a:extLst>
+          </p:cNvPr>
+          <p:cNvSpPr/>
+          <p:nvPr/>
+        </p:nvSpPr>
+        <p:spPr>
+          <a:xfrm>
+            <a:off x="464969" y="325676"/>
+            <a:ext cx="11727032" cy="770562"/>
+          </a:xfrm>
+          <a:prstGeom prst="rect">
+            <a:avLst/>
+          </a:prstGeom>
+          <a:noFill/>
+          <a:ln>
+            <a:noFill/>
+          </a:ln>
+        </p:spPr>
+        <p:style>
+          <a:lnRef idx="2">
+            <a:schemeClr val="accent1">
+              <a:shade val="50000"/>
+            </a:schemeClr>
+          </a:lnRef>
+          <a:fillRef idx="1">
+            <a:schemeClr val="accent1"/>
+          </a:fillRef>
+          <a:effectRef idx="0">
+            <a:schemeClr val="accent1"/>
+          </a:effectRef>
+          <a:fontRef idx="minor">
+            <a:schemeClr val="lt1"/>
+          </a:fontRef>
+        </p:style>
+        <p:txBody>
+          <a:bodyPr rtlCol="0" anchor="ctr"/>
+          <a:lstStyle/>
+          <a:p>
+            <a:r>
+              <a:rPr kumimoji="1" lang="en-US" altLang="zh-CN" sz="3600" b="1" u="sng" dirty="0">
+                <a:solidFill>
+                  <a:schemeClr val="tx1">
+                    <a:lumMod val="85000"/>
+                    <a:lumOff val="15000"/>
+                  </a:schemeClr>
+                </a:solidFill>
+                <a:latin typeface="Microsoft YaHei" panose="020B0503020204020204" pitchFamily="34" charset="-122"/>
+                <a:ea typeface="Microsoft YaHei" panose="020B0503020204020204" pitchFamily="34" charset="-122"/>
+              </a:rPr>
+              <a:t>GIT</a:t>
+            </a:r>
+            <a:r>
+              <a:rPr kumimoji="1" lang="zh-CN" altLang="en-US" sz="3600" b="1" u="sng" dirty="0">
+                <a:solidFill>
+                  <a:schemeClr val="tx1">
+                    <a:lumMod val="85000"/>
+                    <a:lumOff val="15000"/>
+                  </a:schemeClr>
+                </a:solidFill>
+                <a:latin typeface="Microsoft YaHei" panose="020B0503020204020204" pitchFamily="34" charset="-122"/>
+                <a:ea typeface="Microsoft YaHei" panose="020B0503020204020204" pitchFamily="34" charset="-122"/>
+              </a:rPr>
+              <a:t>の使い方</a:t>
+            </a:r>
+          </a:p>
+        </p:txBody>
+      </p:sp>
+      <p:sp>
+        <p:nvSpPr>
+          <p:cNvPr id="9" name="文本框 8">
+            <a:extLst>
+              <a:ext uri="{FF2B5EF4-FFF2-40B4-BE49-F238E27FC236}">
+                <a16:creationId xmlns:a16="http://schemas.microsoft.com/office/drawing/2014/main" id="{004DCEA4-4400-4149-9172-65651219B67A}"/>
+              </a:ext>
+            </a:extLst>
+          </p:cNvPr>
+          <p:cNvSpPr txBox="1"/>
+          <p:nvPr/>
+        </p:nvSpPr>
+        <p:spPr>
+          <a:xfrm>
+            <a:off x="748117" y="3045552"/>
+            <a:ext cx="2954655" cy="2031325"/>
+          </a:xfrm>
+          <a:prstGeom prst="rect">
+            <a:avLst/>
+          </a:prstGeom>
+          <a:noFill/>
+        </p:spPr>
+        <p:txBody>
+          <a:bodyPr wrap="none" rtlCol="0">
+            <a:spAutoFit/>
+          </a:bodyPr>
+          <a:lstStyle/>
+          <a:p>
+            <a:r>
+              <a:rPr kumimoji="1" lang="zh-CN" altLang="en-US" dirty="0">
+                <a:solidFill>
+                  <a:schemeClr val="tx1">
+                    <a:lumMod val="65000"/>
+                    <a:lumOff val="35000"/>
+                  </a:schemeClr>
+                </a:solidFill>
+                <a:latin typeface="Microsoft YaHei" panose="020B0503020204020204" pitchFamily="34" charset="-122"/>
+                <a:ea typeface="Microsoft YaHei" panose="020B0503020204020204" pitchFamily="34" charset="-122"/>
+              </a:rPr>
+              <a:t>②よく使用するコマンド：</a:t>
+            </a:r>
+            <a:endParaRPr kumimoji="1" lang="en-US" altLang="zh-CN" dirty="0">
+              <a:solidFill>
+                <a:schemeClr val="tx1">
+                  <a:lumMod val="65000"/>
+                  <a:lumOff val="35000"/>
+                </a:schemeClr>
+              </a:solidFill>
+              <a:latin typeface="Microsoft YaHei" panose="020B0503020204020204" pitchFamily="34" charset="-122"/>
+              <a:ea typeface="Microsoft YaHei" panose="020B0503020204020204" pitchFamily="34" charset="-122"/>
+            </a:endParaRPr>
+          </a:p>
+          <a:p>
+            <a:r>
+              <a:rPr kumimoji="1" lang="en-US" altLang="zh-CN" dirty="0">
+                <a:solidFill>
+                  <a:schemeClr val="tx1">
+                    <a:lumMod val="65000"/>
+                    <a:lumOff val="35000"/>
+                  </a:schemeClr>
+                </a:solidFill>
+                <a:latin typeface="Microsoft YaHei" panose="020B0503020204020204" pitchFamily="34" charset="-122"/>
+                <a:ea typeface="Microsoft YaHei" panose="020B0503020204020204" pitchFamily="34" charset="-122"/>
+              </a:rPr>
+              <a:t>git </a:t>
+            </a:r>
+            <a:r>
+              <a:rPr kumimoji="1" lang="en-US" altLang="zh-CN" dirty="0" err="1">
+                <a:solidFill>
+                  <a:schemeClr val="tx1">
+                    <a:lumMod val="65000"/>
+                    <a:lumOff val="35000"/>
+                  </a:schemeClr>
+                </a:solidFill>
+                <a:latin typeface="Microsoft YaHei" panose="020B0503020204020204" pitchFamily="34" charset="-122"/>
+                <a:ea typeface="Microsoft YaHei" panose="020B0503020204020204" pitchFamily="34" charset="-122"/>
+              </a:rPr>
+              <a:t>init</a:t>
+            </a:r>
+            <a:endParaRPr kumimoji="1" lang="en-US" altLang="zh-CN" dirty="0">
+              <a:solidFill>
+                <a:schemeClr val="tx1">
+                  <a:lumMod val="65000"/>
+                  <a:lumOff val="35000"/>
+                </a:schemeClr>
+              </a:solidFill>
+              <a:latin typeface="Microsoft YaHei" panose="020B0503020204020204" pitchFamily="34" charset="-122"/>
+              <a:ea typeface="Microsoft YaHei" panose="020B0503020204020204" pitchFamily="34" charset="-122"/>
+            </a:endParaRPr>
+          </a:p>
+          <a:p>
+            <a:r>
+              <a:rPr kumimoji="1" lang="en-US" altLang="zh-CN" dirty="0">
+                <a:solidFill>
+                  <a:schemeClr val="tx1">
+                    <a:lumMod val="65000"/>
+                    <a:lumOff val="35000"/>
+                  </a:schemeClr>
+                </a:solidFill>
+                <a:latin typeface="Microsoft YaHei" panose="020B0503020204020204" pitchFamily="34" charset="-122"/>
+                <a:ea typeface="Microsoft YaHei" panose="020B0503020204020204" pitchFamily="34" charset="-122"/>
+              </a:rPr>
+              <a:t>Git clone</a:t>
+            </a:r>
+          </a:p>
+          <a:p>
+            <a:r>
+              <a:rPr kumimoji="1" lang="en-US" altLang="zh-CN" dirty="0">
+                <a:solidFill>
+                  <a:schemeClr val="tx1">
+                    <a:lumMod val="65000"/>
+                    <a:lumOff val="35000"/>
+                  </a:schemeClr>
+                </a:solidFill>
+                <a:latin typeface="Microsoft YaHei" panose="020B0503020204020204" pitchFamily="34" charset="-122"/>
+                <a:ea typeface="Microsoft YaHei" panose="020B0503020204020204" pitchFamily="34" charset="-122"/>
+              </a:rPr>
+              <a:t>Git pull</a:t>
+            </a:r>
+          </a:p>
+          <a:p>
+            <a:r>
+              <a:rPr kumimoji="1" lang="en-US" altLang="zh-CN" dirty="0">
+                <a:solidFill>
+                  <a:schemeClr val="tx1">
+                    <a:lumMod val="65000"/>
+                    <a:lumOff val="35000"/>
+                  </a:schemeClr>
+                </a:solidFill>
+                <a:latin typeface="Microsoft YaHei" panose="020B0503020204020204" pitchFamily="34" charset="-122"/>
+                <a:ea typeface="Microsoft YaHei" panose="020B0503020204020204" pitchFamily="34" charset="-122"/>
+              </a:rPr>
+              <a:t>Git add</a:t>
+            </a:r>
+          </a:p>
+          <a:p>
+            <a:r>
+              <a:rPr kumimoji="1" lang="en-US" altLang="zh-CN" dirty="0">
+                <a:solidFill>
+                  <a:schemeClr val="tx1">
+                    <a:lumMod val="65000"/>
+                    <a:lumOff val="35000"/>
+                  </a:schemeClr>
+                </a:solidFill>
+                <a:latin typeface="Microsoft YaHei" panose="020B0503020204020204" pitchFamily="34" charset="-122"/>
+                <a:ea typeface="Microsoft YaHei" panose="020B0503020204020204" pitchFamily="34" charset="-122"/>
+              </a:rPr>
+              <a:t>Git commit</a:t>
+            </a:r>
+          </a:p>
+          <a:p>
+            <a:r>
+              <a:rPr kumimoji="1" lang="en-US" altLang="zh-CN" dirty="0">
+                <a:solidFill>
+                  <a:schemeClr val="tx1">
+                    <a:lumMod val="65000"/>
+                    <a:lumOff val="35000"/>
+                  </a:schemeClr>
+                </a:solidFill>
+                <a:latin typeface="Microsoft YaHei" panose="020B0503020204020204" pitchFamily="34" charset="-122"/>
+                <a:ea typeface="Microsoft YaHei" panose="020B0503020204020204" pitchFamily="34" charset="-122"/>
+              </a:rPr>
+              <a:t>Git push</a:t>
+            </a:r>
+          </a:p>
+        </p:txBody>
+      </p:sp>
+      <p:sp>
+        <p:nvSpPr>
+          <p:cNvPr id="6" name="文本框 5">
+            <a:extLst>
+              <a:ext uri="{FF2B5EF4-FFF2-40B4-BE49-F238E27FC236}">
+                <a16:creationId xmlns:a16="http://schemas.microsoft.com/office/drawing/2014/main" id="{432DF806-4B8D-EF47-86BC-1EE975FEDD0B}"/>
+              </a:ext>
+            </a:extLst>
+          </p:cNvPr>
+          <p:cNvSpPr txBox="1"/>
+          <p:nvPr/>
+        </p:nvSpPr>
+        <p:spPr>
+          <a:xfrm>
+            <a:off x="6810986" y="3045552"/>
+            <a:ext cx="2688493" cy="369332"/>
+          </a:xfrm>
+          <a:prstGeom prst="rect">
+            <a:avLst/>
+          </a:prstGeom>
+          <a:noFill/>
+        </p:spPr>
+        <p:txBody>
+          <a:bodyPr wrap="none" rtlCol="0">
+            <a:spAutoFit/>
+          </a:bodyPr>
+          <a:lstStyle/>
+          <a:p>
+            <a:r>
+              <a:rPr kumimoji="1" lang="en-US" altLang="zh-CN" dirty="0">
+                <a:solidFill>
+                  <a:schemeClr val="tx1">
+                    <a:lumMod val="65000"/>
+                    <a:lumOff val="35000"/>
+                  </a:schemeClr>
+                </a:solidFill>
+                <a:latin typeface="Microsoft YaHei" panose="020B0503020204020204" pitchFamily="34" charset="-122"/>
+                <a:ea typeface="Microsoft YaHei" panose="020B0503020204020204" pitchFamily="34" charset="-122"/>
+              </a:rPr>
+              <a:t>③VS</a:t>
+            </a:r>
+            <a:r>
+              <a:rPr kumimoji="1" lang="ja-JP" altLang="en-US">
+                <a:solidFill>
+                  <a:schemeClr val="tx1">
+                    <a:lumMod val="65000"/>
+                    <a:lumOff val="35000"/>
+                  </a:schemeClr>
+                </a:solidFill>
+                <a:latin typeface="Microsoft YaHei" panose="020B0503020204020204" pitchFamily="34" charset="-122"/>
+                <a:ea typeface="Microsoft YaHei" panose="020B0503020204020204" pitchFamily="34" charset="-122"/>
+              </a:rPr>
+              <a:t>コード上の</a:t>
+            </a:r>
+            <a:r>
+              <a:rPr kumimoji="1" lang="en-US" altLang="ja-JP" dirty="0">
+                <a:solidFill>
+                  <a:schemeClr val="tx1">
+                    <a:lumMod val="65000"/>
+                    <a:lumOff val="35000"/>
+                  </a:schemeClr>
+                </a:solidFill>
+                <a:latin typeface="Microsoft YaHei" panose="020B0503020204020204" pitchFamily="34" charset="-122"/>
+                <a:ea typeface="Microsoft YaHei" panose="020B0503020204020204" pitchFamily="34" charset="-122"/>
+              </a:rPr>
+              <a:t>GIT</a:t>
+            </a:r>
+            <a:r>
+              <a:rPr kumimoji="1" lang="ja-JP" altLang="en-US">
+                <a:solidFill>
+                  <a:schemeClr val="tx1">
+                    <a:lumMod val="65000"/>
+                    <a:lumOff val="35000"/>
+                  </a:schemeClr>
+                </a:solidFill>
+                <a:latin typeface="Microsoft YaHei" panose="020B0503020204020204" pitchFamily="34" charset="-122"/>
+                <a:ea typeface="Microsoft YaHei" panose="020B0503020204020204" pitchFamily="34" charset="-122"/>
+              </a:rPr>
+              <a:t>機能</a:t>
+            </a:r>
+            <a:endParaRPr kumimoji="1" lang="en-US" altLang="zh-CN" dirty="0">
+              <a:solidFill>
+                <a:schemeClr val="tx1">
+                  <a:lumMod val="65000"/>
+                  <a:lumOff val="35000"/>
+                </a:schemeClr>
+              </a:solidFill>
+              <a:latin typeface="Microsoft YaHei" panose="020B0503020204020204" pitchFamily="34" charset="-122"/>
+              <a:ea typeface="Microsoft YaHei" panose="020B0503020204020204" pitchFamily="34" charset="-122"/>
+            </a:endParaRPr>
+          </a:p>
+        </p:txBody>
+      </p:sp>
+      <p:sp>
+        <p:nvSpPr>
+          <p:cNvPr id="7" name="文本框 6">
+            <a:extLst>
+              <a:ext uri="{FF2B5EF4-FFF2-40B4-BE49-F238E27FC236}">
+                <a16:creationId xmlns:a16="http://schemas.microsoft.com/office/drawing/2014/main" id="{2550728E-C082-D540-916F-6DB53F518B13}"/>
+              </a:ext>
+            </a:extLst>
+          </p:cNvPr>
+          <p:cNvSpPr txBox="1"/>
+          <p:nvPr/>
+        </p:nvSpPr>
+        <p:spPr>
+          <a:xfrm>
+            <a:off x="671916" y="1269761"/>
+            <a:ext cx="4339650" cy="923330"/>
+          </a:xfrm>
+          <a:prstGeom prst="rect">
+            <a:avLst/>
+          </a:prstGeom>
+          <a:noFill/>
+        </p:spPr>
+        <p:txBody>
+          <a:bodyPr wrap="none" rtlCol="0">
+            <a:spAutoFit/>
+          </a:bodyPr>
+          <a:lstStyle/>
+          <a:p>
+            <a:r>
+              <a:rPr kumimoji="1" lang="zh-CN" altLang="en-US" dirty="0">
+                <a:solidFill>
+                  <a:schemeClr val="tx1">
+                    <a:lumMod val="65000"/>
+                    <a:lumOff val="35000"/>
+                  </a:schemeClr>
+                </a:solidFill>
+                <a:latin typeface="Microsoft YaHei" panose="020B0503020204020204" pitchFamily="34" charset="-122"/>
+                <a:ea typeface="Microsoft YaHei" panose="020B0503020204020204" pitchFamily="34" charset="-122"/>
+              </a:rPr>
+              <a:t>①</a:t>
+            </a:r>
+            <a:r>
+              <a:rPr kumimoji="1" lang="en-US" altLang="zh-CN" dirty="0">
+                <a:solidFill>
+                  <a:schemeClr val="tx1">
+                    <a:lumMod val="65000"/>
+                    <a:lumOff val="35000"/>
+                  </a:schemeClr>
+                </a:solidFill>
+                <a:latin typeface="Microsoft YaHei" panose="020B0503020204020204" pitchFamily="34" charset="-122"/>
+                <a:ea typeface="Microsoft YaHei" panose="020B0503020204020204" pitchFamily="34" charset="-122"/>
+              </a:rPr>
+              <a:t>Git</a:t>
+            </a:r>
+            <a:r>
+              <a:rPr kumimoji="1" lang="zh-CN" altLang="en-US" dirty="0">
+                <a:solidFill>
+                  <a:schemeClr val="tx1">
+                    <a:lumMod val="65000"/>
+                    <a:lumOff val="35000"/>
+                  </a:schemeClr>
+                </a:solidFill>
+                <a:latin typeface="Microsoft YaHei" panose="020B0503020204020204" pitchFamily="34" charset="-122"/>
+                <a:ea typeface="Microsoft YaHei" panose="020B0503020204020204" pitchFamily="34" charset="-122"/>
+              </a:rPr>
+              <a:t>の作用</a:t>
+            </a:r>
+            <a:endParaRPr kumimoji="1" lang="en-US" altLang="zh-CN" dirty="0">
+              <a:solidFill>
+                <a:schemeClr val="tx1">
+                  <a:lumMod val="65000"/>
+                  <a:lumOff val="35000"/>
+                </a:schemeClr>
+              </a:solidFill>
+              <a:latin typeface="Microsoft YaHei" panose="020B0503020204020204" pitchFamily="34" charset="-122"/>
+              <a:ea typeface="Microsoft YaHei" panose="020B0503020204020204" pitchFamily="34" charset="-122"/>
+            </a:endParaRPr>
+          </a:p>
+          <a:p>
+            <a:endParaRPr kumimoji="1" lang="en-US" altLang="zh-CN" dirty="0">
+              <a:solidFill>
+                <a:schemeClr val="tx1">
+                  <a:lumMod val="65000"/>
+                  <a:lumOff val="35000"/>
+                </a:schemeClr>
+              </a:solidFill>
+              <a:latin typeface="Microsoft YaHei" panose="020B0503020204020204" pitchFamily="34" charset="-122"/>
+              <a:ea typeface="Microsoft YaHei" panose="020B0503020204020204" pitchFamily="34" charset="-122"/>
+            </a:endParaRPr>
+          </a:p>
+          <a:p>
+            <a:r>
+              <a:rPr kumimoji="1" lang="ja-JP" altLang="en-US">
+                <a:solidFill>
+                  <a:schemeClr val="tx1">
+                    <a:lumMod val="65000"/>
+                    <a:lumOff val="35000"/>
+                  </a:schemeClr>
+                </a:solidFill>
+                <a:latin typeface="Microsoft YaHei" panose="020B0503020204020204" pitchFamily="34" charset="-122"/>
+                <a:ea typeface="Microsoft YaHei" panose="020B0503020204020204" pitchFamily="34" charset="-122"/>
+              </a:rPr>
+              <a:t>　　</a:t>
+            </a:r>
+            <a:r>
+              <a:rPr kumimoji="1" lang="zh-CN" altLang="en-US" dirty="0">
+                <a:solidFill>
+                  <a:schemeClr val="tx1">
+                    <a:lumMod val="65000"/>
+                    <a:lumOff val="35000"/>
+                  </a:schemeClr>
+                </a:solidFill>
+                <a:latin typeface="Microsoft YaHei" panose="020B0503020204020204" pitchFamily="34" charset="-122"/>
+                <a:ea typeface="Microsoft YaHei" panose="020B0503020204020204" pitchFamily="34" charset="-122"/>
+              </a:rPr>
+              <a:t>ソースコードバージョン管理ツール</a:t>
+            </a:r>
+            <a:endParaRPr kumimoji="1" lang="en-US" altLang="zh-CN" dirty="0">
+              <a:solidFill>
+                <a:schemeClr val="tx1">
+                  <a:lumMod val="65000"/>
+                  <a:lumOff val="35000"/>
+                </a:schemeClr>
+              </a:solidFill>
+              <a:latin typeface="Microsoft YaHei" panose="020B0503020204020204" pitchFamily="34" charset="-122"/>
+              <a:ea typeface="Microsoft YaHei" panose="020B0503020204020204" pitchFamily="34" charset="-122"/>
+            </a:endParaRPr>
+          </a:p>
+        </p:txBody>
+      </p:sp>
+    </p:spTree>
+    <p:extLst>
+      <p:ext uri="{BB962C8B-B14F-4D97-AF65-F5344CB8AC3E}">
+        <p14:creationId xmlns:p14="http://schemas.microsoft.com/office/powerpoint/2010/main" val="1964754711"/>
+      </p:ext>
+    </p:extLst>
+  </p:cSld>
+  <p:clrMapOvr>
+    <a:masterClrMapping/>
+  </p:clrMapOvr>
+</p:sld>
+</file>
+
+<file path=ppt/slides/slide2.xml><?xml version="1.0" encoding="utf-8"?>
+<p:sld xmlns:a="http://schemas.openxmlformats.org/drawingml/2006/main" xmlns:r="http://schemas.openxmlformats.org/officeDocument/2006/relationships" xmlns:p="http://schemas.openxmlformats.org/presentationml/2006/main">
+  <p:cSld>
+    <p:spTree>
+      <p:nvGrpSpPr>
+        <p:cNvPr id="1" name=""/>
+        <p:cNvGrpSpPr/>
+        <p:nvPr/>
+      </p:nvGrpSpPr>
+      <p:grpSpPr>
+        <a:xfrm>
+          <a:off x="0" y="0"/>
+          <a:ext cx="0" cy="0"/>
+          <a:chOff x="0" y="0"/>
+          <a:chExt cx="0" cy="0"/>
+        </a:xfrm>
+      </p:grpSpPr>
+      <p:sp>
+        <p:nvSpPr>
+          <p:cNvPr id="5" name="矩形 4">
+            <a:extLst>
+              <a:ext uri="{FF2B5EF4-FFF2-40B4-BE49-F238E27FC236}">
+                <a16:creationId xmlns:a16="http://schemas.microsoft.com/office/drawing/2014/main" id="{F979A305-980D-624D-98F0-376F455F6824}"/>
+              </a:ext>
+            </a:extLst>
+          </p:cNvPr>
+          <p:cNvSpPr/>
+          <p:nvPr/>
+        </p:nvSpPr>
+        <p:spPr>
+          <a:xfrm>
+            <a:off x="464969" y="325676"/>
+            <a:ext cx="11727032" cy="770562"/>
+          </a:xfrm>
+          <a:prstGeom prst="rect">
+            <a:avLst/>
+          </a:prstGeom>
+          <a:noFill/>
+          <a:ln>
+            <a:noFill/>
+          </a:ln>
+        </p:spPr>
+        <p:style>
+          <a:lnRef idx="2">
+            <a:schemeClr val="accent1">
+              <a:shade val="50000"/>
+            </a:schemeClr>
+          </a:lnRef>
+          <a:fillRef idx="1">
+            <a:schemeClr val="accent1"/>
+          </a:fillRef>
+          <a:effectRef idx="0">
+            <a:schemeClr val="accent1"/>
+          </a:effectRef>
+          <a:fontRef idx="minor">
+            <a:schemeClr val="lt1"/>
+          </a:fontRef>
+        </p:style>
+        <p:txBody>
+          <a:bodyPr rtlCol="0" anchor="ctr"/>
+          <a:lstStyle/>
+          <a:p>
+            <a:r>
+              <a:rPr kumimoji="1" lang="zh-CN" altLang="en-US" sz="3600" b="1" u="sng" dirty="0">
+                <a:solidFill>
+                  <a:schemeClr val="tx1">
+                    <a:lumMod val="85000"/>
+                    <a:lumOff val="15000"/>
+                  </a:schemeClr>
+                </a:solidFill>
+                <a:latin typeface="Microsoft YaHei" panose="020B0503020204020204" pitchFamily="34" charset="-122"/>
+                <a:ea typeface="Microsoft YaHei" panose="020B0503020204020204" pitchFamily="34" charset="-122"/>
+              </a:rPr>
+              <a:t>開発環境の準備</a:t>
+            </a:r>
+          </a:p>
+        </p:txBody>
+      </p:sp>
+      <p:sp>
+        <p:nvSpPr>
+          <p:cNvPr id="9" name="文本框 8">
+            <a:extLst>
+              <a:ext uri="{FF2B5EF4-FFF2-40B4-BE49-F238E27FC236}">
+                <a16:creationId xmlns:a16="http://schemas.microsoft.com/office/drawing/2014/main" id="{004DCEA4-4400-4149-9172-65651219B67A}"/>
+              </a:ext>
+            </a:extLst>
+          </p:cNvPr>
+          <p:cNvSpPr txBox="1"/>
+          <p:nvPr/>
+        </p:nvSpPr>
+        <p:spPr>
+          <a:xfrm>
+            <a:off x="464969" y="1186934"/>
+            <a:ext cx="2916119" cy="923330"/>
+          </a:xfrm>
+          <a:prstGeom prst="rect">
+            <a:avLst/>
+          </a:prstGeom>
+          <a:noFill/>
+        </p:spPr>
+        <p:txBody>
+          <a:bodyPr wrap="none" rtlCol="0">
+            <a:spAutoFit/>
+          </a:bodyPr>
+          <a:lstStyle/>
+          <a:p>
+            <a:r>
+              <a:rPr kumimoji="1" lang="en-US" altLang="zh-CN" dirty="0">
+                <a:solidFill>
+                  <a:schemeClr val="tx1">
+                    <a:lumMod val="95000"/>
+                    <a:lumOff val="5000"/>
+                  </a:schemeClr>
+                </a:solidFill>
+                <a:latin typeface="Microsoft YaHei" panose="020B0503020204020204" pitchFamily="34" charset="-122"/>
+                <a:ea typeface="Microsoft YaHei" panose="020B0503020204020204" pitchFamily="34" charset="-122"/>
+              </a:rPr>
+              <a:t>1. https://</a:t>
+            </a:r>
+            <a:r>
+              <a:rPr kumimoji="1" lang="en-US" altLang="zh-CN" dirty="0" err="1">
+                <a:solidFill>
+                  <a:schemeClr val="tx1">
+                    <a:lumMod val="95000"/>
+                    <a:lumOff val="5000"/>
+                  </a:schemeClr>
+                </a:solidFill>
+                <a:latin typeface="Microsoft YaHei" panose="020B0503020204020204" pitchFamily="34" charset="-122"/>
+                <a:ea typeface="Microsoft YaHei" panose="020B0503020204020204" pitchFamily="34" charset="-122"/>
+              </a:rPr>
+              <a:t>nodejs.org</a:t>
+            </a:r>
+            <a:r>
+              <a:rPr kumimoji="1" lang="en-US" altLang="zh-CN" dirty="0">
+                <a:solidFill>
+                  <a:schemeClr val="tx1">
+                    <a:lumMod val="95000"/>
+                    <a:lumOff val="5000"/>
+                  </a:schemeClr>
+                </a:solidFill>
+                <a:latin typeface="Microsoft YaHei" panose="020B0503020204020204" pitchFamily="34" charset="-122"/>
+                <a:ea typeface="Microsoft YaHei" panose="020B0503020204020204" pitchFamily="34" charset="-122"/>
+              </a:rPr>
+              <a:t>/</a:t>
+            </a:r>
+            <a:r>
+              <a:rPr kumimoji="1" lang="en-US" altLang="zh-CN" dirty="0" err="1">
+                <a:solidFill>
+                  <a:schemeClr val="tx1">
+                    <a:lumMod val="95000"/>
+                    <a:lumOff val="5000"/>
+                  </a:schemeClr>
+                </a:solidFill>
+                <a:latin typeface="Microsoft YaHei" panose="020B0503020204020204" pitchFamily="34" charset="-122"/>
+                <a:ea typeface="Microsoft YaHei" panose="020B0503020204020204" pitchFamily="34" charset="-122"/>
+              </a:rPr>
+              <a:t>en</a:t>
+            </a:r>
+            <a:r>
+              <a:rPr kumimoji="1" lang="en-US" altLang="zh-CN" dirty="0">
+                <a:solidFill>
+                  <a:schemeClr val="tx1">
+                    <a:lumMod val="95000"/>
+                    <a:lumOff val="5000"/>
+                  </a:schemeClr>
+                </a:solidFill>
+                <a:latin typeface="Microsoft YaHei" panose="020B0503020204020204" pitchFamily="34" charset="-122"/>
+                <a:ea typeface="Microsoft YaHei" panose="020B0503020204020204" pitchFamily="34" charset="-122"/>
+              </a:rPr>
+              <a:t>/</a:t>
+            </a:r>
+          </a:p>
+          <a:p>
+            <a:r>
+              <a:rPr kumimoji="1" lang="en-US" altLang="zh-CN" dirty="0">
+                <a:solidFill>
+                  <a:schemeClr val="tx1">
+                    <a:lumMod val="95000"/>
+                    <a:lumOff val="5000"/>
+                  </a:schemeClr>
+                </a:solidFill>
+                <a:latin typeface="Microsoft YaHei" panose="020B0503020204020204" pitchFamily="34" charset="-122"/>
+                <a:ea typeface="Microsoft YaHei" panose="020B0503020204020204" pitchFamily="34" charset="-122"/>
+              </a:rPr>
+              <a:t>2. Microsoft edge</a:t>
+            </a:r>
+          </a:p>
+          <a:p>
+            <a:endParaRPr kumimoji="1" lang="en-US" altLang="zh-CN" dirty="0">
+              <a:solidFill>
+                <a:schemeClr val="tx1">
+                  <a:lumMod val="65000"/>
+                  <a:lumOff val="35000"/>
+                </a:schemeClr>
+              </a:solidFill>
+              <a:latin typeface="Microsoft YaHei" panose="020B0503020204020204" pitchFamily="34" charset="-122"/>
+              <a:ea typeface="Microsoft YaHei" panose="020B0503020204020204" pitchFamily="34" charset="-122"/>
+            </a:endParaRPr>
+          </a:p>
+        </p:txBody>
+      </p:sp>
+    </p:spTree>
+    <p:extLst>
+      <p:ext uri="{BB962C8B-B14F-4D97-AF65-F5344CB8AC3E}">
+        <p14:creationId xmlns:p14="http://schemas.microsoft.com/office/powerpoint/2010/main" val="3003065498"/>
+      </p:ext>
+    </p:extLst>
+  </p:cSld>
+  <p:clrMapOvr>
+    <a:masterClrMapping/>
+  </p:clrMapOvr>
+</p:sld>
+</file>
+
+<file path=ppt/slides/slide3.xml><?xml version="1.0" encoding="utf-8"?>
+<p:sld xmlns:a="http://schemas.openxmlformats.org/drawingml/2006/main" xmlns:r="http://schemas.openxmlformats.org/officeDocument/2006/relationships" xmlns:p="http://schemas.openxmlformats.org/presentationml/2006/main">
+  <p:cSld>
+    <p:spTree>
+      <p:nvGrpSpPr>
+        <p:cNvPr id="1" name=""/>
+        <p:cNvGrpSpPr/>
+        <p:nvPr/>
+      </p:nvGrpSpPr>
+      <p:grpSpPr>
+        <a:xfrm>
+          <a:off x="0" y="0"/>
+          <a:ext cx="0" cy="0"/>
+          <a:chOff x="0" y="0"/>
+          <a:chExt cx="0" cy="0"/>
+        </a:xfrm>
+      </p:grpSpPr>
+      <p:sp>
+        <p:nvSpPr>
+          <p:cNvPr id="5" name="矩形 4">
+            <a:extLst>
+              <a:ext uri="{FF2B5EF4-FFF2-40B4-BE49-F238E27FC236}">
+                <a16:creationId xmlns:a16="http://schemas.microsoft.com/office/drawing/2014/main" id="{F979A305-980D-624D-98F0-376F455F6824}"/>
+              </a:ext>
+            </a:extLst>
+          </p:cNvPr>
+          <p:cNvSpPr/>
+          <p:nvPr/>
+        </p:nvSpPr>
+        <p:spPr>
+          <a:xfrm>
+            <a:off x="464969" y="325676"/>
+            <a:ext cx="11727032" cy="770562"/>
+          </a:xfrm>
+          <a:prstGeom prst="rect">
+            <a:avLst/>
+          </a:prstGeom>
+          <a:noFill/>
+          <a:ln>
+            <a:noFill/>
+          </a:ln>
+        </p:spPr>
+        <p:style>
+          <a:lnRef idx="2">
+            <a:schemeClr val="accent1">
+              <a:shade val="50000"/>
+            </a:schemeClr>
+          </a:lnRef>
+          <a:fillRef idx="1">
+            <a:schemeClr val="accent1"/>
+          </a:fillRef>
+          <a:effectRef idx="0">
+            <a:schemeClr val="accent1"/>
+          </a:effectRef>
+          <a:fontRef idx="minor">
+            <a:schemeClr val="lt1"/>
+          </a:fontRef>
+        </p:style>
+        <p:txBody>
+          <a:bodyPr rtlCol="0" anchor="ctr"/>
+          <a:lstStyle/>
+          <a:p>
+            <a:r>
+              <a:rPr kumimoji="1" lang="zh-CN" altLang="en-US" sz="3600" b="1" u="sng" dirty="0">
+                <a:solidFill>
+                  <a:schemeClr val="tx1">
+                    <a:lumMod val="85000"/>
+                    <a:lumOff val="15000"/>
+                  </a:schemeClr>
+                </a:solidFill>
+                <a:latin typeface="Microsoft YaHei" panose="020B0503020204020204" pitchFamily="34" charset="-122"/>
+                <a:ea typeface="Microsoft YaHei" panose="020B0503020204020204" pitchFamily="34" charset="-122"/>
+              </a:rPr>
+              <a:t>プログラムとは</a:t>
+            </a:r>
+          </a:p>
+        </p:txBody>
+      </p:sp>
+      <p:sp>
+        <p:nvSpPr>
+          <p:cNvPr id="8" name="文本框 7">
+            <a:extLst>
+              <a:ext uri="{FF2B5EF4-FFF2-40B4-BE49-F238E27FC236}">
+                <a16:creationId xmlns:a16="http://schemas.microsoft.com/office/drawing/2014/main" id="{B869ACFD-477B-F84A-A8B7-FA8EA587BC5B}"/>
+              </a:ext>
+            </a:extLst>
+          </p:cNvPr>
+          <p:cNvSpPr txBox="1"/>
+          <p:nvPr/>
+        </p:nvSpPr>
+        <p:spPr>
+          <a:xfrm>
+            <a:off x="2682658" y="2513546"/>
+            <a:ext cx="6561550" cy="1015663"/>
+          </a:xfrm>
+          <a:prstGeom prst="rect">
+            <a:avLst/>
+          </a:prstGeom>
+          <a:noFill/>
+        </p:spPr>
+        <p:txBody>
+          <a:bodyPr wrap="square" rtlCol="0">
+            <a:spAutoFit/>
+          </a:bodyPr>
+          <a:lstStyle/>
+          <a:p>
+            <a:r>
+              <a:rPr kumimoji="1" lang="zh-CN" altLang="en-US" sz="6000" b="1" dirty="0">
+                <a:latin typeface="Microsoft YaHei" panose="020B0503020204020204" pitchFamily="34" charset="-122"/>
+                <a:ea typeface="Microsoft YaHei" panose="020B0503020204020204" pitchFamily="34" charset="-122"/>
+              </a:rPr>
+              <a:t>プログラム＝指令</a:t>
+            </a:r>
+            <a:endParaRPr kumimoji="1" lang="en-US" altLang="zh-CN" sz="6000" b="1" dirty="0">
+              <a:latin typeface="Microsoft YaHei" panose="020B0503020204020204" pitchFamily="34" charset="-122"/>
+              <a:ea typeface="Microsoft YaHei" panose="020B0503020204020204" pitchFamily="34" charset="-122"/>
+            </a:endParaRPr>
+          </a:p>
+        </p:txBody>
+      </p:sp>
+      <p:sp>
+        <p:nvSpPr>
+          <p:cNvPr id="9" name="文本框 8">
+            <a:extLst>
+              <a:ext uri="{FF2B5EF4-FFF2-40B4-BE49-F238E27FC236}">
+                <a16:creationId xmlns:a16="http://schemas.microsoft.com/office/drawing/2014/main" id="{004DCEA4-4400-4149-9172-65651219B67A}"/>
+              </a:ext>
+            </a:extLst>
+          </p:cNvPr>
+          <p:cNvSpPr txBox="1"/>
+          <p:nvPr/>
+        </p:nvSpPr>
+        <p:spPr>
+          <a:xfrm>
+            <a:off x="1619503" y="3908121"/>
+            <a:ext cx="9417963" cy="646331"/>
+          </a:xfrm>
+          <a:prstGeom prst="rect">
+            <a:avLst/>
+          </a:prstGeom>
+          <a:noFill/>
+        </p:spPr>
+        <p:txBody>
+          <a:bodyPr wrap="none" rtlCol="0">
+            <a:spAutoFit/>
+          </a:bodyPr>
+          <a:lstStyle/>
+          <a:p>
+            <a:pPr algn="ctr"/>
+            <a:r>
+              <a:rPr kumimoji="1" lang="zh-CN" altLang="en-US" dirty="0">
+                <a:solidFill>
+                  <a:schemeClr val="tx1">
+                    <a:lumMod val="65000"/>
+                    <a:lumOff val="35000"/>
+                  </a:schemeClr>
+                </a:solidFill>
+                <a:latin typeface="Microsoft YaHei" panose="020B0503020204020204" pitchFamily="34" charset="-122"/>
+                <a:ea typeface="Microsoft YaHei" panose="020B0503020204020204" pitchFamily="34" charset="-122"/>
+              </a:rPr>
+              <a:t>コンピュータの動作を具体的に指示する命令です。この命令の書き言語は様々あります。</a:t>
+            </a:r>
+            <a:endParaRPr kumimoji="1" lang="en-US" altLang="zh-CN" dirty="0">
+              <a:solidFill>
+                <a:schemeClr val="tx1">
+                  <a:lumMod val="65000"/>
+                  <a:lumOff val="35000"/>
+                </a:schemeClr>
+              </a:solidFill>
+              <a:latin typeface="Microsoft YaHei" panose="020B0503020204020204" pitchFamily="34" charset="-122"/>
+              <a:ea typeface="Microsoft YaHei" panose="020B0503020204020204" pitchFamily="34" charset="-122"/>
+            </a:endParaRPr>
+          </a:p>
+          <a:p>
+            <a:pPr algn="ctr"/>
+            <a:r>
+              <a:rPr kumimoji="1" lang="en-US" altLang="zh-CN" dirty="0">
+                <a:solidFill>
+                  <a:schemeClr val="tx1">
+                    <a:lumMod val="65000"/>
+                    <a:lumOff val="35000"/>
+                  </a:schemeClr>
+                </a:solidFill>
+                <a:latin typeface="Microsoft YaHei" panose="020B0503020204020204" pitchFamily="34" charset="-122"/>
+                <a:ea typeface="Microsoft YaHei" panose="020B0503020204020204" pitchFamily="34" charset="-122"/>
+              </a:rPr>
+              <a:t>Java</a:t>
+            </a:r>
+            <a:r>
+              <a:rPr kumimoji="1" lang="zh-CN" altLang="en-US" dirty="0">
+                <a:solidFill>
+                  <a:schemeClr val="tx1">
+                    <a:lumMod val="65000"/>
+                    <a:lumOff val="35000"/>
+                  </a:schemeClr>
+                </a:solidFill>
+                <a:latin typeface="Microsoft YaHei" panose="020B0503020204020204" pitchFamily="34" charset="-122"/>
+                <a:ea typeface="Microsoft YaHei" panose="020B0503020204020204" pitchFamily="34" charset="-122"/>
+              </a:rPr>
+              <a:t>、</a:t>
+            </a:r>
+            <a:r>
+              <a:rPr kumimoji="1" lang="en-US" altLang="zh-CN" dirty="0">
+                <a:solidFill>
+                  <a:schemeClr val="tx1">
+                    <a:lumMod val="65000"/>
+                    <a:lumOff val="35000"/>
+                  </a:schemeClr>
+                </a:solidFill>
+                <a:latin typeface="Microsoft YaHei" panose="020B0503020204020204" pitchFamily="34" charset="-122"/>
+                <a:ea typeface="Microsoft YaHei" panose="020B0503020204020204" pitchFamily="34" charset="-122"/>
+              </a:rPr>
+              <a:t>C#</a:t>
+            </a:r>
+            <a:r>
+              <a:rPr kumimoji="1" lang="zh-CN" altLang="en-US" dirty="0">
+                <a:solidFill>
+                  <a:schemeClr val="tx1">
+                    <a:lumMod val="65000"/>
+                    <a:lumOff val="35000"/>
+                  </a:schemeClr>
+                </a:solidFill>
+                <a:latin typeface="Microsoft YaHei" panose="020B0503020204020204" pitchFamily="34" charset="-122"/>
+                <a:ea typeface="Microsoft YaHei" panose="020B0503020204020204" pitchFamily="34" charset="-122"/>
+              </a:rPr>
+              <a:t>、</a:t>
+            </a:r>
+            <a:r>
+              <a:rPr kumimoji="1" lang="en-US" altLang="zh-CN" dirty="0">
+                <a:solidFill>
+                  <a:schemeClr val="tx1">
+                    <a:lumMod val="65000"/>
+                    <a:lumOff val="35000"/>
+                  </a:schemeClr>
+                </a:solidFill>
+                <a:latin typeface="Microsoft YaHei" panose="020B0503020204020204" pitchFamily="34" charset="-122"/>
+                <a:ea typeface="Microsoft YaHei" panose="020B0503020204020204" pitchFamily="34" charset="-122"/>
+              </a:rPr>
+              <a:t>python</a:t>
+            </a:r>
+            <a:r>
+              <a:rPr kumimoji="1" lang="zh-CN" altLang="en-US" dirty="0">
+                <a:solidFill>
+                  <a:schemeClr val="tx1">
+                    <a:lumMod val="65000"/>
+                    <a:lumOff val="35000"/>
+                  </a:schemeClr>
+                </a:solidFill>
+                <a:latin typeface="Microsoft YaHei" panose="020B0503020204020204" pitchFamily="34" charset="-122"/>
+                <a:ea typeface="Microsoft YaHei" panose="020B0503020204020204" pitchFamily="34" charset="-122"/>
+              </a:rPr>
+              <a:t> 、</a:t>
+            </a:r>
+            <a:r>
+              <a:rPr kumimoji="1" lang="en-US" altLang="zh-CN" dirty="0" err="1">
+                <a:solidFill>
+                  <a:schemeClr val="tx1">
+                    <a:lumMod val="65000"/>
+                    <a:lumOff val="35000"/>
+                  </a:schemeClr>
+                </a:solidFill>
+                <a:latin typeface="Microsoft YaHei" panose="020B0503020204020204" pitchFamily="34" charset="-122"/>
+                <a:ea typeface="Microsoft YaHei" panose="020B0503020204020204" pitchFamily="34" charset="-122"/>
+              </a:rPr>
+              <a:t>Javascript</a:t>
+            </a:r>
+            <a:r>
+              <a:rPr kumimoji="1" lang="en-US" altLang="zh-CN" dirty="0">
+                <a:solidFill>
+                  <a:schemeClr val="tx1">
+                    <a:lumMod val="65000"/>
+                    <a:lumOff val="35000"/>
+                  </a:schemeClr>
+                </a:solidFill>
+                <a:latin typeface="Microsoft YaHei" panose="020B0503020204020204" pitchFamily="34" charset="-122"/>
+                <a:ea typeface="Microsoft YaHei" panose="020B0503020204020204" pitchFamily="34" charset="-122"/>
+              </a:rPr>
+              <a:t> ……</a:t>
+            </a:r>
+          </a:p>
+        </p:txBody>
+      </p:sp>
+    </p:spTree>
+    <p:extLst>
+      <p:ext uri="{BB962C8B-B14F-4D97-AF65-F5344CB8AC3E}">
+        <p14:creationId xmlns:p14="http://schemas.microsoft.com/office/powerpoint/2010/main" val="524170472"/>
+      </p:ext>
+    </p:extLst>
+  </p:cSld>
+  <p:clrMapOvr>
+    <a:masterClrMapping/>
+  </p:clrMapOvr>
+</p:sld>
+</file>
+
+<file path=ppt/slides/slide4.xml><?xml version="1.0" encoding="utf-8"?>
+<p:sld xmlns:a="http://schemas.openxmlformats.org/drawingml/2006/main" xmlns:r="http://schemas.openxmlformats.org/officeDocument/2006/relationships" xmlns:p="http://schemas.openxmlformats.org/presentationml/2006/main">
+  <p:cSld>
+    <p:spTree>
+      <p:nvGrpSpPr>
+        <p:cNvPr id="1" name=""/>
+        <p:cNvGrpSpPr/>
+        <p:nvPr/>
+      </p:nvGrpSpPr>
+      <p:grpSpPr>
+        <a:xfrm>
+          <a:off x="0" y="0"/>
+          <a:ext cx="0" cy="0"/>
+          <a:chOff x="0" y="0"/>
+          <a:chExt cx="0" cy="0"/>
+        </a:xfrm>
+      </p:grpSpPr>
+      <p:sp>
+        <p:nvSpPr>
+          <p:cNvPr id="5" name="矩形 4">
+            <a:extLst>
+              <a:ext uri="{FF2B5EF4-FFF2-40B4-BE49-F238E27FC236}">
+                <a16:creationId xmlns:a16="http://schemas.microsoft.com/office/drawing/2014/main" id="{F979A305-980D-624D-98F0-376F455F6824}"/>
+              </a:ext>
+            </a:extLst>
+          </p:cNvPr>
+          <p:cNvSpPr/>
+          <p:nvPr/>
+        </p:nvSpPr>
+        <p:spPr>
+          <a:xfrm>
+            <a:off x="464969" y="325676"/>
+            <a:ext cx="11727032" cy="770562"/>
+          </a:xfrm>
+          <a:prstGeom prst="rect">
+            <a:avLst/>
+          </a:prstGeom>
+          <a:noFill/>
+          <a:ln>
+            <a:noFill/>
+          </a:ln>
+        </p:spPr>
+        <p:style>
+          <a:lnRef idx="2">
+            <a:schemeClr val="accent1">
+              <a:shade val="50000"/>
+            </a:schemeClr>
+          </a:lnRef>
+          <a:fillRef idx="1">
+            <a:schemeClr val="accent1"/>
+          </a:fillRef>
+          <a:effectRef idx="0">
+            <a:schemeClr val="accent1"/>
+          </a:effectRef>
+          <a:fontRef idx="minor">
+            <a:schemeClr val="lt1"/>
+          </a:fontRef>
+        </p:style>
+        <p:txBody>
+          <a:bodyPr rtlCol="0" anchor="ctr"/>
+          <a:lstStyle/>
+          <a:p>
+            <a:endParaRPr kumimoji="1" lang="en-US" altLang="zh-CN" sz="3600" b="1" u="sng" dirty="0">
+              <a:solidFill>
+                <a:schemeClr val="tx1">
+                  <a:lumMod val="85000"/>
+                  <a:lumOff val="15000"/>
+                </a:schemeClr>
+              </a:solidFill>
+              <a:latin typeface="Microsoft YaHei" panose="020B0503020204020204" pitchFamily="34" charset="-122"/>
+              <a:ea typeface="Microsoft YaHei" panose="020B0503020204020204" pitchFamily="34" charset="-122"/>
+            </a:endParaRPr>
+          </a:p>
+        </p:txBody>
+      </p:sp>
+      <p:sp>
+        <p:nvSpPr>
+          <p:cNvPr id="6" name="矩形 5">
+            <a:extLst>
+              <a:ext uri="{FF2B5EF4-FFF2-40B4-BE49-F238E27FC236}">
+                <a16:creationId xmlns:a16="http://schemas.microsoft.com/office/drawing/2014/main" id="{ED15CA17-E360-3C45-A6DE-6F3320E45153}"/>
+              </a:ext>
+            </a:extLst>
+          </p:cNvPr>
+          <p:cNvSpPr/>
+          <p:nvPr/>
+        </p:nvSpPr>
+        <p:spPr>
+          <a:xfrm>
+            <a:off x="617369" y="478076"/>
+            <a:ext cx="11407617" cy="770562"/>
+          </a:xfrm>
+          <a:prstGeom prst="rect">
+            <a:avLst/>
+          </a:prstGeom>
+          <a:noFill/>
+          <a:ln>
+            <a:noFill/>
+          </a:ln>
+        </p:spPr>
+        <p:style>
+          <a:lnRef idx="2">
+            <a:schemeClr val="accent1">
+              <a:shade val="50000"/>
+            </a:schemeClr>
+          </a:lnRef>
+          <a:fillRef idx="1">
+            <a:schemeClr val="accent1"/>
+          </a:fillRef>
+          <a:effectRef idx="0">
+            <a:schemeClr val="accent1"/>
+          </a:effectRef>
+          <a:fontRef idx="minor">
+            <a:schemeClr val="lt1"/>
+          </a:fontRef>
+        </p:style>
+        <p:txBody>
+          <a:bodyPr rtlCol="0" anchor="ctr"/>
+          <a:lstStyle/>
+          <a:p>
+            <a:r>
+              <a:rPr kumimoji="1" lang="zh-CN" altLang="en-US" sz="3600" b="1" u="sng" dirty="0">
+                <a:solidFill>
+                  <a:schemeClr val="tx1">
+                    <a:lumMod val="85000"/>
+                    <a:lumOff val="15000"/>
+                  </a:schemeClr>
+                </a:solidFill>
+                <a:latin typeface="Microsoft YaHei" panose="020B0503020204020204" pitchFamily="34" charset="-122"/>
+                <a:ea typeface="Microsoft YaHei" panose="020B0503020204020204" pitchFamily="34" charset="-122"/>
+              </a:rPr>
+              <a:t>プログラムとコンピュータのやり取り</a:t>
+            </a:r>
+          </a:p>
+        </p:txBody>
+      </p:sp>
+      <p:sp>
+        <p:nvSpPr>
+          <p:cNvPr id="3" name="矩形 2">
+            <a:extLst>
+              <a:ext uri="{FF2B5EF4-FFF2-40B4-BE49-F238E27FC236}">
+                <a16:creationId xmlns:a16="http://schemas.microsoft.com/office/drawing/2014/main" id="{60959EF6-033F-AF4B-8E10-B35D98B308C7}"/>
+              </a:ext>
+            </a:extLst>
+          </p:cNvPr>
+          <p:cNvSpPr/>
+          <p:nvPr/>
+        </p:nvSpPr>
+        <p:spPr>
+          <a:xfrm>
+            <a:off x="10083450" y="1916482"/>
+            <a:ext cx="1853853" cy="4615842"/>
+          </a:xfrm>
+          <a:prstGeom prst="rect">
+            <a:avLst/>
+          </a:prstGeom>
+        </p:spPr>
+        <p:style>
+          <a:lnRef idx="0">
+            <a:schemeClr val="accent3"/>
+          </a:lnRef>
+          <a:fillRef idx="3">
+            <a:schemeClr val="accent3"/>
+          </a:fillRef>
+          <a:effectRef idx="3">
+            <a:schemeClr val="accent3"/>
+          </a:effectRef>
+          <a:fontRef idx="minor">
+            <a:schemeClr val="lt1"/>
+          </a:fontRef>
+        </p:style>
+        <p:txBody>
+          <a:bodyPr rtlCol="0" anchor="t"/>
+          <a:lstStyle/>
+          <a:p>
+            <a:pPr algn="ctr"/>
+            <a:endParaRPr kumimoji="1" lang="en-US" altLang="zh-CN" b="1" dirty="0">
+              <a:latin typeface="Microsoft YaHei" panose="020B0503020204020204" pitchFamily="34" charset="-122"/>
+              <a:ea typeface="Microsoft YaHei" panose="020B0503020204020204" pitchFamily="34" charset="-122"/>
+            </a:endParaRPr>
+          </a:p>
+          <a:p>
+            <a:pPr algn="ctr"/>
+            <a:r>
+              <a:rPr kumimoji="1" lang="zh-CN" altLang="en-US" b="1" dirty="0">
+                <a:latin typeface="Microsoft YaHei" panose="020B0503020204020204" pitchFamily="34" charset="-122"/>
+                <a:ea typeface="Microsoft YaHei" panose="020B0503020204020204" pitchFamily="34" charset="-122"/>
+              </a:rPr>
+              <a:t>コンピュータ</a:t>
+            </a:r>
+            <a:endParaRPr kumimoji="1" lang="en-US" altLang="zh-CN" b="1" dirty="0">
+              <a:latin typeface="Microsoft YaHei" panose="020B0503020204020204" pitchFamily="34" charset="-122"/>
+              <a:ea typeface="Microsoft YaHei" panose="020B0503020204020204" pitchFamily="34" charset="-122"/>
+            </a:endParaRPr>
+          </a:p>
+          <a:p>
+            <a:pPr algn="ctr"/>
+            <a:endParaRPr kumimoji="1" lang="en-US" altLang="zh-CN" b="1" dirty="0">
+              <a:latin typeface="Microsoft YaHei" panose="020B0503020204020204" pitchFamily="34" charset="-122"/>
+              <a:ea typeface="Microsoft YaHei" panose="020B0503020204020204" pitchFamily="34" charset="-122"/>
+            </a:endParaRPr>
+          </a:p>
+          <a:p>
+            <a:pPr algn="ctr"/>
+            <a:r>
+              <a:rPr kumimoji="1" lang="zh-CN" altLang="en-US" dirty="0">
+                <a:latin typeface="Microsoft YaHei" panose="020B0503020204020204" pitchFamily="34" charset="-122"/>
+                <a:ea typeface="Microsoft YaHei" panose="020B0503020204020204" pitchFamily="34" charset="-122"/>
+              </a:rPr>
+              <a:t>０１０１０１０１０１００１００１０１００１</a:t>
+            </a:r>
+            <a:endParaRPr kumimoji="1" lang="en-US" altLang="zh-CN" dirty="0">
+              <a:latin typeface="Microsoft YaHei" panose="020B0503020204020204" pitchFamily="34" charset="-122"/>
+              <a:ea typeface="Microsoft YaHei" panose="020B0503020204020204" pitchFamily="34" charset="-122"/>
+            </a:endParaRPr>
+          </a:p>
+          <a:p>
+            <a:pPr algn="ctr"/>
+            <a:endParaRPr kumimoji="1" lang="zh-CN" altLang="en-US" b="1" dirty="0">
+              <a:latin typeface="Microsoft YaHei" panose="020B0503020204020204" pitchFamily="34" charset="-122"/>
+              <a:ea typeface="Microsoft YaHei" panose="020B0503020204020204" pitchFamily="34" charset="-122"/>
+            </a:endParaRPr>
+          </a:p>
+        </p:txBody>
+      </p:sp>
+      <p:sp>
+        <p:nvSpPr>
+          <p:cNvPr id="10" name="矩形 9">
+            <a:extLst>
+              <a:ext uri="{FF2B5EF4-FFF2-40B4-BE49-F238E27FC236}">
+                <a16:creationId xmlns:a16="http://schemas.microsoft.com/office/drawing/2014/main" id="{ABE0B457-87A1-EC41-B1A1-E6739E047326}"/>
+              </a:ext>
+            </a:extLst>
+          </p:cNvPr>
+          <p:cNvSpPr/>
+          <p:nvPr/>
+        </p:nvSpPr>
+        <p:spPr>
+          <a:xfrm>
+            <a:off x="8166971" y="1916482"/>
+            <a:ext cx="1617944" cy="4615842"/>
+          </a:xfrm>
+          <a:prstGeom prst="rect">
+            <a:avLst/>
+          </a:prstGeom>
+        </p:spPr>
+        <p:style>
+          <a:lnRef idx="0">
+            <a:schemeClr val="accent5"/>
+          </a:lnRef>
+          <a:fillRef idx="3">
+            <a:schemeClr val="accent5"/>
+          </a:fillRef>
+          <a:effectRef idx="3">
+            <a:schemeClr val="accent5"/>
+          </a:effectRef>
+          <a:fontRef idx="minor">
+            <a:schemeClr val="lt1"/>
+          </a:fontRef>
+        </p:style>
+        <p:txBody>
+          <a:bodyPr rtlCol="0" anchor="t"/>
+          <a:lstStyle/>
+          <a:p>
+            <a:pPr algn="ctr"/>
+            <a:endParaRPr kumimoji="1" lang="en-US" altLang="zh-CN" b="1" dirty="0">
+              <a:latin typeface="Microsoft YaHei" panose="020B0503020204020204" pitchFamily="34" charset="-122"/>
+              <a:ea typeface="Microsoft YaHei" panose="020B0503020204020204" pitchFamily="34" charset="-122"/>
+            </a:endParaRPr>
+          </a:p>
+          <a:p>
+            <a:pPr algn="ctr"/>
+            <a:r>
+              <a:rPr kumimoji="1" lang="en-US" altLang="zh-CN" b="1" dirty="0">
+                <a:latin typeface="Microsoft YaHei" panose="020B0503020204020204" pitchFamily="34" charset="-122"/>
+                <a:ea typeface="Microsoft YaHei" panose="020B0503020204020204" pitchFamily="34" charset="-122"/>
+              </a:rPr>
+              <a:t>OS</a:t>
+            </a:r>
+          </a:p>
+          <a:p>
+            <a:pPr algn="ctr"/>
+            <a:endParaRPr kumimoji="1" lang="en-US" altLang="zh-CN" b="1" dirty="0">
+              <a:latin typeface="Microsoft YaHei" panose="020B0503020204020204" pitchFamily="34" charset="-122"/>
+              <a:ea typeface="Microsoft YaHei" panose="020B0503020204020204" pitchFamily="34" charset="-122"/>
+            </a:endParaRPr>
+          </a:p>
+          <a:p>
+            <a:pPr algn="ctr"/>
+            <a:endParaRPr kumimoji="1" lang="en-US" altLang="zh-CN" dirty="0">
+              <a:latin typeface="Microsoft YaHei" panose="020B0503020204020204" pitchFamily="34" charset="-122"/>
+              <a:ea typeface="Microsoft YaHei" panose="020B0503020204020204" pitchFamily="34" charset="-122"/>
+            </a:endParaRPr>
+          </a:p>
+          <a:p>
+            <a:pPr algn="ctr"/>
+            <a:r>
+              <a:rPr kumimoji="1" lang="en-US" altLang="zh-CN" dirty="0">
+                <a:latin typeface="Microsoft YaHei" panose="020B0503020204020204" pitchFamily="34" charset="-122"/>
+                <a:ea typeface="Microsoft YaHei" panose="020B0503020204020204" pitchFamily="34" charset="-122"/>
+              </a:rPr>
+              <a:t>Windows</a:t>
+            </a:r>
+          </a:p>
+          <a:p>
+            <a:pPr algn="ctr"/>
+            <a:r>
+              <a:rPr kumimoji="1" lang="en-US" altLang="zh-CN" dirty="0">
+                <a:latin typeface="Microsoft YaHei" panose="020B0503020204020204" pitchFamily="34" charset="-122"/>
+                <a:ea typeface="Microsoft YaHei" panose="020B0503020204020204" pitchFamily="34" charset="-122"/>
+              </a:rPr>
+              <a:t>Linux</a:t>
+            </a:r>
+          </a:p>
+          <a:p>
+            <a:pPr algn="ctr"/>
+            <a:r>
+              <a:rPr kumimoji="1" lang="en-US" altLang="zh-CN" dirty="0">
+                <a:latin typeface="Microsoft YaHei" panose="020B0503020204020204" pitchFamily="34" charset="-122"/>
+                <a:ea typeface="Microsoft YaHei" panose="020B0503020204020204" pitchFamily="34" charset="-122"/>
+              </a:rPr>
+              <a:t>Unix</a:t>
+            </a:r>
+          </a:p>
+          <a:p>
+            <a:pPr algn="ctr"/>
+            <a:endParaRPr kumimoji="1" lang="zh-CN" altLang="en-US" b="1" dirty="0">
+              <a:latin typeface="Microsoft YaHei" panose="020B0503020204020204" pitchFamily="34" charset="-122"/>
+              <a:ea typeface="Microsoft YaHei" panose="020B0503020204020204" pitchFamily="34" charset="-122"/>
+            </a:endParaRPr>
+          </a:p>
+        </p:txBody>
+      </p:sp>
+      <p:sp>
+        <p:nvSpPr>
+          <p:cNvPr id="11" name="矩形 10">
+            <a:extLst>
+              <a:ext uri="{FF2B5EF4-FFF2-40B4-BE49-F238E27FC236}">
+                <a16:creationId xmlns:a16="http://schemas.microsoft.com/office/drawing/2014/main" id="{31646618-750E-C44B-976D-A65B54A873FA}"/>
+              </a:ext>
+            </a:extLst>
+          </p:cNvPr>
+          <p:cNvSpPr/>
+          <p:nvPr/>
+        </p:nvSpPr>
+        <p:spPr>
+          <a:xfrm>
+            <a:off x="5011454" y="1916482"/>
+            <a:ext cx="1478072" cy="4615842"/>
+          </a:xfrm>
+          <a:prstGeom prst="rect">
+            <a:avLst/>
+          </a:prstGeom>
+          <a:noFill/>
+          <a:ln w="9525" cap="flat" cmpd="sng" algn="ctr">
+            <a:solidFill>
+              <a:schemeClr val="accent4"/>
+            </a:solidFill>
+            <a:prstDash val="sysDash"/>
+            <a:round/>
+            <a:headEnd type="none" w="med" len="med"/>
+            <a:tailEnd type="none" w="med" len="med"/>
+          </a:ln>
+        </p:spPr>
+        <p:style>
+          <a:lnRef idx="0">
+            <a:scrgbClr r="0" g="0" b="0"/>
+          </a:lnRef>
+          <a:fillRef idx="0">
+            <a:scrgbClr r="0" g="0" b="0"/>
+          </a:fillRef>
+          <a:effectRef idx="0">
+            <a:scrgbClr r="0" g="0" b="0"/>
+          </a:effectRef>
+          <a:fontRef idx="minor">
+            <a:schemeClr val="accent4"/>
+          </a:fontRef>
+        </p:style>
+        <p:txBody>
+          <a:bodyPr rtlCol="0" anchor="t"/>
+          <a:lstStyle/>
+          <a:p>
+            <a:pPr algn="ctr"/>
+            <a:endParaRPr kumimoji="1" lang="en-US" altLang="zh-CN" b="1" dirty="0">
+              <a:latin typeface="Microsoft YaHei" panose="020B0503020204020204" pitchFamily="34" charset="-122"/>
+              <a:ea typeface="Microsoft YaHei" panose="020B0503020204020204" pitchFamily="34" charset="-122"/>
+            </a:endParaRPr>
+          </a:p>
+          <a:p>
+            <a:pPr algn="ctr"/>
+            <a:r>
+              <a:rPr kumimoji="1" lang="en-US" altLang="zh-CN" b="1" dirty="0">
+                <a:latin typeface="Microsoft YaHei" panose="020B0503020204020204" pitchFamily="34" charset="-122"/>
+                <a:ea typeface="Microsoft YaHei" panose="020B0503020204020204" pitchFamily="34" charset="-122"/>
+              </a:rPr>
+              <a:t>Runtime</a:t>
+            </a:r>
+          </a:p>
+          <a:p>
+            <a:pPr algn="ctr"/>
+            <a:endParaRPr kumimoji="1" lang="en-US" altLang="zh-CN" b="1" dirty="0">
+              <a:latin typeface="Microsoft YaHei" panose="020B0503020204020204" pitchFamily="34" charset="-122"/>
+              <a:ea typeface="Microsoft YaHei" panose="020B0503020204020204" pitchFamily="34" charset="-122"/>
+            </a:endParaRPr>
+          </a:p>
+          <a:p>
+            <a:pPr algn="ctr"/>
+            <a:endParaRPr kumimoji="1" lang="en-US" altLang="zh-CN" b="1" dirty="0">
+              <a:latin typeface="Microsoft YaHei" panose="020B0503020204020204" pitchFamily="34" charset="-122"/>
+              <a:ea typeface="Microsoft YaHei" panose="020B0503020204020204" pitchFamily="34" charset="-122"/>
+            </a:endParaRPr>
+          </a:p>
+          <a:p>
+            <a:pPr algn="ctr"/>
+            <a:endParaRPr kumimoji="1" lang="en-US" altLang="zh-CN" dirty="0">
+              <a:latin typeface="Microsoft YaHei" panose="020B0503020204020204" pitchFamily="34" charset="-122"/>
+              <a:ea typeface="Microsoft YaHei" panose="020B0503020204020204" pitchFamily="34" charset="-122"/>
+            </a:endParaRPr>
+          </a:p>
+          <a:p>
+            <a:pPr algn="ctr"/>
+            <a:endParaRPr kumimoji="1" lang="zh-CN" altLang="en-US" b="1" dirty="0">
+              <a:latin typeface="Microsoft YaHei" panose="020B0503020204020204" pitchFamily="34" charset="-122"/>
+              <a:ea typeface="Microsoft YaHei" panose="020B0503020204020204" pitchFamily="34" charset="-122"/>
+            </a:endParaRPr>
+          </a:p>
+        </p:txBody>
+      </p:sp>
+      <p:sp>
+        <p:nvSpPr>
+          <p:cNvPr id="4" name="矩形 3">
+            <a:extLst>
+              <a:ext uri="{FF2B5EF4-FFF2-40B4-BE49-F238E27FC236}">
+                <a16:creationId xmlns:a16="http://schemas.microsoft.com/office/drawing/2014/main" id="{6857B7FC-1C55-EF45-81FF-BA3396C666EE}"/>
+              </a:ext>
+            </a:extLst>
+          </p:cNvPr>
+          <p:cNvSpPr/>
+          <p:nvPr/>
+        </p:nvSpPr>
+        <p:spPr>
+          <a:xfrm>
+            <a:off x="5268238" y="2855935"/>
+            <a:ext cx="964504" cy="914400"/>
+          </a:xfrm>
+          <a:prstGeom prst="rect">
+            <a:avLst/>
+          </a:prstGeom>
+        </p:spPr>
+        <p:style>
+          <a:lnRef idx="1">
+            <a:schemeClr val="accent6"/>
+          </a:lnRef>
+          <a:fillRef idx="3">
+            <a:schemeClr val="accent6"/>
+          </a:fillRef>
+          <a:effectRef idx="2">
+            <a:schemeClr val="accent6"/>
+          </a:effectRef>
+          <a:fontRef idx="minor">
+            <a:schemeClr val="lt1"/>
+          </a:fontRef>
+        </p:style>
+        <p:txBody>
+          <a:bodyPr rtlCol="0" anchor="ctr"/>
+          <a:lstStyle/>
+          <a:p>
+            <a:pPr algn="ctr"/>
+            <a:r>
+              <a:rPr kumimoji="1" lang="en-US" altLang="zh-CN" dirty="0"/>
+              <a:t>JVM</a:t>
+            </a:r>
+            <a:endParaRPr kumimoji="1" lang="zh-CN" altLang="en-US" dirty="0"/>
+          </a:p>
+        </p:txBody>
+      </p:sp>
+      <p:sp>
+        <p:nvSpPr>
+          <p:cNvPr id="12" name="矩形 11">
+            <a:extLst>
+              <a:ext uri="{FF2B5EF4-FFF2-40B4-BE49-F238E27FC236}">
+                <a16:creationId xmlns:a16="http://schemas.microsoft.com/office/drawing/2014/main" id="{C3E06A85-91F6-614C-8C8A-4B78942F8856}"/>
+              </a:ext>
+            </a:extLst>
+          </p:cNvPr>
+          <p:cNvSpPr/>
+          <p:nvPr/>
+        </p:nvSpPr>
+        <p:spPr>
+          <a:xfrm>
+            <a:off x="5268238" y="3980979"/>
+            <a:ext cx="964504" cy="914400"/>
+          </a:xfrm>
+          <a:prstGeom prst="rect">
+            <a:avLst/>
+          </a:prstGeom>
+        </p:spPr>
+        <p:style>
+          <a:lnRef idx="1">
+            <a:schemeClr val="accent6"/>
+          </a:lnRef>
+          <a:fillRef idx="3">
+            <a:schemeClr val="accent6"/>
+          </a:fillRef>
+          <a:effectRef idx="2">
+            <a:schemeClr val="accent6"/>
+          </a:effectRef>
+          <a:fontRef idx="minor">
+            <a:schemeClr val="lt1"/>
+          </a:fontRef>
+        </p:style>
+        <p:txBody>
+          <a:bodyPr rtlCol="0" anchor="ctr"/>
+          <a:lstStyle/>
+          <a:p>
+            <a:pPr algn="ctr"/>
+            <a:r>
+              <a:rPr kumimoji="1" lang="en-US" altLang="zh-CN" dirty="0"/>
+              <a:t>.NET</a:t>
+            </a:r>
+            <a:endParaRPr kumimoji="1" lang="zh-CN" altLang="en-US" dirty="0"/>
+          </a:p>
+        </p:txBody>
+      </p:sp>
+      <p:sp>
+        <p:nvSpPr>
+          <p:cNvPr id="13" name="矩形 12">
+            <a:extLst>
+              <a:ext uri="{FF2B5EF4-FFF2-40B4-BE49-F238E27FC236}">
+                <a16:creationId xmlns:a16="http://schemas.microsoft.com/office/drawing/2014/main" id="{3C9ED213-AF5D-5445-84A9-DBC10847383B}"/>
+              </a:ext>
+            </a:extLst>
+          </p:cNvPr>
+          <p:cNvSpPr/>
+          <p:nvPr/>
+        </p:nvSpPr>
+        <p:spPr>
+          <a:xfrm>
+            <a:off x="5268238" y="5041095"/>
+            <a:ext cx="964504" cy="914400"/>
+          </a:xfrm>
+          <a:prstGeom prst="rect">
+            <a:avLst/>
+          </a:prstGeom>
+        </p:spPr>
+        <p:style>
+          <a:lnRef idx="1">
+            <a:schemeClr val="accent6"/>
+          </a:lnRef>
+          <a:fillRef idx="3">
+            <a:schemeClr val="accent6"/>
+          </a:fillRef>
+          <a:effectRef idx="2">
+            <a:schemeClr val="accent6"/>
+          </a:effectRef>
+          <a:fontRef idx="minor">
+            <a:schemeClr val="lt1"/>
+          </a:fontRef>
+        </p:style>
+        <p:txBody>
+          <a:bodyPr rtlCol="0" anchor="ctr"/>
+          <a:lstStyle/>
+          <a:p>
+            <a:pPr algn="ctr"/>
+            <a:r>
+              <a:rPr kumimoji="1" lang="en-US" altLang="zh-CN" dirty="0"/>
+              <a:t>??</a:t>
+            </a:r>
+            <a:endParaRPr kumimoji="1" lang="zh-CN" altLang="en-US" dirty="0"/>
+          </a:p>
+        </p:txBody>
+      </p:sp>
+      <p:sp>
+        <p:nvSpPr>
+          <p:cNvPr id="16" name="竖卷形 15">
+            <a:extLst>
+              <a:ext uri="{FF2B5EF4-FFF2-40B4-BE49-F238E27FC236}">
+                <a16:creationId xmlns:a16="http://schemas.microsoft.com/office/drawing/2014/main" id="{60BDBD7D-3D38-344C-A012-B60FDFFB7DEA}"/>
+              </a:ext>
+            </a:extLst>
+          </p:cNvPr>
+          <p:cNvSpPr/>
+          <p:nvPr/>
+        </p:nvSpPr>
+        <p:spPr>
+          <a:xfrm>
+            <a:off x="2407085" y="2836384"/>
+            <a:ext cx="926926" cy="876822"/>
+          </a:xfrm>
+          <a:prstGeom prst="verticalScroll">
+            <a:avLst/>
+          </a:prstGeom>
+        </p:spPr>
+        <p:style>
+          <a:lnRef idx="2">
+            <a:schemeClr val="accent1">
+              <a:shade val="50000"/>
+            </a:schemeClr>
+          </a:lnRef>
+          <a:fillRef idx="1">
+            <a:schemeClr val="accent1"/>
+          </a:fillRef>
+          <a:effectRef idx="0">
+            <a:schemeClr val="accent1"/>
+          </a:effectRef>
+          <a:fontRef idx="minor">
+            <a:schemeClr val="lt1"/>
+          </a:fontRef>
+        </p:style>
+        <p:txBody>
+          <a:bodyPr rtlCol="0" anchor="ctr"/>
+          <a:lstStyle/>
+          <a:p>
+            <a:pPr algn="ctr"/>
+            <a:r>
+              <a:rPr kumimoji="1" lang="en-US" altLang="zh-CN" dirty="0"/>
+              <a:t>JAVA</a:t>
+            </a:r>
+            <a:endParaRPr kumimoji="1" lang="zh-CN" altLang="en-US" dirty="0"/>
+          </a:p>
+        </p:txBody>
+      </p:sp>
+      <p:sp>
+        <p:nvSpPr>
+          <p:cNvPr id="17" name="竖卷形 16">
+            <a:extLst>
+              <a:ext uri="{FF2B5EF4-FFF2-40B4-BE49-F238E27FC236}">
+                <a16:creationId xmlns:a16="http://schemas.microsoft.com/office/drawing/2014/main" id="{BEE65A0F-D5BA-3540-8FAE-3B389EF185F8}"/>
+              </a:ext>
+            </a:extLst>
+          </p:cNvPr>
+          <p:cNvSpPr/>
+          <p:nvPr/>
+        </p:nvSpPr>
+        <p:spPr>
+          <a:xfrm>
+            <a:off x="2407085" y="4018557"/>
+            <a:ext cx="926926" cy="876822"/>
+          </a:xfrm>
+          <a:prstGeom prst="verticalScroll">
+            <a:avLst/>
+          </a:prstGeom>
+        </p:spPr>
+        <p:style>
+          <a:lnRef idx="2">
+            <a:schemeClr val="accent1">
+              <a:shade val="50000"/>
+            </a:schemeClr>
+          </a:lnRef>
+          <a:fillRef idx="1">
+            <a:schemeClr val="accent1"/>
+          </a:fillRef>
+          <a:effectRef idx="0">
+            <a:schemeClr val="accent1"/>
+          </a:effectRef>
+          <a:fontRef idx="minor">
+            <a:schemeClr val="lt1"/>
+          </a:fontRef>
+        </p:style>
+        <p:txBody>
+          <a:bodyPr rtlCol="0" anchor="ctr"/>
+          <a:lstStyle/>
+          <a:p>
+            <a:pPr algn="ctr"/>
+            <a:r>
+              <a:rPr kumimoji="1" lang="en-US" altLang="zh-CN" dirty="0"/>
+              <a:t>C#</a:t>
+            </a:r>
+            <a:endParaRPr kumimoji="1" lang="zh-CN" altLang="en-US" dirty="0"/>
+          </a:p>
+        </p:txBody>
+      </p:sp>
+      <p:sp>
+        <p:nvSpPr>
+          <p:cNvPr id="18" name="竖卷形 17">
+            <a:extLst>
+              <a:ext uri="{FF2B5EF4-FFF2-40B4-BE49-F238E27FC236}">
+                <a16:creationId xmlns:a16="http://schemas.microsoft.com/office/drawing/2014/main" id="{002A99F1-F6EF-C74D-9BA4-38B171460F77}"/>
+              </a:ext>
+            </a:extLst>
+          </p:cNvPr>
+          <p:cNvSpPr/>
+          <p:nvPr/>
+        </p:nvSpPr>
+        <p:spPr>
+          <a:xfrm>
+            <a:off x="2314354" y="5115620"/>
+            <a:ext cx="1019655" cy="914400"/>
+          </a:xfrm>
+          <a:prstGeom prst="verticalScroll">
+            <a:avLst/>
+          </a:prstGeom>
+        </p:spPr>
+        <p:style>
+          <a:lnRef idx="2">
+            <a:schemeClr val="accent1">
+              <a:shade val="50000"/>
+            </a:schemeClr>
+          </a:lnRef>
+          <a:fillRef idx="1">
+            <a:schemeClr val="accent1"/>
+          </a:fillRef>
+          <a:effectRef idx="0">
+            <a:schemeClr val="accent1"/>
+          </a:effectRef>
+          <a:fontRef idx="minor">
+            <a:schemeClr val="lt1"/>
+          </a:fontRef>
+        </p:style>
+        <p:txBody>
+          <a:bodyPr rtlCol="0" anchor="ctr"/>
+          <a:lstStyle/>
+          <a:p>
+            <a:pPr algn="ctr"/>
+            <a:r>
+              <a:rPr kumimoji="1" lang="en-US" altLang="zh-CN" dirty="0"/>
+              <a:t>Java</a:t>
+            </a:r>
+          </a:p>
+          <a:p>
+            <a:pPr algn="ctr"/>
+            <a:r>
+              <a:rPr kumimoji="1" lang="en-US" altLang="zh-CN" dirty="0"/>
+              <a:t>script</a:t>
+            </a:r>
+            <a:endParaRPr kumimoji="1" lang="zh-CN" altLang="en-US" dirty="0"/>
+          </a:p>
+        </p:txBody>
+      </p:sp>
+      <p:sp>
+        <p:nvSpPr>
+          <p:cNvPr id="20" name="右箭头 19">
+            <a:extLst>
+              <a:ext uri="{FF2B5EF4-FFF2-40B4-BE49-F238E27FC236}">
+                <a16:creationId xmlns:a16="http://schemas.microsoft.com/office/drawing/2014/main" id="{22D4F4B9-2B44-CA42-972F-53065A726197}"/>
+              </a:ext>
+            </a:extLst>
+          </p:cNvPr>
+          <p:cNvSpPr/>
+          <p:nvPr/>
+        </p:nvSpPr>
+        <p:spPr>
+          <a:xfrm>
+            <a:off x="6746311" y="3980979"/>
+            <a:ext cx="1282874" cy="778911"/>
+          </a:xfrm>
+          <a:prstGeom prst="rightArrow">
+            <a:avLst/>
+          </a:prstGeom>
+        </p:spPr>
+        <p:style>
+          <a:lnRef idx="1">
+            <a:schemeClr val="accent4"/>
+          </a:lnRef>
+          <a:fillRef idx="2">
+            <a:schemeClr val="accent4"/>
+          </a:fillRef>
+          <a:effectRef idx="1">
+            <a:schemeClr val="accent4"/>
+          </a:effectRef>
+          <a:fontRef idx="minor">
+            <a:schemeClr val="dk1"/>
+          </a:fontRef>
+        </p:style>
+        <p:txBody>
+          <a:bodyPr rtlCol="0" anchor="ctr"/>
+          <a:lstStyle/>
+          <a:p>
+            <a:pPr algn="ctr"/>
+            <a:endParaRPr kumimoji="1" lang="zh-CN" altLang="en-US"/>
+          </a:p>
+        </p:txBody>
+      </p:sp>
+      <p:sp>
+        <p:nvSpPr>
+          <p:cNvPr id="21" name="右箭头 20">
+            <a:extLst>
+              <a:ext uri="{FF2B5EF4-FFF2-40B4-BE49-F238E27FC236}">
+                <a16:creationId xmlns:a16="http://schemas.microsoft.com/office/drawing/2014/main" id="{C9353D0C-A718-E84C-BF96-CB53336A806F}"/>
+              </a:ext>
+            </a:extLst>
+          </p:cNvPr>
+          <p:cNvSpPr/>
+          <p:nvPr/>
+        </p:nvSpPr>
+        <p:spPr>
+          <a:xfrm>
+            <a:off x="9319889" y="4018557"/>
+            <a:ext cx="1282874" cy="778911"/>
+          </a:xfrm>
+          <a:prstGeom prst="rightArrow">
+            <a:avLst/>
+          </a:prstGeom>
+        </p:spPr>
+        <p:style>
+          <a:lnRef idx="1">
+            <a:schemeClr val="accent4"/>
+          </a:lnRef>
+          <a:fillRef idx="2">
+            <a:schemeClr val="accent4"/>
+          </a:fillRef>
+          <a:effectRef idx="1">
+            <a:schemeClr val="accent4"/>
+          </a:effectRef>
+          <a:fontRef idx="minor">
+            <a:schemeClr val="dk1"/>
+          </a:fontRef>
+        </p:style>
+        <p:txBody>
+          <a:bodyPr rtlCol="0" anchor="ctr"/>
+          <a:lstStyle/>
+          <a:p>
+            <a:pPr algn="ctr"/>
+            <a:endParaRPr kumimoji="1" lang="zh-CN" altLang="en-US"/>
+          </a:p>
+        </p:txBody>
+      </p:sp>
+      <p:sp>
+        <p:nvSpPr>
+          <p:cNvPr id="22" name="右箭头 21">
+            <a:extLst>
+              <a:ext uri="{FF2B5EF4-FFF2-40B4-BE49-F238E27FC236}">
+                <a16:creationId xmlns:a16="http://schemas.microsoft.com/office/drawing/2014/main" id="{8788A64E-6B4A-0A45-B220-F981832A913B}"/>
+              </a:ext>
+            </a:extLst>
+          </p:cNvPr>
+          <p:cNvSpPr/>
+          <p:nvPr/>
+        </p:nvSpPr>
+        <p:spPr>
+          <a:xfrm>
+            <a:off x="3334009" y="2934295"/>
+            <a:ext cx="1789136" cy="635623"/>
+          </a:xfrm>
+          <a:prstGeom prst="rightArrow">
+            <a:avLst/>
+          </a:prstGeom>
+        </p:spPr>
+        <p:style>
+          <a:lnRef idx="1">
+            <a:schemeClr val="accent4"/>
+          </a:lnRef>
+          <a:fillRef idx="2">
+            <a:schemeClr val="accent4"/>
+          </a:fillRef>
+          <a:effectRef idx="1">
+            <a:schemeClr val="accent4"/>
+          </a:effectRef>
+          <a:fontRef idx="minor">
+            <a:schemeClr val="dk1"/>
+          </a:fontRef>
+        </p:style>
+        <p:txBody>
+          <a:bodyPr rtlCol="0" anchor="ctr"/>
+          <a:lstStyle/>
+          <a:p>
+            <a:pPr algn="ctr"/>
+            <a:endParaRPr kumimoji="1" lang="zh-CN" altLang="en-US"/>
+          </a:p>
+        </p:txBody>
+      </p:sp>
+      <p:sp>
+        <p:nvSpPr>
+          <p:cNvPr id="23" name="右箭头 22">
+            <a:extLst>
+              <a:ext uri="{FF2B5EF4-FFF2-40B4-BE49-F238E27FC236}">
+                <a16:creationId xmlns:a16="http://schemas.microsoft.com/office/drawing/2014/main" id="{56D81D5D-E78A-EA4D-8F74-9E10DF5A6FE6}"/>
+              </a:ext>
+            </a:extLst>
+          </p:cNvPr>
+          <p:cNvSpPr/>
+          <p:nvPr/>
+        </p:nvSpPr>
+        <p:spPr>
+          <a:xfrm>
+            <a:off x="3410209" y="4090200"/>
+            <a:ext cx="1789136" cy="635623"/>
+          </a:xfrm>
+          <a:prstGeom prst="rightArrow">
+            <a:avLst/>
+          </a:prstGeom>
+        </p:spPr>
+        <p:style>
+          <a:lnRef idx="1">
+            <a:schemeClr val="accent4"/>
+          </a:lnRef>
+          <a:fillRef idx="2">
+            <a:schemeClr val="accent4"/>
+          </a:fillRef>
+          <a:effectRef idx="1">
+            <a:schemeClr val="accent4"/>
+          </a:effectRef>
+          <a:fontRef idx="minor">
+            <a:schemeClr val="dk1"/>
+          </a:fontRef>
+        </p:style>
+        <p:txBody>
+          <a:bodyPr rtlCol="0" anchor="ctr"/>
+          <a:lstStyle/>
+          <a:p>
+            <a:pPr algn="ctr"/>
+            <a:endParaRPr kumimoji="1" lang="zh-CN" altLang="en-US"/>
+          </a:p>
+        </p:txBody>
+      </p:sp>
+      <p:sp>
+        <p:nvSpPr>
+          <p:cNvPr id="24" name="右箭头 23">
+            <a:extLst>
+              <a:ext uri="{FF2B5EF4-FFF2-40B4-BE49-F238E27FC236}">
+                <a16:creationId xmlns:a16="http://schemas.microsoft.com/office/drawing/2014/main" id="{8271AB30-96B0-124B-B167-5CD6AC60E726}"/>
+              </a:ext>
+            </a:extLst>
+          </p:cNvPr>
+          <p:cNvSpPr/>
+          <p:nvPr/>
+        </p:nvSpPr>
+        <p:spPr>
+          <a:xfrm>
+            <a:off x="3410209" y="5246105"/>
+            <a:ext cx="1789136" cy="635623"/>
+          </a:xfrm>
+          <a:prstGeom prst="rightArrow">
+            <a:avLst/>
+          </a:prstGeom>
+        </p:spPr>
+        <p:style>
+          <a:lnRef idx="1">
+            <a:schemeClr val="accent4"/>
+          </a:lnRef>
+          <a:fillRef idx="2">
+            <a:schemeClr val="accent4"/>
+          </a:fillRef>
+          <a:effectRef idx="1">
+            <a:schemeClr val="accent4"/>
+          </a:effectRef>
+          <a:fontRef idx="minor">
+            <a:schemeClr val="dk1"/>
+          </a:fontRef>
+        </p:style>
+        <p:txBody>
+          <a:bodyPr rtlCol="0" anchor="ctr"/>
+          <a:lstStyle/>
+          <a:p>
+            <a:pPr algn="ctr"/>
+            <a:endParaRPr kumimoji="1" lang="zh-CN" altLang="en-US"/>
+          </a:p>
+        </p:txBody>
+      </p:sp>
+      <p:sp>
+        <p:nvSpPr>
+          <p:cNvPr id="26" name="左大括号 25">
+            <a:extLst>
+              <a:ext uri="{FF2B5EF4-FFF2-40B4-BE49-F238E27FC236}">
+                <a16:creationId xmlns:a16="http://schemas.microsoft.com/office/drawing/2014/main" id="{64C8B079-25E1-E946-ABF2-8D39E5703171}"/>
+              </a:ext>
+            </a:extLst>
+          </p:cNvPr>
+          <p:cNvSpPr/>
+          <p:nvPr/>
+        </p:nvSpPr>
+        <p:spPr>
+          <a:xfrm>
+            <a:off x="1966586" y="2934295"/>
+            <a:ext cx="347768" cy="1650231"/>
+          </a:xfrm>
+          <a:prstGeom prst="leftBrace">
+            <a:avLst/>
+          </a:prstGeom>
+        </p:spPr>
+        <p:style>
+          <a:lnRef idx="1">
+            <a:schemeClr val="accent1"/>
+          </a:lnRef>
+          <a:fillRef idx="0">
+            <a:schemeClr val="accent1"/>
+          </a:fillRef>
+          <a:effectRef idx="0">
+            <a:schemeClr val="accent1"/>
+          </a:effectRef>
+          <a:fontRef idx="minor">
+            <a:schemeClr val="tx1"/>
+          </a:fontRef>
+        </p:style>
+        <p:txBody>
+          <a:bodyPr rtlCol="0" anchor="ctr"/>
+          <a:lstStyle/>
+          <a:p>
+            <a:pPr algn="ctr"/>
+            <a:endParaRPr kumimoji="1" lang="zh-CN" altLang="en-US"/>
+          </a:p>
+        </p:txBody>
+      </p:sp>
+      <p:sp>
+        <p:nvSpPr>
+          <p:cNvPr id="27" name="文本框 26">
+            <a:extLst>
+              <a:ext uri="{FF2B5EF4-FFF2-40B4-BE49-F238E27FC236}">
+                <a16:creationId xmlns:a16="http://schemas.microsoft.com/office/drawing/2014/main" id="{70563B60-004F-F44D-A046-A30D81ED8BE7}"/>
+              </a:ext>
+            </a:extLst>
+          </p:cNvPr>
+          <p:cNvSpPr txBox="1"/>
+          <p:nvPr/>
+        </p:nvSpPr>
+        <p:spPr>
+          <a:xfrm>
+            <a:off x="247659" y="3569918"/>
+            <a:ext cx="1569660" cy="369332"/>
+          </a:xfrm>
+          <a:prstGeom prst="rect">
+            <a:avLst/>
+          </a:prstGeom>
+          <a:noFill/>
+        </p:spPr>
+        <p:txBody>
+          <a:bodyPr wrap="none" rtlCol="0">
+            <a:spAutoFit/>
+          </a:bodyPr>
+          <a:lstStyle/>
+          <a:p>
+            <a:r>
+              <a:rPr kumimoji="1" lang="zh-CN" altLang="en-US" dirty="0"/>
+              <a:t>コンパイル型</a:t>
+            </a:r>
+          </a:p>
+        </p:txBody>
+      </p:sp>
+      <p:sp>
+        <p:nvSpPr>
+          <p:cNvPr id="28" name="文本框 27">
+            <a:extLst>
+              <a:ext uri="{FF2B5EF4-FFF2-40B4-BE49-F238E27FC236}">
+                <a16:creationId xmlns:a16="http://schemas.microsoft.com/office/drawing/2014/main" id="{4BD9A1E9-7992-9B48-A997-B229E26958EE}"/>
+              </a:ext>
+            </a:extLst>
+          </p:cNvPr>
+          <p:cNvSpPr txBox="1"/>
+          <p:nvPr/>
+        </p:nvSpPr>
+        <p:spPr>
+          <a:xfrm>
+            <a:off x="1032489" y="5379250"/>
+            <a:ext cx="877163" cy="369332"/>
+          </a:xfrm>
+          <a:prstGeom prst="rect">
+            <a:avLst/>
+          </a:prstGeom>
+          <a:noFill/>
+        </p:spPr>
+        <p:txBody>
+          <a:bodyPr wrap="none" rtlCol="0">
+            <a:spAutoFit/>
+          </a:bodyPr>
+          <a:lstStyle/>
+          <a:p>
+            <a:r>
+              <a:rPr kumimoji="1" lang="zh-CN" altLang="en-US" dirty="0"/>
+              <a:t>解析型</a:t>
+            </a:r>
+          </a:p>
+        </p:txBody>
+      </p:sp>
+      <p:sp>
+        <p:nvSpPr>
+          <p:cNvPr id="29" name="竖卷形 28">
+            <a:extLst>
+              <a:ext uri="{FF2B5EF4-FFF2-40B4-BE49-F238E27FC236}">
+                <a16:creationId xmlns:a16="http://schemas.microsoft.com/office/drawing/2014/main" id="{E8C26ABE-2F1F-D144-90BA-41E9304CCC82}"/>
+              </a:ext>
+            </a:extLst>
+          </p:cNvPr>
+          <p:cNvSpPr/>
+          <p:nvPr/>
+        </p:nvSpPr>
+        <p:spPr>
+          <a:xfrm>
+            <a:off x="3845841" y="2873326"/>
+            <a:ext cx="668578" cy="722551"/>
+          </a:xfrm>
+          <a:prstGeom prst="verticalScroll">
+            <a:avLst/>
+          </a:prstGeom>
+        </p:spPr>
+        <p:style>
+          <a:lnRef idx="3">
+            <a:schemeClr val="lt1"/>
+          </a:lnRef>
+          <a:fillRef idx="1">
+            <a:schemeClr val="accent3"/>
+          </a:fillRef>
+          <a:effectRef idx="1">
+            <a:schemeClr val="accent3"/>
+          </a:effectRef>
+          <a:fontRef idx="minor">
+            <a:schemeClr val="lt1"/>
+          </a:fontRef>
+        </p:style>
+        <p:txBody>
+          <a:bodyPr rtlCol="0" anchor="ctr"/>
+          <a:lstStyle/>
+          <a:p>
+            <a:pPr algn="ctr"/>
+            <a:r>
+              <a:rPr kumimoji="1" lang="zh-CN" altLang="en-US" dirty="0"/>
+              <a:t>中間</a:t>
+            </a:r>
+          </a:p>
+        </p:txBody>
+      </p:sp>
+      <p:sp>
+        <p:nvSpPr>
+          <p:cNvPr id="30" name="竖卷形 29">
+            <a:extLst>
+              <a:ext uri="{FF2B5EF4-FFF2-40B4-BE49-F238E27FC236}">
+                <a16:creationId xmlns:a16="http://schemas.microsoft.com/office/drawing/2014/main" id="{68C2151E-4792-6841-AB3D-8A130FDB3B33}"/>
+              </a:ext>
+            </a:extLst>
+          </p:cNvPr>
+          <p:cNvSpPr/>
+          <p:nvPr/>
+        </p:nvSpPr>
+        <p:spPr>
+          <a:xfrm>
+            <a:off x="3859320" y="4018557"/>
+            <a:ext cx="668578" cy="722551"/>
+          </a:xfrm>
+          <a:prstGeom prst="verticalScroll">
+            <a:avLst/>
+          </a:prstGeom>
+        </p:spPr>
+        <p:style>
+          <a:lnRef idx="3">
+            <a:schemeClr val="lt1"/>
+          </a:lnRef>
+          <a:fillRef idx="1">
+            <a:schemeClr val="accent3"/>
+          </a:fillRef>
+          <a:effectRef idx="1">
+            <a:schemeClr val="accent3"/>
+          </a:effectRef>
+          <a:fontRef idx="minor">
+            <a:schemeClr val="lt1"/>
+          </a:fontRef>
+        </p:style>
+        <p:txBody>
+          <a:bodyPr rtlCol="0" anchor="ctr"/>
+          <a:lstStyle/>
+          <a:p>
+            <a:pPr algn="ctr"/>
+            <a:r>
+              <a:rPr kumimoji="1" lang="zh-CN" altLang="en-US" dirty="0"/>
+              <a:t>中間</a:t>
+            </a:r>
+          </a:p>
+        </p:txBody>
+      </p:sp>
+    </p:spTree>
+    <p:extLst>
+      <p:ext uri="{BB962C8B-B14F-4D97-AF65-F5344CB8AC3E}">
+        <p14:creationId xmlns:p14="http://schemas.microsoft.com/office/powerpoint/2010/main" val="725368716"/>
+      </p:ext>
+    </p:extLst>
+  </p:cSld>
+  <p:clrMapOvr>
+    <a:masterClrMapping/>
+  </p:clrMapOvr>
+</p:sld>
+</file>
+
+<file path=ppt/slides/slide5.xml><?xml version="1.0" encoding="utf-8"?>
+<p:sld xmlns:a="http://schemas.openxmlformats.org/drawingml/2006/main" xmlns:r="http://schemas.openxmlformats.org/officeDocument/2006/relationships" xmlns:p="http://schemas.openxmlformats.org/presentationml/2006/main">
+  <p:cSld>
+    <p:spTree>
+      <p:nvGrpSpPr>
+        <p:cNvPr id="1" name=""/>
+        <p:cNvGrpSpPr/>
+        <p:nvPr/>
+      </p:nvGrpSpPr>
+      <p:grpSpPr>
+        <a:xfrm>
+          <a:off x="0" y="0"/>
+          <a:ext cx="0" cy="0"/>
+          <a:chOff x="0" y="0"/>
+          <a:chExt cx="0" cy="0"/>
+        </a:xfrm>
+      </p:grpSpPr>
+      <p:sp>
+        <p:nvSpPr>
+          <p:cNvPr id="5" name="矩形 4">
+            <a:extLst>
+              <a:ext uri="{FF2B5EF4-FFF2-40B4-BE49-F238E27FC236}">
+                <a16:creationId xmlns:a16="http://schemas.microsoft.com/office/drawing/2014/main" id="{F979A305-980D-624D-98F0-376F455F6824}"/>
+              </a:ext>
+            </a:extLst>
+          </p:cNvPr>
+          <p:cNvSpPr/>
+          <p:nvPr/>
+        </p:nvSpPr>
+        <p:spPr>
+          <a:xfrm>
+            <a:off x="464969" y="325676"/>
+            <a:ext cx="11727032" cy="770562"/>
+          </a:xfrm>
+          <a:prstGeom prst="rect">
+            <a:avLst/>
+          </a:prstGeom>
+          <a:noFill/>
+          <a:ln>
+            <a:noFill/>
+          </a:ln>
+        </p:spPr>
+        <p:style>
+          <a:lnRef idx="2">
+            <a:schemeClr val="accent1">
+              <a:shade val="50000"/>
+            </a:schemeClr>
+          </a:lnRef>
+          <a:fillRef idx="1">
+            <a:schemeClr val="accent1"/>
+          </a:fillRef>
+          <a:effectRef idx="0">
+            <a:schemeClr val="accent1"/>
+          </a:effectRef>
+          <a:fontRef idx="minor">
+            <a:schemeClr val="lt1"/>
+          </a:fontRef>
+        </p:style>
+        <p:txBody>
+          <a:bodyPr rtlCol="0" anchor="ctr"/>
+          <a:lstStyle/>
+          <a:p>
+            <a:r>
+              <a:rPr kumimoji="1" lang="en-US" altLang="zh-CN" sz="3600" b="1" u="sng" dirty="0">
+                <a:solidFill>
+                  <a:schemeClr val="tx1">
+                    <a:lumMod val="85000"/>
+                    <a:lumOff val="15000"/>
+                  </a:schemeClr>
+                </a:solidFill>
+                <a:latin typeface="Microsoft YaHei" panose="020B0503020204020204" pitchFamily="34" charset="-122"/>
+                <a:ea typeface="Microsoft YaHei" panose="020B0503020204020204" pitchFamily="34" charset="-122"/>
+              </a:rPr>
+              <a:t>Hello </a:t>
+            </a:r>
+            <a:r>
+              <a:rPr kumimoji="1" lang="en-US" altLang="ja-JP" sz="3600" b="1" u="sng" dirty="0">
+                <a:solidFill>
+                  <a:schemeClr val="tx1">
+                    <a:lumMod val="85000"/>
+                    <a:lumOff val="15000"/>
+                  </a:schemeClr>
+                </a:solidFill>
+                <a:latin typeface="Microsoft YaHei" panose="020B0503020204020204" pitchFamily="34" charset="-122"/>
+                <a:ea typeface="Microsoft YaHei" panose="020B0503020204020204" pitchFamily="34" charset="-122"/>
+              </a:rPr>
+              <a:t>World</a:t>
+            </a:r>
+            <a:endParaRPr kumimoji="1" lang="zh-CN" altLang="en-US" sz="3600" b="1" u="sng" dirty="0">
+              <a:solidFill>
+                <a:schemeClr val="tx1">
+                  <a:lumMod val="85000"/>
+                  <a:lumOff val="15000"/>
+                </a:schemeClr>
+              </a:solidFill>
+              <a:latin typeface="Microsoft YaHei" panose="020B0503020204020204" pitchFamily="34" charset="-122"/>
+              <a:ea typeface="Microsoft YaHei" panose="020B0503020204020204" pitchFamily="34" charset="-122"/>
+            </a:endParaRPr>
+          </a:p>
+        </p:txBody>
+      </p:sp>
+      <p:sp>
+        <p:nvSpPr>
+          <p:cNvPr id="9" name="文本框 8">
+            <a:extLst>
+              <a:ext uri="{FF2B5EF4-FFF2-40B4-BE49-F238E27FC236}">
+                <a16:creationId xmlns:a16="http://schemas.microsoft.com/office/drawing/2014/main" id="{004DCEA4-4400-4149-9172-65651219B67A}"/>
+              </a:ext>
+            </a:extLst>
+          </p:cNvPr>
+          <p:cNvSpPr txBox="1"/>
+          <p:nvPr/>
+        </p:nvSpPr>
+        <p:spPr>
+          <a:xfrm>
+            <a:off x="3950467" y="3244334"/>
+            <a:ext cx="3890232" cy="369332"/>
+          </a:xfrm>
+          <a:prstGeom prst="rect">
+            <a:avLst/>
+          </a:prstGeom>
+          <a:noFill/>
+        </p:spPr>
+        <p:txBody>
+          <a:bodyPr wrap="none" rtlCol="0">
+            <a:spAutoFit/>
+          </a:bodyPr>
+          <a:lstStyle/>
+          <a:p>
+            <a:pPr algn="ctr"/>
+            <a:r>
+              <a:rPr kumimoji="1" lang="en-US" altLang="zh-CN" dirty="0" err="1">
+                <a:solidFill>
+                  <a:schemeClr val="tx1">
+                    <a:lumMod val="65000"/>
+                    <a:lumOff val="35000"/>
+                  </a:schemeClr>
+                </a:solidFill>
+                <a:latin typeface="Microsoft YaHei" panose="020B0503020204020204" pitchFamily="34" charset="-122"/>
+                <a:ea typeface="Microsoft YaHei" panose="020B0503020204020204" pitchFamily="34" charset="-122"/>
+              </a:rPr>
+              <a:t>Console.log</a:t>
+            </a:r>
+            <a:r>
+              <a:rPr kumimoji="1" lang="en-US" altLang="zh-CN" dirty="0">
+                <a:solidFill>
+                  <a:schemeClr val="tx1">
+                    <a:lumMod val="65000"/>
+                    <a:lumOff val="35000"/>
+                  </a:schemeClr>
+                </a:solidFill>
+                <a:latin typeface="Microsoft YaHei" panose="020B0503020204020204" pitchFamily="34" charset="-122"/>
+                <a:ea typeface="Microsoft YaHei" panose="020B0503020204020204" pitchFamily="34" charset="-122"/>
+              </a:rPr>
+              <a:t>(”HELLO WORLD!”);</a:t>
+            </a:r>
+          </a:p>
+        </p:txBody>
+      </p:sp>
+    </p:spTree>
+    <p:extLst>
+      <p:ext uri="{BB962C8B-B14F-4D97-AF65-F5344CB8AC3E}">
+        <p14:creationId xmlns:p14="http://schemas.microsoft.com/office/powerpoint/2010/main" val="4008284764"/>
+      </p:ext>
+    </p:extLst>
+  </p:cSld>
+  <p:clrMapOvr>
+    <a:masterClrMapping/>
+  </p:clrMapOvr>
+</p:sld>
+</file>
+
+<file path=ppt/slides/slide6.xml><?xml version="1.0" encoding="utf-8"?>
+<p:sld xmlns:a="http://schemas.openxmlformats.org/drawingml/2006/main" xmlns:r="http://schemas.openxmlformats.org/officeDocument/2006/relationships" xmlns:p="http://schemas.openxmlformats.org/presentationml/2006/main">
+  <p:cSld>
+    <p:spTree>
+      <p:nvGrpSpPr>
+        <p:cNvPr id="1" name=""/>
+        <p:cNvGrpSpPr/>
+        <p:nvPr/>
+      </p:nvGrpSpPr>
+      <p:grpSpPr>
+        <a:xfrm>
+          <a:off x="0" y="0"/>
+          <a:ext cx="0" cy="0"/>
+          <a:chOff x="0" y="0"/>
+          <a:chExt cx="0" cy="0"/>
+        </a:xfrm>
+      </p:grpSpPr>
+      <p:sp>
+        <p:nvSpPr>
+          <p:cNvPr id="5" name="矩形 4">
+            <a:extLst>
+              <a:ext uri="{FF2B5EF4-FFF2-40B4-BE49-F238E27FC236}">
+                <a16:creationId xmlns:a16="http://schemas.microsoft.com/office/drawing/2014/main" id="{F979A305-980D-624D-98F0-376F455F6824}"/>
+              </a:ext>
+            </a:extLst>
+          </p:cNvPr>
+          <p:cNvSpPr/>
+          <p:nvPr/>
+        </p:nvSpPr>
+        <p:spPr>
+          <a:xfrm>
+            <a:off x="464969" y="325676"/>
+            <a:ext cx="11727032" cy="770562"/>
+          </a:xfrm>
+          <a:prstGeom prst="rect">
+            <a:avLst/>
+          </a:prstGeom>
+          <a:noFill/>
+          <a:ln>
+            <a:noFill/>
+          </a:ln>
+        </p:spPr>
+        <p:style>
+          <a:lnRef idx="2">
+            <a:schemeClr val="accent1">
+              <a:shade val="50000"/>
+            </a:schemeClr>
+          </a:lnRef>
+          <a:fillRef idx="1">
+            <a:schemeClr val="accent1"/>
+          </a:fillRef>
+          <a:effectRef idx="0">
+            <a:schemeClr val="accent1"/>
+          </a:effectRef>
+          <a:fontRef idx="minor">
+            <a:schemeClr val="lt1"/>
+          </a:fontRef>
+        </p:style>
+        <p:txBody>
+          <a:bodyPr rtlCol="0" anchor="ctr"/>
+          <a:lstStyle/>
+          <a:p>
+            <a:r>
+              <a:rPr kumimoji="1" lang="en-US" altLang="zh-CN" sz="3600" b="1" u="sng" dirty="0">
+                <a:solidFill>
+                  <a:schemeClr val="tx1">
+                    <a:lumMod val="85000"/>
+                    <a:lumOff val="15000"/>
+                  </a:schemeClr>
+                </a:solidFill>
+                <a:latin typeface="Microsoft YaHei" panose="020B0503020204020204" pitchFamily="34" charset="-122"/>
+                <a:ea typeface="Microsoft YaHei" panose="020B0503020204020204" pitchFamily="34" charset="-122"/>
+              </a:rPr>
+              <a:t>JavaScript</a:t>
+            </a:r>
+            <a:r>
+              <a:rPr kumimoji="1" lang="zh-CN" altLang="en-US" sz="3600" b="1" u="sng" dirty="0">
+                <a:solidFill>
+                  <a:schemeClr val="tx1">
+                    <a:lumMod val="85000"/>
+                    <a:lumOff val="15000"/>
+                  </a:schemeClr>
+                </a:solidFill>
+                <a:latin typeface="Microsoft YaHei" panose="020B0503020204020204" pitchFamily="34" charset="-122"/>
+                <a:ea typeface="Microsoft YaHei" panose="020B0503020204020204" pitchFamily="34" charset="-122"/>
+              </a:rPr>
+              <a:t>の実行環境</a:t>
+            </a:r>
+            <a:endParaRPr kumimoji="1" lang="en-US" altLang="zh-CN" sz="3600" b="1" u="sng" dirty="0">
+              <a:solidFill>
+                <a:schemeClr val="tx1">
+                  <a:lumMod val="85000"/>
+                  <a:lumOff val="15000"/>
+                </a:schemeClr>
+              </a:solidFill>
+              <a:latin typeface="Microsoft YaHei" panose="020B0503020204020204" pitchFamily="34" charset="-122"/>
+              <a:ea typeface="Microsoft YaHei" panose="020B0503020204020204" pitchFamily="34" charset="-122"/>
+            </a:endParaRPr>
+          </a:p>
+        </p:txBody>
+      </p:sp>
+      <p:sp>
+        <p:nvSpPr>
+          <p:cNvPr id="4" name="竖卷形 3">
+            <a:extLst>
+              <a:ext uri="{FF2B5EF4-FFF2-40B4-BE49-F238E27FC236}">
+                <a16:creationId xmlns:a16="http://schemas.microsoft.com/office/drawing/2014/main" id="{FD427514-8966-E844-9D01-053C55BC15FF}"/>
+              </a:ext>
+            </a:extLst>
+          </p:cNvPr>
+          <p:cNvSpPr/>
+          <p:nvPr/>
+        </p:nvSpPr>
+        <p:spPr>
+          <a:xfrm>
+            <a:off x="1412988" y="3429000"/>
+            <a:ext cx="1440087" cy="1222661"/>
+          </a:xfrm>
+          <a:prstGeom prst="verticalScroll">
+            <a:avLst/>
+          </a:prstGeom>
+        </p:spPr>
+        <p:style>
+          <a:lnRef idx="2">
+            <a:schemeClr val="accent1">
+              <a:shade val="50000"/>
+            </a:schemeClr>
+          </a:lnRef>
+          <a:fillRef idx="1">
+            <a:schemeClr val="accent1"/>
+          </a:fillRef>
+          <a:effectRef idx="0">
+            <a:schemeClr val="accent1"/>
+          </a:effectRef>
+          <a:fontRef idx="minor">
+            <a:schemeClr val="lt1"/>
+          </a:fontRef>
+        </p:style>
+        <p:txBody>
+          <a:bodyPr rtlCol="0" anchor="ctr"/>
+          <a:lstStyle/>
+          <a:p>
+            <a:pPr algn="ctr"/>
+            <a:r>
+              <a:rPr kumimoji="1" lang="en-US" altLang="zh-CN" dirty="0"/>
+              <a:t>JavaScript</a:t>
+            </a:r>
+          </a:p>
+        </p:txBody>
+      </p:sp>
+      <p:sp>
+        <p:nvSpPr>
+          <p:cNvPr id="6" name="矩形 5">
+            <a:extLst>
+              <a:ext uri="{FF2B5EF4-FFF2-40B4-BE49-F238E27FC236}">
+                <a16:creationId xmlns:a16="http://schemas.microsoft.com/office/drawing/2014/main" id="{34DBF3B3-BADC-DA4A-8140-36778EDC01DD}"/>
+              </a:ext>
+            </a:extLst>
+          </p:cNvPr>
+          <p:cNvSpPr/>
+          <p:nvPr/>
+        </p:nvSpPr>
+        <p:spPr>
+          <a:xfrm>
+            <a:off x="4244009" y="1698481"/>
+            <a:ext cx="1851991" cy="4615842"/>
+          </a:xfrm>
+          <a:prstGeom prst="rect">
+            <a:avLst/>
+          </a:prstGeom>
+          <a:noFill/>
+          <a:ln w="9525" cap="flat" cmpd="sng" algn="ctr">
+            <a:solidFill>
+              <a:schemeClr val="accent4"/>
+            </a:solidFill>
+            <a:prstDash val="sysDash"/>
+            <a:round/>
+            <a:headEnd type="none" w="med" len="med"/>
+            <a:tailEnd type="none" w="med" len="med"/>
+          </a:ln>
+        </p:spPr>
+        <p:style>
+          <a:lnRef idx="0">
+            <a:scrgbClr r="0" g="0" b="0"/>
+          </a:lnRef>
+          <a:fillRef idx="0">
+            <a:scrgbClr r="0" g="0" b="0"/>
+          </a:fillRef>
+          <a:effectRef idx="0">
+            <a:scrgbClr r="0" g="0" b="0"/>
+          </a:effectRef>
+          <a:fontRef idx="minor">
+            <a:schemeClr val="accent4"/>
+          </a:fontRef>
+        </p:style>
+        <p:txBody>
+          <a:bodyPr rtlCol="0" anchor="t"/>
+          <a:lstStyle/>
+          <a:p>
+            <a:pPr algn="ctr"/>
+            <a:endParaRPr kumimoji="1" lang="en-US" altLang="zh-CN" b="1" dirty="0">
+              <a:latin typeface="Microsoft YaHei" panose="020B0503020204020204" pitchFamily="34" charset="-122"/>
+              <a:ea typeface="Microsoft YaHei" panose="020B0503020204020204" pitchFamily="34" charset="-122"/>
+            </a:endParaRPr>
+          </a:p>
+          <a:p>
+            <a:pPr algn="ctr"/>
+            <a:r>
+              <a:rPr kumimoji="1" lang="en-US" altLang="zh-CN" b="1" dirty="0">
+                <a:latin typeface="Microsoft YaHei" panose="020B0503020204020204" pitchFamily="34" charset="-122"/>
+                <a:ea typeface="Microsoft YaHei" panose="020B0503020204020204" pitchFamily="34" charset="-122"/>
+              </a:rPr>
+              <a:t>Runtime</a:t>
+            </a:r>
+          </a:p>
+          <a:p>
+            <a:pPr algn="ctr"/>
+            <a:endParaRPr kumimoji="1" lang="en-US" altLang="zh-CN" b="1" dirty="0">
+              <a:latin typeface="Microsoft YaHei" panose="020B0503020204020204" pitchFamily="34" charset="-122"/>
+              <a:ea typeface="Microsoft YaHei" panose="020B0503020204020204" pitchFamily="34" charset="-122"/>
+            </a:endParaRPr>
+          </a:p>
+          <a:p>
+            <a:pPr algn="ctr"/>
+            <a:endParaRPr kumimoji="1" lang="en-US" altLang="zh-CN" b="1" dirty="0">
+              <a:latin typeface="Microsoft YaHei" panose="020B0503020204020204" pitchFamily="34" charset="-122"/>
+              <a:ea typeface="Microsoft YaHei" panose="020B0503020204020204" pitchFamily="34" charset="-122"/>
+            </a:endParaRPr>
+          </a:p>
+          <a:p>
+            <a:pPr algn="ctr"/>
+            <a:endParaRPr kumimoji="1" lang="en-US" altLang="zh-CN" dirty="0">
+              <a:latin typeface="Microsoft YaHei" panose="020B0503020204020204" pitchFamily="34" charset="-122"/>
+              <a:ea typeface="Microsoft YaHei" panose="020B0503020204020204" pitchFamily="34" charset="-122"/>
+            </a:endParaRPr>
+          </a:p>
+          <a:p>
+            <a:pPr algn="ctr"/>
+            <a:endParaRPr kumimoji="1" lang="zh-CN" altLang="en-US" b="1" dirty="0">
+              <a:latin typeface="Microsoft YaHei" panose="020B0503020204020204" pitchFamily="34" charset="-122"/>
+              <a:ea typeface="Microsoft YaHei" panose="020B0503020204020204" pitchFamily="34" charset="-122"/>
+            </a:endParaRPr>
+          </a:p>
+        </p:txBody>
+      </p:sp>
+      <p:sp>
+        <p:nvSpPr>
+          <p:cNvPr id="2" name="矩形 1">
+            <a:extLst>
+              <a:ext uri="{FF2B5EF4-FFF2-40B4-BE49-F238E27FC236}">
+                <a16:creationId xmlns:a16="http://schemas.microsoft.com/office/drawing/2014/main" id="{D4E17542-2097-C34E-8CE1-742C219A08F2}"/>
+              </a:ext>
+            </a:extLst>
+          </p:cNvPr>
+          <p:cNvSpPr/>
+          <p:nvPr/>
+        </p:nvSpPr>
+        <p:spPr>
+          <a:xfrm>
+            <a:off x="5585791" y="2872409"/>
+            <a:ext cx="318052" cy="2852530"/>
+          </a:xfrm>
+          <a:prstGeom prst="rect">
+            <a:avLst/>
+          </a:prstGeom>
+        </p:spPr>
+        <p:style>
+          <a:lnRef idx="2">
+            <a:schemeClr val="accent1">
+              <a:shade val="50000"/>
+            </a:schemeClr>
+          </a:lnRef>
+          <a:fillRef idx="1">
+            <a:schemeClr val="accent1"/>
+          </a:fillRef>
+          <a:effectRef idx="0">
+            <a:schemeClr val="accent1"/>
+          </a:effectRef>
+          <a:fontRef idx="minor">
+            <a:schemeClr val="lt1"/>
+          </a:fontRef>
+        </p:style>
+        <p:txBody>
+          <a:bodyPr rtlCol="0" anchor="ctr"/>
+          <a:lstStyle/>
+          <a:p>
+            <a:pPr algn="ctr"/>
+            <a:r>
+              <a:rPr kumimoji="1" lang="en-US" altLang="zh-CN" dirty="0"/>
+              <a:t>V8</a:t>
+            </a:r>
+          </a:p>
+          <a:p>
+            <a:pPr algn="ctr"/>
+            <a:endParaRPr kumimoji="1" lang="en-US" altLang="zh-CN" dirty="0"/>
+          </a:p>
+        </p:txBody>
+      </p:sp>
+      <p:sp>
+        <p:nvSpPr>
+          <p:cNvPr id="7" name="矩形 6">
+            <a:extLst>
+              <a:ext uri="{FF2B5EF4-FFF2-40B4-BE49-F238E27FC236}">
+                <a16:creationId xmlns:a16="http://schemas.microsoft.com/office/drawing/2014/main" id="{9E54E4FC-F818-1A46-9645-DB5A337EAEAD}"/>
+              </a:ext>
+            </a:extLst>
+          </p:cNvPr>
+          <p:cNvSpPr/>
+          <p:nvPr/>
+        </p:nvSpPr>
+        <p:spPr>
+          <a:xfrm>
+            <a:off x="4397216" y="2872409"/>
+            <a:ext cx="996418" cy="1570382"/>
+          </a:xfrm>
+          <a:prstGeom prst="rect">
+            <a:avLst/>
+          </a:prstGeom>
+        </p:spPr>
+        <p:style>
+          <a:lnRef idx="2">
+            <a:schemeClr val="accent1">
+              <a:shade val="50000"/>
+            </a:schemeClr>
+          </a:lnRef>
+          <a:fillRef idx="1">
+            <a:schemeClr val="accent1"/>
+          </a:fillRef>
+          <a:effectRef idx="0">
+            <a:schemeClr val="accent1"/>
+          </a:effectRef>
+          <a:fontRef idx="minor">
+            <a:schemeClr val="lt1"/>
+          </a:fontRef>
+        </p:style>
+        <p:txBody>
+          <a:bodyPr rtlCol="0" anchor="ctr"/>
+          <a:lstStyle/>
+          <a:p>
+            <a:pPr algn="ctr"/>
+            <a:r>
+              <a:rPr kumimoji="1" lang="en-US" altLang="zh-CN" dirty="0"/>
+              <a:t>Chrome,</a:t>
+            </a:r>
+          </a:p>
+          <a:p>
+            <a:pPr algn="ctr"/>
+            <a:r>
+              <a:rPr kumimoji="1" lang="en-US" altLang="zh-CN" dirty="0"/>
+              <a:t>edge</a:t>
+            </a:r>
+          </a:p>
+          <a:p>
+            <a:pPr algn="ctr"/>
+            <a:endParaRPr kumimoji="1" lang="en-US" altLang="zh-CN" dirty="0"/>
+          </a:p>
+        </p:txBody>
+      </p:sp>
+      <p:sp>
+        <p:nvSpPr>
+          <p:cNvPr id="8" name="矩形 7">
+            <a:extLst>
+              <a:ext uri="{FF2B5EF4-FFF2-40B4-BE49-F238E27FC236}">
+                <a16:creationId xmlns:a16="http://schemas.microsoft.com/office/drawing/2014/main" id="{41634BA7-3534-0F41-87A1-5B67F5182670}"/>
+              </a:ext>
+            </a:extLst>
+          </p:cNvPr>
+          <p:cNvSpPr/>
+          <p:nvPr/>
+        </p:nvSpPr>
+        <p:spPr>
+          <a:xfrm>
+            <a:off x="4397215" y="4502425"/>
+            <a:ext cx="996418" cy="1222514"/>
+          </a:xfrm>
+          <a:prstGeom prst="rect">
+            <a:avLst/>
+          </a:prstGeom>
+        </p:spPr>
+        <p:style>
+          <a:lnRef idx="2">
+            <a:schemeClr val="accent1">
+              <a:shade val="50000"/>
+            </a:schemeClr>
+          </a:lnRef>
+          <a:fillRef idx="1">
+            <a:schemeClr val="accent1"/>
+          </a:fillRef>
+          <a:effectRef idx="0">
+            <a:schemeClr val="accent1"/>
+          </a:effectRef>
+          <a:fontRef idx="minor">
+            <a:schemeClr val="lt1"/>
+          </a:fontRef>
+        </p:style>
+        <p:txBody>
+          <a:bodyPr rtlCol="0" anchor="ctr"/>
+          <a:lstStyle/>
+          <a:p>
+            <a:pPr algn="ctr"/>
+            <a:r>
+              <a:rPr kumimoji="1" lang="en-US" altLang="zh-CN" dirty="0"/>
+              <a:t>Nodejs</a:t>
+            </a:r>
+          </a:p>
+        </p:txBody>
+      </p:sp>
+      <p:sp>
+        <p:nvSpPr>
+          <p:cNvPr id="10" name="矩形 9">
+            <a:extLst>
+              <a:ext uri="{FF2B5EF4-FFF2-40B4-BE49-F238E27FC236}">
+                <a16:creationId xmlns:a16="http://schemas.microsoft.com/office/drawing/2014/main" id="{444646EC-BF47-D046-8DB8-975C9A2186BA}"/>
+              </a:ext>
+            </a:extLst>
+          </p:cNvPr>
+          <p:cNvSpPr/>
+          <p:nvPr/>
+        </p:nvSpPr>
+        <p:spPr>
+          <a:xfrm>
+            <a:off x="9984059" y="1698481"/>
+            <a:ext cx="1853853" cy="4615842"/>
+          </a:xfrm>
+          <a:prstGeom prst="rect">
+            <a:avLst/>
+          </a:prstGeom>
+        </p:spPr>
+        <p:style>
+          <a:lnRef idx="0">
+            <a:schemeClr val="accent3"/>
+          </a:lnRef>
+          <a:fillRef idx="3">
+            <a:schemeClr val="accent3"/>
+          </a:fillRef>
+          <a:effectRef idx="3">
+            <a:schemeClr val="accent3"/>
+          </a:effectRef>
+          <a:fontRef idx="minor">
+            <a:schemeClr val="lt1"/>
+          </a:fontRef>
+        </p:style>
+        <p:txBody>
+          <a:bodyPr rtlCol="0" anchor="t"/>
+          <a:lstStyle/>
+          <a:p>
+            <a:pPr algn="ctr"/>
+            <a:endParaRPr kumimoji="1" lang="en-US" altLang="zh-CN" b="1" dirty="0">
+              <a:latin typeface="Microsoft YaHei" panose="020B0503020204020204" pitchFamily="34" charset="-122"/>
+              <a:ea typeface="Microsoft YaHei" panose="020B0503020204020204" pitchFamily="34" charset="-122"/>
+            </a:endParaRPr>
+          </a:p>
+          <a:p>
+            <a:pPr algn="ctr"/>
+            <a:r>
+              <a:rPr kumimoji="1" lang="zh-CN" altLang="en-US" b="1" dirty="0">
+                <a:latin typeface="Microsoft YaHei" panose="020B0503020204020204" pitchFamily="34" charset="-122"/>
+                <a:ea typeface="Microsoft YaHei" panose="020B0503020204020204" pitchFamily="34" charset="-122"/>
+              </a:rPr>
+              <a:t>コンピュータ</a:t>
+            </a:r>
+            <a:endParaRPr kumimoji="1" lang="en-US" altLang="zh-CN" b="1" dirty="0">
+              <a:latin typeface="Microsoft YaHei" panose="020B0503020204020204" pitchFamily="34" charset="-122"/>
+              <a:ea typeface="Microsoft YaHei" panose="020B0503020204020204" pitchFamily="34" charset="-122"/>
+            </a:endParaRPr>
+          </a:p>
+          <a:p>
+            <a:pPr algn="ctr"/>
+            <a:endParaRPr kumimoji="1" lang="en-US" altLang="zh-CN" b="1" dirty="0">
+              <a:latin typeface="Microsoft YaHei" panose="020B0503020204020204" pitchFamily="34" charset="-122"/>
+              <a:ea typeface="Microsoft YaHei" panose="020B0503020204020204" pitchFamily="34" charset="-122"/>
+            </a:endParaRPr>
+          </a:p>
+          <a:p>
+            <a:pPr algn="ctr"/>
+            <a:r>
+              <a:rPr kumimoji="1" lang="zh-CN" altLang="en-US" dirty="0">
+                <a:latin typeface="Microsoft YaHei" panose="020B0503020204020204" pitchFamily="34" charset="-122"/>
+                <a:ea typeface="Microsoft YaHei" panose="020B0503020204020204" pitchFamily="34" charset="-122"/>
+              </a:rPr>
+              <a:t>０１０１０１０１０１００１００１０１００１</a:t>
+            </a:r>
+            <a:endParaRPr kumimoji="1" lang="en-US" altLang="zh-CN" dirty="0">
+              <a:latin typeface="Microsoft YaHei" panose="020B0503020204020204" pitchFamily="34" charset="-122"/>
+              <a:ea typeface="Microsoft YaHei" panose="020B0503020204020204" pitchFamily="34" charset="-122"/>
+            </a:endParaRPr>
+          </a:p>
+          <a:p>
+            <a:pPr algn="ctr"/>
+            <a:endParaRPr kumimoji="1" lang="zh-CN" altLang="en-US" b="1" dirty="0">
+              <a:latin typeface="Microsoft YaHei" panose="020B0503020204020204" pitchFamily="34" charset="-122"/>
+              <a:ea typeface="Microsoft YaHei" panose="020B0503020204020204" pitchFamily="34" charset="-122"/>
+            </a:endParaRPr>
+          </a:p>
+        </p:txBody>
+      </p:sp>
+      <p:sp>
+        <p:nvSpPr>
+          <p:cNvPr id="11" name="矩形 10">
+            <a:extLst>
+              <a:ext uri="{FF2B5EF4-FFF2-40B4-BE49-F238E27FC236}">
+                <a16:creationId xmlns:a16="http://schemas.microsoft.com/office/drawing/2014/main" id="{9D955B8E-214C-FA42-80E7-A1E1E6DD7264}"/>
+              </a:ext>
+            </a:extLst>
+          </p:cNvPr>
+          <p:cNvSpPr/>
+          <p:nvPr/>
+        </p:nvSpPr>
+        <p:spPr>
+          <a:xfrm>
+            <a:off x="8067580" y="1698481"/>
+            <a:ext cx="1617944" cy="4615842"/>
+          </a:xfrm>
+          <a:prstGeom prst="rect">
+            <a:avLst/>
+          </a:prstGeom>
+        </p:spPr>
+        <p:style>
+          <a:lnRef idx="0">
+            <a:schemeClr val="accent5"/>
+          </a:lnRef>
+          <a:fillRef idx="3">
+            <a:schemeClr val="accent5"/>
+          </a:fillRef>
+          <a:effectRef idx="3">
+            <a:schemeClr val="accent5"/>
+          </a:effectRef>
+          <a:fontRef idx="minor">
+            <a:schemeClr val="lt1"/>
+          </a:fontRef>
+        </p:style>
+        <p:txBody>
+          <a:bodyPr rtlCol="0" anchor="t"/>
+          <a:lstStyle/>
+          <a:p>
+            <a:pPr algn="ctr"/>
+            <a:endParaRPr kumimoji="1" lang="en-US" altLang="zh-CN" b="1" dirty="0">
+              <a:latin typeface="Microsoft YaHei" panose="020B0503020204020204" pitchFamily="34" charset="-122"/>
+              <a:ea typeface="Microsoft YaHei" panose="020B0503020204020204" pitchFamily="34" charset="-122"/>
+            </a:endParaRPr>
+          </a:p>
+          <a:p>
+            <a:pPr algn="ctr"/>
+            <a:r>
+              <a:rPr kumimoji="1" lang="en-US" altLang="zh-CN" b="1" dirty="0">
+                <a:latin typeface="Microsoft YaHei" panose="020B0503020204020204" pitchFamily="34" charset="-122"/>
+                <a:ea typeface="Microsoft YaHei" panose="020B0503020204020204" pitchFamily="34" charset="-122"/>
+              </a:rPr>
+              <a:t>OS</a:t>
+            </a:r>
+          </a:p>
+          <a:p>
+            <a:pPr algn="ctr"/>
+            <a:endParaRPr kumimoji="1" lang="en-US" altLang="zh-CN" b="1" dirty="0">
+              <a:latin typeface="Microsoft YaHei" panose="020B0503020204020204" pitchFamily="34" charset="-122"/>
+              <a:ea typeface="Microsoft YaHei" panose="020B0503020204020204" pitchFamily="34" charset="-122"/>
+            </a:endParaRPr>
+          </a:p>
+          <a:p>
+            <a:pPr algn="ctr"/>
+            <a:endParaRPr kumimoji="1" lang="en-US" altLang="zh-CN" dirty="0">
+              <a:latin typeface="Microsoft YaHei" panose="020B0503020204020204" pitchFamily="34" charset="-122"/>
+              <a:ea typeface="Microsoft YaHei" panose="020B0503020204020204" pitchFamily="34" charset="-122"/>
+            </a:endParaRPr>
+          </a:p>
+          <a:p>
+            <a:pPr algn="ctr"/>
+            <a:r>
+              <a:rPr kumimoji="1" lang="en-US" altLang="zh-CN" dirty="0">
+                <a:latin typeface="Microsoft YaHei" panose="020B0503020204020204" pitchFamily="34" charset="-122"/>
+                <a:ea typeface="Microsoft YaHei" panose="020B0503020204020204" pitchFamily="34" charset="-122"/>
+              </a:rPr>
+              <a:t>Windows</a:t>
+            </a:r>
+          </a:p>
+          <a:p>
+            <a:pPr algn="ctr"/>
+            <a:r>
+              <a:rPr kumimoji="1" lang="en-US" altLang="zh-CN" dirty="0">
+                <a:latin typeface="Microsoft YaHei" panose="020B0503020204020204" pitchFamily="34" charset="-122"/>
+                <a:ea typeface="Microsoft YaHei" panose="020B0503020204020204" pitchFamily="34" charset="-122"/>
+              </a:rPr>
+              <a:t>Linux</a:t>
+            </a:r>
+          </a:p>
+          <a:p>
+            <a:pPr algn="ctr"/>
+            <a:r>
+              <a:rPr kumimoji="1" lang="en-US" altLang="zh-CN" dirty="0">
+                <a:latin typeface="Microsoft YaHei" panose="020B0503020204020204" pitchFamily="34" charset="-122"/>
+                <a:ea typeface="Microsoft YaHei" panose="020B0503020204020204" pitchFamily="34" charset="-122"/>
+              </a:rPr>
+              <a:t>Unix</a:t>
+            </a:r>
+          </a:p>
+          <a:p>
+            <a:pPr algn="ctr"/>
+            <a:endParaRPr kumimoji="1" lang="zh-CN" altLang="en-US" b="1" dirty="0">
+              <a:latin typeface="Microsoft YaHei" panose="020B0503020204020204" pitchFamily="34" charset="-122"/>
+              <a:ea typeface="Microsoft YaHei" panose="020B0503020204020204" pitchFamily="34" charset="-122"/>
+            </a:endParaRPr>
+          </a:p>
+        </p:txBody>
+      </p:sp>
+      <p:sp>
+        <p:nvSpPr>
+          <p:cNvPr id="12" name="右箭头 11">
+            <a:extLst>
+              <a:ext uri="{FF2B5EF4-FFF2-40B4-BE49-F238E27FC236}">
+                <a16:creationId xmlns:a16="http://schemas.microsoft.com/office/drawing/2014/main" id="{83F1097D-0EA1-E145-BA3C-E54BC8445B00}"/>
+              </a:ext>
+            </a:extLst>
+          </p:cNvPr>
+          <p:cNvSpPr/>
+          <p:nvPr/>
+        </p:nvSpPr>
+        <p:spPr>
+          <a:xfrm>
+            <a:off x="6746311" y="3980979"/>
+            <a:ext cx="1282874" cy="778911"/>
+          </a:xfrm>
+          <a:prstGeom prst="rightArrow">
+            <a:avLst/>
+          </a:prstGeom>
+        </p:spPr>
+        <p:style>
+          <a:lnRef idx="1">
+            <a:schemeClr val="accent4"/>
+          </a:lnRef>
+          <a:fillRef idx="2">
+            <a:schemeClr val="accent4"/>
+          </a:fillRef>
+          <a:effectRef idx="1">
+            <a:schemeClr val="accent4"/>
+          </a:effectRef>
+          <a:fontRef idx="minor">
+            <a:schemeClr val="dk1"/>
+          </a:fontRef>
+        </p:style>
+        <p:txBody>
+          <a:bodyPr rtlCol="0" anchor="ctr"/>
+          <a:lstStyle/>
+          <a:p>
+            <a:pPr algn="ctr"/>
+            <a:endParaRPr kumimoji="1" lang="zh-CN" altLang="en-US"/>
+          </a:p>
+        </p:txBody>
+      </p:sp>
+      <p:sp>
+        <p:nvSpPr>
+          <p:cNvPr id="13" name="右箭头 12">
+            <a:extLst>
+              <a:ext uri="{FF2B5EF4-FFF2-40B4-BE49-F238E27FC236}">
+                <a16:creationId xmlns:a16="http://schemas.microsoft.com/office/drawing/2014/main" id="{1B6FAC52-4066-1E40-A9B5-1EC92B54B98C}"/>
+              </a:ext>
+            </a:extLst>
+          </p:cNvPr>
+          <p:cNvSpPr/>
+          <p:nvPr/>
+        </p:nvSpPr>
+        <p:spPr>
+          <a:xfrm>
+            <a:off x="9082482" y="4053335"/>
+            <a:ext cx="1282874" cy="778911"/>
+          </a:xfrm>
+          <a:prstGeom prst="rightArrow">
+            <a:avLst/>
+          </a:prstGeom>
+        </p:spPr>
+        <p:style>
+          <a:lnRef idx="1">
+            <a:schemeClr val="accent4"/>
+          </a:lnRef>
+          <a:fillRef idx="2">
+            <a:schemeClr val="accent4"/>
+          </a:fillRef>
+          <a:effectRef idx="1">
+            <a:schemeClr val="accent4"/>
+          </a:effectRef>
+          <a:fontRef idx="minor">
+            <a:schemeClr val="dk1"/>
+          </a:fontRef>
+        </p:style>
+        <p:txBody>
+          <a:bodyPr rtlCol="0" anchor="ctr"/>
+          <a:lstStyle/>
+          <a:p>
+            <a:pPr algn="ctr"/>
+            <a:endParaRPr kumimoji="1" lang="zh-CN" altLang="en-US"/>
+          </a:p>
+        </p:txBody>
+      </p:sp>
+      <p:sp>
+        <p:nvSpPr>
+          <p:cNvPr id="14" name="右箭头 13">
+            <a:extLst>
+              <a:ext uri="{FF2B5EF4-FFF2-40B4-BE49-F238E27FC236}">
+                <a16:creationId xmlns:a16="http://schemas.microsoft.com/office/drawing/2014/main" id="{7D6F4E80-7BBA-AA4C-81D5-5862EF87605B}"/>
+              </a:ext>
+            </a:extLst>
+          </p:cNvPr>
+          <p:cNvSpPr/>
+          <p:nvPr/>
+        </p:nvSpPr>
+        <p:spPr>
+          <a:xfrm>
+            <a:off x="2797189" y="3677626"/>
+            <a:ext cx="1282874" cy="778911"/>
+          </a:xfrm>
+          <a:prstGeom prst="rightArrow">
+            <a:avLst/>
+          </a:prstGeom>
+        </p:spPr>
+        <p:style>
+          <a:lnRef idx="1">
+            <a:schemeClr val="accent4"/>
+          </a:lnRef>
+          <a:fillRef idx="2">
+            <a:schemeClr val="accent4"/>
+          </a:fillRef>
+          <a:effectRef idx="1">
+            <a:schemeClr val="accent4"/>
+          </a:effectRef>
+          <a:fontRef idx="minor">
+            <a:schemeClr val="dk1"/>
+          </a:fontRef>
+        </p:style>
+        <p:txBody>
+          <a:bodyPr rtlCol="0" anchor="ctr"/>
+          <a:lstStyle/>
+          <a:p>
+            <a:pPr algn="ctr"/>
+            <a:endParaRPr kumimoji="1" lang="zh-CN" altLang="en-US"/>
+          </a:p>
+        </p:txBody>
+      </p:sp>
+    </p:spTree>
+    <p:extLst>
+      <p:ext uri="{BB962C8B-B14F-4D97-AF65-F5344CB8AC3E}">
+        <p14:creationId xmlns:p14="http://schemas.microsoft.com/office/powerpoint/2010/main" val="4075923502"/>
+      </p:ext>
+    </p:extLst>
+  </p:cSld>
+  <p:clrMapOvr>
+    <a:masterClrMapping/>
+  </p:clrMapOvr>
+</p:sld>
+</file>
+
+<file path=ppt/slides/slide7.xml><?xml version="1.0" encoding="utf-8"?>
+<p:sld xmlns:a="http://schemas.openxmlformats.org/drawingml/2006/main" xmlns:r="http://schemas.openxmlformats.org/officeDocument/2006/relationships" xmlns:p="http://schemas.openxmlformats.org/presentationml/2006/main">
+  <p:cSld>
+    <p:spTree>
+      <p:nvGrpSpPr>
+        <p:cNvPr id="1" name=""/>
+        <p:cNvGrpSpPr/>
+        <p:nvPr/>
+      </p:nvGrpSpPr>
+      <p:grpSpPr>
+        <a:xfrm>
+          <a:off x="0" y="0"/>
+          <a:ext cx="0" cy="0"/>
+          <a:chOff x="0" y="0"/>
+          <a:chExt cx="0" cy="0"/>
+        </a:xfrm>
+      </p:grpSpPr>
+      <p:sp>
+        <p:nvSpPr>
+          <p:cNvPr id="5" name="矩形 4">
+            <a:extLst>
+              <a:ext uri="{FF2B5EF4-FFF2-40B4-BE49-F238E27FC236}">
+                <a16:creationId xmlns:a16="http://schemas.microsoft.com/office/drawing/2014/main" id="{F979A305-980D-624D-98F0-376F455F6824}"/>
+              </a:ext>
+            </a:extLst>
+          </p:cNvPr>
+          <p:cNvSpPr/>
+          <p:nvPr/>
+        </p:nvSpPr>
+        <p:spPr>
+          <a:xfrm>
+            <a:off x="464969" y="325676"/>
+            <a:ext cx="11727032" cy="770562"/>
+          </a:xfrm>
+          <a:prstGeom prst="rect">
+            <a:avLst/>
+          </a:prstGeom>
+          <a:noFill/>
+          <a:ln>
+            <a:noFill/>
+          </a:ln>
+        </p:spPr>
+        <p:style>
+          <a:lnRef idx="2">
+            <a:schemeClr val="accent1">
+              <a:shade val="50000"/>
+            </a:schemeClr>
+          </a:lnRef>
+          <a:fillRef idx="1">
+            <a:schemeClr val="accent1"/>
+          </a:fillRef>
+          <a:effectRef idx="0">
+            <a:schemeClr val="accent1"/>
+          </a:effectRef>
+          <a:fontRef idx="minor">
+            <a:schemeClr val="lt1"/>
+          </a:fontRef>
+        </p:style>
+        <p:txBody>
+          <a:bodyPr rtlCol="0" anchor="ctr"/>
+          <a:lstStyle/>
+          <a:p>
+            <a:r>
+              <a:rPr kumimoji="1" lang="en-US" altLang="zh-CN" sz="3600" b="1" u="sng" dirty="0" err="1">
+                <a:solidFill>
+                  <a:schemeClr val="tx1">
+                    <a:lumMod val="85000"/>
+                    <a:lumOff val="15000"/>
+                  </a:schemeClr>
+                </a:solidFill>
+                <a:latin typeface="Microsoft YaHei" panose="020B0503020204020204" pitchFamily="34" charset="-122"/>
+                <a:ea typeface="Microsoft YaHei" panose="020B0503020204020204" pitchFamily="34" charset="-122"/>
+              </a:rPr>
+              <a:t>Javascript</a:t>
+            </a:r>
+            <a:r>
+              <a:rPr kumimoji="1" lang="zh-CN" altLang="en-US" sz="3600" b="1" u="sng" dirty="0">
+                <a:solidFill>
+                  <a:schemeClr val="tx1">
+                    <a:lumMod val="85000"/>
+                    <a:lumOff val="15000"/>
+                  </a:schemeClr>
+                </a:solidFill>
+                <a:latin typeface="Microsoft YaHei" panose="020B0503020204020204" pitchFamily="34" charset="-122"/>
+                <a:ea typeface="Microsoft YaHei" panose="020B0503020204020204" pitchFamily="34" charset="-122"/>
+              </a:rPr>
+              <a:t>は何ができますか</a:t>
+            </a:r>
+          </a:p>
+        </p:txBody>
+      </p:sp>
+      <p:sp>
+        <p:nvSpPr>
+          <p:cNvPr id="9" name="文本框 8">
+            <a:extLst>
+              <a:ext uri="{FF2B5EF4-FFF2-40B4-BE49-F238E27FC236}">
+                <a16:creationId xmlns:a16="http://schemas.microsoft.com/office/drawing/2014/main" id="{004DCEA4-4400-4149-9172-65651219B67A}"/>
+              </a:ext>
+            </a:extLst>
+          </p:cNvPr>
+          <p:cNvSpPr txBox="1"/>
+          <p:nvPr/>
+        </p:nvSpPr>
+        <p:spPr>
+          <a:xfrm>
+            <a:off x="2099838" y="1713708"/>
+            <a:ext cx="7536102" cy="1754326"/>
+          </a:xfrm>
+          <a:prstGeom prst="rect">
+            <a:avLst/>
+          </a:prstGeom>
+          <a:noFill/>
+        </p:spPr>
+        <p:txBody>
+          <a:bodyPr wrap="none" rtlCol="0">
+            <a:spAutoFit/>
+          </a:bodyPr>
+          <a:lstStyle/>
+          <a:p>
+            <a:pPr marL="342900" indent="-342900">
+              <a:buAutoNum type="arabicPeriod"/>
+            </a:pPr>
+            <a:r>
+              <a:rPr kumimoji="1" lang="en-US" altLang="zh-CN" dirty="0">
+                <a:solidFill>
+                  <a:schemeClr val="tx1">
+                    <a:lumMod val="65000"/>
+                    <a:lumOff val="35000"/>
+                  </a:schemeClr>
+                </a:solidFill>
+                <a:latin typeface="Microsoft YaHei" panose="020B0503020204020204" pitchFamily="34" charset="-122"/>
+                <a:ea typeface="Microsoft YaHei" panose="020B0503020204020204" pitchFamily="34" charset="-122"/>
+              </a:rPr>
+              <a:t>Dom</a:t>
+            </a:r>
+            <a:r>
+              <a:rPr kumimoji="1" lang="zh-CN" altLang="en-US" dirty="0">
+                <a:solidFill>
+                  <a:schemeClr val="tx1">
+                    <a:lumMod val="65000"/>
+                    <a:lumOff val="35000"/>
+                  </a:schemeClr>
+                </a:solidFill>
+                <a:latin typeface="Microsoft YaHei" panose="020B0503020204020204" pitchFamily="34" charset="-122"/>
+                <a:ea typeface="Microsoft YaHei" panose="020B0503020204020204" pitchFamily="34" charset="-122"/>
+              </a:rPr>
+              <a:t>を操作</a:t>
+            </a:r>
+            <a:endParaRPr kumimoji="1" lang="en-US" altLang="zh-CN" dirty="0">
+              <a:solidFill>
+                <a:schemeClr val="tx1">
+                  <a:lumMod val="65000"/>
+                  <a:lumOff val="35000"/>
+                </a:schemeClr>
+              </a:solidFill>
+              <a:latin typeface="Microsoft YaHei" panose="020B0503020204020204" pitchFamily="34" charset="-122"/>
+              <a:ea typeface="Microsoft YaHei" panose="020B0503020204020204" pitchFamily="34" charset="-122"/>
+            </a:endParaRPr>
+          </a:p>
+          <a:p>
+            <a:pPr marL="342900" indent="-342900">
+              <a:buAutoNum type="arabicPeriod"/>
+            </a:pPr>
+            <a:r>
+              <a:rPr kumimoji="1" lang="zh-CN" altLang="en-US" dirty="0">
+                <a:solidFill>
+                  <a:schemeClr val="tx1">
+                    <a:lumMod val="65000"/>
+                    <a:lumOff val="35000"/>
+                  </a:schemeClr>
+                </a:solidFill>
+                <a:latin typeface="Microsoft YaHei" panose="020B0503020204020204" pitchFamily="34" charset="-122"/>
+                <a:ea typeface="Microsoft YaHei" panose="020B0503020204020204" pitchFamily="34" charset="-122"/>
+              </a:rPr>
+              <a:t>ロジック計算</a:t>
+            </a:r>
+            <a:endParaRPr kumimoji="1" lang="en-US" altLang="zh-CN" dirty="0">
+              <a:solidFill>
+                <a:schemeClr val="tx1">
+                  <a:lumMod val="65000"/>
+                  <a:lumOff val="35000"/>
+                </a:schemeClr>
+              </a:solidFill>
+              <a:latin typeface="Microsoft YaHei" panose="020B0503020204020204" pitchFamily="34" charset="-122"/>
+              <a:ea typeface="Microsoft YaHei" panose="020B0503020204020204" pitchFamily="34" charset="-122"/>
+            </a:endParaRPr>
+          </a:p>
+          <a:p>
+            <a:pPr marL="342900" indent="-342900">
+              <a:buAutoNum type="arabicPeriod"/>
+            </a:pPr>
+            <a:r>
+              <a:rPr kumimoji="1" lang="en-US" altLang="zh-CN" dirty="0">
+                <a:solidFill>
+                  <a:schemeClr val="tx1">
+                    <a:lumMod val="65000"/>
+                    <a:lumOff val="35000"/>
+                  </a:schemeClr>
+                </a:solidFill>
+                <a:latin typeface="Microsoft YaHei" panose="020B0503020204020204" pitchFamily="34" charset="-122"/>
+                <a:ea typeface="Microsoft YaHei" panose="020B0503020204020204" pitchFamily="34" charset="-122"/>
+              </a:rPr>
+              <a:t>DB</a:t>
+            </a:r>
+            <a:r>
+              <a:rPr kumimoji="1" lang="zh-CN" altLang="en-US" dirty="0">
+                <a:solidFill>
+                  <a:schemeClr val="tx1">
+                    <a:lumMod val="65000"/>
+                    <a:lumOff val="35000"/>
+                  </a:schemeClr>
+                </a:solidFill>
+                <a:latin typeface="Microsoft YaHei" panose="020B0503020204020204" pitchFamily="34" charset="-122"/>
+                <a:ea typeface="Microsoft YaHei" panose="020B0503020204020204" pitchFamily="34" charset="-122"/>
+              </a:rPr>
+              <a:t>を操作</a:t>
+            </a:r>
+            <a:endParaRPr kumimoji="1" lang="en-US" altLang="zh-CN" dirty="0">
+              <a:solidFill>
+                <a:schemeClr val="tx1">
+                  <a:lumMod val="65000"/>
+                  <a:lumOff val="35000"/>
+                </a:schemeClr>
+              </a:solidFill>
+              <a:latin typeface="Microsoft YaHei" panose="020B0503020204020204" pitchFamily="34" charset="-122"/>
+              <a:ea typeface="Microsoft YaHei" panose="020B0503020204020204" pitchFamily="34" charset="-122"/>
+            </a:endParaRPr>
+          </a:p>
+          <a:p>
+            <a:pPr marL="342900" indent="-342900">
+              <a:buAutoNum type="arabicPeriod"/>
+            </a:pPr>
+            <a:r>
+              <a:rPr kumimoji="1" lang="zh-CN" altLang="en-US" dirty="0">
+                <a:solidFill>
+                  <a:schemeClr val="tx1">
+                    <a:lumMod val="65000"/>
+                    <a:lumOff val="35000"/>
+                  </a:schemeClr>
+                </a:solidFill>
+                <a:latin typeface="Microsoft YaHei" panose="020B0503020204020204" pitchFamily="34" charset="-122"/>
+                <a:ea typeface="Microsoft YaHei" panose="020B0503020204020204" pitchFamily="34" charset="-122"/>
+              </a:rPr>
+              <a:t>ファイルを操作、</a:t>
+            </a:r>
+            <a:r>
+              <a:rPr kumimoji="1" lang="en-US" altLang="zh-CN" dirty="0">
+                <a:solidFill>
+                  <a:schemeClr val="tx1">
+                    <a:lumMod val="65000"/>
+                    <a:lumOff val="35000"/>
+                  </a:schemeClr>
+                </a:solidFill>
+                <a:latin typeface="Microsoft YaHei" panose="020B0503020204020204" pitchFamily="34" charset="-122"/>
+                <a:ea typeface="Microsoft YaHei" panose="020B0503020204020204" pitchFamily="34" charset="-122"/>
+              </a:rPr>
+              <a:t>EXCEL</a:t>
+            </a:r>
+            <a:r>
+              <a:rPr kumimoji="1" lang="zh-CN" altLang="en-US" dirty="0">
+                <a:solidFill>
+                  <a:schemeClr val="tx1">
+                    <a:lumMod val="65000"/>
+                    <a:lumOff val="35000"/>
+                  </a:schemeClr>
+                </a:solidFill>
+                <a:latin typeface="Microsoft YaHei" panose="020B0503020204020204" pitchFamily="34" charset="-122"/>
+                <a:ea typeface="Microsoft YaHei" panose="020B0503020204020204" pitchFamily="34" charset="-122"/>
+              </a:rPr>
+              <a:t>処理など、テキスト出力など</a:t>
+            </a:r>
+            <a:endParaRPr kumimoji="1" lang="en-US" altLang="zh-CN" dirty="0">
+              <a:solidFill>
+                <a:schemeClr val="tx1">
+                  <a:lumMod val="65000"/>
+                  <a:lumOff val="35000"/>
+                </a:schemeClr>
+              </a:solidFill>
+              <a:latin typeface="Microsoft YaHei" panose="020B0503020204020204" pitchFamily="34" charset="-122"/>
+              <a:ea typeface="Microsoft YaHei" panose="020B0503020204020204" pitchFamily="34" charset="-122"/>
+            </a:endParaRPr>
+          </a:p>
+          <a:p>
+            <a:pPr marL="342900" indent="-342900">
+              <a:buAutoNum type="arabicPeriod"/>
+            </a:pPr>
+            <a:r>
+              <a:rPr lang="en" altLang="zh-CN" dirty="0" err="1"/>
+              <a:t>TensorFlow.js</a:t>
+            </a:r>
+            <a:r>
+              <a:rPr lang="en" altLang="zh-CN" dirty="0"/>
+              <a:t> </a:t>
+            </a:r>
+            <a:r>
+              <a:rPr lang="ja-JP" altLang="en-US"/>
+              <a:t>　人工知能、機械学習</a:t>
+            </a:r>
+            <a:endParaRPr lang="en-US" altLang="ja-JP" dirty="0"/>
+          </a:p>
+          <a:p>
+            <a:pPr lvl="1"/>
+            <a:r>
+              <a:rPr kumimoji="1" lang="en-US" altLang="zh-CN" dirty="0">
+                <a:solidFill>
+                  <a:schemeClr val="tx1">
+                    <a:lumMod val="65000"/>
+                    <a:lumOff val="35000"/>
+                  </a:schemeClr>
+                </a:solidFill>
+                <a:latin typeface="Microsoft YaHei" panose="020B0503020204020204" pitchFamily="34" charset="-122"/>
+                <a:ea typeface="Microsoft YaHei" panose="020B0503020204020204" pitchFamily="34" charset="-122"/>
+              </a:rPr>
+              <a:t>https://</a:t>
+            </a:r>
+            <a:r>
+              <a:rPr kumimoji="1" lang="en-US" altLang="zh-CN" dirty="0" err="1">
+                <a:solidFill>
+                  <a:schemeClr val="tx1">
+                    <a:lumMod val="65000"/>
+                    <a:lumOff val="35000"/>
+                  </a:schemeClr>
+                </a:solidFill>
+                <a:latin typeface="Microsoft YaHei" panose="020B0503020204020204" pitchFamily="34" charset="-122"/>
+                <a:ea typeface="Microsoft YaHei" panose="020B0503020204020204" pitchFamily="34" charset="-122"/>
+              </a:rPr>
+              <a:t>live.ngplus.world</a:t>
+            </a:r>
+            <a:r>
+              <a:rPr kumimoji="1" lang="en-US" altLang="zh-CN" dirty="0">
+                <a:solidFill>
+                  <a:schemeClr val="tx1">
+                    <a:lumMod val="65000"/>
+                    <a:lumOff val="35000"/>
+                  </a:schemeClr>
+                </a:solidFill>
+                <a:latin typeface="Microsoft YaHei" panose="020B0503020204020204" pitchFamily="34" charset="-122"/>
+                <a:ea typeface="Microsoft YaHei" panose="020B0503020204020204" pitchFamily="34" charset="-122"/>
+              </a:rPr>
+              <a:t>/</a:t>
+            </a:r>
+            <a:r>
+              <a:rPr kumimoji="1" lang="en-US" altLang="zh-CN" dirty="0" err="1">
+                <a:solidFill>
+                  <a:schemeClr val="tx1">
+                    <a:lumMod val="65000"/>
+                    <a:lumOff val="35000"/>
+                  </a:schemeClr>
+                </a:solidFill>
+                <a:latin typeface="Microsoft YaHei" panose="020B0503020204020204" pitchFamily="34" charset="-122"/>
+                <a:ea typeface="Microsoft YaHei" panose="020B0503020204020204" pitchFamily="34" charset="-122"/>
+              </a:rPr>
+              <a:t>live_pc</a:t>
+            </a:r>
+            <a:r>
+              <a:rPr kumimoji="1" lang="en-US" altLang="zh-CN" dirty="0">
+                <a:solidFill>
+                  <a:schemeClr val="tx1">
+                    <a:lumMod val="65000"/>
+                    <a:lumOff val="35000"/>
+                  </a:schemeClr>
+                </a:solidFill>
+                <a:latin typeface="Microsoft YaHei" panose="020B0503020204020204" pitchFamily="34" charset="-122"/>
+                <a:ea typeface="Microsoft YaHei" panose="020B0503020204020204" pitchFamily="34" charset="-122"/>
+              </a:rPr>
+              <a:t>/l_5fb794dae4b04db7c08ff5a0</a:t>
+            </a:r>
+          </a:p>
+        </p:txBody>
+      </p:sp>
+    </p:spTree>
+    <p:extLst>
+      <p:ext uri="{BB962C8B-B14F-4D97-AF65-F5344CB8AC3E}">
+        <p14:creationId xmlns:p14="http://schemas.microsoft.com/office/powerpoint/2010/main" val="136978129"/>
+      </p:ext>
+    </p:extLst>
+  </p:cSld>
+  <p:clrMapOvr>
+    <a:masterClrMapping/>
+  </p:clrMapOvr>
+</p:sld>
+</file>
+
+<file path=ppt/slides/slide8.xml><?xml version="1.0" encoding="utf-8"?>
+<p:sld xmlns:a="http://schemas.openxmlformats.org/drawingml/2006/main" xmlns:r="http://schemas.openxmlformats.org/officeDocument/2006/relationships" xmlns:p="http://schemas.openxmlformats.org/presentationml/2006/main">
+  <p:cSld>
+    <p:spTree>
+      <p:nvGrpSpPr>
+        <p:cNvPr id="1" name=""/>
+        <p:cNvGrpSpPr/>
+        <p:nvPr/>
+      </p:nvGrpSpPr>
+      <p:grpSpPr>
+        <a:xfrm>
+          <a:off x="0" y="0"/>
+          <a:ext cx="0" cy="0"/>
+          <a:chOff x="0" y="0"/>
+          <a:chExt cx="0" cy="0"/>
+        </a:xfrm>
+      </p:grpSpPr>
+      <p:sp>
+        <p:nvSpPr>
+          <p:cNvPr id="5" name="矩形 4">
+            <a:extLst>
+              <a:ext uri="{FF2B5EF4-FFF2-40B4-BE49-F238E27FC236}">
+                <a16:creationId xmlns:a16="http://schemas.microsoft.com/office/drawing/2014/main" id="{F979A305-980D-624D-98F0-376F455F6824}"/>
+              </a:ext>
+            </a:extLst>
+          </p:cNvPr>
+          <p:cNvSpPr/>
+          <p:nvPr/>
+        </p:nvSpPr>
+        <p:spPr>
+          <a:xfrm>
+            <a:off x="464969" y="325676"/>
+            <a:ext cx="11727032" cy="770562"/>
+          </a:xfrm>
+          <a:prstGeom prst="rect">
+            <a:avLst/>
+          </a:prstGeom>
+          <a:noFill/>
+          <a:ln>
+            <a:noFill/>
+          </a:ln>
+        </p:spPr>
+        <p:style>
+          <a:lnRef idx="2">
+            <a:schemeClr val="accent1">
+              <a:shade val="50000"/>
+            </a:schemeClr>
+          </a:lnRef>
+          <a:fillRef idx="1">
+            <a:schemeClr val="accent1"/>
+          </a:fillRef>
+          <a:effectRef idx="0">
+            <a:schemeClr val="accent1"/>
+          </a:effectRef>
+          <a:fontRef idx="minor">
+            <a:schemeClr val="lt1"/>
+          </a:fontRef>
+        </p:style>
+        <p:txBody>
+          <a:bodyPr rtlCol="0" anchor="ctr"/>
+          <a:lstStyle/>
+          <a:p>
+            <a:r>
+              <a:rPr kumimoji="1" lang="zh-CN" altLang="en-US" sz="3600" b="1" u="sng" dirty="0">
+                <a:solidFill>
+                  <a:schemeClr val="tx1">
+                    <a:lumMod val="85000"/>
+                    <a:lumOff val="15000"/>
+                  </a:schemeClr>
+                </a:solidFill>
+                <a:latin typeface="Microsoft YaHei" panose="020B0503020204020204" pitchFamily="34" charset="-122"/>
+                <a:ea typeface="Microsoft YaHei" panose="020B0503020204020204" pitchFamily="34" charset="-122"/>
+              </a:rPr>
+              <a:t>開発環境の準備</a:t>
+            </a:r>
+          </a:p>
+        </p:txBody>
+      </p:sp>
+      <p:sp>
+        <p:nvSpPr>
+          <p:cNvPr id="9" name="文本框 8">
+            <a:extLst>
+              <a:ext uri="{FF2B5EF4-FFF2-40B4-BE49-F238E27FC236}">
+                <a16:creationId xmlns:a16="http://schemas.microsoft.com/office/drawing/2014/main" id="{004DCEA4-4400-4149-9172-65651219B67A}"/>
+              </a:ext>
+            </a:extLst>
+          </p:cNvPr>
+          <p:cNvSpPr txBox="1"/>
+          <p:nvPr/>
+        </p:nvSpPr>
+        <p:spPr>
+          <a:xfrm>
+            <a:off x="464969" y="1186934"/>
+            <a:ext cx="6909264" cy="1477328"/>
+          </a:xfrm>
+          <a:prstGeom prst="rect">
+            <a:avLst/>
+          </a:prstGeom>
+          <a:noFill/>
+        </p:spPr>
+        <p:txBody>
+          <a:bodyPr wrap="none" rtlCol="0">
+            <a:spAutoFit/>
+          </a:bodyPr>
+          <a:lstStyle/>
+          <a:p>
+            <a:endParaRPr kumimoji="1" lang="en-US" altLang="zh-CN" dirty="0">
+              <a:solidFill>
+                <a:schemeClr val="bg1">
+                  <a:lumMod val="50000"/>
+                </a:schemeClr>
+              </a:solidFill>
+              <a:latin typeface="Microsoft YaHei" panose="020B0503020204020204" pitchFamily="34" charset="-122"/>
+              <a:ea typeface="Microsoft YaHei" panose="020B0503020204020204" pitchFamily="34" charset="-122"/>
+            </a:endParaRPr>
+          </a:p>
+          <a:p>
+            <a:r>
+              <a:rPr kumimoji="1" lang="en-US" altLang="zh-CN" dirty="0">
+                <a:solidFill>
+                  <a:schemeClr val="bg1">
+                    <a:lumMod val="50000"/>
+                  </a:schemeClr>
+                </a:solidFill>
+                <a:latin typeface="Microsoft YaHei" panose="020B0503020204020204" pitchFamily="34" charset="-122"/>
+                <a:ea typeface="Microsoft YaHei" panose="020B0503020204020204" pitchFamily="34" charset="-122"/>
+              </a:rPr>
+              <a:t>1. </a:t>
+            </a:r>
+            <a:r>
+              <a:rPr kumimoji="1" lang="en-US" altLang="zh-CN" dirty="0">
+                <a:solidFill>
+                  <a:schemeClr val="bg1">
+                    <a:lumMod val="50000"/>
+                  </a:schemeClr>
+                </a:solidFill>
+                <a:latin typeface="Microsoft YaHei" panose="020B0503020204020204" pitchFamily="34" charset="-122"/>
+                <a:ea typeface="Microsoft YaHei" panose="020B0503020204020204" pitchFamily="34" charset="-122"/>
+                <a:hlinkClick r:id="rId3">
+                  <a:extLst>
+                    <a:ext uri="{A12FA001-AC4F-418D-AE19-62706E023703}">
+                      <ahyp:hlinkClr xmlns:ahyp="http://schemas.microsoft.com/office/drawing/2018/hyperlinkcolor" val="tx"/>
+                    </a:ext>
+                  </a:extLst>
+                </a:hlinkClick>
+              </a:rPr>
+              <a:t>https://code.visualstudio.com/</a:t>
+            </a:r>
+            <a:endParaRPr kumimoji="1" lang="en-US" altLang="zh-CN" dirty="0">
+              <a:solidFill>
+                <a:schemeClr val="bg1">
+                  <a:lumMod val="50000"/>
+                </a:schemeClr>
+              </a:solidFill>
+              <a:latin typeface="Microsoft YaHei" panose="020B0503020204020204" pitchFamily="34" charset="-122"/>
+              <a:ea typeface="Microsoft YaHei" panose="020B0503020204020204" pitchFamily="34" charset="-122"/>
+            </a:endParaRPr>
+          </a:p>
+          <a:p>
+            <a:endParaRPr kumimoji="1" lang="en-US" altLang="zh-CN" dirty="0">
+              <a:solidFill>
+                <a:schemeClr val="bg1">
+                  <a:lumMod val="50000"/>
+                </a:schemeClr>
+              </a:solidFill>
+              <a:latin typeface="Microsoft YaHei" panose="020B0503020204020204" pitchFamily="34" charset="-122"/>
+              <a:ea typeface="Microsoft YaHei" panose="020B0503020204020204" pitchFamily="34" charset="-122"/>
+            </a:endParaRPr>
+          </a:p>
+          <a:p>
+            <a:r>
+              <a:rPr kumimoji="1" lang="en-US" altLang="zh-CN" dirty="0">
+                <a:solidFill>
+                  <a:schemeClr val="bg1">
+                    <a:lumMod val="50000"/>
+                  </a:schemeClr>
+                </a:solidFill>
+                <a:latin typeface="Microsoft YaHei" panose="020B0503020204020204" pitchFamily="34" charset="-122"/>
+                <a:ea typeface="Microsoft YaHei" panose="020B0503020204020204" pitchFamily="34" charset="-122"/>
+              </a:rPr>
+              <a:t>2.</a:t>
+            </a:r>
+            <a:r>
+              <a:rPr kumimoji="1" lang="zh-CN" altLang="en-US" dirty="0">
+                <a:solidFill>
+                  <a:schemeClr val="bg1">
+                    <a:lumMod val="50000"/>
+                  </a:schemeClr>
+                </a:solidFill>
+                <a:latin typeface="Microsoft YaHei" panose="020B0503020204020204" pitchFamily="34" charset="-122"/>
+                <a:ea typeface="Microsoft YaHei" panose="020B0503020204020204" pitchFamily="34" charset="-122"/>
+              </a:rPr>
+              <a:t> 参考資料</a:t>
+            </a:r>
+            <a:r>
+              <a:rPr kumimoji="1" lang="en-US" altLang="zh-CN" dirty="0">
+                <a:solidFill>
+                  <a:schemeClr val="bg1">
+                    <a:lumMod val="50000"/>
+                  </a:schemeClr>
+                </a:solidFill>
+                <a:latin typeface="Microsoft YaHei" panose="020B0503020204020204" pitchFamily="34" charset="-122"/>
+                <a:ea typeface="Microsoft YaHei" panose="020B0503020204020204" pitchFamily="34" charset="-122"/>
+              </a:rPr>
+              <a:t>:  </a:t>
+            </a:r>
+            <a:r>
+              <a:rPr lang="en-US" altLang="zh-CN" dirty="0">
+                <a:solidFill>
+                  <a:schemeClr val="bg1">
+                    <a:lumMod val="50000"/>
+                  </a:schemeClr>
+                </a:solidFill>
+              </a:rPr>
+              <a:t>https://</a:t>
+            </a:r>
+            <a:r>
+              <a:rPr lang="en-US" altLang="zh-CN" dirty="0" err="1">
+                <a:solidFill>
+                  <a:schemeClr val="bg1">
+                    <a:lumMod val="50000"/>
+                  </a:schemeClr>
+                </a:solidFill>
+              </a:rPr>
+              <a:t>developer.mozilla.org</a:t>
+            </a:r>
+            <a:r>
+              <a:rPr lang="en-US" altLang="zh-CN" dirty="0">
+                <a:solidFill>
+                  <a:schemeClr val="bg1">
+                    <a:lumMod val="50000"/>
+                  </a:schemeClr>
+                </a:solidFill>
+              </a:rPr>
+              <a:t>/ja/docs/Web/JavaScript </a:t>
+            </a:r>
+            <a:endParaRPr kumimoji="1" lang="en-US" altLang="zh-CN" dirty="0">
+              <a:solidFill>
+                <a:schemeClr val="bg1">
+                  <a:lumMod val="50000"/>
+                </a:schemeClr>
+              </a:solidFill>
+              <a:latin typeface="Microsoft YaHei" panose="020B0503020204020204" pitchFamily="34" charset="-122"/>
+              <a:ea typeface="Microsoft YaHei" panose="020B0503020204020204" pitchFamily="34" charset="-122"/>
+            </a:endParaRPr>
+          </a:p>
+          <a:p>
+            <a:r>
+              <a:rPr kumimoji="1" lang="en-US" altLang="zh-CN" dirty="0">
+                <a:solidFill>
+                  <a:schemeClr val="tx1">
+                    <a:lumMod val="65000"/>
+                    <a:lumOff val="35000"/>
+                  </a:schemeClr>
+                </a:solidFill>
+                <a:latin typeface="Microsoft YaHei" panose="020B0503020204020204" pitchFamily="34" charset="-122"/>
+                <a:ea typeface="Microsoft YaHei" panose="020B0503020204020204" pitchFamily="34" charset="-122"/>
+              </a:rPr>
+              <a:t>	</a:t>
+            </a:r>
+          </a:p>
+        </p:txBody>
+      </p:sp>
+    </p:spTree>
+    <p:extLst>
+      <p:ext uri="{BB962C8B-B14F-4D97-AF65-F5344CB8AC3E}">
+        <p14:creationId xmlns:p14="http://schemas.microsoft.com/office/powerpoint/2010/main" val="2895966856"/>
+      </p:ext>
+    </p:extLst>
+  </p:cSld>
+  <p:clrMapOvr>
+    <a:masterClrMapping/>
+  </p:clrMapOvr>
+</p:sld>
+</file>
+
+<file path=ppt/slides/slide9.xml><?xml version="1.0" encoding="utf-8"?>
+<p:sld xmlns:a="http://schemas.openxmlformats.org/drawingml/2006/main" xmlns:r="http://schemas.openxmlformats.org/officeDocument/2006/relationships" xmlns:p="http://schemas.openxmlformats.org/presentationml/2006/main">
+  <p:cSld>
+    <p:spTree>
+      <p:nvGrpSpPr>
+        <p:cNvPr id="1" name=""/>
+        <p:cNvGrpSpPr/>
+        <p:nvPr/>
+      </p:nvGrpSpPr>
+      <p:grpSpPr>
+        <a:xfrm>
+          <a:off x="0" y="0"/>
+          <a:ext cx="0" cy="0"/>
+          <a:chOff x="0" y="0"/>
+          <a:chExt cx="0" cy="0"/>
+        </a:xfrm>
+      </p:grpSpPr>
+      <p:sp>
+        <p:nvSpPr>
+          <p:cNvPr id="5" name="矩形 4">
+            <a:extLst>
+              <a:ext uri="{FF2B5EF4-FFF2-40B4-BE49-F238E27FC236}">
+                <a16:creationId xmlns:a16="http://schemas.microsoft.com/office/drawing/2014/main" id="{F979A305-980D-624D-98F0-376F455F6824}"/>
+              </a:ext>
+            </a:extLst>
+          </p:cNvPr>
+          <p:cNvSpPr/>
+          <p:nvPr/>
+        </p:nvSpPr>
+        <p:spPr>
+          <a:xfrm>
+            <a:off x="464969" y="325676"/>
+            <a:ext cx="11727032" cy="770562"/>
+          </a:xfrm>
+          <a:prstGeom prst="rect">
+            <a:avLst/>
+          </a:prstGeom>
+          <a:noFill/>
+          <a:ln>
+            <a:noFill/>
+          </a:ln>
+        </p:spPr>
+        <p:style>
+          <a:lnRef idx="2">
+            <a:schemeClr val="accent1">
+              <a:shade val="50000"/>
+            </a:schemeClr>
+          </a:lnRef>
+          <a:fillRef idx="1">
+            <a:schemeClr val="accent1"/>
+          </a:fillRef>
+          <a:effectRef idx="0">
+            <a:schemeClr val="accent1"/>
+          </a:effectRef>
+          <a:fontRef idx="minor">
+            <a:schemeClr val="lt1"/>
+          </a:fontRef>
+        </p:style>
+        <p:txBody>
+          <a:bodyPr rtlCol="0" anchor="ctr"/>
+          <a:lstStyle/>
+          <a:p>
+            <a:r>
+              <a:rPr kumimoji="1" lang="zh-CN" altLang="en-US" sz="3600" b="1" u="sng" dirty="0">
+                <a:solidFill>
+                  <a:schemeClr val="tx1">
+                    <a:lumMod val="85000"/>
+                    <a:lumOff val="15000"/>
+                  </a:schemeClr>
+                </a:solidFill>
+                <a:latin typeface="Microsoft YaHei" panose="020B0503020204020204" pitchFamily="34" charset="-122"/>
+                <a:ea typeface="Microsoft YaHei" panose="020B0503020204020204" pitchFamily="34" charset="-122"/>
+              </a:rPr>
+              <a:t>変数定義</a:t>
+            </a:r>
+          </a:p>
+        </p:txBody>
+      </p:sp>
+      <p:sp>
+        <p:nvSpPr>
+          <p:cNvPr id="9" name="文本框 8">
+            <a:extLst>
+              <a:ext uri="{FF2B5EF4-FFF2-40B4-BE49-F238E27FC236}">
+                <a16:creationId xmlns:a16="http://schemas.microsoft.com/office/drawing/2014/main" id="{004DCEA4-4400-4149-9172-65651219B67A}"/>
+              </a:ext>
+            </a:extLst>
+          </p:cNvPr>
+          <p:cNvSpPr txBox="1"/>
+          <p:nvPr/>
+        </p:nvSpPr>
+        <p:spPr>
+          <a:xfrm>
+            <a:off x="668604" y="1574560"/>
+            <a:ext cx="1130438" cy="923330"/>
+          </a:xfrm>
+          <a:prstGeom prst="rect">
+            <a:avLst/>
+          </a:prstGeom>
+          <a:noFill/>
+        </p:spPr>
+        <p:txBody>
+          <a:bodyPr wrap="none" rtlCol="0">
+            <a:spAutoFit/>
+          </a:bodyPr>
+          <a:lstStyle/>
+          <a:p>
+            <a:pPr marL="342900" indent="-342900">
+              <a:buAutoNum type="arabicPeriod"/>
+            </a:pPr>
+            <a:r>
+              <a:rPr kumimoji="1" lang="en-US" altLang="zh-CN" dirty="0">
+                <a:solidFill>
+                  <a:schemeClr val="tx1">
+                    <a:lumMod val="65000"/>
+                    <a:lumOff val="35000"/>
+                  </a:schemeClr>
+                </a:solidFill>
+                <a:latin typeface="Microsoft YaHei" panose="020B0503020204020204" pitchFamily="34" charset="-122"/>
+                <a:ea typeface="Microsoft YaHei" panose="020B0503020204020204" pitchFamily="34" charset="-122"/>
+              </a:rPr>
+              <a:t>Var</a:t>
+            </a:r>
+          </a:p>
+          <a:p>
+            <a:pPr marL="342900" indent="-342900">
+              <a:buAutoNum type="arabicPeriod"/>
+            </a:pPr>
+            <a:r>
+              <a:rPr kumimoji="1" lang="en-US" altLang="zh-CN" dirty="0">
+                <a:solidFill>
+                  <a:schemeClr val="tx1">
+                    <a:lumMod val="65000"/>
+                    <a:lumOff val="35000"/>
+                  </a:schemeClr>
+                </a:solidFill>
+                <a:latin typeface="Microsoft YaHei" panose="020B0503020204020204" pitchFamily="34" charset="-122"/>
+                <a:ea typeface="Microsoft YaHei" panose="020B0503020204020204" pitchFamily="34" charset="-122"/>
+              </a:rPr>
+              <a:t>Let</a:t>
+            </a:r>
+          </a:p>
+          <a:p>
+            <a:pPr marL="342900" indent="-342900">
+              <a:buAutoNum type="arabicPeriod"/>
+            </a:pPr>
+            <a:r>
+              <a:rPr kumimoji="1" lang="en-US" altLang="zh-CN" dirty="0">
+                <a:solidFill>
+                  <a:schemeClr val="tx1">
+                    <a:lumMod val="65000"/>
+                    <a:lumOff val="35000"/>
+                  </a:schemeClr>
+                </a:solidFill>
+                <a:latin typeface="Microsoft YaHei" panose="020B0503020204020204" pitchFamily="34" charset="-122"/>
+                <a:ea typeface="Microsoft YaHei" panose="020B0503020204020204" pitchFamily="34" charset="-122"/>
+              </a:rPr>
+              <a:t>const</a:t>
+            </a:r>
+          </a:p>
+        </p:txBody>
+      </p:sp>
+    </p:spTree>
+    <p:extLst>
+      <p:ext uri="{BB962C8B-B14F-4D97-AF65-F5344CB8AC3E}">
+        <p14:creationId xmlns:p14="http://schemas.microsoft.com/office/powerpoint/2010/main" val="2734926246"/>
       </p:ext>
     </p:extLst>
   </p:cSld>
@@ -3677,4 +12346,299 @@
     </a:ext>
   </a:extLst>
 </a:theme>
+</file>
+
+<file path=ppt/theme/theme2.xml><?xml version="1.0" encoding="utf-8"?>
+<a:theme xmlns:a="http://schemas.openxmlformats.org/drawingml/2006/main" name="Office 主题​​">
+  <a:themeElements>
+    <a:clrScheme name="Office">
+      <a:dk1>
+        <a:sysClr val="windowText" lastClr="000000"/>
+      </a:dk1>
+      <a:lt1>
+        <a:sysClr val="window" lastClr="FFFFFF"/>
+      </a:lt1>
+      <a:dk2>
+        <a:srgbClr val="44546A"/>
+      </a:dk2>
+      <a:lt2>
+        <a:srgbClr val="E7E6E6"/>
+      </a:lt2>
+      <a:accent1>
+        <a:srgbClr val="4472C4"/>
+      </a:accent1>
+      <a:accent2>
+        <a:srgbClr val="ED7D31"/>
+      </a:accent2>
+      <a:accent3>
+        <a:srgbClr val="A5A5A5"/>
+      </a:accent3>
+      <a:accent4>
+        <a:srgbClr val="FFC000"/>
+      </a:accent4>
+      <a:accent5>
+        <a:srgbClr val="5B9BD5"/>
+      </a:accent5>
+      <a:accent6>
+        <a:srgbClr val="70AD47"/>
+      </a:accent6>
+      <a:hlink>
+        <a:srgbClr val="0563C1"/>
+      </a:hlink>
+      <a:folHlink>
+        <a:srgbClr val="954F72"/>
+      </a:folHlink>
+    </a:clrScheme>
+    <a:fontScheme name="Office">
+      <a:majorFont>
+        <a:latin typeface="等线 Light" panose="020F0302020204030204"/>
+        <a:ea typeface=""/>
+        <a:cs typeface=""/>
+        <a:font script="Jpan" typeface="游ゴシック Light"/>
+        <a:font script="Hang" typeface="맑은 고딕"/>
+        <a:font script="Hans" typeface="等线 Light"/>
+        <a:font script="Hant" typeface="新細明體"/>
+        <a:font script="Arab" typeface="Times New Roman"/>
+        <a:font script="Hebr" typeface="Times New Roman"/>
+        <a:font script="Thai" typeface="Angsana New"/>
+        <a:font script="Ethi" typeface="Nyala"/>
+        <a:font script="Beng" typeface="Vrinda"/>
+        <a:font script="Gujr" typeface="Shruti"/>
+        <a:font script="Khmr" typeface="MoolBoran"/>
+        <a:font script="Knda" typeface="Tunga"/>
+        <a:font script="Guru" typeface="Raavi"/>
+        <a:font script="Cans" typeface="Euphemia"/>
+        <a:font script="Cher" typeface="Plantagenet Cherokee"/>
+        <a:font script="Yiii" typeface="Microsoft Yi Baiti"/>
+        <a:font script="Tibt" typeface="Microsoft Himalaya"/>
+        <a:font script="Thaa" typeface="MV Boli"/>
+        <a:font script="Deva" typeface="Mangal"/>
+        <a:font script="Telu" typeface="Gautami"/>
+        <a:font script="Taml" typeface="Latha"/>
+        <a:font script="Syrc" typeface="Estrangelo Edessa"/>
+        <a:font script="Orya" typeface="Kalinga"/>
+        <a:font script="Mlym" typeface="Kartika"/>
+        <a:font script="Laoo" typeface="DokChampa"/>
+        <a:font script="Sinh" typeface="Iskoola Pota"/>
+        <a:font script="Mong" typeface="Mongolian Baiti"/>
+        <a:font script="Viet" typeface="Times New Roman"/>
+        <a:font script="Uigh" typeface="Microsoft Uighur"/>
+        <a:font script="Geor" typeface="Sylfaen"/>
+        <a:font script="Armn" typeface="Arial"/>
+        <a:font script="Bugi" typeface="Leelawadee UI"/>
+        <a:font script="Bopo" typeface="Microsoft JhengHei"/>
+        <a:font script="Java" typeface="Javanese Text"/>
+        <a:font script="Lisu" typeface="Segoe UI"/>
+        <a:font script="Mymr" typeface="Myanmar Text"/>
+        <a:font script="Nkoo" typeface="Ebrima"/>
+        <a:font script="Olck" typeface="Nirmala UI"/>
+        <a:font script="Osma" typeface="Ebrima"/>
+        <a:font script="Phag" typeface="Phagspa"/>
+        <a:font script="Syrn" typeface="Estrangelo Edessa"/>
+        <a:font script="Syrj" typeface="Estrangelo Edessa"/>
+        <a:font script="Syre" typeface="Estrangelo Edessa"/>
+        <a:font script="Sora" typeface="Nirmala UI"/>
+        <a:font script="Tale" typeface="Microsoft Tai Le"/>
+        <a:font script="Talu" typeface="Microsoft New Tai Lue"/>
+        <a:font script="Tfng" typeface="Ebrima"/>
+      </a:majorFont>
+      <a:minorFont>
+        <a:latin typeface="等线" panose="020F0502020204030204"/>
+        <a:ea typeface=""/>
+        <a:cs typeface=""/>
+        <a:font script="Jpan" typeface="游ゴシック"/>
+        <a:font script="Hang" typeface="맑은 고딕"/>
+        <a:font script="Hans" typeface="等线"/>
+        <a:font script="Hant" typeface="新細明體"/>
+        <a:font script="Arab" typeface="Arial"/>
+        <a:font script="Hebr" typeface="Arial"/>
+        <a:font script="Thai" typeface="Cordia New"/>
+        <a:font script="Ethi" typeface="Nyala"/>
+        <a:font script="Beng" typeface="Vrinda"/>
+        <a:font script="Gujr" typeface="Shruti"/>
+        <a:font script="Khmr" typeface="DaunPenh"/>
+        <a:font script="Knda" typeface="Tunga"/>
+        <a:font script="Guru" typeface="Raavi"/>
+        <a:font script="Cans" typeface="Euphemia"/>
+        <a:font script="Cher" typeface="Plantagenet Cherokee"/>
+        <a:font script="Yiii" typeface="Microsoft Yi Baiti"/>
+        <a:font script="Tibt" typeface="Microsoft Himalaya"/>
+        <a:font script="Thaa" typeface="MV Boli"/>
+        <a:font script="Deva" typeface="Mangal"/>
+        <a:font script="Telu" typeface="Gautami"/>
+        <a:font script="Taml" typeface="Latha"/>
+        <a:font script="Syrc" typeface="Estrangelo Edessa"/>
+        <a:font script="Orya" typeface="Kalinga"/>
+        <a:font script="Mlym" typeface="Kartika"/>
+        <a:font script="Laoo" typeface="DokChampa"/>
+        <a:font script="Sinh" typeface="Iskoola Pota"/>
+        <a:font script="Mong" typeface="Mongolian Baiti"/>
+        <a:font script="Viet" typeface="Arial"/>
+        <a:font script="Uigh" typeface="Microsoft Uighur"/>
+        <a:font script="Geor" typeface="Sylfaen"/>
+        <a:font script="Armn" typeface="Arial"/>
+        <a:font script="Bugi" typeface="Leelawadee UI"/>
+        <a:font script="Bopo" typeface="Microsoft JhengHei"/>
+        <a:font script="Java" typeface="Javanese Text"/>
+        <a:font script="Lisu" typeface="Segoe UI"/>
+        <a:font script="Mymr" typeface="Myanmar Text"/>
+        <a:font script="Nkoo" typeface="Ebrima"/>
+        <a:font script="Olck" typeface="Nirmala UI"/>
+        <a:font script="Osma" typeface="Ebrima"/>
+        <a:font script="Phag" typeface="Phagspa"/>
+        <a:font script="Syrn" typeface="Estrangelo Edessa"/>
+        <a:font script="Syrj" typeface="Estrangelo Edessa"/>
+        <a:font script="Syre" typeface="Estrangelo Edessa"/>
+        <a:font script="Sora" typeface="Nirmala UI"/>
+        <a:font script="Tale" typeface="Microsoft Tai Le"/>
+        <a:font script="Talu" typeface="Microsoft New Tai Lue"/>
+        <a:font script="Tfng" typeface="Ebrima"/>
+      </a:minorFont>
+    </a:fontScheme>
+    <a:fmtScheme name="Office">
+      <a:fillStyleLst>
+        <a:solidFill>
+          <a:schemeClr val="phClr"/>
+        </a:solidFill>
+        <a:gradFill rotWithShape="1">
+          <a:gsLst>
+            <a:gs pos="0">
+              <a:schemeClr val="phClr">
+                <a:lumMod val="110000"/>
+                <a:satMod val="105000"/>
+                <a:tint val="67000"/>
+              </a:schemeClr>
+            </a:gs>
+            <a:gs pos="50000">
+              <a:schemeClr val="phClr">
+                <a:lumMod val="105000"/>
+                <a:satMod val="103000"/>
+                <a:tint val="73000"/>
+              </a:schemeClr>
+            </a:gs>
+            <a:gs pos="100000">
+              <a:schemeClr val="phClr">
+                <a:lumMod val="105000"/>
+                <a:satMod val="109000"/>
+                <a:tint val="81000"/>
+              </a:schemeClr>
+            </a:gs>
+          </a:gsLst>
+          <a:lin ang="5400000" scaled="0"/>
+        </a:gradFill>
+        <a:gradFill rotWithShape="1">
+          <a:gsLst>
+            <a:gs pos="0">
+              <a:schemeClr val="phClr">
+                <a:satMod val="103000"/>
+                <a:lumMod val="102000"/>
+                <a:tint val="94000"/>
+              </a:schemeClr>
+            </a:gs>
+            <a:gs pos="50000">
+              <a:schemeClr val="phClr">
+                <a:satMod val="110000"/>
+                <a:lumMod val="100000"/>
+                <a:shade val="100000"/>
+              </a:schemeClr>
+            </a:gs>
+            <a:gs pos="100000">
+              <a:schemeClr val="phClr">
+                <a:lumMod val="99000"/>
+                <a:satMod val="120000"/>
+                <a:shade val="78000"/>
+              </a:schemeClr>
+            </a:gs>
+          </a:gsLst>
+          <a:lin ang="5400000" scaled="0"/>
+        </a:gradFill>
+      </a:fillStyleLst>
+      <a:lnStyleLst>
+        <a:ln w="6350" cap="flat" cmpd="sng" algn="ctr">
+          <a:solidFill>
+            <a:schemeClr val="phClr"/>
+          </a:solidFill>
+          <a:prstDash val="solid"/>
+          <a:miter lim="800000"/>
+        </a:ln>
+        <a:ln w="12700" cap="flat" cmpd="sng" algn="ctr">
+          <a:solidFill>
+            <a:schemeClr val="phClr"/>
+          </a:solidFill>
+          <a:prstDash val="solid"/>
+          <a:miter lim="800000"/>
+        </a:ln>
+        <a:ln w="19050" cap="flat" cmpd="sng" algn="ctr">
+          <a:solidFill>
+            <a:schemeClr val="phClr"/>
+          </a:solidFill>
+          <a:prstDash val="solid"/>
+          <a:miter lim="800000"/>
+        </a:ln>
+      </a:lnStyleLst>
+      <a:effectStyleLst>
+        <a:effectStyle>
+          <a:effectLst/>
+        </a:effectStyle>
+        <a:effectStyle>
+          <a:effectLst/>
+        </a:effectStyle>
+        <a:effectStyle>
+          <a:effectLst>
+            <a:outerShdw blurRad="57150" dist="19050" dir="5400000" algn="ctr" rotWithShape="0">
+              <a:srgbClr val="000000">
+                <a:alpha val="63000"/>
+              </a:srgbClr>
+            </a:outerShdw>
+          </a:effectLst>
+        </a:effectStyle>
+      </a:effectStyleLst>
+      <a:bgFillStyleLst>
+        <a:solidFill>
+          <a:schemeClr val="phClr"/>
+        </a:solidFill>
+        <a:solidFill>
+          <a:schemeClr val="phClr">
+            <a:tint val="95000"/>
+            <a:satMod val="170000"/>
+          </a:schemeClr>
+        </a:solidFill>
+        <a:gradFill rotWithShape="1">
+          <a:gsLst>
+            <a:gs pos="0">
+              <a:schemeClr val="phClr">
+                <a:tint val="93000"/>
+                <a:satMod val="150000"/>
+                <a:shade val="98000"/>
+                <a:lumMod val="102000"/>
+              </a:schemeClr>
+            </a:gs>
+            <a:gs pos="50000">
+              <a:schemeClr val="phClr">
+                <a:tint val="98000"/>
+                <a:satMod val="130000"/>
+                <a:shade val="90000"/>
+                <a:lumMod val="103000"/>
+              </a:schemeClr>
+            </a:gs>
+            <a:gs pos="100000">
+              <a:schemeClr val="phClr">
+                <a:shade val="63000"/>
+                <a:satMod val="120000"/>
+              </a:schemeClr>
+            </a:gs>
+          </a:gsLst>
+          <a:lin ang="5400000" scaled="0"/>
+        </a:gradFill>
+      </a:bgFillStyleLst>
+    </a:fmtScheme>
+  </a:themeElements>
+  <a:objectDefaults/>
+  <a:extraClrSchemeLst/>
+  <a:extLst>
+    <a:ext uri="{05A4C25C-085E-4340-85A3-A5531E510DB2}">
+      <thm15:themeFamily xmlns:thm15="http://schemas.microsoft.com/office/thememl/2012/main" name="Office Theme" id="{62F939B6-93AF-4DB8-9C6B-D6C7DFDC589F}" vid="{4A3C46E8-61CC-4603-A589-7422A47A8E4A}"/>
+    </a:ext>
+  </a:extLst>
+</a:theme>
 </file>
--- a/01.basic/day1/day01.pptx
+++ b/01.basic/day1/day01.pptx
@@ -214,7 +214,7 @@
           <a:p>
             <a:fld id="{1704634C-D031-8744-8DBA-B4EBE976299F}" type="datetimeFigureOut">
               <a:rPr kumimoji="1" lang="zh-CN" altLang="en-US" smtClean="0"/>
-              <a:t>2021/4/6</a:t>
+              <a:t>2021/4/7</a:t>
             </a:fld>
             <a:endParaRPr kumimoji="1" lang="zh-CN" altLang="en-US"/>
           </a:p>
@@ -2248,7 +2248,7 @@
           <a:p>
             <a:fld id="{64E65BB6-1D9C-254C-AD75-784507605180}" type="datetimeFigureOut">
               <a:rPr kumimoji="1" lang="zh-CN" altLang="en-US" smtClean="0"/>
-              <a:t>2021/4/6</a:t>
+              <a:t>2021/4/7</a:t>
             </a:fld>
             <a:endParaRPr kumimoji="1" lang="zh-CN" altLang="en-US"/>
           </a:p>
@@ -2446,7 +2446,7 @@
           <a:p>
             <a:fld id="{64E65BB6-1D9C-254C-AD75-784507605180}" type="datetimeFigureOut">
               <a:rPr kumimoji="1" lang="zh-CN" altLang="en-US" smtClean="0"/>
-              <a:t>2021/4/6</a:t>
+              <a:t>2021/4/7</a:t>
             </a:fld>
             <a:endParaRPr kumimoji="1" lang="zh-CN" altLang="en-US"/>
           </a:p>
@@ -2654,7 +2654,7 @@
           <a:p>
             <a:fld id="{64E65BB6-1D9C-254C-AD75-784507605180}" type="datetimeFigureOut">
               <a:rPr kumimoji="1" lang="zh-CN" altLang="en-US" smtClean="0"/>
-              <a:t>2021/4/6</a:t>
+              <a:t>2021/4/7</a:t>
             </a:fld>
             <a:endParaRPr kumimoji="1" lang="zh-CN" altLang="en-US"/>
           </a:p>
@@ -2852,7 +2852,7 @@
           <a:p>
             <a:fld id="{64E65BB6-1D9C-254C-AD75-784507605180}" type="datetimeFigureOut">
               <a:rPr kumimoji="1" lang="zh-CN" altLang="en-US" smtClean="0"/>
-              <a:t>2021/4/6</a:t>
+              <a:t>2021/4/7</a:t>
             </a:fld>
             <a:endParaRPr kumimoji="1" lang="zh-CN" altLang="en-US"/>
           </a:p>
@@ -3127,7 +3127,7 @@
           <a:p>
             <a:fld id="{64E65BB6-1D9C-254C-AD75-784507605180}" type="datetimeFigureOut">
               <a:rPr kumimoji="1" lang="zh-CN" altLang="en-US" smtClean="0"/>
-              <a:t>2021/4/6</a:t>
+              <a:t>2021/4/7</a:t>
             </a:fld>
             <a:endParaRPr kumimoji="1" lang="zh-CN" altLang="en-US"/>
           </a:p>
@@ -3392,7 +3392,7 @@
           <a:p>
             <a:fld id="{64E65BB6-1D9C-254C-AD75-784507605180}" type="datetimeFigureOut">
               <a:rPr kumimoji="1" lang="zh-CN" altLang="en-US" smtClean="0"/>
-              <a:t>2021/4/6</a:t>
+              <a:t>2021/4/7</a:t>
             </a:fld>
             <a:endParaRPr kumimoji="1" lang="zh-CN" altLang="en-US"/>
           </a:p>
@@ -3804,7 +3804,7 @@
           <a:p>
             <a:fld id="{64E65BB6-1D9C-254C-AD75-784507605180}" type="datetimeFigureOut">
               <a:rPr kumimoji="1" lang="zh-CN" altLang="en-US" smtClean="0"/>
-              <a:t>2021/4/6</a:t>
+              <a:t>2021/4/7</a:t>
             </a:fld>
             <a:endParaRPr kumimoji="1" lang="zh-CN" altLang="en-US"/>
           </a:p>
@@ -3945,7 +3945,7 @@
           <a:p>
             <a:fld id="{64E65BB6-1D9C-254C-AD75-784507605180}" type="datetimeFigureOut">
               <a:rPr kumimoji="1" lang="zh-CN" altLang="en-US" smtClean="0"/>
-              <a:t>2021/4/6</a:t>
+              <a:t>2021/4/7</a:t>
             </a:fld>
             <a:endParaRPr kumimoji="1" lang="zh-CN" altLang="en-US"/>
           </a:p>
@@ -4058,7 +4058,7 @@
           <a:p>
             <a:fld id="{64E65BB6-1D9C-254C-AD75-784507605180}" type="datetimeFigureOut">
               <a:rPr kumimoji="1" lang="zh-CN" altLang="en-US" smtClean="0"/>
-              <a:t>2021/4/6</a:t>
+              <a:t>2021/4/7</a:t>
             </a:fld>
             <a:endParaRPr kumimoji="1" lang="zh-CN" altLang="en-US"/>
           </a:p>
@@ -4369,7 +4369,7 @@
           <a:p>
             <a:fld id="{64E65BB6-1D9C-254C-AD75-784507605180}" type="datetimeFigureOut">
               <a:rPr kumimoji="1" lang="zh-CN" altLang="en-US" smtClean="0"/>
-              <a:t>2021/4/6</a:t>
+              <a:t>2021/4/7</a:t>
             </a:fld>
             <a:endParaRPr kumimoji="1" lang="zh-CN" altLang="en-US"/>
           </a:p>
@@ -4657,7 +4657,7 @@
           <a:p>
             <a:fld id="{64E65BB6-1D9C-254C-AD75-784507605180}" type="datetimeFigureOut">
               <a:rPr kumimoji="1" lang="zh-CN" altLang="en-US" smtClean="0"/>
-              <a:t>2021/4/6</a:t>
+              <a:t>2021/4/7</a:t>
             </a:fld>
             <a:endParaRPr kumimoji="1" lang="zh-CN" altLang="en-US"/>
           </a:p>
@@ -4898,7 +4898,7 @@
           <a:p>
             <a:fld id="{64E65BB6-1D9C-254C-AD75-784507605180}" type="datetimeFigureOut">
               <a:rPr kumimoji="1" lang="zh-CN" altLang="en-US" smtClean="0"/>
-              <a:t>2021/4/6</a:t>
+              <a:t>2021/4/7</a:t>
             </a:fld>
             <a:endParaRPr kumimoji="1" lang="zh-CN" altLang="en-US"/>
           </a:p>
@@ -11366,7 +11366,111 @@
                 <a:latin typeface="Microsoft YaHei" panose="020B0503020204020204" pitchFamily="34" charset="-122"/>
                 <a:ea typeface="Microsoft YaHei" panose="020B0503020204020204" pitchFamily="34" charset="-122"/>
               </a:rPr>
-              <a:t>を操作</a:t>
+              <a:t>を操作（</a:t>
+            </a:r>
+            <a:r>
+              <a:rPr kumimoji="1" lang="en-US" altLang="zh-CN" dirty="0" err="1">
+                <a:solidFill>
+                  <a:schemeClr val="tx1">
+                    <a:lumMod val="65000"/>
+                    <a:lumOff val="35000"/>
+                  </a:schemeClr>
+                </a:solidFill>
+                <a:latin typeface="Microsoft YaHei" panose="020B0503020204020204" pitchFamily="34" charset="-122"/>
+                <a:ea typeface="Microsoft YaHei" panose="020B0503020204020204" pitchFamily="34" charset="-122"/>
+              </a:rPr>
+              <a:t>jquery</a:t>
+            </a:r>
+            <a:r>
+              <a:rPr kumimoji="1" lang="zh-CN" altLang="en-US" dirty="0">
+                <a:solidFill>
+                  <a:schemeClr val="tx1">
+                    <a:lumMod val="65000"/>
+                    <a:lumOff val="35000"/>
+                  </a:schemeClr>
+                </a:solidFill>
+                <a:latin typeface="Microsoft YaHei" panose="020B0503020204020204" pitchFamily="34" charset="-122"/>
+                <a:ea typeface="Microsoft YaHei" panose="020B0503020204020204" pitchFamily="34" charset="-122"/>
+              </a:rPr>
+              <a:t>，</a:t>
+            </a:r>
+            <a:r>
+              <a:rPr kumimoji="1" lang="en-US" altLang="zh-CN" dirty="0">
+                <a:solidFill>
+                  <a:schemeClr val="tx1">
+                    <a:lumMod val="65000"/>
+                    <a:lumOff val="35000"/>
+                  </a:schemeClr>
+                </a:solidFill>
+                <a:latin typeface="Microsoft YaHei" panose="020B0503020204020204" pitchFamily="34" charset="-122"/>
+                <a:ea typeface="Microsoft YaHei" panose="020B0503020204020204" pitchFamily="34" charset="-122"/>
+              </a:rPr>
+              <a:t>angular</a:t>
+            </a:r>
+            <a:r>
+              <a:rPr kumimoji="1" lang="zh-CN" altLang="en-US" dirty="0">
+                <a:solidFill>
+                  <a:schemeClr val="tx1">
+                    <a:lumMod val="65000"/>
+                    <a:lumOff val="35000"/>
+                  </a:schemeClr>
+                </a:solidFill>
+                <a:latin typeface="Microsoft YaHei" panose="020B0503020204020204" pitchFamily="34" charset="-122"/>
+                <a:ea typeface="Microsoft YaHei" panose="020B0503020204020204" pitchFamily="34" charset="-122"/>
+              </a:rPr>
+              <a:t>，</a:t>
+            </a:r>
+            <a:r>
+              <a:rPr kumimoji="1" lang="en-US" altLang="zh-CN" dirty="0" err="1">
+                <a:solidFill>
+                  <a:schemeClr val="tx1">
+                    <a:lumMod val="65000"/>
+                    <a:lumOff val="35000"/>
+                  </a:schemeClr>
+                </a:solidFill>
+                <a:latin typeface="Microsoft YaHei" panose="020B0503020204020204" pitchFamily="34" charset="-122"/>
+                <a:ea typeface="Microsoft YaHei" panose="020B0503020204020204" pitchFamily="34" charset="-122"/>
+              </a:rPr>
+              <a:t>vue</a:t>
+            </a:r>
+            <a:r>
+              <a:rPr kumimoji="1" lang="zh-CN" altLang="en-US" dirty="0">
+                <a:solidFill>
+                  <a:schemeClr val="tx1">
+                    <a:lumMod val="65000"/>
+                    <a:lumOff val="35000"/>
+                  </a:schemeClr>
+                </a:solidFill>
+                <a:latin typeface="Microsoft YaHei" panose="020B0503020204020204" pitchFamily="34" charset="-122"/>
+                <a:ea typeface="Microsoft YaHei" panose="020B0503020204020204" pitchFamily="34" charset="-122"/>
+              </a:rPr>
+              <a:t>，</a:t>
+            </a:r>
+            <a:r>
+              <a:rPr kumimoji="1" lang="en-US" altLang="zh-CN" dirty="0">
+                <a:solidFill>
+                  <a:schemeClr val="tx1">
+                    <a:lumMod val="65000"/>
+                    <a:lumOff val="35000"/>
+                  </a:schemeClr>
+                </a:solidFill>
+                <a:latin typeface="Microsoft YaHei" panose="020B0503020204020204" pitchFamily="34" charset="-122"/>
+                <a:ea typeface="Microsoft YaHei" panose="020B0503020204020204" pitchFamily="34" charset="-122"/>
+              </a:rPr>
+              <a:t>react</a:t>
+            </a:r>
+            <a:r>
+              <a:rPr kumimoji="1" lang="zh-CN" altLang="en-US" dirty="0">
+                <a:solidFill>
+                  <a:schemeClr val="tx1">
+                    <a:lumMod val="65000"/>
+                    <a:lumOff val="35000"/>
+                  </a:schemeClr>
+                </a:solidFill>
+                <a:latin typeface="Microsoft YaHei" panose="020B0503020204020204" pitchFamily="34" charset="-122"/>
+                <a:ea typeface="Microsoft YaHei" panose="020B0503020204020204" pitchFamily="34" charset="-122"/>
+              </a:rPr>
+              <a:t>）</a:t>
             </a:r>
             <a:endParaRPr kumimoji="1" lang="en-US" altLang="zh-CN" dirty="0">
               <a:solidFill>

--- a/01.basic/day1/day01.pptx
+++ b/01.basic/day1/day01.pptx
@@ -5,27 +5,28 @@
     <p:sldMasterId id="2147483648" r:id="rId1"/>
   </p:sldMasterIdLst>
   <p:notesMasterIdLst>
-    <p:notesMasterId r:id="rId20"/>
+    <p:notesMasterId r:id="rId21"/>
   </p:notesMasterIdLst>
   <p:sldIdLst>
     <p:sldId id="256" r:id="rId2"/>
-    <p:sldId id="274" r:id="rId3"/>
-    <p:sldId id="257" r:id="rId4"/>
-    <p:sldId id="258" r:id="rId5"/>
-    <p:sldId id="260" r:id="rId6"/>
-    <p:sldId id="261" r:id="rId7"/>
-    <p:sldId id="263" r:id="rId8"/>
-    <p:sldId id="262" r:id="rId9"/>
-    <p:sldId id="264" r:id="rId10"/>
-    <p:sldId id="265" r:id="rId11"/>
-    <p:sldId id="267" r:id="rId12"/>
-    <p:sldId id="268" r:id="rId13"/>
-    <p:sldId id="269" r:id="rId14"/>
-    <p:sldId id="270" r:id="rId15"/>
-    <p:sldId id="266" r:id="rId16"/>
-    <p:sldId id="272" r:id="rId17"/>
+    <p:sldId id="276" r:id="rId3"/>
+    <p:sldId id="274" r:id="rId4"/>
+    <p:sldId id="257" r:id="rId5"/>
+    <p:sldId id="258" r:id="rId6"/>
+    <p:sldId id="260" r:id="rId7"/>
+    <p:sldId id="261" r:id="rId8"/>
+    <p:sldId id="263" r:id="rId9"/>
+    <p:sldId id="262" r:id="rId10"/>
+    <p:sldId id="264" r:id="rId11"/>
+    <p:sldId id="265" r:id="rId12"/>
+    <p:sldId id="267" r:id="rId13"/>
+    <p:sldId id="268" r:id="rId14"/>
+    <p:sldId id="269" r:id="rId15"/>
+    <p:sldId id="270" r:id="rId16"/>
+    <p:sldId id="266" r:id="rId17"/>
     <p:sldId id="275" r:id="rId18"/>
     <p:sldId id="273" r:id="rId19"/>
+    <p:sldId id="272" r:id="rId20"/>
   </p:sldIdLst>
   <p:sldSz cx="12192000" cy="6858000"/>
   <p:notesSz cx="6858000" cy="9144000"/>
@@ -214,7 +215,7 @@
           <a:p>
             <a:fld id="{1704634C-D031-8744-8DBA-B4EBE976299F}" type="datetimeFigureOut">
               <a:rPr kumimoji="1" lang="zh-CN" altLang="en-US" smtClean="0"/>
-              <a:t>2021/4/7</a:t>
+              <a:t>2021/4/14</a:t>
             </a:fld>
             <a:endParaRPr kumimoji="1" lang="zh-CN" altLang="en-US"/>
           </a:p>
@@ -639,7 +640,7 @@
     </p:spTree>
     <p:extLst>
       <p:ext uri="{BB962C8B-B14F-4D97-AF65-F5344CB8AC3E}">
-        <p14:creationId xmlns:p14="http://schemas.microsoft.com/office/powerpoint/2010/main" val="2267387969"/>
+        <p14:creationId xmlns:p14="http://schemas.microsoft.com/office/powerpoint/2010/main" val="501078111"/>
       </p:ext>
     </p:extLst>
   </p:cSld>
@@ -723,7 +724,7 @@
     </p:spTree>
     <p:extLst>
       <p:ext uri="{BB962C8B-B14F-4D97-AF65-F5344CB8AC3E}">
-        <p14:creationId xmlns:p14="http://schemas.microsoft.com/office/powerpoint/2010/main" val="1304209003"/>
+        <p14:creationId xmlns:p14="http://schemas.microsoft.com/office/powerpoint/2010/main" val="2267387969"/>
       </p:ext>
     </p:extLst>
   </p:cSld>
@@ -807,7 +808,7 @@
     </p:spTree>
     <p:extLst>
       <p:ext uri="{BB962C8B-B14F-4D97-AF65-F5344CB8AC3E}">
-        <p14:creationId xmlns:p14="http://schemas.microsoft.com/office/powerpoint/2010/main" val="1664250112"/>
+        <p14:creationId xmlns:p14="http://schemas.microsoft.com/office/powerpoint/2010/main" val="1304209003"/>
       </p:ext>
     </p:extLst>
   </p:cSld>
@@ -891,7 +892,7 @@
     </p:spTree>
     <p:extLst>
       <p:ext uri="{BB962C8B-B14F-4D97-AF65-F5344CB8AC3E}">
-        <p14:creationId xmlns:p14="http://schemas.microsoft.com/office/powerpoint/2010/main" val="2674981976"/>
+        <p14:creationId xmlns:p14="http://schemas.microsoft.com/office/powerpoint/2010/main" val="1664250112"/>
       </p:ext>
     </p:extLst>
   </p:cSld>
@@ -975,7 +976,7 @@
     </p:spTree>
     <p:extLst>
       <p:ext uri="{BB962C8B-B14F-4D97-AF65-F5344CB8AC3E}">
-        <p14:creationId xmlns:p14="http://schemas.microsoft.com/office/powerpoint/2010/main" val="3712930158"/>
+        <p14:creationId xmlns:p14="http://schemas.microsoft.com/office/powerpoint/2010/main" val="2674981976"/>
       </p:ext>
     </p:extLst>
   </p:cSld>
@@ -1059,7 +1060,7 @@
     </p:spTree>
     <p:extLst>
       <p:ext uri="{BB962C8B-B14F-4D97-AF65-F5344CB8AC3E}">
-        <p14:creationId xmlns:p14="http://schemas.microsoft.com/office/powerpoint/2010/main" val="2812810881"/>
+        <p14:creationId xmlns:p14="http://schemas.microsoft.com/office/powerpoint/2010/main" val="3712930158"/>
       </p:ext>
     </p:extLst>
   </p:cSld>
@@ -1143,7 +1144,7 @@
     </p:spTree>
     <p:extLst>
       <p:ext uri="{BB962C8B-B14F-4D97-AF65-F5344CB8AC3E}">
-        <p14:creationId xmlns:p14="http://schemas.microsoft.com/office/powerpoint/2010/main" val="4200284054"/>
+        <p14:creationId xmlns:p14="http://schemas.microsoft.com/office/powerpoint/2010/main" val="2812810881"/>
       </p:ext>
     </p:extLst>
   </p:cSld>
@@ -1321,6 +1322,90 @@
 </p:notes>
 </file>
 
+<file path=ppt/notesSlides/notesSlide19.xml><?xml version="1.0" encoding="utf-8"?>
+<p:notes xmlns:a="http://schemas.openxmlformats.org/drawingml/2006/main" xmlns:r="http://schemas.openxmlformats.org/officeDocument/2006/relationships" xmlns:p="http://schemas.openxmlformats.org/presentationml/2006/main">
+  <p:cSld>
+    <p:spTree>
+      <p:nvGrpSpPr>
+        <p:cNvPr id="1" name=""/>
+        <p:cNvGrpSpPr/>
+        <p:nvPr/>
+      </p:nvGrpSpPr>
+      <p:grpSpPr>
+        <a:xfrm>
+          <a:off x="0" y="0"/>
+          <a:ext cx="0" cy="0"/>
+          <a:chOff x="0" y="0"/>
+          <a:chExt cx="0" cy="0"/>
+        </a:xfrm>
+      </p:grpSpPr>
+      <p:sp>
+        <p:nvSpPr>
+          <p:cNvPr id="2" name="幻灯片图像占位符 1"/>
+          <p:cNvSpPr>
+            <a:spLocks noGrp="1" noRot="1" noChangeAspect="1"/>
+          </p:cNvSpPr>
+          <p:nvPr>
+            <p:ph type="sldImg"/>
+          </p:nvPr>
+        </p:nvSpPr>
+        <p:spPr/>
+      </p:sp>
+      <p:sp>
+        <p:nvSpPr>
+          <p:cNvPr id="3" name="备注占位符 2"/>
+          <p:cNvSpPr>
+            <a:spLocks noGrp="1"/>
+          </p:cNvSpPr>
+          <p:nvPr>
+            <p:ph type="body" idx="1"/>
+          </p:nvPr>
+        </p:nvSpPr>
+        <p:spPr/>
+        <p:txBody>
+          <a:bodyPr/>
+          <a:lstStyle/>
+          <a:p>
+            <a:endParaRPr kumimoji="1" lang="zh-CN" altLang="en-US" dirty="0"/>
+          </a:p>
+        </p:txBody>
+      </p:sp>
+      <p:sp>
+        <p:nvSpPr>
+          <p:cNvPr id="4" name="灯片编号占位符 3"/>
+          <p:cNvSpPr>
+            <a:spLocks noGrp="1"/>
+          </p:cNvSpPr>
+          <p:nvPr>
+            <p:ph type="sldNum" sz="quarter" idx="5"/>
+          </p:nvPr>
+        </p:nvSpPr>
+        <p:spPr/>
+        <p:txBody>
+          <a:bodyPr/>
+          <a:lstStyle/>
+          <a:p>
+            <a:fld id="{35D51C03-BFE0-3740-A7A6-0D931BE4F335}" type="slidenum">
+              <a:rPr kumimoji="1" lang="zh-CN" altLang="en-US" smtClean="0"/>
+              <a:t>19</a:t>
+            </a:fld>
+            <a:endParaRPr kumimoji="1" lang="zh-CN" altLang="en-US"/>
+          </a:p>
+        </p:txBody>
+      </p:sp>
+    </p:spTree>
+    <p:extLst>
+      <p:ext uri="{BB962C8B-B14F-4D97-AF65-F5344CB8AC3E}">
+        <p14:creationId xmlns:p14="http://schemas.microsoft.com/office/powerpoint/2010/main" val="4200284054"/>
+      </p:ext>
+    </p:extLst>
+  </p:cSld>
+  <p:clrMapOvr>
+    <a:masterClrMapping/>
+  </p:clrMapOvr>
+</p:notes>
+</file>
+
 <file path=ppt/notesSlides/notesSlide2.xml><?xml version="1.0" encoding="utf-8"?>
 <p:notes xmlns:a="http://schemas.openxmlformats.org/drawingml/2006/main" xmlns:r="http://schemas.openxmlformats.org/officeDocument/2006/relationships" xmlns:p="http://schemas.openxmlformats.org/presentationml/2006/main">
   <p:cSld>
@@ -1395,7 +1480,7 @@
     </p:spTree>
     <p:extLst>
       <p:ext uri="{BB962C8B-B14F-4D97-AF65-F5344CB8AC3E}">
-        <p14:creationId xmlns:p14="http://schemas.microsoft.com/office/powerpoint/2010/main" val="1716104830"/>
+        <p14:creationId xmlns:p14="http://schemas.microsoft.com/office/powerpoint/2010/main" val="3385643335"/>
       </p:ext>
     </p:extLst>
   </p:cSld>
@@ -1479,7 +1564,7 @@
     </p:spTree>
     <p:extLst>
       <p:ext uri="{BB962C8B-B14F-4D97-AF65-F5344CB8AC3E}">
-        <p14:creationId xmlns:p14="http://schemas.microsoft.com/office/powerpoint/2010/main" val="2965665968"/>
+        <p14:creationId xmlns:p14="http://schemas.microsoft.com/office/powerpoint/2010/main" val="1716104830"/>
       </p:ext>
     </p:extLst>
   </p:cSld>
@@ -1533,74 +1618,6 @@
           <a:bodyPr/>
           <a:lstStyle/>
           <a:p>
-            <a:pPr marL="0" marR="0" lvl="0" indent="0" algn="l" defTabSz="914400" rtl="0" eaLnBrk="1" fontAlgn="auto" latinLnBrk="0" hangingPunct="1">
-              <a:lnSpc>
-                <a:spcPct val="100000"/>
-              </a:lnSpc>
-              <a:spcBef>
-                <a:spcPts val="0"/>
-              </a:spcBef>
-              <a:spcAft>
-                <a:spcPts val="0"/>
-              </a:spcAft>
-              <a:buClrTx/>
-              <a:buSzTx/>
-              <a:buFontTx/>
-              <a:buNone/>
-              <a:tabLst/>
-              <a:defRPr/>
-            </a:pPr>
-            <a:r>
-              <a:rPr kumimoji="1" lang="zh-CN" altLang="en-US" dirty="0"/>
-              <a:t>様々な言語で書くプログラムに対して、コンピュータはどうやって区別して認識しますか</a:t>
-            </a:r>
-            <a:endParaRPr kumimoji="1" lang="en-US" altLang="zh-CN" dirty="0"/>
-          </a:p>
-          <a:p>
-            <a:pPr marL="0" marR="0" lvl="0" indent="0" algn="l" defTabSz="914400" rtl="0" eaLnBrk="1" fontAlgn="auto" latinLnBrk="0" hangingPunct="1">
-              <a:lnSpc>
-                <a:spcPct val="100000"/>
-              </a:lnSpc>
-              <a:spcBef>
-                <a:spcPts val="0"/>
-              </a:spcBef>
-              <a:spcAft>
-                <a:spcPts val="0"/>
-              </a:spcAft>
-              <a:buClrTx/>
-              <a:buSzTx/>
-              <a:buFontTx/>
-              <a:buNone/>
-              <a:tabLst/>
-              <a:defRPr/>
-            </a:pPr>
-            <a:endParaRPr kumimoji="1" lang="en-US" altLang="zh-CN" dirty="0"/>
-          </a:p>
-          <a:p>
-            <a:pPr marL="0" marR="0" lvl="0" indent="0" algn="l" defTabSz="914400" rtl="0" eaLnBrk="1" fontAlgn="auto" latinLnBrk="0" hangingPunct="1">
-              <a:lnSpc>
-                <a:spcPct val="100000"/>
-              </a:lnSpc>
-              <a:spcBef>
-                <a:spcPts val="0"/>
-              </a:spcBef>
-              <a:spcAft>
-                <a:spcPts val="0"/>
-              </a:spcAft>
-              <a:buClrTx/>
-              <a:buSzTx/>
-              <a:buFontTx/>
-              <a:buNone/>
-              <a:tabLst/>
-              <a:defRPr/>
-            </a:pPr>
-            <a:r>
-              <a:rPr kumimoji="1" lang="zh-CN" altLang="en-US" dirty="0"/>
-              <a:t>コンピュータは電子だから、「正」と「負」２ステータスしかありません。</a:t>
-            </a:r>
-            <a:endParaRPr kumimoji="1" lang="en-US" altLang="zh-CN" dirty="0"/>
-          </a:p>
-          <a:p>
             <a:endParaRPr kumimoji="1" lang="zh-CN" altLang="en-US" dirty="0"/>
           </a:p>
         </p:txBody>
@@ -1631,7 +1648,7 @@
     </p:spTree>
     <p:extLst>
       <p:ext uri="{BB962C8B-B14F-4D97-AF65-F5344CB8AC3E}">
-        <p14:creationId xmlns:p14="http://schemas.microsoft.com/office/powerpoint/2010/main" val="343082109"/>
+        <p14:creationId xmlns:p14="http://schemas.microsoft.com/office/powerpoint/2010/main" val="2965665968"/>
       </p:ext>
     </p:extLst>
   </p:cSld>
@@ -1685,6 +1702,74 @@
           <a:bodyPr/>
           <a:lstStyle/>
           <a:p>
+            <a:pPr marL="0" marR="0" lvl="0" indent="0" algn="l" defTabSz="914400" rtl="0" eaLnBrk="1" fontAlgn="auto" latinLnBrk="0" hangingPunct="1">
+              <a:lnSpc>
+                <a:spcPct val="100000"/>
+              </a:lnSpc>
+              <a:spcBef>
+                <a:spcPts val="0"/>
+              </a:spcBef>
+              <a:spcAft>
+                <a:spcPts val="0"/>
+              </a:spcAft>
+              <a:buClrTx/>
+              <a:buSzTx/>
+              <a:buFontTx/>
+              <a:buNone/>
+              <a:tabLst/>
+              <a:defRPr/>
+            </a:pPr>
+            <a:r>
+              <a:rPr kumimoji="1" lang="zh-CN" altLang="en-US" dirty="0"/>
+              <a:t>様々な言語で書くプログラムに対して、コンピュータはどうやって区別して認識しますか</a:t>
+            </a:r>
+            <a:endParaRPr kumimoji="1" lang="en-US" altLang="zh-CN" dirty="0"/>
+          </a:p>
+          <a:p>
+            <a:pPr marL="0" marR="0" lvl="0" indent="0" algn="l" defTabSz="914400" rtl="0" eaLnBrk="1" fontAlgn="auto" latinLnBrk="0" hangingPunct="1">
+              <a:lnSpc>
+                <a:spcPct val="100000"/>
+              </a:lnSpc>
+              <a:spcBef>
+                <a:spcPts val="0"/>
+              </a:spcBef>
+              <a:spcAft>
+                <a:spcPts val="0"/>
+              </a:spcAft>
+              <a:buClrTx/>
+              <a:buSzTx/>
+              <a:buFontTx/>
+              <a:buNone/>
+              <a:tabLst/>
+              <a:defRPr/>
+            </a:pPr>
+            <a:endParaRPr kumimoji="1" lang="en-US" altLang="zh-CN" dirty="0"/>
+          </a:p>
+          <a:p>
+            <a:pPr marL="0" marR="0" lvl="0" indent="0" algn="l" defTabSz="914400" rtl="0" eaLnBrk="1" fontAlgn="auto" latinLnBrk="0" hangingPunct="1">
+              <a:lnSpc>
+                <a:spcPct val="100000"/>
+              </a:lnSpc>
+              <a:spcBef>
+                <a:spcPts val="0"/>
+              </a:spcBef>
+              <a:spcAft>
+                <a:spcPts val="0"/>
+              </a:spcAft>
+              <a:buClrTx/>
+              <a:buSzTx/>
+              <a:buFontTx/>
+              <a:buNone/>
+              <a:tabLst/>
+              <a:defRPr/>
+            </a:pPr>
+            <a:r>
+              <a:rPr kumimoji="1" lang="zh-CN" altLang="en-US" dirty="0"/>
+              <a:t>コンピュータは電子だから、「正」と「負」２ステータスしかありません。</a:t>
+            </a:r>
+            <a:endParaRPr kumimoji="1" lang="en-US" altLang="zh-CN" dirty="0"/>
+          </a:p>
+          <a:p>
             <a:endParaRPr kumimoji="1" lang="zh-CN" altLang="en-US" dirty="0"/>
           </a:p>
         </p:txBody>
@@ -1715,7 +1800,7 @@
     </p:spTree>
     <p:extLst>
       <p:ext uri="{BB962C8B-B14F-4D97-AF65-F5344CB8AC3E}">
-        <p14:creationId xmlns:p14="http://schemas.microsoft.com/office/powerpoint/2010/main" val="2594606936"/>
+        <p14:creationId xmlns:p14="http://schemas.microsoft.com/office/powerpoint/2010/main" val="343082109"/>
       </p:ext>
     </p:extLst>
   </p:cSld>
@@ -1769,47 +1854,7 @@
           <a:bodyPr/>
           <a:lstStyle/>
           <a:p>
-            <a:r>
-              <a:rPr kumimoji="1" lang="zh-CN" altLang="en-US" dirty="0"/>
-              <a:t>テキストで開く</a:t>
-            </a:r>
-            <a:endParaRPr kumimoji="1" lang="en-US" altLang="zh-CN" dirty="0"/>
-          </a:p>
-          <a:p>
-            <a:r>
-              <a:rPr kumimoji="1" lang="zh-CN" altLang="en-US" dirty="0"/>
-              <a:t>ソースコード本体はテキストです。</a:t>
-            </a:r>
-            <a:endParaRPr kumimoji="1" lang="en-US" altLang="zh-CN" dirty="0"/>
-          </a:p>
-          <a:p>
-            <a:r>
-              <a:rPr kumimoji="1" lang="zh-CN" altLang="en-US" dirty="0"/>
-              <a:t>「</a:t>
-            </a:r>
-            <a:r>
-              <a:rPr kumimoji="1" lang="en-US" altLang="zh-CN" dirty="0"/>
-              <a:t>console</a:t>
-            </a:r>
-            <a:r>
-              <a:rPr kumimoji="1" lang="zh-CN" altLang="en-US" dirty="0"/>
-              <a:t>」対象</a:t>
-            </a:r>
-            <a:endParaRPr kumimoji="1" lang="en-US" altLang="zh-CN" dirty="0"/>
-          </a:p>
-          <a:p>
-            <a:r>
-              <a:rPr kumimoji="1" lang="zh-CN" altLang="en-US" dirty="0"/>
-              <a:t>「</a:t>
-            </a:r>
-            <a:r>
-              <a:rPr kumimoji="1" lang="en-US" altLang="zh-CN" dirty="0"/>
-              <a:t>log</a:t>
-            </a:r>
-            <a:r>
-              <a:rPr kumimoji="1" lang="zh-CN" altLang="en-US" dirty="0"/>
-              <a:t>」関数</a:t>
-            </a:r>
+            <a:endParaRPr kumimoji="1" lang="zh-CN" altLang="en-US" dirty="0"/>
           </a:p>
         </p:txBody>
       </p:sp>
@@ -1839,7 +1884,7 @@
     </p:spTree>
     <p:extLst>
       <p:ext uri="{BB962C8B-B14F-4D97-AF65-F5344CB8AC3E}">
-        <p14:creationId xmlns:p14="http://schemas.microsoft.com/office/powerpoint/2010/main" val="1544116593"/>
+        <p14:creationId xmlns:p14="http://schemas.microsoft.com/office/powerpoint/2010/main" val="2594606936"/>
       </p:ext>
     </p:extLst>
   </p:cSld>
@@ -1893,7 +1938,47 @@
           <a:bodyPr/>
           <a:lstStyle/>
           <a:p>
-            <a:endParaRPr kumimoji="1" lang="zh-CN" altLang="en-US" dirty="0"/>
+            <a:r>
+              <a:rPr kumimoji="1" lang="zh-CN" altLang="en-US" dirty="0"/>
+              <a:t>テキストで開く</a:t>
+            </a:r>
+            <a:endParaRPr kumimoji="1" lang="en-US" altLang="zh-CN" dirty="0"/>
+          </a:p>
+          <a:p>
+            <a:r>
+              <a:rPr kumimoji="1" lang="zh-CN" altLang="en-US" dirty="0"/>
+              <a:t>ソースコード本体はテキストです。</a:t>
+            </a:r>
+            <a:endParaRPr kumimoji="1" lang="en-US" altLang="zh-CN" dirty="0"/>
+          </a:p>
+          <a:p>
+            <a:r>
+              <a:rPr kumimoji="1" lang="zh-CN" altLang="en-US" dirty="0"/>
+              <a:t>「</a:t>
+            </a:r>
+            <a:r>
+              <a:rPr kumimoji="1" lang="en-US" altLang="zh-CN" dirty="0"/>
+              <a:t>console</a:t>
+            </a:r>
+            <a:r>
+              <a:rPr kumimoji="1" lang="zh-CN" altLang="en-US" dirty="0"/>
+              <a:t>」対象</a:t>
+            </a:r>
+            <a:endParaRPr kumimoji="1" lang="en-US" altLang="zh-CN" dirty="0"/>
+          </a:p>
+          <a:p>
+            <a:r>
+              <a:rPr kumimoji="1" lang="zh-CN" altLang="en-US" dirty="0"/>
+              <a:t>「</a:t>
+            </a:r>
+            <a:r>
+              <a:rPr kumimoji="1" lang="en-US" altLang="zh-CN" dirty="0"/>
+              <a:t>log</a:t>
+            </a:r>
+            <a:r>
+              <a:rPr kumimoji="1" lang="zh-CN" altLang="en-US" dirty="0"/>
+              <a:t>」関数</a:t>
+            </a:r>
           </a:p>
         </p:txBody>
       </p:sp>
@@ -1923,7 +2008,7 @@
     </p:spTree>
     <p:extLst>
       <p:ext uri="{BB962C8B-B14F-4D97-AF65-F5344CB8AC3E}">
-        <p14:creationId xmlns:p14="http://schemas.microsoft.com/office/powerpoint/2010/main" val="2479050550"/>
+        <p14:creationId xmlns:p14="http://schemas.microsoft.com/office/powerpoint/2010/main" val="1544116593"/>
       </p:ext>
     </p:extLst>
   </p:cSld>
@@ -2007,7 +2092,7 @@
     </p:spTree>
     <p:extLst>
       <p:ext uri="{BB962C8B-B14F-4D97-AF65-F5344CB8AC3E}">
-        <p14:creationId xmlns:p14="http://schemas.microsoft.com/office/powerpoint/2010/main" val="928188700"/>
+        <p14:creationId xmlns:p14="http://schemas.microsoft.com/office/powerpoint/2010/main" val="2479050550"/>
       </p:ext>
     </p:extLst>
   </p:cSld>
@@ -2091,7 +2176,7 @@
     </p:spTree>
     <p:extLst>
       <p:ext uri="{BB962C8B-B14F-4D97-AF65-F5344CB8AC3E}">
-        <p14:creationId xmlns:p14="http://schemas.microsoft.com/office/powerpoint/2010/main" val="501078111"/>
+        <p14:creationId xmlns:p14="http://schemas.microsoft.com/office/powerpoint/2010/main" val="928188700"/>
       </p:ext>
     </p:extLst>
   </p:cSld>
@@ -2248,7 +2333,7 @@
           <a:p>
             <a:fld id="{64E65BB6-1D9C-254C-AD75-784507605180}" type="datetimeFigureOut">
               <a:rPr kumimoji="1" lang="zh-CN" altLang="en-US" smtClean="0"/>
-              <a:t>2021/4/7</a:t>
+              <a:t>2021/4/14</a:t>
             </a:fld>
             <a:endParaRPr kumimoji="1" lang="zh-CN" altLang="en-US"/>
           </a:p>
@@ -2446,7 +2531,7 @@
           <a:p>
             <a:fld id="{64E65BB6-1D9C-254C-AD75-784507605180}" type="datetimeFigureOut">
               <a:rPr kumimoji="1" lang="zh-CN" altLang="en-US" smtClean="0"/>
-              <a:t>2021/4/7</a:t>
+              <a:t>2021/4/14</a:t>
             </a:fld>
             <a:endParaRPr kumimoji="1" lang="zh-CN" altLang="en-US"/>
           </a:p>
@@ -2654,7 +2739,7 @@
           <a:p>
             <a:fld id="{64E65BB6-1D9C-254C-AD75-784507605180}" type="datetimeFigureOut">
               <a:rPr kumimoji="1" lang="zh-CN" altLang="en-US" smtClean="0"/>
-              <a:t>2021/4/7</a:t>
+              <a:t>2021/4/14</a:t>
             </a:fld>
             <a:endParaRPr kumimoji="1" lang="zh-CN" altLang="en-US"/>
           </a:p>
@@ -2852,7 +2937,7 @@
           <a:p>
             <a:fld id="{64E65BB6-1D9C-254C-AD75-784507605180}" type="datetimeFigureOut">
               <a:rPr kumimoji="1" lang="zh-CN" altLang="en-US" smtClean="0"/>
-              <a:t>2021/4/7</a:t>
+              <a:t>2021/4/14</a:t>
             </a:fld>
             <a:endParaRPr kumimoji="1" lang="zh-CN" altLang="en-US"/>
           </a:p>
@@ -3127,7 +3212,7 @@
           <a:p>
             <a:fld id="{64E65BB6-1D9C-254C-AD75-784507605180}" type="datetimeFigureOut">
               <a:rPr kumimoji="1" lang="zh-CN" altLang="en-US" smtClean="0"/>
-              <a:t>2021/4/7</a:t>
+              <a:t>2021/4/14</a:t>
             </a:fld>
             <a:endParaRPr kumimoji="1" lang="zh-CN" altLang="en-US"/>
           </a:p>
@@ -3392,7 +3477,7 @@
           <a:p>
             <a:fld id="{64E65BB6-1D9C-254C-AD75-784507605180}" type="datetimeFigureOut">
               <a:rPr kumimoji="1" lang="zh-CN" altLang="en-US" smtClean="0"/>
-              <a:t>2021/4/7</a:t>
+              <a:t>2021/4/14</a:t>
             </a:fld>
             <a:endParaRPr kumimoji="1" lang="zh-CN" altLang="en-US"/>
           </a:p>
@@ -3804,7 +3889,7 @@
           <a:p>
             <a:fld id="{64E65BB6-1D9C-254C-AD75-784507605180}" type="datetimeFigureOut">
               <a:rPr kumimoji="1" lang="zh-CN" altLang="en-US" smtClean="0"/>
-              <a:t>2021/4/7</a:t>
+              <a:t>2021/4/14</a:t>
             </a:fld>
             <a:endParaRPr kumimoji="1" lang="zh-CN" altLang="en-US"/>
           </a:p>
@@ -3945,7 +4030,7 @@
           <a:p>
             <a:fld id="{64E65BB6-1D9C-254C-AD75-784507605180}" type="datetimeFigureOut">
               <a:rPr kumimoji="1" lang="zh-CN" altLang="en-US" smtClean="0"/>
-              <a:t>2021/4/7</a:t>
+              <a:t>2021/4/14</a:t>
             </a:fld>
             <a:endParaRPr kumimoji="1" lang="zh-CN" altLang="en-US"/>
           </a:p>
@@ -4058,7 +4143,7 @@
           <a:p>
             <a:fld id="{64E65BB6-1D9C-254C-AD75-784507605180}" type="datetimeFigureOut">
               <a:rPr kumimoji="1" lang="zh-CN" altLang="en-US" smtClean="0"/>
-              <a:t>2021/4/7</a:t>
+              <a:t>2021/4/14</a:t>
             </a:fld>
             <a:endParaRPr kumimoji="1" lang="zh-CN" altLang="en-US"/>
           </a:p>
@@ -4369,7 +4454,7 @@
           <a:p>
             <a:fld id="{64E65BB6-1D9C-254C-AD75-784507605180}" type="datetimeFigureOut">
               <a:rPr kumimoji="1" lang="zh-CN" altLang="en-US" smtClean="0"/>
-              <a:t>2021/4/7</a:t>
+              <a:t>2021/4/14</a:t>
             </a:fld>
             <a:endParaRPr kumimoji="1" lang="zh-CN" altLang="en-US"/>
           </a:p>
@@ -4657,7 +4742,7 @@
           <a:p>
             <a:fld id="{64E65BB6-1D9C-254C-AD75-784507605180}" type="datetimeFigureOut">
               <a:rPr kumimoji="1" lang="zh-CN" altLang="en-US" smtClean="0"/>
-              <a:t>2021/4/7</a:t>
+              <a:t>2021/4/14</a:t>
             </a:fld>
             <a:endParaRPr kumimoji="1" lang="zh-CN" altLang="en-US"/>
           </a:p>
@@ -4898,7 +4983,7 @@
           <a:p>
             <a:fld id="{64E65BB6-1D9C-254C-AD75-784507605180}" type="datetimeFigureOut">
               <a:rPr kumimoji="1" lang="zh-CN" altLang="en-US" smtClean="0"/>
-              <a:t>2021/4/7</a:t>
+              <a:t>2021/4/14</a:t>
             </a:fld>
             <a:endParaRPr kumimoji="1" lang="zh-CN" altLang="en-US"/>
           </a:p>
@@ -5756,7 +5841,7 @@
                 <a:latin typeface="Microsoft YaHei" panose="020B0503020204020204" pitchFamily="34" charset="-122"/>
                 <a:ea typeface="Microsoft YaHei" panose="020B0503020204020204" pitchFamily="34" charset="-122"/>
               </a:rPr>
-              <a:t>データ型</a:t>
+              <a:t>変数定義</a:t>
             </a:r>
           </a:p>
         </p:txBody>
@@ -5776,7 +5861,7 @@
         <p:spPr>
           <a:xfrm>
             <a:off x="668604" y="1574560"/>
-            <a:ext cx="3889206" cy="1477328"/>
+            <a:ext cx="1130438" cy="923330"/>
           </a:xfrm>
           <a:prstGeom prst="rect">
             <a:avLst/>
@@ -5803,31 +5888,8 @@
                 <a:latin typeface="Microsoft YaHei" panose="020B0503020204020204" pitchFamily="34" charset="-122"/>
                 <a:ea typeface="Microsoft YaHei" panose="020B0503020204020204" pitchFamily="34" charset="-122"/>
               </a:rPr>
-              <a:t>String</a:t>
-            </a:r>
-            <a:r>
-              <a:rPr kumimoji="1" lang="zh-CN" altLang="en-US" dirty="0">
-                <a:solidFill>
-                  <a:schemeClr val="tx1">
-                    <a:lumMod val="65000"/>
-                    <a:lumOff val="35000"/>
-                  </a:schemeClr>
-                </a:solidFill>
-                <a:latin typeface="Microsoft YaHei" panose="020B0503020204020204" pitchFamily="34" charset="-122"/>
-                <a:ea typeface="Microsoft YaHei" panose="020B0503020204020204" pitchFamily="34" charset="-122"/>
-              </a:rPr>
-              <a:t>：文字列</a:t>
-            </a:r>
-            <a:endParaRPr kumimoji="1" lang="en-US" altLang="zh-CN" dirty="0">
-              <a:solidFill>
-                <a:schemeClr val="tx1">
-                  <a:lumMod val="65000"/>
-                  <a:lumOff val="35000"/>
-                </a:schemeClr>
-              </a:solidFill>
-              <a:latin typeface="Microsoft YaHei" panose="020B0503020204020204" pitchFamily="34" charset="-122"/>
-              <a:ea typeface="Microsoft YaHei" panose="020B0503020204020204" pitchFamily="34" charset="-122"/>
-            </a:endParaRPr>
+              <a:t>Var</a:t>
+            </a:r>
           </a:p>
           <a:p>
             <a:pPr marL="342900" indent="-342900">
@@ -5844,31 +5906,8 @@
                 <a:latin typeface="Microsoft YaHei" panose="020B0503020204020204" pitchFamily="34" charset="-122"/>
                 <a:ea typeface="Microsoft YaHei" panose="020B0503020204020204" pitchFamily="34" charset="-122"/>
               </a:rPr>
-              <a:t>Number</a:t>
-            </a:r>
-            <a:r>
-              <a:rPr kumimoji="1" lang="zh-CN" altLang="en-US" dirty="0">
-                <a:solidFill>
-                  <a:schemeClr val="tx1">
-                    <a:lumMod val="65000"/>
-                    <a:lumOff val="35000"/>
-                  </a:schemeClr>
-                </a:solidFill>
-                <a:latin typeface="Microsoft YaHei" panose="020B0503020204020204" pitchFamily="34" charset="-122"/>
-                <a:ea typeface="Microsoft YaHei" panose="020B0503020204020204" pitchFamily="34" charset="-122"/>
-              </a:rPr>
-              <a:t>：数字</a:t>
-            </a:r>
-            <a:endParaRPr kumimoji="1" lang="en-US" altLang="zh-CN" dirty="0">
-              <a:solidFill>
-                <a:schemeClr val="tx1">
-                  <a:lumMod val="65000"/>
-                  <a:lumOff val="35000"/>
-                </a:schemeClr>
-              </a:solidFill>
-              <a:latin typeface="Microsoft YaHei" panose="020B0503020204020204" pitchFamily="34" charset="-122"/>
-              <a:ea typeface="Microsoft YaHei" panose="020B0503020204020204" pitchFamily="34" charset="-122"/>
-            </a:endParaRPr>
+              <a:t>Let</a:t>
+            </a:r>
           </a:p>
           <a:p>
             <a:pPr marL="342900" indent="-342900">
@@ -5885,147 +5924,15 @@
                 <a:latin typeface="Microsoft YaHei" panose="020B0503020204020204" pitchFamily="34" charset="-122"/>
                 <a:ea typeface="Microsoft YaHei" panose="020B0503020204020204" pitchFamily="34" charset="-122"/>
               </a:rPr>
-              <a:t>Boolean</a:t>
-            </a:r>
-            <a:r>
-              <a:rPr kumimoji="1" lang="zh-CN" altLang="en-US" dirty="0">
-                <a:solidFill>
-                  <a:schemeClr val="tx1">
-                    <a:lumMod val="65000"/>
-                    <a:lumOff val="35000"/>
-                  </a:schemeClr>
-                </a:solidFill>
-                <a:latin typeface="Microsoft YaHei" panose="020B0503020204020204" pitchFamily="34" charset="-122"/>
-                <a:ea typeface="Microsoft YaHei" panose="020B0503020204020204" pitchFamily="34" charset="-122"/>
-              </a:rPr>
-              <a:t>：</a:t>
-            </a:r>
-            <a:r>
-              <a:rPr lang="en" altLang="zh-CN" dirty="0"/>
-              <a:t>true </a:t>
-            </a:r>
-            <a:r>
-              <a:rPr lang="ja-JP" altLang="en-US"/>
-              <a:t>と </a:t>
-            </a:r>
-            <a:r>
-              <a:rPr lang="en" altLang="zh-CN" dirty="0"/>
-              <a:t>false</a:t>
-            </a:r>
-            <a:endParaRPr kumimoji="1" lang="en-US" altLang="zh-CN" dirty="0">
-              <a:solidFill>
-                <a:schemeClr val="tx1">
-                  <a:lumMod val="65000"/>
-                  <a:lumOff val="35000"/>
-                </a:schemeClr>
-              </a:solidFill>
-              <a:latin typeface="Microsoft YaHei" panose="020B0503020204020204" pitchFamily="34" charset="-122"/>
-              <a:ea typeface="Microsoft YaHei" panose="020B0503020204020204" pitchFamily="34" charset="-122"/>
-            </a:endParaRPr>
-          </a:p>
-          <a:p>
-            <a:pPr marL="342900" indent="-342900">
-              <a:buAutoNum type="arabicPeriod"/>
-            </a:pPr>
-            <a:r>
-              <a:rPr kumimoji="1" lang="en-US" altLang="zh-CN" dirty="0">
-                <a:solidFill>
-                  <a:schemeClr val="tx1">
-                    <a:lumMod val="65000"/>
-                    <a:lumOff val="35000"/>
-                  </a:schemeClr>
-                </a:solidFill>
-                <a:latin typeface="Microsoft YaHei" panose="020B0503020204020204" pitchFamily="34" charset="-122"/>
-                <a:ea typeface="Microsoft YaHei" panose="020B0503020204020204" pitchFamily="34" charset="-122"/>
-              </a:rPr>
-              <a:t>Array</a:t>
-            </a:r>
-            <a:r>
-              <a:rPr kumimoji="1" lang="zh-CN" altLang="en-US" dirty="0">
-                <a:solidFill>
-                  <a:schemeClr val="tx1">
-                    <a:lumMod val="65000"/>
-                    <a:lumOff val="35000"/>
-                  </a:schemeClr>
-                </a:solidFill>
-                <a:latin typeface="Microsoft YaHei" panose="020B0503020204020204" pitchFamily="34" charset="-122"/>
-                <a:ea typeface="Microsoft YaHei" panose="020B0503020204020204" pitchFamily="34" charset="-122"/>
-              </a:rPr>
-              <a:t>：</a:t>
-            </a:r>
-            <a:r>
-              <a:rPr lang="zh-CN" altLang="en-US" dirty="0"/>
-              <a:t>複数</a:t>
-            </a:r>
-            <a:r>
-              <a:rPr lang="ja-JP" altLang="en-US"/>
-              <a:t>の</a:t>
-            </a:r>
-            <a:r>
-              <a:rPr lang="zh-CN" altLang="en-US" dirty="0"/>
-              <a:t>値</a:t>
-            </a:r>
-            <a:r>
-              <a:rPr lang="ja-JP" altLang="en-US"/>
-              <a:t>を</a:t>
-            </a:r>
-            <a:r>
-              <a:rPr lang="zh-CN" altLang="en-US" dirty="0"/>
-              <a:t>格納</a:t>
-            </a:r>
-            <a:r>
-              <a:rPr lang="ja-JP" altLang="en-US"/>
-              <a:t>できる。</a:t>
-            </a:r>
-            <a:endParaRPr lang="en-US" altLang="ja-JP" dirty="0"/>
-          </a:p>
-          <a:p>
-            <a:pPr marL="342900" indent="-342900">
-              <a:buAutoNum type="arabicPeriod"/>
-            </a:pPr>
-            <a:r>
-              <a:rPr kumimoji="1" lang="en-US" altLang="zh-CN" dirty="0">
-                <a:solidFill>
-                  <a:schemeClr val="tx1">
-                    <a:lumMod val="65000"/>
-                    <a:lumOff val="35000"/>
-                  </a:schemeClr>
-                </a:solidFill>
-                <a:latin typeface="Microsoft YaHei" panose="020B0503020204020204" pitchFamily="34" charset="-122"/>
-                <a:ea typeface="Microsoft YaHei" panose="020B0503020204020204" pitchFamily="34" charset="-122"/>
-              </a:rPr>
-              <a:t>Object:</a:t>
-            </a:r>
-            <a:r>
-              <a:rPr kumimoji="1" lang="zh-CN" altLang="en-US" dirty="0">
-                <a:solidFill>
-                  <a:schemeClr val="tx1">
-                    <a:lumMod val="65000"/>
-                    <a:lumOff val="35000"/>
-                  </a:schemeClr>
-                </a:solidFill>
-                <a:latin typeface="Microsoft YaHei" panose="020B0503020204020204" pitchFamily="34" charset="-122"/>
-                <a:ea typeface="Microsoft YaHei" panose="020B0503020204020204" pitchFamily="34" charset="-122"/>
-              </a:rPr>
-              <a:t>何を格納できる</a:t>
-            </a:r>
-            <a:endParaRPr kumimoji="1" lang="en-US" altLang="zh-CN" dirty="0">
-              <a:solidFill>
-                <a:schemeClr val="tx1">
-                  <a:lumMod val="65000"/>
-                  <a:lumOff val="35000"/>
-                </a:schemeClr>
-              </a:solidFill>
-              <a:latin typeface="Microsoft YaHei" panose="020B0503020204020204" pitchFamily="34" charset="-122"/>
-              <a:ea typeface="Microsoft YaHei" panose="020B0503020204020204" pitchFamily="34" charset="-122"/>
-            </a:endParaRPr>
+              <a:t>const</a:t>
+            </a:r>
           </a:p>
         </p:txBody>
       </p:sp>
     </p:spTree>
     <p:extLst>
       <p:ext uri="{BB962C8B-B14F-4D97-AF65-F5344CB8AC3E}">
-        <p14:creationId xmlns:p14="http://schemas.microsoft.com/office/powerpoint/2010/main" val="3336718790"/>
+        <p14:creationId xmlns:p14="http://schemas.microsoft.com/office/powerpoint/2010/main" val="2734926246"/>
       </p:ext>
     </p:extLst>
   </p:cSld>
@@ -6108,7 +6015,7 @@
                 <a:latin typeface="Microsoft YaHei" panose="020B0503020204020204" pitchFamily="34" charset="-122"/>
                 <a:ea typeface="Microsoft YaHei" panose="020B0503020204020204" pitchFamily="34" charset="-122"/>
               </a:rPr>
-              <a:t>演算子</a:t>
+              <a:t>データ型</a:t>
             </a:r>
           </a:p>
         </p:txBody>
@@ -6128,7 +6035,7 @@
         <p:spPr>
           <a:xfrm>
             <a:off x="668604" y="1574560"/>
-            <a:ext cx="1223412" cy="3139321"/>
+            <a:ext cx="3889206" cy="1477328"/>
           </a:xfrm>
           <a:prstGeom prst="rect">
             <a:avLst/>
@@ -6145,7 +6052,7 @@
               <a:buAutoNum type="arabicPeriod"/>
             </a:pPr>
             <a:r>
-              <a:rPr kumimoji="1" lang="zh-CN" altLang="en-US" dirty="0">
+              <a:rPr kumimoji="1" lang="en-US" altLang="zh-CN" dirty="0">
                 <a:solidFill>
                   <a:schemeClr val="tx1">
                     <a:lumMod val="65000"/>
@@ -6155,7 +6062,20 @@
                 <a:latin typeface="Microsoft YaHei" panose="020B0503020204020204" pitchFamily="34" charset="-122"/>
                 <a:ea typeface="Microsoft YaHei" panose="020B0503020204020204" pitchFamily="34" charset="-122"/>
               </a:rPr>
-              <a:t>＋</a:t>
+              <a:t>String</a:t>
+            </a:r>
+            <a:r>
+              <a:rPr kumimoji="1" lang="zh-CN" altLang="en-US" dirty="0">
+                <a:solidFill>
+                  <a:schemeClr val="tx1">
+                    <a:lumMod val="65000"/>
+                    <a:lumOff val="35000"/>
+                  </a:schemeClr>
+                </a:solidFill>
+                <a:latin typeface="Microsoft YaHei" panose="020B0503020204020204" pitchFamily="34" charset="-122"/>
+                <a:ea typeface="Microsoft YaHei" panose="020B0503020204020204" pitchFamily="34" charset="-122"/>
+              </a:rPr>
+              <a:t>：文字列</a:t>
             </a:r>
             <a:endParaRPr kumimoji="1" lang="en-US" altLang="zh-CN" dirty="0">
               <a:solidFill>
@@ -6173,7 +6093,7 @@
               <a:buAutoNum type="arabicPeriod"/>
             </a:pPr>
             <a:r>
-              <a:rPr kumimoji="1" lang="zh-CN" altLang="en-US" dirty="0">
+              <a:rPr kumimoji="1" lang="en-US" altLang="zh-CN" dirty="0">
                 <a:solidFill>
                   <a:schemeClr val="tx1">
                     <a:lumMod val="65000"/>
@@ -6183,7 +6103,20 @@
                 <a:latin typeface="Microsoft YaHei" panose="020B0503020204020204" pitchFamily="34" charset="-122"/>
                 <a:ea typeface="Microsoft YaHei" panose="020B0503020204020204" pitchFamily="34" charset="-122"/>
               </a:rPr>
-              <a:t>ー</a:t>
+              <a:t>Number</a:t>
+            </a:r>
+            <a:r>
+              <a:rPr kumimoji="1" lang="zh-CN" altLang="en-US" dirty="0">
+                <a:solidFill>
+                  <a:schemeClr val="tx1">
+                    <a:lumMod val="65000"/>
+                    <a:lumOff val="35000"/>
+                  </a:schemeClr>
+                </a:solidFill>
+                <a:latin typeface="Microsoft YaHei" panose="020B0503020204020204" pitchFamily="34" charset="-122"/>
+                <a:ea typeface="Microsoft YaHei" panose="020B0503020204020204" pitchFamily="34" charset="-122"/>
+              </a:rPr>
+              <a:t>：数字</a:t>
             </a:r>
             <a:endParaRPr kumimoji="1" lang="en-US" altLang="zh-CN" dirty="0">
               <a:solidFill>
@@ -6201,7 +6134,7 @@
               <a:buAutoNum type="arabicPeriod"/>
             </a:pPr>
             <a:r>
-              <a:rPr kumimoji="1" lang="zh-CN" altLang="en-US" dirty="0">
+              <a:rPr kumimoji="1" lang="en-US" altLang="zh-CN" dirty="0">
                 <a:solidFill>
                   <a:schemeClr val="tx1">
                     <a:lumMod val="65000"/>
@@ -6211,7 +6144,32 @@
                 <a:latin typeface="Microsoft YaHei" panose="020B0503020204020204" pitchFamily="34" charset="-122"/>
                 <a:ea typeface="Microsoft YaHei" panose="020B0503020204020204" pitchFamily="34" charset="-122"/>
               </a:rPr>
-              <a:t>＝</a:t>
+              <a:t>Boolean</a:t>
+            </a:r>
+            <a:r>
+              <a:rPr kumimoji="1" lang="zh-CN" altLang="en-US" dirty="0">
+                <a:solidFill>
+                  <a:schemeClr val="tx1">
+                    <a:lumMod val="65000"/>
+                    <a:lumOff val="35000"/>
+                  </a:schemeClr>
+                </a:solidFill>
+                <a:latin typeface="Microsoft YaHei" panose="020B0503020204020204" pitchFamily="34" charset="-122"/>
+                <a:ea typeface="Microsoft YaHei" panose="020B0503020204020204" pitchFamily="34" charset="-122"/>
+              </a:rPr>
+              <a:t>：</a:t>
+            </a:r>
+            <a:r>
+              <a:rPr lang="en" altLang="zh-CN" dirty="0"/>
+              <a:t>true </a:t>
+            </a:r>
+            <a:r>
+              <a:rPr lang="ja-JP" altLang="en-US"/>
+              <a:t>と </a:t>
+            </a:r>
+            <a:r>
+              <a:rPr lang="en" altLang="zh-CN" dirty="0"/>
+              <a:t>false</a:t>
             </a:r>
             <a:endParaRPr kumimoji="1" lang="en-US" altLang="zh-CN" dirty="0">
               <a:solidFill>
@@ -6229,7 +6187,7 @@
               <a:buAutoNum type="arabicPeriod"/>
             </a:pPr>
             <a:r>
-              <a:rPr kumimoji="1" lang="zh-CN" altLang="en-US" dirty="0">
+              <a:rPr kumimoji="1" lang="en-US" altLang="zh-CN" dirty="0">
                 <a:solidFill>
                   <a:schemeClr val="tx1">
                     <a:lumMod val="65000"/>
@@ -6239,7 +6197,76 @@
                 <a:latin typeface="Microsoft YaHei" panose="020B0503020204020204" pitchFamily="34" charset="-122"/>
                 <a:ea typeface="Microsoft YaHei" panose="020B0503020204020204" pitchFamily="34" charset="-122"/>
               </a:rPr>
-              <a:t>＝＝</a:t>
+              <a:t>Array</a:t>
+            </a:r>
+            <a:r>
+              <a:rPr kumimoji="1" lang="zh-CN" altLang="en-US" dirty="0">
+                <a:solidFill>
+                  <a:schemeClr val="tx1">
+                    <a:lumMod val="65000"/>
+                    <a:lumOff val="35000"/>
+                  </a:schemeClr>
+                </a:solidFill>
+                <a:latin typeface="Microsoft YaHei" panose="020B0503020204020204" pitchFamily="34" charset="-122"/>
+                <a:ea typeface="Microsoft YaHei" panose="020B0503020204020204" pitchFamily="34" charset="-122"/>
+              </a:rPr>
+              <a:t>：</a:t>
+            </a:r>
+            <a:r>
+              <a:rPr lang="zh-CN" altLang="en-US" dirty="0"/>
+              <a:t>複数</a:t>
+            </a:r>
+            <a:r>
+              <a:rPr lang="ja-JP" altLang="en-US"/>
+              <a:t>の</a:t>
+            </a:r>
+            <a:r>
+              <a:rPr lang="zh-CN" altLang="en-US" dirty="0"/>
+              <a:t>値</a:t>
+            </a:r>
+            <a:r>
+              <a:rPr lang="ja-JP" altLang="en-US"/>
+              <a:t>を</a:t>
+            </a:r>
+            <a:r>
+              <a:rPr lang="zh-CN" altLang="en-US" dirty="0"/>
+              <a:t>格納</a:t>
+            </a:r>
+            <a:r>
+              <a:rPr lang="ja-JP" altLang="en-US"/>
+              <a:t>できる。</a:t>
+            </a:r>
+            <a:endParaRPr lang="en-US" altLang="ja-JP" dirty="0"/>
+          </a:p>
+          <a:p>
+            <a:pPr marL="342900" indent="-342900">
+              <a:buAutoNum type="arabicPeriod"/>
+            </a:pPr>
+            <a:r>
+              <a:rPr kumimoji="1" lang="en-US" altLang="zh-CN" dirty="0">
+                <a:solidFill>
+                  <a:schemeClr val="tx1">
+                    <a:lumMod val="65000"/>
+                    <a:lumOff val="35000"/>
+                  </a:schemeClr>
+                </a:solidFill>
+                <a:latin typeface="Microsoft YaHei" panose="020B0503020204020204" pitchFamily="34" charset="-122"/>
+                <a:ea typeface="Microsoft YaHei" panose="020B0503020204020204" pitchFamily="34" charset="-122"/>
+              </a:rPr>
+              <a:t>Object:</a:t>
+            </a:r>
+            <a:r>
+              <a:rPr kumimoji="1" lang="zh-CN" altLang="en-US" dirty="0">
+                <a:solidFill>
+                  <a:schemeClr val="tx1">
+                    <a:lumMod val="65000"/>
+                    <a:lumOff val="35000"/>
+                  </a:schemeClr>
+                </a:solidFill>
+                <a:latin typeface="Microsoft YaHei" panose="020B0503020204020204" pitchFamily="34" charset="-122"/>
+                <a:ea typeface="Microsoft YaHei" panose="020B0503020204020204" pitchFamily="34" charset="-122"/>
+              </a:rPr>
+              <a:t>何を格納できる</a:t>
             </a:r>
             <a:endParaRPr kumimoji="1" lang="en-US" altLang="zh-CN" dirty="0">
               <a:solidFill>
@@ -6252,208 +6279,12 @@
               <a:ea typeface="Microsoft YaHei" panose="020B0503020204020204" pitchFamily="34" charset="-122"/>
             </a:endParaRPr>
           </a:p>
-          <a:p>
-            <a:pPr marL="342900" indent="-342900">
-              <a:buAutoNum type="arabicPeriod"/>
-            </a:pPr>
-            <a:r>
-              <a:rPr kumimoji="1" lang="zh-CN" altLang="en-US" dirty="0">
-                <a:solidFill>
-                  <a:schemeClr val="tx1">
-                    <a:lumMod val="65000"/>
-                    <a:lumOff val="35000"/>
-                  </a:schemeClr>
-                </a:solidFill>
-                <a:latin typeface="Microsoft YaHei" panose="020B0503020204020204" pitchFamily="34" charset="-122"/>
-                <a:ea typeface="Microsoft YaHei" panose="020B0503020204020204" pitchFamily="34" charset="-122"/>
-              </a:rPr>
-              <a:t>＝＝＝</a:t>
-            </a:r>
-            <a:endParaRPr kumimoji="1" lang="en-US" altLang="zh-CN" dirty="0">
-              <a:solidFill>
-                <a:schemeClr val="tx1">
-                  <a:lumMod val="65000"/>
-                  <a:lumOff val="35000"/>
-                </a:schemeClr>
-              </a:solidFill>
-              <a:latin typeface="Microsoft YaHei" panose="020B0503020204020204" pitchFamily="34" charset="-122"/>
-              <a:ea typeface="Microsoft YaHei" panose="020B0503020204020204" pitchFamily="34" charset="-122"/>
-            </a:endParaRPr>
-          </a:p>
-          <a:p>
-            <a:pPr marL="342900" indent="-342900">
-              <a:buAutoNum type="arabicPeriod"/>
-            </a:pPr>
-            <a:r>
-              <a:rPr kumimoji="1" lang="zh-CN" altLang="en-US" dirty="0">
-                <a:solidFill>
-                  <a:schemeClr val="tx1">
-                    <a:lumMod val="65000"/>
-                    <a:lumOff val="35000"/>
-                  </a:schemeClr>
-                </a:solidFill>
-                <a:latin typeface="Microsoft YaHei" panose="020B0503020204020204" pitchFamily="34" charset="-122"/>
-                <a:ea typeface="Microsoft YaHei" panose="020B0503020204020204" pitchFamily="34" charset="-122"/>
-              </a:rPr>
-              <a:t>＋＋</a:t>
-            </a:r>
-            <a:endParaRPr kumimoji="1" lang="en-US" altLang="zh-CN" dirty="0">
-              <a:solidFill>
-                <a:schemeClr val="tx1">
-                  <a:lumMod val="65000"/>
-                  <a:lumOff val="35000"/>
-                </a:schemeClr>
-              </a:solidFill>
-              <a:latin typeface="Microsoft YaHei" panose="020B0503020204020204" pitchFamily="34" charset="-122"/>
-              <a:ea typeface="Microsoft YaHei" panose="020B0503020204020204" pitchFamily="34" charset="-122"/>
-            </a:endParaRPr>
-          </a:p>
-          <a:p>
-            <a:pPr marL="342900" indent="-342900">
-              <a:buAutoNum type="arabicPeriod"/>
-            </a:pPr>
-            <a:r>
-              <a:rPr kumimoji="1" lang="zh-CN" altLang="en-US" dirty="0">
-                <a:solidFill>
-                  <a:schemeClr val="tx1">
-                    <a:lumMod val="65000"/>
-                    <a:lumOff val="35000"/>
-                  </a:schemeClr>
-                </a:solidFill>
-                <a:latin typeface="Microsoft YaHei" panose="020B0503020204020204" pitchFamily="34" charset="-122"/>
-                <a:ea typeface="Microsoft YaHei" panose="020B0503020204020204" pitchFamily="34" charset="-122"/>
-              </a:rPr>
-              <a:t>ーー</a:t>
-            </a:r>
-            <a:endParaRPr kumimoji="1" lang="en-US" altLang="zh-CN" dirty="0">
-              <a:solidFill>
-                <a:schemeClr val="tx1">
-                  <a:lumMod val="65000"/>
-                  <a:lumOff val="35000"/>
-                </a:schemeClr>
-              </a:solidFill>
-              <a:latin typeface="Microsoft YaHei" panose="020B0503020204020204" pitchFamily="34" charset="-122"/>
-              <a:ea typeface="Microsoft YaHei" panose="020B0503020204020204" pitchFamily="34" charset="-122"/>
-            </a:endParaRPr>
-          </a:p>
-          <a:p>
-            <a:pPr marL="342900" indent="-342900">
-              <a:buAutoNum type="arabicPeriod"/>
-            </a:pPr>
-            <a:r>
-              <a:rPr kumimoji="1" lang="zh-CN" altLang="en-US" dirty="0">
-                <a:solidFill>
-                  <a:schemeClr val="tx1">
-                    <a:lumMod val="65000"/>
-                    <a:lumOff val="35000"/>
-                  </a:schemeClr>
-                </a:solidFill>
-                <a:latin typeface="Microsoft YaHei" panose="020B0503020204020204" pitchFamily="34" charset="-122"/>
-                <a:ea typeface="Microsoft YaHei" panose="020B0503020204020204" pitchFamily="34" charset="-122"/>
-              </a:rPr>
-              <a:t>＞</a:t>
-            </a:r>
-            <a:endParaRPr kumimoji="1" lang="en-US" altLang="zh-CN" dirty="0">
-              <a:solidFill>
-                <a:schemeClr val="tx1">
-                  <a:lumMod val="65000"/>
-                  <a:lumOff val="35000"/>
-                </a:schemeClr>
-              </a:solidFill>
-              <a:latin typeface="Microsoft YaHei" panose="020B0503020204020204" pitchFamily="34" charset="-122"/>
-              <a:ea typeface="Microsoft YaHei" panose="020B0503020204020204" pitchFamily="34" charset="-122"/>
-            </a:endParaRPr>
-          </a:p>
-          <a:p>
-            <a:pPr marL="342900" indent="-342900">
-              <a:buAutoNum type="arabicPeriod"/>
-            </a:pPr>
-            <a:r>
-              <a:rPr kumimoji="1" lang="zh-CN" altLang="en-US" dirty="0">
-                <a:solidFill>
-                  <a:schemeClr val="tx1">
-                    <a:lumMod val="65000"/>
-                    <a:lumOff val="35000"/>
-                  </a:schemeClr>
-                </a:solidFill>
-                <a:latin typeface="Microsoft YaHei" panose="020B0503020204020204" pitchFamily="34" charset="-122"/>
-                <a:ea typeface="Microsoft YaHei" panose="020B0503020204020204" pitchFamily="34" charset="-122"/>
-              </a:rPr>
-              <a:t>＞＝</a:t>
-            </a:r>
-            <a:endParaRPr kumimoji="1" lang="en-US" altLang="zh-CN" dirty="0">
-              <a:solidFill>
-                <a:schemeClr val="tx1">
-                  <a:lumMod val="65000"/>
-                  <a:lumOff val="35000"/>
-                </a:schemeClr>
-              </a:solidFill>
-              <a:latin typeface="Microsoft YaHei" panose="020B0503020204020204" pitchFamily="34" charset="-122"/>
-              <a:ea typeface="Microsoft YaHei" panose="020B0503020204020204" pitchFamily="34" charset="-122"/>
-            </a:endParaRPr>
-          </a:p>
-          <a:p>
-            <a:pPr marL="342900" indent="-342900">
-              <a:buAutoNum type="arabicPeriod"/>
-            </a:pPr>
-            <a:r>
-              <a:rPr kumimoji="1" lang="zh-CN" altLang="en-US" dirty="0">
-                <a:solidFill>
-                  <a:schemeClr val="tx1">
-                    <a:lumMod val="65000"/>
-                    <a:lumOff val="35000"/>
-                  </a:schemeClr>
-                </a:solidFill>
-                <a:latin typeface="Microsoft YaHei" panose="020B0503020204020204" pitchFamily="34" charset="-122"/>
-                <a:ea typeface="Microsoft YaHei" panose="020B0503020204020204" pitchFamily="34" charset="-122"/>
-              </a:rPr>
-              <a:t>＜</a:t>
-            </a:r>
-            <a:endParaRPr kumimoji="1" lang="en-US" altLang="zh-CN" dirty="0">
-              <a:solidFill>
-                <a:schemeClr val="tx1">
-                  <a:lumMod val="65000"/>
-                  <a:lumOff val="35000"/>
-                </a:schemeClr>
-              </a:solidFill>
-              <a:latin typeface="Microsoft YaHei" panose="020B0503020204020204" pitchFamily="34" charset="-122"/>
-              <a:ea typeface="Microsoft YaHei" panose="020B0503020204020204" pitchFamily="34" charset="-122"/>
-            </a:endParaRPr>
-          </a:p>
-          <a:p>
-            <a:pPr marL="342900" indent="-342900">
-              <a:buAutoNum type="arabicPeriod"/>
-            </a:pPr>
-            <a:r>
-              <a:rPr kumimoji="1" lang="zh-CN" altLang="en-US" dirty="0">
-                <a:solidFill>
-                  <a:schemeClr val="tx1">
-                    <a:lumMod val="65000"/>
-                    <a:lumOff val="35000"/>
-                  </a:schemeClr>
-                </a:solidFill>
-                <a:latin typeface="Microsoft YaHei" panose="020B0503020204020204" pitchFamily="34" charset="-122"/>
-                <a:ea typeface="Microsoft YaHei" panose="020B0503020204020204" pitchFamily="34" charset="-122"/>
-              </a:rPr>
-              <a:t>＜＝</a:t>
-            </a:r>
-            <a:endParaRPr kumimoji="1" lang="en-US" altLang="zh-CN" dirty="0">
-              <a:solidFill>
-                <a:schemeClr val="tx1">
-                  <a:lumMod val="65000"/>
-                  <a:lumOff val="35000"/>
-                </a:schemeClr>
-              </a:solidFill>
-              <a:latin typeface="Microsoft YaHei" panose="020B0503020204020204" pitchFamily="34" charset="-122"/>
-              <a:ea typeface="Microsoft YaHei" panose="020B0503020204020204" pitchFamily="34" charset="-122"/>
-            </a:endParaRPr>
-          </a:p>
         </p:txBody>
       </p:sp>
     </p:spTree>
     <p:extLst>
       <p:ext uri="{BB962C8B-B14F-4D97-AF65-F5344CB8AC3E}">
-        <p14:creationId xmlns:p14="http://schemas.microsoft.com/office/powerpoint/2010/main" val="3299105906"/>
+        <p14:creationId xmlns:p14="http://schemas.microsoft.com/office/powerpoint/2010/main" val="3336718790"/>
       </p:ext>
     </p:extLst>
   </p:cSld>
@@ -6536,7 +6367,7 @@
                 <a:latin typeface="Microsoft YaHei" panose="020B0503020204020204" pitchFamily="34" charset="-122"/>
                 <a:ea typeface="Microsoft YaHei" panose="020B0503020204020204" pitchFamily="34" charset="-122"/>
               </a:rPr>
-              <a:t>条件文</a:t>
+              <a:t>演算子</a:t>
             </a:r>
           </a:p>
         </p:txBody>
@@ -6556,7 +6387,7 @@
         <p:spPr>
           <a:xfrm>
             <a:off x="668604" y="1574560"/>
-            <a:ext cx="1277914" cy="369332"/>
+            <a:ext cx="1223412" cy="3970318"/>
           </a:xfrm>
           <a:prstGeom prst="rect">
             <a:avLst/>
@@ -6569,8 +6400,11 @@
           </a:bodyPr>
           <a:lstStyle/>
           <a:p>
-            <a:r>
-              <a:rPr kumimoji="1" lang="en-US" altLang="zh-CN" dirty="0">
+            <a:pPr marL="342900" indent="-342900">
+              <a:buAutoNum type="arabicPeriod"/>
+            </a:pPr>
+            <a:r>
+              <a:rPr kumimoji="1" lang="zh-CN" altLang="en-US" dirty="0">
                 <a:solidFill>
                   <a:schemeClr val="tx1">
                     <a:lumMod val="65000"/>
@@ -6580,15 +6414,369 @@
                 <a:latin typeface="Microsoft YaHei" panose="020B0503020204020204" pitchFamily="34" charset="-122"/>
                 <a:ea typeface="Microsoft YaHei" panose="020B0503020204020204" pitchFamily="34" charset="-122"/>
               </a:rPr>
-              <a:t>If {} else {}</a:t>
-            </a:r>
+              <a:t>＋</a:t>
+            </a:r>
+            <a:endParaRPr kumimoji="1" lang="en-US" altLang="zh-CN" dirty="0">
+              <a:solidFill>
+                <a:schemeClr val="tx1">
+                  <a:lumMod val="65000"/>
+                  <a:lumOff val="35000"/>
+                </a:schemeClr>
+              </a:solidFill>
+              <a:latin typeface="Microsoft YaHei" panose="020B0503020204020204" pitchFamily="34" charset="-122"/>
+              <a:ea typeface="Microsoft YaHei" panose="020B0503020204020204" pitchFamily="34" charset="-122"/>
+            </a:endParaRPr>
+          </a:p>
+          <a:p>
+            <a:pPr marL="342900" indent="-342900">
+              <a:buAutoNum type="arabicPeriod"/>
+            </a:pPr>
+            <a:r>
+              <a:rPr kumimoji="1" lang="zh-CN" altLang="en-US" dirty="0">
+                <a:solidFill>
+                  <a:schemeClr val="tx1">
+                    <a:lumMod val="65000"/>
+                    <a:lumOff val="35000"/>
+                  </a:schemeClr>
+                </a:solidFill>
+                <a:latin typeface="Microsoft YaHei" panose="020B0503020204020204" pitchFamily="34" charset="-122"/>
+                <a:ea typeface="Microsoft YaHei" panose="020B0503020204020204" pitchFamily="34" charset="-122"/>
+              </a:rPr>
+              <a:t>ー</a:t>
+            </a:r>
+            <a:endParaRPr kumimoji="1" lang="en-US" altLang="zh-CN" dirty="0">
+              <a:solidFill>
+                <a:schemeClr val="tx1">
+                  <a:lumMod val="65000"/>
+                  <a:lumOff val="35000"/>
+                </a:schemeClr>
+              </a:solidFill>
+              <a:latin typeface="Microsoft YaHei" panose="020B0503020204020204" pitchFamily="34" charset="-122"/>
+              <a:ea typeface="Microsoft YaHei" panose="020B0503020204020204" pitchFamily="34" charset="-122"/>
+            </a:endParaRPr>
+          </a:p>
+          <a:p>
+            <a:pPr marL="342900" indent="-342900">
+              <a:buAutoNum type="arabicPeriod"/>
+            </a:pPr>
+            <a:r>
+              <a:rPr kumimoji="1" lang="zh-CN" altLang="en-US" dirty="0">
+                <a:solidFill>
+                  <a:schemeClr val="tx1">
+                    <a:lumMod val="65000"/>
+                    <a:lumOff val="35000"/>
+                  </a:schemeClr>
+                </a:solidFill>
+                <a:latin typeface="Microsoft YaHei" panose="020B0503020204020204" pitchFamily="34" charset="-122"/>
+                <a:ea typeface="Microsoft YaHei" panose="020B0503020204020204" pitchFamily="34" charset="-122"/>
+              </a:rPr>
+              <a:t>＋＋</a:t>
+            </a:r>
+            <a:endParaRPr kumimoji="1" lang="en-US" altLang="zh-CN" dirty="0">
+              <a:solidFill>
+                <a:schemeClr val="tx1">
+                  <a:lumMod val="65000"/>
+                  <a:lumOff val="35000"/>
+                </a:schemeClr>
+              </a:solidFill>
+              <a:latin typeface="Microsoft YaHei" panose="020B0503020204020204" pitchFamily="34" charset="-122"/>
+              <a:ea typeface="Microsoft YaHei" panose="020B0503020204020204" pitchFamily="34" charset="-122"/>
+            </a:endParaRPr>
+          </a:p>
+          <a:p>
+            <a:pPr marL="342900" indent="-342900">
+              <a:buAutoNum type="arabicPeriod"/>
+            </a:pPr>
+            <a:r>
+              <a:rPr kumimoji="1" lang="zh-CN" altLang="en-US" dirty="0">
+                <a:solidFill>
+                  <a:schemeClr val="tx1">
+                    <a:lumMod val="65000"/>
+                    <a:lumOff val="35000"/>
+                  </a:schemeClr>
+                </a:solidFill>
+                <a:latin typeface="Microsoft YaHei" panose="020B0503020204020204" pitchFamily="34" charset="-122"/>
+                <a:ea typeface="Microsoft YaHei" panose="020B0503020204020204" pitchFamily="34" charset="-122"/>
+              </a:rPr>
+              <a:t>ーー</a:t>
+            </a:r>
+            <a:endParaRPr kumimoji="1" lang="en-US" altLang="zh-CN" dirty="0">
+              <a:solidFill>
+                <a:schemeClr val="tx1">
+                  <a:lumMod val="65000"/>
+                  <a:lumOff val="35000"/>
+                </a:schemeClr>
+              </a:solidFill>
+              <a:latin typeface="Microsoft YaHei" panose="020B0503020204020204" pitchFamily="34" charset="-122"/>
+              <a:ea typeface="Microsoft YaHei" panose="020B0503020204020204" pitchFamily="34" charset="-122"/>
+            </a:endParaRPr>
+          </a:p>
+          <a:p>
+            <a:pPr marL="342900" indent="-342900">
+              <a:buAutoNum type="arabicPeriod"/>
+            </a:pPr>
+            <a:r>
+              <a:rPr kumimoji="1" lang="zh-CN" altLang="en-US" dirty="0">
+                <a:solidFill>
+                  <a:schemeClr val="tx1">
+                    <a:lumMod val="65000"/>
+                    <a:lumOff val="35000"/>
+                  </a:schemeClr>
+                </a:solidFill>
+                <a:latin typeface="Microsoft YaHei" panose="020B0503020204020204" pitchFamily="34" charset="-122"/>
+                <a:ea typeface="Microsoft YaHei" panose="020B0503020204020204" pitchFamily="34" charset="-122"/>
+              </a:rPr>
+              <a:t>*</a:t>
+            </a:r>
+            <a:endParaRPr kumimoji="1" lang="en-US" altLang="zh-CN" dirty="0">
+              <a:solidFill>
+                <a:schemeClr val="tx1">
+                  <a:lumMod val="65000"/>
+                  <a:lumOff val="35000"/>
+                </a:schemeClr>
+              </a:solidFill>
+              <a:latin typeface="Microsoft YaHei" panose="020B0503020204020204" pitchFamily="34" charset="-122"/>
+              <a:ea typeface="Microsoft YaHei" panose="020B0503020204020204" pitchFamily="34" charset="-122"/>
+            </a:endParaRPr>
+          </a:p>
+          <a:p>
+            <a:pPr marL="342900" indent="-342900">
+              <a:buAutoNum type="arabicPeriod"/>
+            </a:pPr>
+            <a:r>
+              <a:rPr kumimoji="1" lang="en-US" altLang="zh-CN" dirty="0">
+                <a:solidFill>
+                  <a:schemeClr val="tx1">
+                    <a:lumMod val="65000"/>
+                    <a:lumOff val="35000"/>
+                  </a:schemeClr>
+                </a:solidFill>
+                <a:latin typeface="Microsoft YaHei" panose="020B0503020204020204" pitchFamily="34" charset="-122"/>
+                <a:ea typeface="Microsoft YaHei" panose="020B0503020204020204" pitchFamily="34" charset="-122"/>
+              </a:rPr>
+              <a:t>/</a:t>
+            </a:r>
+          </a:p>
+          <a:p>
+            <a:pPr marL="342900" indent="-342900">
+              <a:buAutoNum type="arabicPeriod"/>
+            </a:pPr>
+            <a:r>
+              <a:rPr kumimoji="1" lang="en-US" altLang="zh-CN" dirty="0">
+                <a:solidFill>
+                  <a:schemeClr val="tx1">
+                    <a:lumMod val="65000"/>
+                    <a:lumOff val="35000"/>
+                  </a:schemeClr>
+                </a:solidFill>
+                <a:latin typeface="Microsoft YaHei" panose="020B0503020204020204" pitchFamily="34" charset="-122"/>
+                <a:ea typeface="Microsoft YaHei" panose="020B0503020204020204" pitchFamily="34" charset="-122"/>
+              </a:rPr>
+              <a:t>%</a:t>
+            </a:r>
+          </a:p>
+          <a:p>
+            <a:pPr marL="342900" indent="-342900">
+              <a:buAutoNum type="arabicPeriod"/>
+            </a:pPr>
+            <a:r>
+              <a:rPr kumimoji="1" lang="zh-CN" altLang="en-US" dirty="0">
+                <a:solidFill>
+                  <a:schemeClr val="tx1">
+                    <a:lumMod val="65000"/>
+                    <a:lumOff val="35000"/>
+                  </a:schemeClr>
+                </a:solidFill>
+                <a:latin typeface="Microsoft YaHei" panose="020B0503020204020204" pitchFamily="34" charset="-122"/>
+                <a:ea typeface="Microsoft YaHei" panose="020B0503020204020204" pitchFamily="34" charset="-122"/>
+              </a:rPr>
+              <a:t>＝</a:t>
+            </a:r>
+            <a:endParaRPr kumimoji="1" lang="en-US" altLang="zh-CN" dirty="0">
+              <a:solidFill>
+                <a:schemeClr val="tx1">
+                  <a:lumMod val="65000"/>
+                  <a:lumOff val="35000"/>
+                </a:schemeClr>
+              </a:solidFill>
+              <a:latin typeface="Microsoft YaHei" panose="020B0503020204020204" pitchFamily="34" charset="-122"/>
+              <a:ea typeface="Microsoft YaHei" panose="020B0503020204020204" pitchFamily="34" charset="-122"/>
+            </a:endParaRPr>
+          </a:p>
+          <a:p>
+            <a:pPr marL="342900" indent="-342900">
+              <a:buAutoNum type="arabicPeriod"/>
+            </a:pPr>
+            <a:r>
+              <a:rPr kumimoji="1" lang="zh-CN" altLang="en-US" dirty="0">
+                <a:solidFill>
+                  <a:schemeClr val="tx1">
+                    <a:lumMod val="65000"/>
+                    <a:lumOff val="35000"/>
+                  </a:schemeClr>
+                </a:solidFill>
+                <a:latin typeface="Microsoft YaHei" panose="020B0503020204020204" pitchFamily="34" charset="-122"/>
+                <a:ea typeface="Microsoft YaHei" panose="020B0503020204020204" pitchFamily="34" charset="-122"/>
+              </a:rPr>
+              <a:t>＝＝</a:t>
+            </a:r>
+            <a:endParaRPr kumimoji="1" lang="en-US" altLang="zh-CN" dirty="0">
+              <a:solidFill>
+                <a:schemeClr val="tx1">
+                  <a:lumMod val="65000"/>
+                  <a:lumOff val="35000"/>
+                </a:schemeClr>
+              </a:solidFill>
+              <a:latin typeface="Microsoft YaHei" panose="020B0503020204020204" pitchFamily="34" charset="-122"/>
+              <a:ea typeface="Microsoft YaHei" panose="020B0503020204020204" pitchFamily="34" charset="-122"/>
+            </a:endParaRPr>
+          </a:p>
+          <a:p>
+            <a:pPr marL="342900" indent="-342900">
+              <a:buAutoNum type="arabicPeriod"/>
+            </a:pPr>
+            <a:r>
+              <a:rPr kumimoji="1" lang="zh-CN" altLang="en-US" dirty="0">
+                <a:solidFill>
+                  <a:schemeClr val="tx1">
+                    <a:lumMod val="65000"/>
+                    <a:lumOff val="35000"/>
+                  </a:schemeClr>
+                </a:solidFill>
+                <a:latin typeface="Microsoft YaHei" panose="020B0503020204020204" pitchFamily="34" charset="-122"/>
+                <a:ea typeface="Microsoft YaHei" panose="020B0503020204020204" pitchFamily="34" charset="-122"/>
+              </a:rPr>
+              <a:t>＝＝＝</a:t>
+            </a:r>
+            <a:endParaRPr kumimoji="1" lang="en-US" altLang="zh-CN" dirty="0">
+              <a:solidFill>
+                <a:schemeClr val="tx1">
+                  <a:lumMod val="65000"/>
+                  <a:lumOff val="35000"/>
+                </a:schemeClr>
+              </a:solidFill>
+              <a:latin typeface="Microsoft YaHei" panose="020B0503020204020204" pitchFamily="34" charset="-122"/>
+              <a:ea typeface="Microsoft YaHei" panose="020B0503020204020204" pitchFamily="34" charset="-122"/>
+            </a:endParaRPr>
+          </a:p>
+          <a:p>
+            <a:pPr marL="342900" indent="-342900">
+              <a:buAutoNum type="arabicPeriod"/>
+            </a:pPr>
+            <a:r>
+              <a:rPr kumimoji="1" lang="zh-CN" altLang="en-US" dirty="0">
+                <a:solidFill>
+                  <a:schemeClr val="tx1">
+                    <a:lumMod val="65000"/>
+                    <a:lumOff val="35000"/>
+                  </a:schemeClr>
+                </a:solidFill>
+                <a:latin typeface="Microsoft YaHei" panose="020B0503020204020204" pitchFamily="34" charset="-122"/>
+                <a:ea typeface="Microsoft YaHei" panose="020B0503020204020204" pitchFamily="34" charset="-122"/>
+              </a:rPr>
+              <a:t>＞</a:t>
+            </a:r>
+            <a:endParaRPr kumimoji="1" lang="en-US" altLang="zh-CN" dirty="0">
+              <a:solidFill>
+                <a:schemeClr val="tx1">
+                  <a:lumMod val="65000"/>
+                  <a:lumOff val="35000"/>
+                </a:schemeClr>
+              </a:solidFill>
+              <a:latin typeface="Microsoft YaHei" panose="020B0503020204020204" pitchFamily="34" charset="-122"/>
+              <a:ea typeface="Microsoft YaHei" panose="020B0503020204020204" pitchFamily="34" charset="-122"/>
+            </a:endParaRPr>
+          </a:p>
+          <a:p>
+            <a:pPr marL="342900" indent="-342900">
+              <a:buAutoNum type="arabicPeriod"/>
+            </a:pPr>
+            <a:r>
+              <a:rPr kumimoji="1" lang="zh-CN" altLang="en-US" dirty="0">
+                <a:solidFill>
+                  <a:schemeClr val="tx1">
+                    <a:lumMod val="65000"/>
+                    <a:lumOff val="35000"/>
+                  </a:schemeClr>
+                </a:solidFill>
+                <a:latin typeface="Microsoft YaHei" panose="020B0503020204020204" pitchFamily="34" charset="-122"/>
+                <a:ea typeface="Microsoft YaHei" panose="020B0503020204020204" pitchFamily="34" charset="-122"/>
+              </a:rPr>
+              <a:t>＞＝</a:t>
+            </a:r>
+            <a:endParaRPr kumimoji="1" lang="en-US" altLang="zh-CN" dirty="0">
+              <a:solidFill>
+                <a:schemeClr val="tx1">
+                  <a:lumMod val="65000"/>
+                  <a:lumOff val="35000"/>
+                </a:schemeClr>
+              </a:solidFill>
+              <a:latin typeface="Microsoft YaHei" panose="020B0503020204020204" pitchFamily="34" charset="-122"/>
+              <a:ea typeface="Microsoft YaHei" panose="020B0503020204020204" pitchFamily="34" charset="-122"/>
+            </a:endParaRPr>
+          </a:p>
+          <a:p>
+            <a:pPr marL="342900" indent="-342900">
+              <a:buAutoNum type="arabicPeriod"/>
+            </a:pPr>
+            <a:r>
+              <a:rPr kumimoji="1" lang="zh-CN" altLang="en-US" dirty="0">
+                <a:solidFill>
+                  <a:schemeClr val="tx1">
+                    <a:lumMod val="65000"/>
+                    <a:lumOff val="35000"/>
+                  </a:schemeClr>
+                </a:solidFill>
+                <a:latin typeface="Microsoft YaHei" panose="020B0503020204020204" pitchFamily="34" charset="-122"/>
+                <a:ea typeface="Microsoft YaHei" panose="020B0503020204020204" pitchFamily="34" charset="-122"/>
+              </a:rPr>
+              <a:t>＜</a:t>
+            </a:r>
+            <a:endParaRPr kumimoji="1" lang="en-US" altLang="zh-CN" dirty="0">
+              <a:solidFill>
+                <a:schemeClr val="tx1">
+                  <a:lumMod val="65000"/>
+                  <a:lumOff val="35000"/>
+                </a:schemeClr>
+              </a:solidFill>
+              <a:latin typeface="Microsoft YaHei" panose="020B0503020204020204" pitchFamily="34" charset="-122"/>
+              <a:ea typeface="Microsoft YaHei" panose="020B0503020204020204" pitchFamily="34" charset="-122"/>
+            </a:endParaRPr>
+          </a:p>
+          <a:p>
+            <a:pPr marL="342900" indent="-342900">
+              <a:buAutoNum type="arabicPeriod"/>
+            </a:pPr>
+            <a:r>
+              <a:rPr kumimoji="1" lang="zh-CN" altLang="en-US" dirty="0">
+                <a:solidFill>
+                  <a:schemeClr val="tx1">
+                    <a:lumMod val="65000"/>
+                    <a:lumOff val="35000"/>
+                  </a:schemeClr>
+                </a:solidFill>
+                <a:latin typeface="Microsoft YaHei" panose="020B0503020204020204" pitchFamily="34" charset="-122"/>
+                <a:ea typeface="Microsoft YaHei" panose="020B0503020204020204" pitchFamily="34" charset="-122"/>
+              </a:rPr>
+              <a:t>＜＝</a:t>
+            </a:r>
+            <a:endParaRPr kumimoji="1" lang="en-US" altLang="zh-CN" dirty="0">
+              <a:solidFill>
+                <a:schemeClr val="tx1">
+                  <a:lumMod val="65000"/>
+                  <a:lumOff val="35000"/>
+                </a:schemeClr>
+              </a:solidFill>
+              <a:latin typeface="Microsoft YaHei" panose="020B0503020204020204" pitchFamily="34" charset="-122"/>
+              <a:ea typeface="Microsoft YaHei" panose="020B0503020204020204" pitchFamily="34" charset="-122"/>
+            </a:endParaRPr>
           </a:p>
         </p:txBody>
       </p:sp>
     </p:spTree>
     <p:extLst>
       <p:ext uri="{BB962C8B-B14F-4D97-AF65-F5344CB8AC3E}">
-        <p14:creationId xmlns:p14="http://schemas.microsoft.com/office/powerpoint/2010/main" val="2144687081"/>
+        <p14:creationId xmlns:p14="http://schemas.microsoft.com/office/powerpoint/2010/main" val="3299105906"/>
       </p:ext>
     </p:extLst>
   </p:cSld>
@@ -6671,7 +6859,7 @@
                 <a:latin typeface="Microsoft YaHei" panose="020B0503020204020204" pitchFamily="34" charset="-122"/>
                 <a:ea typeface="Microsoft YaHei" panose="020B0503020204020204" pitchFamily="34" charset="-122"/>
               </a:rPr>
-              <a:t>循環処理</a:t>
+              <a:t>条件文</a:t>
             </a:r>
           </a:p>
         </p:txBody>
@@ -6691,7 +6879,7 @@
         <p:spPr>
           <a:xfrm>
             <a:off x="668604" y="1574560"/>
-            <a:ext cx="763351" cy="646331"/>
+            <a:ext cx="1277914" cy="369332"/>
           </a:xfrm>
           <a:prstGeom prst="rect">
             <a:avLst/>
@@ -6715,453 +6903,15 @@
                 <a:latin typeface="Microsoft YaHei" panose="020B0503020204020204" pitchFamily="34" charset="-122"/>
                 <a:ea typeface="Microsoft YaHei" panose="020B0503020204020204" pitchFamily="34" charset="-122"/>
               </a:rPr>
-              <a:t>For</a:t>
-            </a:r>
-          </a:p>
-          <a:p>
-            <a:r>
-              <a:rPr kumimoji="1" lang="en-US" altLang="zh-CN" dirty="0">
-                <a:solidFill>
-                  <a:schemeClr val="tx1">
-                    <a:lumMod val="65000"/>
-                    <a:lumOff val="35000"/>
-                  </a:schemeClr>
-                </a:solidFill>
-                <a:latin typeface="Microsoft YaHei" panose="020B0503020204020204" pitchFamily="34" charset="-122"/>
-                <a:ea typeface="Microsoft YaHei" panose="020B0503020204020204" pitchFamily="34" charset="-122"/>
-              </a:rPr>
-              <a:t>while</a:t>
-            </a:r>
-          </a:p>
-        </p:txBody>
-      </p:sp>
-      <p:sp>
-        <p:nvSpPr>
-          <p:cNvPr id="2" name="文本框 1">
-            <a:extLst>
-              <a:ext uri="{FF2B5EF4-FFF2-40B4-BE49-F238E27FC236}">
-                <a16:creationId xmlns:a16="http://schemas.microsoft.com/office/drawing/2014/main" id="{3C0383BB-7464-D445-9E49-042C626D83D4}"/>
-              </a:ext>
-            </a:extLst>
-          </p:cNvPr>
-          <p:cNvSpPr txBox="1"/>
-          <p:nvPr/>
-        </p:nvSpPr>
-        <p:spPr>
-          <a:xfrm>
-            <a:off x="2604053" y="3697357"/>
-            <a:ext cx="5004896" cy="369332"/>
-          </a:xfrm>
-          <a:prstGeom prst="rect">
-            <a:avLst/>
-          </a:prstGeom>
-          <a:noFill/>
-        </p:spPr>
-        <p:txBody>
-          <a:bodyPr wrap="none" rtlCol="0">
-            <a:spAutoFit/>
-          </a:bodyPr>
-          <a:lstStyle/>
-          <a:p>
-            <a:r>
-              <a:rPr lang="en" altLang="zh-CN" dirty="0"/>
-              <a:t>let </a:t>
-            </a:r>
-            <a:r>
-              <a:rPr lang="en" altLang="zh-CN" dirty="0" err="1"/>
-              <a:t>i</a:t>
-            </a:r>
-            <a:r>
-              <a:rPr lang="en" altLang="zh-CN" dirty="0"/>
-              <a:t> = 0; do { </a:t>
-            </a:r>
-            <a:r>
-              <a:rPr lang="en" altLang="zh-CN" dirty="0" err="1"/>
-              <a:t>i</a:t>
-            </a:r>
-            <a:r>
-              <a:rPr lang="en" altLang="zh-CN" dirty="0"/>
-              <a:t> += 1; </a:t>
-            </a:r>
-            <a:r>
-              <a:rPr lang="en" altLang="zh-CN" dirty="0" err="1"/>
-              <a:t>console.log</a:t>
-            </a:r>
-            <a:r>
-              <a:rPr lang="en" altLang="zh-CN" dirty="0"/>
-              <a:t>(</a:t>
-            </a:r>
-            <a:r>
-              <a:rPr lang="en" altLang="zh-CN" dirty="0" err="1"/>
-              <a:t>i</a:t>
-            </a:r>
-            <a:r>
-              <a:rPr lang="en" altLang="zh-CN" dirty="0"/>
-              <a:t>); } while (</a:t>
-            </a:r>
-            <a:r>
-              <a:rPr lang="en" altLang="zh-CN" dirty="0" err="1"/>
-              <a:t>i</a:t>
-            </a:r>
-            <a:r>
-              <a:rPr lang="en" altLang="zh-CN" dirty="0"/>
-              <a:t> &lt; 5);</a:t>
-            </a:r>
-            <a:endParaRPr kumimoji="1" lang="zh-CN" altLang="en-US" dirty="0"/>
-          </a:p>
-        </p:txBody>
-      </p:sp>
-      <p:sp>
-        <p:nvSpPr>
-          <p:cNvPr id="3" name="矩形 2">
-            <a:extLst>
-              <a:ext uri="{FF2B5EF4-FFF2-40B4-BE49-F238E27FC236}">
-                <a16:creationId xmlns:a16="http://schemas.microsoft.com/office/drawing/2014/main" id="{6F235AC4-1598-7841-AF6F-29270B35AC0A}"/>
-              </a:ext>
-            </a:extLst>
-          </p:cNvPr>
-          <p:cNvSpPr/>
-          <p:nvPr/>
-        </p:nvSpPr>
-        <p:spPr>
-          <a:xfrm>
-            <a:off x="2680253" y="4646400"/>
-            <a:ext cx="6096000" cy="646331"/>
-          </a:xfrm>
-          <a:prstGeom prst="rect">
-            <a:avLst/>
-          </a:prstGeom>
-        </p:spPr>
-        <p:txBody>
-          <a:bodyPr>
-            <a:spAutoFit/>
-          </a:bodyPr>
-          <a:lstStyle/>
-          <a:p>
-            <a:r>
-              <a:rPr lang="en" altLang="zh-CN" dirty="0">
-                <a:solidFill>
-                  <a:srgbClr val="00458B"/>
-                </a:solidFill>
-              </a:rPr>
-              <a:t>for</a:t>
-            </a:r>
-            <a:r>
-              <a:rPr lang="en" altLang="zh-CN" dirty="0"/>
-              <a:t> </a:t>
-            </a:r>
-            <a:r>
-              <a:rPr lang="en" altLang="zh-CN" dirty="0">
-                <a:solidFill>
-                  <a:srgbClr val="626262"/>
-                </a:solidFill>
-              </a:rPr>
-              <a:t>(</a:t>
-            </a:r>
-            <a:r>
-              <a:rPr lang="en" altLang="zh-CN" dirty="0">
-                <a:solidFill>
-                  <a:srgbClr val="00458B"/>
-                </a:solidFill>
-              </a:rPr>
-              <a:t>let</a:t>
-            </a:r>
-            <a:r>
-              <a:rPr lang="en" altLang="zh-CN" dirty="0"/>
-              <a:t> step </a:t>
-            </a:r>
-            <a:r>
-              <a:rPr lang="en" altLang="zh-CN" dirty="0">
-                <a:solidFill>
-                  <a:srgbClr val="212121"/>
-                </a:solidFill>
-              </a:rPr>
-              <a:t>=</a:t>
-            </a:r>
-            <a:r>
-              <a:rPr lang="en" altLang="zh-CN" dirty="0"/>
-              <a:t> </a:t>
-            </a:r>
-            <a:r>
-              <a:rPr lang="en" altLang="zh-CN" dirty="0">
-                <a:solidFill>
-                  <a:srgbClr val="95353A"/>
-                </a:solidFill>
-              </a:rPr>
-              <a:t>0</a:t>
-            </a:r>
-            <a:r>
-              <a:rPr lang="en" altLang="zh-CN" dirty="0">
-                <a:solidFill>
-                  <a:srgbClr val="626262"/>
-                </a:solidFill>
-              </a:rPr>
-              <a:t>;</a:t>
-            </a:r>
-            <a:r>
-              <a:rPr lang="en" altLang="zh-CN" dirty="0"/>
-              <a:t> step </a:t>
-            </a:r>
-            <a:r>
-              <a:rPr lang="en" altLang="zh-CN" dirty="0">
-                <a:solidFill>
-                  <a:srgbClr val="212121"/>
-                </a:solidFill>
-              </a:rPr>
-              <a:t>&lt;</a:t>
-            </a:r>
-            <a:r>
-              <a:rPr lang="en" altLang="zh-CN" dirty="0"/>
-              <a:t> </a:t>
-            </a:r>
-            <a:r>
-              <a:rPr lang="en" altLang="zh-CN" dirty="0">
-                <a:solidFill>
-                  <a:srgbClr val="95353A"/>
-                </a:solidFill>
-              </a:rPr>
-              <a:t>5</a:t>
-            </a:r>
-            <a:r>
-              <a:rPr lang="en" altLang="zh-CN" dirty="0">
-                <a:solidFill>
-                  <a:srgbClr val="626262"/>
-                </a:solidFill>
-              </a:rPr>
-              <a:t>;</a:t>
-            </a:r>
-            <a:r>
-              <a:rPr lang="en" altLang="zh-CN" dirty="0"/>
-              <a:t> step</a:t>
-            </a:r>
-            <a:r>
-              <a:rPr lang="en" altLang="zh-CN" dirty="0">
-                <a:solidFill>
-                  <a:srgbClr val="212121"/>
-                </a:solidFill>
-              </a:rPr>
-              <a:t>++</a:t>
-            </a:r>
-            <a:r>
-              <a:rPr lang="en" altLang="zh-CN" dirty="0">
-                <a:solidFill>
-                  <a:srgbClr val="626262"/>
-                </a:solidFill>
-              </a:rPr>
-              <a:t>)</a:t>
-            </a:r>
-            <a:r>
-              <a:rPr lang="en" altLang="zh-CN" dirty="0"/>
-              <a:t> </a:t>
-            </a:r>
-            <a:r>
-              <a:rPr lang="en" altLang="zh-CN" dirty="0">
-                <a:solidFill>
-                  <a:srgbClr val="626262"/>
-                </a:solidFill>
-              </a:rPr>
-              <a:t>{</a:t>
-            </a:r>
-            <a:r>
-              <a:rPr lang="en" altLang="zh-CN" dirty="0"/>
-              <a:t> </a:t>
-            </a:r>
-            <a:r>
-              <a:rPr lang="en" altLang="zh-CN" dirty="0">
-                <a:solidFill>
-                  <a:srgbClr val="626262"/>
-                </a:solidFill>
-              </a:rPr>
-              <a:t>// </a:t>
-            </a:r>
-            <a:r>
-              <a:rPr lang="zh-CN" altLang="en-US" dirty="0">
-                <a:solidFill>
-                  <a:srgbClr val="626262"/>
-                </a:solidFill>
-              </a:rPr>
-              <a:t>値</a:t>
-            </a:r>
-            <a:r>
-              <a:rPr lang="ja-JP" altLang="en-US">
-                <a:solidFill>
-                  <a:srgbClr val="626262"/>
-                </a:solidFill>
-              </a:rPr>
-              <a:t>が </a:t>
-            </a:r>
-            <a:r>
-              <a:rPr lang="en-US" altLang="ja-JP" dirty="0">
-                <a:solidFill>
-                  <a:srgbClr val="626262"/>
-                </a:solidFill>
-              </a:rPr>
-              <a:t>0 </a:t>
-            </a:r>
-            <a:r>
-              <a:rPr lang="ja-JP" altLang="en-US">
-                <a:solidFill>
-                  <a:srgbClr val="626262"/>
-                </a:solidFill>
-              </a:rPr>
-              <a:t>から </a:t>
-            </a:r>
-            <a:r>
-              <a:rPr lang="en-US" altLang="ja-JP" dirty="0">
-                <a:solidFill>
-                  <a:srgbClr val="626262"/>
-                </a:solidFill>
-              </a:rPr>
-              <a:t>4 </a:t>
-            </a:r>
-            <a:r>
-              <a:rPr lang="ja-JP" altLang="en-US">
-                <a:solidFill>
-                  <a:srgbClr val="626262"/>
-                </a:solidFill>
-              </a:rPr>
-              <a:t>まで</a:t>
-            </a:r>
-            <a:r>
-              <a:rPr lang="zh-CN" altLang="en-US" dirty="0">
-                <a:solidFill>
-                  <a:srgbClr val="626262"/>
-                </a:solidFill>
-              </a:rPr>
-              <a:t>計 </a:t>
-            </a:r>
-            <a:r>
-              <a:rPr lang="en-US" altLang="zh-CN" dirty="0">
-                <a:solidFill>
-                  <a:srgbClr val="626262"/>
-                </a:solidFill>
-              </a:rPr>
-              <a:t>5 </a:t>
-            </a:r>
-            <a:r>
-              <a:rPr lang="zh-CN" altLang="en-US" dirty="0">
-                <a:solidFill>
-                  <a:srgbClr val="626262"/>
-                </a:solidFill>
-              </a:rPr>
-              <a:t>回実行</a:t>
-            </a:r>
-            <a:r>
-              <a:rPr lang="ja-JP" altLang="en-US">
-                <a:solidFill>
-                  <a:srgbClr val="626262"/>
-                </a:solidFill>
-              </a:rPr>
-              <a:t>される</a:t>
-            </a:r>
-            <a:r>
-              <a:rPr lang="ja-JP" altLang="en-US"/>
-              <a:t> </a:t>
-            </a:r>
-            <a:r>
-              <a:rPr lang="en" altLang="zh-CN" dirty="0" err="1"/>
-              <a:t>console</a:t>
-            </a:r>
-            <a:r>
-              <a:rPr lang="en" altLang="zh-CN" dirty="0" err="1">
-                <a:solidFill>
-                  <a:srgbClr val="626262"/>
-                </a:solidFill>
-              </a:rPr>
-              <a:t>.</a:t>
-            </a:r>
-            <a:r>
-              <a:rPr lang="en" altLang="zh-CN" dirty="0" err="1">
-                <a:solidFill>
-                  <a:srgbClr val="B54248"/>
-                </a:solidFill>
-              </a:rPr>
-              <a:t>log</a:t>
-            </a:r>
-            <a:r>
-              <a:rPr lang="en" altLang="zh-CN" dirty="0">
-                <a:solidFill>
-                  <a:srgbClr val="626262"/>
-                </a:solidFill>
-              </a:rPr>
-              <a:t>(</a:t>
-            </a:r>
-            <a:r>
-              <a:rPr lang="en" altLang="zh-CN" dirty="0">
-                <a:solidFill>
-                  <a:srgbClr val="276738"/>
-                </a:solidFill>
-              </a:rPr>
-              <a:t>'</a:t>
-            </a:r>
-            <a:r>
-              <a:rPr lang="zh-CN" altLang="en-US" dirty="0">
-                <a:solidFill>
-                  <a:srgbClr val="276738"/>
-                </a:solidFill>
-              </a:rPr>
-              <a:t>一歩西</a:t>
-            </a:r>
-            <a:r>
-              <a:rPr lang="ja-JP" altLang="en-US">
-                <a:solidFill>
-                  <a:srgbClr val="276738"/>
-                </a:solidFill>
-              </a:rPr>
-              <a:t>に</a:t>
-            </a:r>
-            <a:r>
-              <a:rPr lang="zh-CN" altLang="en-US" dirty="0">
-                <a:solidFill>
-                  <a:srgbClr val="276738"/>
-                </a:solidFill>
-              </a:rPr>
-              <a:t>歩</a:t>
-            </a:r>
-            <a:r>
-              <a:rPr lang="ja-JP" altLang="en-US">
-                <a:solidFill>
-                  <a:srgbClr val="276738"/>
-                </a:solidFill>
-              </a:rPr>
-              <a:t>く</a:t>
-            </a:r>
-            <a:r>
-              <a:rPr lang="en-US" altLang="ja-JP" dirty="0">
-                <a:solidFill>
-                  <a:srgbClr val="276738"/>
-                </a:solidFill>
-              </a:rPr>
-              <a:t>'</a:t>
-            </a:r>
-            <a:r>
-              <a:rPr lang="en-US" altLang="ja-JP" dirty="0">
-                <a:solidFill>
-                  <a:srgbClr val="626262"/>
-                </a:solidFill>
-              </a:rPr>
-              <a:t>);</a:t>
-            </a:r>
-            <a:r>
-              <a:rPr lang="ja-JP" altLang="en-US"/>
-              <a:t> </a:t>
-            </a:r>
-            <a:r>
-              <a:rPr lang="en-US" altLang="ja-JP" dirty="0">
-                <a:solidFill>
-                  <a:srgbClr val="626262"/>
-                </a:solidFill>
-              </a:rPr>
-              <a:t>}</a:t>
-            </a:r>
-            <a:endParaRPr lang="zh-CN" altLang="en-US" dirty="0"/>
+              <a:t>If {} else {}</a:t>
+            </a:r>
           </a:p>
         </p:txBody>
       </p:sp>
     </p:spTree>
     <p:extLst>
       <p:ext uri="{BB962C8B-B14F-4D97-AF65-F5344CB8AC3E}">
-        <p14:creationId xmlns:p14="http://schemas.microsoft.com/office/powerpoint/2010/main" val="2349708939"/>
+        <p14:creationId xmlns:p14="http://schemas.microsoft.com/office/powerpoint/2010/main" val="2144687081"/>
       </p:ext>
     </p:extLst>
   </p:cSld>
@@ -7244,8 +6994,152 @@
                 <a:latin typeface="Microsoft YaHei" panose="020B0503020204020204" pitchFamily="34" charset="-122"/>
                 <a:ea typeface="Microsoft YaHei" panose="020B0503020204020204" pitchFamily="34" charset="-122"/>
               </a:rPr>
-              <a:t>関数</a:t>
-            </a:r>
+              <a:t>循環処理</a:t>
+            </a:r>
+          </a:p>
+        </p:txBody>
+      </p:sp>
+      <p:sp>
+        <p:nvSpPr>
+          <p:cNvPr id="9" name="文本框 8">
+            <a:extLst>
+              <a:ext uri="{FF2B5EF4-FFF2-40B4-BE49-F238E27FC236}">
+                <a16:creationId xmlns:a16="http://schemas.microsoft.com/office/drawing/2014/main" id="{004DCEA4-4400-4149-9172-65651219B67A}"/>
+              </a:ext>
+            </a:extLst>
+          </p:cNvPr>
+          <p:cNvSpPr txBox="1"/>
+          <p:nvPr/>
+        </p:nvSpPr>
+        <p:spPr>
+          <a:xfrm>
+            <a:off x="668604" y="1991481"/>
+            <a:ext cx="763351" cy="369332"/>
+          </a:xfrm>
+          <a:prstGeom prst="rect">
+            <a:avLst/>
+          </a:prstGeom>
+          <a:noFill/>
+        </p:spPr>
+        <p:txBody>
+          <a:bodyPr wrap="none" rtlCol="0">
+            <a:spAutoFit/>
+          </a:bodyPr>
+          <a:lstStyle/>
+          <a:p>
+            <a:r>
+              <a:rPr kumimoji="1" lang="en-US" altLang="zh-CN" dirty="0">
+                <a:solidFill>
+                  <a:schemeClr val="tx1">
+                    <a:lumMod val="65000"/>
+                    <a:lumOff val="35000"/>
+                  </a:schemeClr>
+                </a:solidFill>
+                <a:latin typeface="Microsoft YaHei" panose="020B0503020204020204" pitchFamily="34" charset="-122"/>
+                <a:ea typeface="Microsoft YaHei" panose="020B0503020204020204" pitchFamily="34" charset="-122"/>
+              </a:rPr>
+              <a:t>while</a:t>
+            </a:r>
+          </a:p>
+        </p:txBody>
+      </p:sp>
+      <p:sp>
+        <p:nvSpPr>
+          <p:cNvPr id="2" name="文本框 1">
+            <a:extLst>
+              <a:ext uri="{FF2B5EF4-FFF2-40B4-BE49-F238E27FC236}">
+                <a16:creationId xmlns:a16="http://schemas.microsoft.com/office/drawing/2014/main" id="{3C0383BB-7464-D445-9E49-042C626D83D4}"/>
+              </a:ext>
+            </a:extLst>
+          </p:cNvPr>
+          <p:cNvSpPr txBox="1"/>
+          <p:nvPr/>
+        </p:nvSpPr>
+        <p:spPr>
+          <a:xfrm>
+            <a:off x="668604" y="2504661"/>
+            <a:ext cx="2489784" cy="1477328"/>
+          </a:xfrm>
+          <a:prstGeom prst="rect">
+            <a:avLst/>
+          </a:prstGeom>
+          <a:noFill/>
+        </p:spPr>
+        <p:txBody>
+          <a:bodyPr wrap="none" rtlCol="0">
+            <a:spAutoFit/>
+          </a:bodyPr>
+          <a:lstStyle/>
+          <a:p>
+            <a:r>
+              <a:rPr lang="en" altLang="zh-CN" dirty="0"/>
+              <a:t>let </a:t>
+            </a:r>
+            <a:r>
+              <a:rPr lang="en" altLang="zh-CN" dirty="0" err="1"/>
+              <a:t>i</a:t>
+            </a:r>
+            <a:r>
+              <a:rPr lang="en" altLang="zh-CN" dirty="0"/>
+              <a:t> = 0; </a:t>
+            </a:r>
+          </a:p>
+          <a:p>
+            <a:r>
+              <a:rPr lang="en" altLang="zh-CN" dirty="0"/>
+              <a:t>do { </a:t>
+            </a:r>
+          </a:p>
+          <a:p>
+            <a:r>
+              <a:rPr lang="en" altLang="zh-CN" dirty="0"/>
+              <a:t>	</a:t>
+            </a:r>
+            <a:r>
+              <a:rPr lang="en" altLang="zh-CN" dirty="0" err="1"/>
+              <a:t>i</a:t>
+            </a:r>
+            <a:r>
+              <a:rPr lang="en" altLang="zh-CN" dirty="0"/>
+              <a:t> += 1; </a:t>
+            </a:r>
+          </a:p>
+          <a:p>
+            <a:r>
+              <a:rPr lang="zh-CN" altLang="en-US" dirty="0"/>
+              <a:t>              </a:t>
+            </a:r>
+            <a:r>
+              <a:rPr lang="en" altLang="zh-CN" dirty="0" err="1"/>
+              <a:t>console.log</a:t>
+            </a:r>
+            <a:r>
+              <a:rPr lang="en" altLang="zh-CN" dirty="0"/>
+              <a:t>(</a:t>
+            </a:r>
+            <a:r>
+              <a:rPr lang="en" altLang="zh-CN" dirty="0" err="1"/>
+              <a:t>i</a:t>
+            </a:r>
+            <a:r>
+              <a:rPr lang="en" altLang="zh-CN" dirty="0"/>
+              <a:t>); </a:t>
+            </a:r>
+          </a:p>
+          <a:p>
+            <a:r>
+              <a:rPr lang="en" altLang="zh-CN" dirty="0"/>
+              <a:t>} while (</a:t>
+            </a:r>
+            <a:r>
+              <a:rPr lang="en" altLang="zh-CN" dirty="0" err="1"/>
+              <a:t>i</a:t>
+            </a:r>
+            <a:r>
+              <a:rPr lang="en" altLang="zh-CN" dirty="0"/>
+              <a:t> &lt; 5);</a:t>
+            </a:r>
+            <a:endParaRPr kumimoji="1" lang="zh-CN" altLang="en-US" dirty="0"/>
           </a:p>
         </p:txBody>
       </p:sp>
@@ -7263,51 +7157,411 @@
         </p:nvSpPr>
         <p:spPr>
           <a:xfrm>
-            <a:off x="3048000" y="3105835"/>
-            <a:ext cx="6096000" cy="923330"/>
+            <a:off x="5651421" y="2504138"/>
+            <a:ext cx="5112657" cy="1200329"/>
           </a:xfrm>
           <a:prstGeom prst="rect">
             <a:avLst/>
           </a:prstGeom>
         </p:spPr>
         <p:txBody>
-          <a:bodyPr>
+          <a:bodyPr wrap="square">
             <a:spAutoFit/>
           </a:bodyPr>
           <a:lstStyle/>
           <a:p>
             <a:r>
+              <a:rPr lang="en" altLang="zh-CN" dirty="0">
+                <a:solidFill>
+                  <a:srgbClr val="00458B"/>
+                </a:solidFill>
+              </a:rPr>
+              <a:t>for</a:t>
+            </a:r>
+            <a:r>
               <a:rPr lang="en" altLang="zh-CN" dirty="0"/>
-              <a:t>function multiply(num1,num2) </a:t>
+              <a:t> </a:t>
+            </a:r>
+            <a:r>
+              <a:rPr lang="en" altLang="zh-CN" dirty="0">
+                <a:solidFill>
+                  <a:srgbClr val="626262"/>
+                </a:solidFill>
+              </a:rPr>
+              <a:t>(</a:t>
+            </a:r>
+            <a:r>
+              <a:rPr lang="en" altLang="zh-CN" dirty="0">
+                <a:solidFill>
+                  <a:srgbClr val="00458B"/>
+                </a:solidFill>
+              </a:rPr>
+              <a:t>let</a:t>
+            </a:r>
+            <a:r>
+              <a:rPr lang="en" altLang="zh-CN" dirty="0"/>
+              <a:t> step </a:t>
+            </a:r>
+            <a:r>
+              <a:rPr lang="en" altLang="zh-CN" dirty="0">
+                <a:solidFill>
+                  <a:srgbClr val="212121"/>
+                </a:solidFill>
+              </a:rPr>
+              <a:t>=</a:t>
+            </a:r>
+            <a:r>
+              <a:rPr lang="en" altLang="zh-CN" dirty="0"/>
+              <a:t> </a:t>
+            </a:r>
+            <a:r>
+              <a:rPr lang="en" altLang="zh-CN" dirty="0">
+                <a:solidFill>
+                  <a:srgbClr val="95353A"/>
+                </a:solidFill>
+              </a:rPr>
+              <a:t>0</a:t>
+            </a:r>
+            <a:r>
+              <a:rPr lang="en" altLang="zh-CN" dirty="0">
+                <a:solidFill>
+                  <a:srgbClr val="626262"/>
+                </a:solidFill>
+              </a:rPr>
+              <a:t>;</a:t>
+            </a:r>
+            <a:r>
+              <a:rPr lang="en" altLang="zh-CN" dirty="0"/>
+              <a:t> step </a:t>
+            </a:r>
+            <a:r>
+              <a:rPr lang="en" altLang="zh-CN" dirty="0">
+                <a:solidFill>
+                  <a:srgbClr val="212121"/>
+                </a:solidFill>
+              </a:rPr>
+              <a:t>&lt;</a:t>
+            </a:r>
+            <a:r>
+              <a:rPr lang="en" altLang="zh-CN" dirty="0"/>
+              <a:t> </a:t>
+            </a:r>
+            <a:r>
+              <a:rPr lang="en" altLang="zh-CN" dirty="0">
+                <a:solidFill>
+                  <a:srgbClr val="95353A"/>
+                </a:solidFill>
+              </a:rPr>
+              <a:t>5</a:t>
+            </a:r>
+            <a:r>
+              <a:rPr lang="en" altLang="zh-CN" dirty="0">
+                <a:solidFill>
+                  <a:srgbClr val="626262"/>
+                </a:solidFill>
+              </a:rPr>
+              <a:t>;</a:t>
+            </a:r>
+            <a:r>
+              <a:rPr lang="en" altLang="zh-CN" dirty="0"/>
+              <a:t> step</a:t>
+            </a:r>
+            <a:r>
+              <a:rPr lang="en" altLang="zh-CN" dirty="0">
+                <a:solidFill>
+                  <a:srgbClr val="212121"/>
+                </a:solidFill>
+              </a:rPr>
+              <a:t>++</a:t>
+            </a:r>
+            <a:r>
+              <a:rPr lang="en" altLang="zh-CN" dirty="0">
+                <a:solidFill>
+                  <a:srgbClr val="626262"/>
+                </a:solidFill>
+              </a:rPr>
+              <a:t>)</a:t>
+            </a:r>
+            <a:r>
+              <a:rPr lang="en" altLang="zh-CN" dirty="0"/>
+              <a:t> </a:t>
+            </a:r>
+            <a:r>
+              <a:rPr lang="zh-CN" altLang="en-US" dirty="0"/>
+              <a:t> </a:t>
+            </a:r>
+            <a:r>
+              <a:rPr lang="en" altLang="zh-CN" dirty="0">
+                <a:solidFill>
+                  <a:srgbClr val="626262"/>
+                </a:solidFill>
+              </a:rPr>
+              <a:t>{</a:t>
+            </a:r>
+            <a:r>
+              <a:rPr lang="en" altLang="zh-CN" dirty="0"/>
+              <a:t> </a:t>
+            </a:r>
+          </a:p>
+          <a:p>
+            <a:r>
+              <a:rPr lang="zh-CN" altLang="en-US" dirty="0">
+                <a:solidFill>
+                  <a:srgbClr val="626262"/>
+                </a:solidFill>
+              </a:rPr>
+              <a:t>   </a:t>
+            </a:r>
+            <a:r>
+              <a:rPr lang="en" altLang="zh-CN" dirty="0">
+                <a:solidFill>
+                  <a:srgbClr val="626262"/>
+                </a:solidFill>
+              </a:rPr>
+              <a:t>// </a:t>
+            </a:r>
+            <a:r>
+              <a:rPr lang="zh-CN" altLang="en-US" dirty="0">
+                <a:solidFill>
+                  <a:srgbClr val="626262"/>
+                </a:solidFill>
+              </a:rPr>
+              <a:t>値</a:t>
+            </a:r>
+            <a:r>
+              <a:rPr lang="ja-JP" altLang="en-US">
+                <a:solidFill>
+                  <a:srgbClr val="626262"/>
+                </a:solidFill>
+              </a:rPr>
+              <a:t>が </a:t>
+            </a:r>
+            <a:r>
+              <a:rPr lang="en-US" altLang="ja-JP" dirty="0">
+                <a:solidFill>
+                  <a:srgbClr val="626262"/>
+                </a:solidFill>
+              </a:rPr>
+              <a:t>0 </a:t>
+            </a:r>
+            <a:r>
+              <a:rPr lang="ja-JP" altLang="en-US">
+                <a:solidFill>
+                  <a:srgbClr val="626262"/>
+                </a:solidFill>
+              </a:rPr>
+              <a:t>から </a:t>
+            </a:r>
+            <a:r>
+              <a:rPr lang="en-US" altLang="ja-JP" dirty="0">
+                <a:solidFill>
+                  <a:srgbClr val="626262"/>
+                </a:solidFill>
+              </a:rPr>
+              <a:t>4 </a:t>
+            </a:r>
+            <a:r>
+              <a:rPr lang="ja-JP" altLang="en-US">
+                <a:solidFill>
+                  <a:srgbClr val="626262"/>
+                </a:solidFill>
+              </a:rPr>
+              <a:t>まで</a:t>
+            </a:r>
+            <a:r>
+              <a:rPr lang="zh-CN" altLang="en-US" dirty="0">
+                <a:solidFill>
+                  <a:srgbClr val="626262"/>
+                </a:solidFill>
+              </a:rPr>
+              <a:t>計 </a:t>
+            </a:r>
+            <a:r>
+              <a:rPr lang="en-US" altLang="zh-CN" dirty="0">
+                <a:solidFill>
+                  <a:srgbClr val="626262"/>
+                </a:solidFill>
+              </a:rPr>
+              <a:t>5 </a:t>
+            </a:r>
+            <a:r>
+              <a:rPr lang="zh-CN" altLang="en-US" dirty="0">
+                <a:solidFill>
+                  <a:srgbClr val="626262"/>
+                </a:solidFill>
+              </a:rPr>
+              <a:t>回実行</a:t>
+            </a:r>
+            <a:r>
+              <a:rPr lang="ja-JP" altLang="en-US">
+                <a:solidFill>
+                  <a:srgbClr val="626262"/>
+                </a:solidFill>
+              </a:rPr>
+              <a:t>される</a:t>
             </a:r>
             <a:r>
               <a:rPr lang="ja-JP" altLang="en-US"/>
-              <a:t>　</a:t>
-            </a:r>
-            <a:r>
-              <a:rPr lang="en" altLang="zh-CN" dirty="0"/>
-              <a:t>{</a:t>
-            </a:r>
-          </a:p>
-          <a:p>
-            <a:r>
-              <a:rPr lang="en" altLang="zh-CN" dirty="0"/>
-              <a:t> 	let result = num1 * num2; return result; </a:t>
-            </a:r>
-          </a:p>
-          <a:p>
-            <a:r>
-              <a:rPr lang="en" altLang="zh-CN" dirty="0"/>
+              <a:t> </a:t>
+            </a:r>
+            <a:endParaRPr lang="en-US" altLang="ja-JP" dirty="0"/>
+          </a:p>
+          <a:p>
+            <a:r>
+              <a:rPr lang="zh-CN" altLang="en-US" dirty="0"/>
+              <a:t>    </a:t>
+            </a:r>
+            <a:r>
+              <a:rPr lang="en" altLang="zh-CN" dirty="0" err="1"/>
+              <a:t>console</a:t>
+            </a:r>
+            <a:r>
+              <a:rPr lang="en" altLang="zh-CN" dirty="0" err="1">
+                <a:solidFill>
+                  <a:srgbClr val="626262"/>
+                </a:solidFill>
+              </a:rPr>
+              <a:t>.</a:t>
+            </a:r>
+            <a:r>
+              <a:rPr lang="en" altLang="zh-CN" dirty="0" err="1">
+                <a:solidFill>
+                  <a:srgbClr val="B54248"/>
+                </a:solidFill>
+              </a:rPr>
+              <a:t>log</a:t>
+            </a:r>
+            <a:r>
+              <a:rPr lang="en" altLang="zh-CN" dirty="0">
+                <a:solidFill>
+                  <a:srgbClr val="626262"/>
+                </a:solidFill>
+              </a:rPr>
+              <a:t>(</a:t>
+            </a:r>
+            <a:r>
+              <a:rPr lang="en" altLang="zh-CN" dirty="0">
+                <a:solidFill>
+                  <a:srgbClr val="276738"/>
+                </a:solidFill>
+              </a:rPr>
+              <a:t>'</a:t>
+            </a:r>
+            <a:r>
+              <a:rPr lang="zh-CN" altLang="en-US" dirty="0">
+                <a:solidFill>
+                  <a:srgbClr val="276738"/>
+                </a:solidFill>
+              </a:rPr>
+              <a:t>一歩西</a:t>
+            </a:r>
+            <a:r>
+              <a:rPr lang="ja-JP" altLang="en-US">
+                <a:solidFill>
+                  <a:srgbClr val="276738"/>
+                </a:solidFill>
+              </a:rPr>
+              <a:t>に</a:t>
+            </a:r>
+            <a:r>
+              <a:rPr lang="zh-CN" altLang="en-US" dirty="0">
+                <a:solidFill>
+                  <a:srgbClr val="276738"/>
+                </a:solidFill>
+              </a:rPr>
+              <a:t>歩</a:t>
+            </a:r>
+            <a:r>
+              <a:rPr lang="ja-JP" altLang="en-US">
+                <a:solidFill>
+                  <a:srgbClr val="276738"/>
+                </a:solidFill>
+              </a:rPr>
+              <a:t>く</a:t>
+            </a:r>
+            <a:r>
+              <a:rPr lang="en-US" altLang="ja-JP" dirty="0">
+                <a:solidFill>
+                  <a:srgbClr val="276738"/>
+                </a:solidFill>
+              </a:rPr>
+              <a:t>’</a:t>
+            </a:r>
+            <a:r>
+              <a:rPr lang="en-US" altLang="ja-JP" dirty="0">
+                <a:solidFill>
+                  <a:srgbClr val="626262"/>
+                </a:solidFill>
+              </a:rPr>
+              <a:t>);</a:t>
+            </a:r>
+            <a:r>
+              <a:rPr lang="ja-JP" altLang="en-US"/>
+              <a:t> </a:t>
+            </a:r>
+            <a:endParaRPr lang="en-US" altLang="ja-JP" dirty="0"/>
+          </a:p>
+          <a:p>
+            <a:r>
+              <a:rPr lang="en-US" altLang="ja-JP" dirty="0">
+                <a:solidFill>
+                  <a:srgbClr val="626262"/>
+                </a:solidFill>
+              </a:rPr>
               <a:t>}</a:t>
             </a:r>
             <a:endParaRPr lang="zh-CN" altLang="en-US" dirty="0"/>
+          </a:p>
+        </p:txBody>
+      </p:sp>
+      <p:sp>
+        <p:nvSpPr>
+          <p:cNvPr id="6" name="文本框 5">
+            <a:extLst>
+              <a:ext uri="{FF2B5EF4-FFF2-40B4-BE49-F238E27FC236}">
+                <a16:creationId xmlns:a16="http://schemas.microsoft.com/office/drawing/2014/main" id="{DB1C673B-3517-964D-BDB6-24EB6922107A}"/>
+              </a:ext>
+            </a:extLst>
+          </p:cNvPr>
+          <p:cNvSpPr txBox="1"/>
+          <p:nvPr/>
+        </p:nvSpPr>
+        <p:spPr>
+          <a:xfrm>
+            <a:off x="5939656" y="1806815"/>
+            <a:ext cx="543739" cy="369332"/>
+          </a:xfrm>
+          <a:prstGeom prst="rect">
+            <a:avLst/>
+          </a:prstGeom>
+          <a:noFill/>
+        </p:spPr>
+        <p:txBody>
+          <a:bodyPr wrap="none" rtlCol="0">
+            <a:spAutoFit/>
+          </a:bodyPr>
+          <a:lstStyle/>
+          <a:p>
+            <a:r>
+              <a:rPr kumimoji="1" lang="en-US" altLang="zh-CN" dirty="0">
+                <a:solidFill>
+                  <a:schemeClr val="tx1">
+                    <a:lumMod val="65000"/>
+                    <a:lumOff val="35000"/>
+                  </a:schemeClr>
+                </a:solidFill>
+                <a:latin typeface="Microsoft YaHei" panose="020B0503020204020204" pitchFamily="34" charset="-122"/>
+                <a:ea typeface="Microsoft YaHei" panose="020B0503020204020204" pitchFamily="34" charset="-122"/>
+              </a:rPr>
+              <a:t>For</a:t>
+            </a:r>
           </a:p>
         </p:txBody>
       </p:sp>
     </p:spTree>
     <p:extLst>
       <p:ext uri="{BB962C8B-B14F-4D97-AF65-F5344CB8AC3E}">
-        <p14:creationId xmlns:p14="http://schemas.microsoft.com/office/powerpoint/2010/main" val="3888753692"/>
+        <p14:creationId xmlns:p14="http://schemas.microsoft.com/office/powerpoint/2010/main" val="2349708939"/>
       </p:ext>
     </p:extLst>
   </p:cSld>
@@ -7390,103 +7644,70 @@
                 <a:latin typeface="Microsoft YaHei" panose="020B0503020204020204" pitchFamily="34" charset="-122"/>
                 <a:ea typeface="Microsoft YaHei" panose="020B0503020204020204" pitchFamily="34" charset="-122"/>
               </a:rPr>
-              <a:t>コメント</a:t>
-            </a:r>
-          </a:p>
-        </p:txBody>
-      </p:sp>
-      <p:sp>
-        <p:nvSpPr>
-          <p:cNvPr id="9" name="文本框 8">
-            <a:extLst>
-              <a:ext uri="{FF2B5EF4-FFF2-40B4-BE49-F238E27FC236}">
-                <a16:creationId xmlns:a16="http://schemas.microsoft.com/office/drawing/2014/main" id="{004DCEA4-4400-4149-9172-65651219B67A}"/>
-              </a:ext>
-            </a:extLst>
-          </p:cNvPr>
-          <p:cNvSpPr txBox="1"/>
+              <a:t>関数</a:t>
+            </a:r>
+          </a:p>
+        </p:txBody>
+      </p:sp>
+      <p:sp>
+        <p:nvSpPr>
+          <p:cNvPr id="3" name="矩形 2">
+            <a:extLst>
+              <a:ext uri="{FF2B5EF4-FFF2-40B4-BE49-F238E27FC236}">
+                <a16:creationId xmlns:a16="http://schemas.microsoft.com/office/drawing/2014/main" id="{6F235AC4-1598-7841-AF6F-29270B35AC0A}"/>
+              </a:ext>
+            </a:extLst>
+          </p:cNvPr>
+          <p:cNvSpPr/>
           <p:nvPr/>
         </p:nvSpPr>
         <p:spPr>
           <a:xfrm>
-            <a:off x="668604" y="1574560"/>
-            <a:ext cx="4942379" cy="923330"/>
+            <a:off x="3048000" y="3105835"/>
+            <a:ext cx="6096000" cy="923330"/>
           </a:xfrm>
           <a:prstGeom prst="rect">
             <a:avLst/>
           </a:prstGeom>
-          <a:noFill/>
         </p:spPr>
         <p:txBody>
-          <a:bodyPr wrap="none" rtlCol="0">
+          <a:bodyPr>
             <a:spAutoFit/>
           </a:bodyPr>
           <a:lstStyle/>
           <a:p>
-            <a:pPr marL="342900" indent="-342900">
-              <a:buAutoNum type="arabicPeriod"/>
-            </a:pPr>
-            <a:r>
-              <a:rPr lang="en-US" altLang="zh-CN" dirty="0"/>
-              <a:t>/* </a:t>
-            </a:r>
-            <a:r>
-              <a:rPr lang="zh-CN" altLang="en-US" dirty="0"/>
-              <a:t>挟</a:t>
+            <a:r>
+              <a:rPr lang="en" altLang="zh-CN" dirty="0"/>
+              <a:t>function multiply(num1,num2) </a:t>
             </a:r>
             <a:r>
               <a:rPr lang="ja-JP" altLang="en-US"/>
-              <a:t>まれているすべてがコメントです。 *</a:t>
-            </a:r>
-            <a:r>
-              <a:rPr lang="en-US" altLang="ja-JP" dirty="0"/>
-              <a:t>/</a:t>
-            </a:r>
-          </a:p>
-          <a:p>
-            <a:pPr marL="342900" indent="-342900">
-              <a:buAutoNum type="arabicPeriod"/>
-            </a:pPr>
-            <a:endParaRPr kumimoji="1" lang="en-US" altLang="zh-CN" dirty="0">
-              <a:solidFill>
-                <a:schemeClr val="tx1">
-                  <a:lumMod val="65000"/>
-                  <a:lumOff val="35000"/>
-                </a:schemeClr>
-              </a:solidFill>
-              <a:latin typeface="Microsoft YaHei" panose="020B0503020204020204" pitchFamily="34" charset="-122"/>
-              <a:ea typeface="Microsoft YaHei" panose="020B0503020204020204" pitchFamily="34" charset="-122"/>
-            </a:endParaRPr>
-          </a:p>
-          <a:p>
-            <a:pPr marL="342900" indent="-342900">
-              <a:buAutoNum type="arabicPeriod"/>
-            </a:pPr>
-            <a:r>
-              <a:rPr lang="en-US" altLang="ja-JP" dirty="0"/>
-              <a:t>// </a:t>
-            </a:r>
-            <a:r>
-              <a:rPr lang="ja-JP" altLang="en-US"/>
-              <a:t>これはコメントです</a:t>
-            </a:r>
-            <a:endParaRPr kumimoji="1" lang="en-US" altLang="zh-CN" dirty="0">
-              <a:solidFill>
-                <a:schemeClr val="tx1">
-                  <a:lumMod val="65000"/>
-                  <a:lumOff val="35000"/>
-                </a:schemeClr>
-              </a:solidFill>
-              <a:latin typeface="Microsoft YaHei" panose="020B0503020204020204" pitchFamily="34" charset="-122"/>
-              <a:ea typeface="Microsoft YaHei" panose="020B0503020204020204" pitchFamily="34" charset="-122"/>
-            </a:endParaRPr>
+              <a:t>　</a:t>
+            </a:r>
+            <a:r>
+              <a:rPr lang="en" altLang="zh-CN" dirty="0"/>
+              <a:t>{</a:t>
+            </a:r>
+          </a:p>
+          <a:p>
+            <a:r>
+              <a:rPr lang="en" altLang="zh-CN" dirty="0"/>
+              <a:t> 	let result = num1 * num2; return result; </a:t>
+            </a:r>
+          </a:p>
+          <a:p>
+            <a:r>
+              <a:rPr lang="en" altLang="zh-CN" dirty="0"/>
+              <a:t>}</a:t>
+            </a:r>
+            <a:endParaRPr lang="zh-CN" altLang="en-US" dirty="0"/>
           </a:p>
         </p:txBody>
       </p:sp>
     </p:spTree>
     <p:extLst>
       <p:ext uri="{BB962C8B-B14F-4D97-AF65-F5344CB8AC3E}">
-        <p14:creationId xmlns:p14="http://schemas.microsoft.com/office/powerpoint/2010/main" val="3450789575"/>
+        <p14:creationId xmlns:p14="http://schemas.microsoft.com/office/powerpoint/2010/main" val="3888753692"/>
       </p:ext>
     </p:extLst>
   </p:cSld>
@@ -7569,7 +7790,7 @@
                 <a:latin typeface="Microsoft YaHei" panose="020B0503020204020204" pitchFamily="34" charset="-122"/>
                 <a:ea typeface="Microsoft YaHei" panose="020B0503020204020204" pitchFamily="34" charset="-122"/>
               </a:rPr>
-              <a:t>宿題</a:t>
+              <a:t>コメント</a:t>
             </a:r>
           </a:p>
         </p:txBody>
@@ -7589,7 +7810,7 @@
         <p:spPr>
           <a:xfrm>
             <a:off x="668604" y="1574560"/>
-            <a:ext cx="2262158" cy="1754326"/>
+            <a:ext cx="7835799" cy="923330"/>
           </a:xfrm>
           <a:prstGeom prst="rect">
             <a:avLst/>
@@ -7602,18 +7823,24 @@
           </a:bodyPr>
           <a:lstStyle/>
           <a:p>
-            <a:r>
-              <a:rPr kumimoji="1" lang="zh-CN" altLang="en-US" dirty="0">
-                <a:solidFill>
-                  <a:schemeClr val="tx1">
-                    <a:lumMod val="65000"/>
-                    <a:lumOff val="35000"/>
-                  </a:schemeClr>
-                </a:solidFill>
-                <a:latin typeface="Microsoft YaHei" panose="020B0503020204020204" pitchFamily="34" charset="-122"/>
-                <a:ea typeface="Microsoft YaHei" panose="020B0503020204020204" pitchFamily="34" charset="-122"/>
-              </a:rPr>
-              <a:t>①下記のものを出力</a:t>
+            <a:pPr marL="342900" indent="-342900">
+              <a:buAutoNum type="arabicPeriod"/>
+            </a:pPr>
+            <a:r>
+              <a:rPr lang="en-US" altLang="zh-CN" dirty="0"/>
+              <a:t>/* </a:t>
+            </a:r>
+            <a:r>
+              <a:rPr lang="zh-CN" altLang="en-US" dirty="0"/>
+              <a:t>挟</a:t>
+            </a:r>
+            <a:r>
+              <a:rPr lang="ja-JP" altLang="en-US"/>
+              <a:t>まれているすべてがコメントです。 *</a:t>
+            </a:r>
+            <a:r>
+              <a:rPr lang="en-US" altLang="ja-JP" dirty="0"/>
+              <a:t>/</a:t>
             </a:r>
             <a:endParaRPr kumimoji="1" lang="en-US" altLang="zh-CN" dirty="0">
               <a:solidFill>
@@ -7627,6 +7854,75 @@
             </a:endParaRPr>
           </a:p>
           <a:p>
+            <a:pPr marL="342900" indent="-342900">
+              <a:buAutoNum type="arabicPeriod"/>
+            </a:pPr>
+            <a:r>
+              <a:rPr lang="en-US" altLang="ja-JP" dirty="0"/>
+              <a:t>// </a:t>
+            </a:r>
+            <a:r>
+              <a:rPr lang="ja-JP" altLang="en-US"/>
+              <a:t>これはコメントです</a:t>
+            </a:r>
+            <a:endParaRPr lang="en-US" altLang="ja-JP" dirty="0"/>
+          </a:p>
+          <a:p>
+            <a:pPr marL="342900" indent="-342900">
+              <a:buAutoNum type="arabicPeriod"/>
+            </a:pPr>
+            <a:r>
+              <a:rPr lang="en-US" altLang="ja-JP" dirty="0"/>
+              <a:t>/* </a:t>
+            </a:r>
+            <a:r>
+              <a:rPr lang="ja-JP" altLang="en-US"/>
+              <a:t>ただし、</a:t>
+            </a:r>
+            <a:r>
+              <a:rPr lang="en-US" altLang="ja-JP" dirty="0"/>
+              <a:t>/* </a:t>
+            </a:r>
+            <a:r>
+              <a:rPr lang="zh-CN" altLang="en-US" dirty="0"/>
+              <a:t>入</a:t>
+            </a:r>
+            <a:r>
+              <a:rPr lang="ja-JP" altLang="en-US"/>
+              <a:t>れ</a:t>
+            </a:r>
+            <a:r>
+              <a:rPr lang="zh-CN" altLang="en-US" dirty="0"/>
+              <a:t>子</a:t>
+            </a:r>
+            <a:r>
+              <a:rPr lang="ja-JP" altLang="en-US"/>
+              <a:t>のコメントは *</a:t>
+            </a:r>
+            <a:r>
+              <a:rPr lang="en-US" altLang="ja-JP" dirty="0"/>
+              <a:t>/</a:t>
+            </a:r>
+            <a:r>
+              <a:rPr lang="ja-JP" altLang="en-US"/>
+              <a:t> できず、</a:t>
+            </a:r>
+            <a:r>
+              <a:rPr lang="en" altLang="zh-CN" dirty="0" err="1"/>
+              <a:t>SyntaxError</a:t>
+            </a:r>
+            <a:r>
+              <a:rPr lang="en" altLang="zh-CN" dirty="0"/>
+              <a:t> </a:t>
+            </a:r>
+            <a:r>
+              <a:rPr lang="ja-JP" altLang="en-US"/>
+              <a:t>となります *</a:t>
+            </a:r>
+            <a:r>
+              <a:rPr lang="en-US" altLang="ja-JP" dirty="0"/>
+              <a:t>/</a:t>
+            </a:r>
             <a:endParaRPr kumimoji="1" lang="en-US" altLang="zh-CN" dirty="0">
               <a:solidFill>
                 <a:schemeClr val="tx1">
@@ -7638,66 +7934,6 @@
               <a:ea typeface="Microsoft YaHei" panose="020B0503020204020204" pitchFamily="34" charset="-122"/>
             </a:endParaRPr>
           </a:p>
-          <a:p>
-            <a:r>
-              <a:rPr kumimoji="1" lang="en-US" altLang="zh-CN" dirty="0">
-                <a:solidFill>
-                  <a:schemeClr val="tx1">
-                    <a:lumMod val="65000"/>
-                    <a:lumOff val="35000"/>
-                  </a:schemeClr>
-                </a:solidFill>
-                <a:latin typeface="Microsoft YaHei" panose="020B0503020204020204" pitchFamily="34" charset="-122"/>
-                <a:ea typeface="Microsoft YaHei" panose="020B0503020204020204" pitchFamily="34" charset="-122"/>
-              </a:rPr>
-              <a:t>*</a:t>
-            </a:r>
-          </a:p>
-          <a:p>
-            <a:r>
-              <a:rPr kumimoji="1" lang="en-US" altLang="zh-CN" dirty="0">
-                <a:solidFill>
-                  <a:schemeClr val="tx1">
-                    <a:lumMod val="65000"/>
-                    <a:lumOff val="35000"/>
-                  </a:schemeClr>
-                </a:solidFill>
-                <a:latin typeface="Microsoft YaHei" panose="020B0503020204020204" pitchFamily="34" charset="-122"/>
-                <a:ea typeface="Microsoft YaHei" panose="020B0503020204020204" pitchFamily="34" charset="-122"/>
-              </a:rPr>
-              <a:t>**</a:t>
-            </a:r>
-          </a:p>
-          <a:p>
-            <a:r>
-              <a:rPr kumimoji="1" lang="en-US" altLang="zh-CN" dirty="0">
-                <a:solidFill>
-                  <a:schemeClr val="tx1">
-                    <a:lumMod val="65000"/>
-                    <a:lumOff val="35000"/>
-                  </a:schemeClr>
-                </a:solidFill>
-                <a:latin typeface="Microsoft YaHei" panose="020B0503020204020204" pitchFamily="34" charset="-122"/>
-                <a:ea typeface="Microsoft YaHei" panose="020B0503020204020204" pitchFamily="34" charset="-122"/>
-              </a:rPr>
-              <a:t>***</a:t>
-            </a:r>
-          </a:p>
-          <a:p>
-            <a:r>
-              <a:rPr kumimoji="1" lang="en-US" altLang="zh-CN" dirty="0">
-                <a:solidFill>
-                  <a:schemeClr val="tx1">
-                    <a:lumMod val="65000"/>
-                    <a:lumOff val="35000"/>
-                  </a:schemeClr>
-                </a:solidFill>
-                <a:latin typeface="Microsoft YaHei" panose="020B0503020204020204" pitchFamily="34" charset="-122"/>
-                <a:ea typeface="Microsoft YaHei" panose="020B0503020204020204" pitchFamily="34" charset="-122"/>
-              </a:rPr>
-              <a:t>****</a:t>
-            </a:r>
-          </a:p>
         </p:txBody>
       </p:sp>
       <p:sp>
@@ -7705,7 +7941,7 @@
           <p:cNvPr id="4" name="文本框 3">
             <a:extLst>
               <a:ext uri="{FF2B5EF4-FFF2-40B4-BE49-F238E27FC236}">
-                <a16:creationId xmlns:a16="http://schemas.microsoft.com/office/drawing/2014/main" id="{7B9D0E68-44AF-7845-A05C-B7535ED34970}"/>
+                <a16:creationId xmlns:a16="http://schemas.microsoft.com/office/drawing/2014/main" id="{EB1228D1-9BEC-CD4A-AF94-040645F1296A}"/>
               </a:ext>
             </a:extLst>
           </p:cNvPr>
@@ -7714,8 +7950,8 @@
         </p:nvSpPr>
         <p:spPr>
           <a:xfrm>
-            <a:off x="6436612" y="1674674"/>
-            <a:ext cx="4570482" cy="646331"/>
+            <a:off x="6096000" y="5362589"/>
+            <a:ext cx="5929828" cy="662489"/>
           </a:xfrm>
           <a:prstGeom prst="rect">
             <a:avLst/>
@@ -7728,43 +7964,23 @@
           </a:bodyPr>
           <a:lstStyle/>
           <a:p>
-            <a:r>
-              <a:rPr kumimoji="1" lang="zh-CN" altLang="en-US" dirty="0">
+            <a:pPr>
+              <a:lnSpc>
+                <a:spcPct val="150000"/>
+              </a:lnSpc>
+            </a:pPr>
+            <a:r>
+              <a:rPr kumimoji="1" lang="zh-CN" altLang="en-US" sz="2800" dirty="0">
                 <a:solidFill>
                   <a:schemeClr val="tx1">
                     <a:lumMod val="65000"/>
                     <a:lumOff val="35000"/>
                   </a:schemeClr>
                 </a:solidFill>
-                <a:latin typeface="Microsoft YaHei" panose="020B0503020204020204" pitchFamily="34" charset="-122"/>
-                <a:ea typeface="Microsoft YaHei" panose="020B0503020204020204" pitchFamily="34" charset="-122"/>
-              </a:rPr>
-              <a:t>②下記配列から偶数を洗い出して出力する</a:t>
-            </a:r>
-            <a:endParaRPr kumimoji="1" lang="en-US" altLang="zh-CN" dirty="0">
-              <a:solidFill>
-                <a:schemeClr val="tx1">
-                  <a:lumMod val="65000"/>
-                  <a:lumOff val="35000"/>
-                </a:schemeClr>
-              </a:solidFill>
-              <a:latin typeface="Microsoft YaHei" panose="020B0503020204020204" pitchFamily="34" charset="-122"/>
-              <a:ea typeface="Microsoft YaHei" panose="020B0503020204020204" pitchFamily="34" charset="-122"/>
-            </a:endParaRPr>
-          </a:p>
-          <a:p>
-            <a:r>
-              <a:rPr kumimoji="1" lang="en-US" altLang="zh-CN" dirty="0">
-                <a:solidFill>
-                  <a:schemeClr val="tx1">
-                    <a:lumMod val="65000"/>
-                    <a:lumOff val="35000"/>
-                  </a:schemeClr>
-                </a:solidFill>
-                <a:latin typeface="Microsoft YaHei" panose="020B0503020204020204" pitchFamily="34" charset="-122"/>
-                <a:ea typeface="Microsoft YaHei" panose="020B0503020204020204" pitchFamily="34" charset="-122"/>
-              </a:rPr>
-              <a:t>[10,3,7,12,25,87,30,28]</a:t>
+                <a:latin typeface="微软雅黑" panose="020B0503020204020204" pitchFamily="34" charset="-122"/>
+                <a:ea typeface="微软雅黑" panose="020B0503020204020204" pitchFamily="34" charset="-122"/>
+              </a:rPr>
+              <a:t>ソースコードの実行から除外する。</a:t>
             </a:r>
           </a:p>
         </p:txBody>
@@ -7772,7 +7988,7 @@
     </p:spTree>
     <p:extLst>
       <p:ext uri="{BB962C8B-B14F-4D97-AF65-F5344CB8AC3E}">
-        <p14:creationId xmlns:p14="http://schemas.microsoft.com/office/powerpoint/2010/main" val="49765014"/>
+        <p14:creationId xmlns:p14="http://schemas.microsoft.com/office/powerpoint/2010/main" val="3450789575"/>
       </p:ext>
     </p:extLst>
   </p:cSld>
@@ -7875,7 +8091,7 @@
         <p:spPr>
           <a:xfrm>
             <a:off x="464969" y="1186934"/>
-            <a:ext cx="11108234" cy="2031325"/>
+            <a:ext cx="11108234" cy="1754326"/>
           </a:xfrm>
           <a:prstGeom prst="rect">
             <a:avLst/>
@@ -7909,8 +8125,10 @@
                 <a:latin typeface="Microsoft YaHei" panose="020B0503020204020204" pitchFamily="34" charset="-122"/>
                 <a:ea typeface="Microsoft YaHei" panose="020B0503020204020204" pitchFamily="34" charset="-122"/>
               </a:rPr>
-              <a:t>1. </a:t>
-            </a:r>
+              <a:t>1. Git</a:t>
+            </a:r>
+          </a:p>
+          <a:p>
             <a:r>
               <a:rPr kumimoji="1" lang="en-US" altLang="zh-CN" dirty="0">
                 <a:solidFill>
@@ -7920,29 +8138,11 @@
                 </a:solidFill>
                 <a:latin typeface="Microsoft YaHei" panose="020B0503020204020204" pitchFamily="34" charset="-122"/>
                 <a:ea typeface="Microsoft YaHei" panose="020B0503020204020204" pitchFamily="34" charset="-122"/>
-                <a:hlinkClick r:id="rId3">
-                  <a:extLst>
-                    <a:ext uri="{A12FA001-AC4F-418D-AE19-62706E023703}">
-                      <ahyp:hlinkClr xmlns:ahyp="http://schemas.microsoft.com/office/drawing/2018/hyperlinkcolor" val="tx"/>
-                    </a:ext>
-                  </a:extLst>
-                </a:hlinkClick>
-              </a:rPr>
-              <a:t>https://code.visualstudio.com/</a:t>
-            </a:r>
-            <a:endParaRPr kumimoji="1" lang="en-US" altLang="zh-CN" dirty="0">
-              <a:solidFill>
-                <a:schemeClr val="bg1">
-                  <a:lumMod val="50000"/>
-                </a:schemeClr>
-              </a:solidFill>
-              <a:latin typeface="Microsoft YaHei" panose="020B0503020204020204" pitchFamily="34" charset="-122"/>
-              <a:ea typeface="Microsoft YaHei" panose="020B0503020204020204" pitchFamily="34" charset="-122"/>
-            </a:endParaRPr>
-          </a:p>
-          <a:p>
-            <a:r>
-              <a:rPr kumimoji="1" lang="en-US" altLang="zh-CN" dirty="0">
+              </a:rPr>
+              <a:t>	https://git-</a:t>
+            </a:r>
+            <a:r>
+              <a:rPr kumimoji="1" lang="en-US" altLang="zh-CN" dirty="0" err="1">
                 <a:solidFill>
                   <a:schemeClr val="bg1">
                     <a:lumMod val="50000"/>
@@ -7951,10 +8151,8 @@
                 <a:latin typeface="Microsoft YaHei" panose="020B0503020204020204" pitchFamily="34" charset="-122"/>
                 <a:ea typeface="Microsoft YaHei" panose="020B0503020204020204" pitchFamily="34" charset="-122"/>
               </a:rPr>
-              <a:t>2. Git</a:t>
-            </a:r>
-          </a:p>
-          <a:p>
+              <a:t>scm.com</a:t>
+            </a:r>
             <a:r>
               <a:rPr kumimoji="1" lang="en-US" altLang="zh-CN" dirty="0">
                 <a:solidFill>
@@ -7965,7 +8163,7 @@
                 <a:latin typeface="Microsoft YaHei" panose="020B0503020204020204" pitchFamily="34" charset="-122"/>
                 <a:ea typeface="Microsoft YaHei" panose="020B0503020204020204" pitchFamily="34" charset="-122"/>
               </a:rPr>
-              <a:t>	https://git-</a:t>
+              <a:t>/book/</a:t>
             </a:r>
             <a:r>
               <a:rPr kumimoji="1" lang="en-US" altLang="zh-CN" dirty="0" err="1">
@@ -7977,7 +8175,7 @@
                 <a:latin typeface="Microsoft YaHei" panose="020B0503020204020204" pitchFamily="34" charset="-122"/>
                 <a:ea typeface="Microsoft YaHei" panose="020B0503020204020204" pitchFamily="34" charset="-122"/>
               </a:rPr>
-              <a:t>scm.com</a:t>
+              <a:t>zh</a:t>
             </a:r>
             <a:r>
               <a:rPr kumimoji="1" lang="en-US" altLang="zh-CN" dirty="0">
@@ -7989,10 +8187,12 @@
                 <a:latin typeface="Microsoft YaHei" panose="020B0503020204020204" pitchFamily="34" charset="-122"/>
                 <a:ea typeface="Microsoft YaHei" panose="020B0503020204020204" pitchFamily="34" charset="-122"/>
               </a:rPr>
-              <a:t>/book/</a:t>
-            </a:r>
-            <a:r>
-              <a:rPr kumimoji="1" lang="en-US" altLang="zh-CN" dirty="0" err="1">
+              <a:t>/v2/%E8%B5%B7%E6%AD%A5-%E5%AE%89%E8%A3%85-Git</a:t>
+            </a:r>
+          </a:p>
+          <a:p>
+            <a:r>
+              <a:rPr kumimoji="1" lang="en-US" altLang="zh-CN" dirty="0">
                 <a:solidFill>
                   <a:schemeClr val="bg1">
                     <a:lumMod val="50000"/>
@@ -8001,8 +8201,10 @@
                 <a:latin typeface="Microsoft YaHei" panose="020B0503020204020204" pitchFamily="34" charset="-122"/>
                 <a:ea typeface="Microsoft YaHei" panose="020B0503020204020204" pitchFamily="34" charset="-122"/>
               </a:rPr>
-              <a:t>zh</a:t>
-            </a:r>
+              <a:t>2. Git hub:</a:t>
+            </a:r>
+          </a:p>
+          <a:p>
             <a:r>
               <a:rPr kumimoji="1" lang="en-US" altLang="zh-CN" dirty="0">
                 <a:solidFill>
@@ -8013,10 +8215,8 @@
                 <a:latin typeface="Microsoft YaHei" panose="020B0503020204020204" pitchFamily="34" charset="-122"/>
                 <a:ea typeface="Microsoft YaHei" panose="020B0503020204020204" pitchFamily="34" charset="-122"/>
               </a:rPr>
-              <a:t>/v2/%E8%B5%B7%E6%AD%A5-%E5%AE%89%E8%A3%85-Git</a:t>
-            </a:r>
-          </a:p>
-          <a:p>
+              <a:t>	</a:t>
+            </a:r>
             <a:r>
               <a:rPr kumimoji="1" lang="en-US" altLang="zh-CN" dirty="0">
                 <a:solidFill>
@@ -8026,33 +8226,7 @@
                 </a:solidFill>
                 <a:latin typeface="Microsoft YaHei" panose="020B0503020204020204" pitchFamily="34" charset="-122"/>
                 <a:ea typeface="Microsoft YaHei" panose="020B0503020204020204" pitchFamily="34" charset="-122"/>
-              </a:rPr>
-              <a:t>3. Git hub:</a:t>
-            </a:r>
-          </a:p>
-          <a:p>
-            <a:r>
-              <a:rPr kumimoji="1" lang="en-US" altLang="zh-CN" dirty="0">
-                <a:solidFill>
-                  <a:schemeClr val="bg1">
-                    <a:lumMod val="50000"/>
-                  </a:schemeClr>
-                </a:solidFill>
-                <a:latin typeface="Microsoft YaHei" panose="020B0503020204020204" pitchFamily="34" charset="-122"/>
-                <a:ea typeface="Microsoft YaHei" panose="020B0503020204020204" pitchFamily="34" charset="-122"/>
-              </a:rPr>
-              <a:t>	</a:t>
-            </a:r>
-            <a:r>
-              <a:rPr kumimoji="1" lang="en-US" altLang="zh-CN" dirty="0">
-                <a:solidFill>
-                  <a:schemeClr val="bg1">
-                    <a:lumMod val="50000"/>
-                  </a:schemeClr>
-                </a:solidFill>
-                <a:latin typeface="Microsoft YaHei" panose="020B0503020204020204" pitchFamily="34" charset="-122"/>
-                <a:ea typeface="Microsoft YaHei" panose="020B0503020204020204" pitchFamily="34" charset="-122"/>
-                <a:hlinkClick r:id="rId4">
+                <a:hlinkClick r:id="rId3">
                   <a:extLst>
                     <a:ext uri="{A12FA001-AC4F-418D-AE19-62706E023703}">
                       <ahyp:hlinkClr xmlns:ahyp="http://schemas.microsoft.com/office/drawing/2018/hyperlinkcolor" val="tx"/>
@@ -8620,7 +8794,7 @@
 </p:sld>
 </file>
 
-<file path=ppt/slides/slide2.xml><?xml version="1.0" encoding="utf-8"?>
+<file path=ppt/slides/slide19.xml><?xml version="1.0" encoding="utf-8"?>
 <p:sld xmlns:a="http://schemas.openxmlformats.org/drawingml/2006/main" xmlns:r="http://schemas.openxmlformats.org/officeDocument/2006/relationships" xmlns:p="http://schemas.openxmlformats.org/presentationml/2006/main">
   <p:cSld>
     <p:spTree>
@@ -8693,7 +8867,7 @@
                 <a:latin typeface="Microsoft YaHei" panose="020B0503020204020204" pitchFamily="34" charset="-122"/>
                 <a:ea typeface="Microsoft YaHei" panose="020B0503020204020204" pitchFamily="34" charset="-122"/>
               </a:rPr>
-              <a:t>開発環境の準備</a:t>
+              <a:t>宿題</a:t>
             </a:r>
           </a:p>
         </p:txBody>
@@ -8712,8 +8886,8 @@
         </p:nvSpPr>
         <p:spPr>
           <a:xfrm>
-            <a:off x="464969" y="1186934"/>
-            <a:ext cx="2916119" cy="923330"/>
+            <a:off x="668604" y="1574560"/>
+            <a:ext cx="2262158" cy="1754326"/>
           </a:xfrm>
           <a:prstGeom prst="rect">
             <a:avLst/>
@@ -8727,87 +8901,18 @@
           <a:lstStyle/>
           <a:p>
             <a:r>
-              <a:rPr kumimoji="1" lang="en-US" altLang="zh-CN" dirty="0">
-                <a:solidFill>
-                  <a:schemeClr val="tx1">
-                    <a:lumMod val="95000"/>
-                    <a:lumOff val="5000"/>
-                  </a:schemeClr>
-                </a:solidFill>
-                <a:latin typeface="Microsoft YaHei" panose="020B0503020204020204" pitchFamily="34" charset="-122"/>
-                <a:ea typeface="Microsoft YaHei" panose="020B0503020204020204" pitchFamily="34" charset="-122"/>
-              </a:rPr>
-              <a:t>1. https://</a:t>
-            </a:r>
-            <a:r>
-              <a:rPr kumimoji="1" lang="en-US" altLang="zh-CN" dirty="0" err="1">
-                <a:solidFill>
-                  <a:schemeClr val="tx1">
-                    <a:lumMod val="95000"/>
-                    <a:lumOff val="5000"/>
-                  </a:schemeClr>
-                </a:solidFill>
-                <a:latin typeface="Microsoft YaHei" panose="020B0503020204020204" pitchFamily="34" charset="-122"/>
-                <a:ea typeface="Microsoft YaHei" panose="020B0503020204020204" pitchFamily="34" charset="-122"/>
-              </a:rPr>
-              <a:t>nodejs.org</a:t>
-            </a:r>
-            <a:r>
-              <a:rPr kumimoji="1" lang="en-US" altLang="zh-CN" dirty="0">
-                <a:solidFill>
-                  <a:schemeClr val="tx1">
-                    <a:lumMod val="95000"/>
-                    <a:lumOff val="5000"/>
-                  </a:schemeClr>
-                </a:solidFill>
-                <a:latin typeface="Microsoft YaHei" panose="020B0503020204020204" pitchFamily="34" charset="-122"/>
-                <a:ea typeface="Microsoft YaHei" panose="020B0503020204020204" pitchFamily="34" charset="-122"/>
-              </a:rPr>
-              <a:t>/</a:t>
-            </a:r>
-            <a:r>
-              <a:rPr kumimoji="1" lang="en-US" altLang="zh-CN" dirty="0" err="1">
-                <a:solidFill>
-                  <a:schemeClr val="tx1">
-                    <a:lumMod val="95000"/>
-                    <a:lumOff val="5000"/>
-                  </a:schemeClr>
-                </a:solidFill>
-                <a:latin typeface="Microsoft YaHei" panose="020B0503020204020204" pitchFamily="34" charset="-122"/>
-                <a:ea typeface="Microsoft YaHei" panose="020B0503020204020204" pitchFamily="34" charset="-122"/>
-              </a:rPr>
-              <a:t>en</a:t>
-            </a:r>
-            <a:r>
-              <a:rPr kumimoji="1" lang="en-US" altLang="zh-CN" dirty="0">
-                <a:solidFill>
-                  <a:schemeClr val="tx1">
-                    <a:lumMod val="95000"/>
-                    <a:lumOff val="5000"/>
-                  </a:schemeClr>
-                </a:solidFill>
-                <a:latin typeface="Microsoft YaHei" panose="020B0503020204020204" pitchFamily="34" charset="-122"/>
-                <a:ea typeface="Microsoft YaHei" panose="020B0503020204020204" pitchFamily="34" charset="-122"/>
-              </a:rPr>
-              <a:t>/</a:t>
-            </a:r>
-          </a:p>
-          <a:p>
-            <a:r>
-              <a:rPr kumimoji="1" lang="en-US" altLang="zh-CN" dirty="0">
-                <a:solidFill>
-                  <a:schemeClr val="tx1">
-                    <a:lumMod val="95000"/>
-                    <a:lumOff val="5000"/>
-                  </a:schemeClr>
-                </a:solidFill>
-                <a:latin typeface="Microsoft YaHei" panose="020B0503020204020204" pitchFamily="34" charset="-122"/>
-                <a:ea typeface="Microsoft YaHei" panose="020B0503020204020204" pitchFamily="34" charset="-122"/>
-              </a:rPr>
-              <a:t>2. Microsoft edge</a:t>
-            </a:r>
-          </a:p>
-          <a:p>
+              <a:rPr kumimoji="1" lang="zh-CN" altLang="en-US" dirty="0">
+                <a:solidFill>
+                  <a:schemeClr val="tx1">
+                    <a:lumMod val="65000"/>
+                    <a:lumOff val="35000"/>
+                  </a:schemeClr>
+                </a:solidFill>
+                <a:latin typeface="Microsoft YaHei" panose="020B0503020204020204" pitchFamily="34" charset="-122"/>
+                <a:ea typeface="Microsoft YaHei" panose="020B0503020204020204" pitchFamily="34" charset="-122"/>
+              </a:rPr>
+              <a:t>①下記のものを出力</a:t>
+            </a:r>
             <a:endParaRPr kumimoji="1" lang="en-US" altLang="zh-CN" dirty="0">
               <a:solidFill>
                 <a:schemeClr val="tx1">
@@ -8819,12 +8924,207 @@
               <a:ea typeface="Microsoft YaHei" panose="020B0503020204020204" pitchFamily="34" charset="-122"/>
             </a:endParaRPr>
           </a:p>
+          <a:p>
+            <a:endParaRPr kumimoji="1" lang="en-US" altLang="zh-CN" dirty="0">
+              <a:solidFill>
+                <a:schemeClr val="tx1">
+                  <a:lumMod val="65000"/>
+                  <a:lumOff val="35000"/>
+                </a:schemeClr>
+              </a:solidFill>
+              <a:latin typeface="Microsoft YaHei" panose="020B0503020204020204" pitchFamily="34" charset="-122"/>
+              <a:ea typeface="Microsoft YaHei" panose="020B0503020204020204" pitchFamily="34" charset="-122"/>
+            </a:endParaRPr>
+          </a:p>
+          <a:p>
+            <a:r>
+              <a:rPr kumimoji="1" lang="en-US" altLang="zh-CN" dirty="0">
+                <a:solidFill>
+                  <a:schemeClr val="tx1">
+                    <a:lumMod val="65000"/>
+                    <a:lumOff val="35000"/>
+                  </a:schemeClr>
+                </a:solidFill>
+                <a:latin typeface="Microsoft YaHei" panose="020B0503020204020204" pitchFamily="34" charset="-122"/>
+                <a:ea typeface="Microsoft YaHei" panose="020B0503020204020204" pitchFamily="34" charset="-122"/>
+              </a:rPr>
+              <a:t>*</a:t>
+            </a:r>
+          </a:p>
+          <a:p>
+            <a:r>
+              <a:rPr kumimoji="1" lang="en-US" altLang="zh-CN" dirty="0">
+                <a:solidFill>
+                  <a:schemeClr val="tx1">
+                    <a:lumMod val="65000"/>
+                    <a:lumOff val="35000"/>
+                  </a:schemeClr>
+                </a:solidFill>
+                <a:latin typeface="Microsoft YaHei" panose="020B0503020204020204" pitchFamily="34" charset="-122"/>
+                <a:ea typeface="Microsoft YaHei" panose="020B0503020204020204" pitchFamily="34" charset="-122"/>
+              </a:rPr>
+              <a:t>**</a:t>
+            </a:r>
+          </a:p>
+          <a:p>
+            <a:r>
+              <a:rPr kumimoji="1" lang="en-US" altLang="zh-CN" dirty="0">
+                <a:solidFill>
+                  <a:schemeClr val="tx1">
+                    <a:lumMod val="65000"/>
+                    <a:lumOff val="35000"/>
+                  </a:schemeClr>
+                </a:solidFill>
+                <a:latin typeface="Microsoft YaHei" panose="020B0503020204020204" pitchFamily="34" charset="-122"/>
+                <a:ea typeface="Microsoft YaHei" panose="020B0503020204020204" pitchFamily="34" charset="-122"/>
+              </a:rPr>
+              <a:t>***</a:t>
+            </a:r>
+          </a:p>
+          <a:p>
+            <a:r>
+              <a:rPr kumimoji="1" lang="en-US" altLang="zh-CN" dirty="0">
+                <a:solidFill>
+                  <a:schemeClr val="tx1">
+                    <a:lumMod val="65000"/>
+                    <a:lumOff val="35000"/>
+                  </a:schemeClr>
+                </a:solidFill>
+                <a:latin typeface="Microsoft YaHei" panose="020B0503020204020204" pitchFamily="34" charset="-122"/>
+                <a:ea typeface="Microsoft YaHei" panose="020B0503020204020204" pitchFamily="34" charset="-122"/>
+              </a:rPr>
+              <a:t>****</a:t>
+            </a:r>
+          </a:p>
+        </p:txBody>
+      </p:sp>
+      <p:sp>
+        <p:nvSpPr>
+          <p:cNvPr id="4" name="文本框 3">
+            <a:extLst>
+              <a:ext uri="{FF2B5EF4-FFF2-40B4-BE49-F238E27FC236}">
+                <a16:creationId xmlns:a16="http://schemas.microsoft.com/office/drawing/2014/main" id="{7B9D0E68-44AF-7845-A05C-B7535ED34970}"/>
+              </a:ext>
+            </a:extLst>
+          </p:cNvPr>
+          <p:cNvSpPr txBox="1"/>
+          <p:nvPr/>
+        </p:nvSpPr>
+        <p:spPr>
+          <a:xfrm>
+            <a:off x="6436612" y="1674674"/>
+            <a:ext cx="4570482" cy="646331"/>
+          </a:xfrm>
+          <a:prstGeom prst="rect">
+            <a:avLst/>
+          </a:prstGeom>
+          <a:noFill/>
+        </p:spPr>
+        <p:txBody>
+          <a:bodyPr wrap="none" rtlCol="0">
+            <a:spAutoFit/>
+          </a:bodyPr>
+          <a:lstStyle/>
+          <a:p>
+            <a:r>
+              <a:rPr kumimoji="1" lang="zh-CN" altLang="en-US" dirty="0">
+                <a:solidFill>
+                  <a:schemeClr val="tx1">
+                    <a:lumMod val="65000"/>
+                    <a:lumOff val="35000"/>
+                  </a:schemeClr>
+                </a:solidFill>
+                <a:latin typeface="Microsoft YaHei" panose="020B0503020204020204" pitchFamily="34" charset="-122"/>
+                <a:ea typeface="Microsoft YaHei" panose="020B0503020204020204" pitchFamily="34" charset="-122"/>
+              </a:rPr>
+              <a:t>②下記配列から偶数を洗い出して出力する</a:t>
+            </a:r>
+            <a:endParaRPr kumimoji="1" lang="en-US" altLang="zh-CN" dirty="0">
+              <a:solidFill>
+                <a:schemeClr val="tx1">
+                  <a:lumMod val="65000"/>
+                  <a:lumOff val="35000"/>
+                </a:schemeClr>
+              </a:solidFill>
+              <a:latin typeface="Microsoft YaHei" panose="020B0503020204020204" pitchFamily="34" charset="-122"/>
+              <a:ea typeface="Microsoft YaHei" panose="020B0503020204020204" pitchFamily="34" charset="-122"/>
+            </a:endParaRPr>
+          </a:p>
+          <a:p>
+            <a:r>
+              <a:rPr kumimoji="1" lang="en-US" altLang="zh-CN" dirty="0">
+                <a:solidFill>
+                  <a:schemeClr val="tx1">
+                    <a:lumMod val="65000"/>
+                    <a:lumOff val="35000"/>
+                  </a:schemeClr>
+                </a:solidFill>
+                <a:latin typeface="Microsoft YaHei" panose="020B0503020204020204" pitchFamily="34" charset="-122"/>
+                <a:ea typeface="Microsoft YaHei" panose="020B0503020204020204" pitchFamily="34" charset="-122"/>
+              </a:rPr>
+              <a:t>[10,3,7,12,25,87,30,28]</a:t>
+            </a:r>
+          </a:p>
+        </p:txBody>
+      </p:sp>
+      <p:sp>
+        <p:nvSpPr>
+          <p:cNvPr id="6" name="文本框 5">
+            <a:extLst>
+              <a:ext uri="{FF2B5EF4-FFF2-40B4-BE49-F238E27FC236}">
+                <a16:creationId xmlns:a16="http://schemas.microsoft.com/office/drawing/2014/main" id="{D380A10F-CFA4-DB45-A46E-B4749C66A0B0}"/>
+              </a:ext>
+            </a:extLst>
+          </p:cNvPr>
+          <p:cNvSpPr txBox="1"/>
+          <p:nvPr/>
+        </p:nvSpPr>
+        <p:spPr>
+          <a:xfrm>
+            <a:off x="668604" y="4262265"/>
+            <a:ext cx="7571303" cy="369332"/>
+          </a:xfrm>
+          <a:prstGeom prst="rect">
+            <a:avLst/>
+          </a:prstGeom>
+          <a:noFill/>
+        </p:spPr>
+        <p:txBody>
+          <a:bodyPr wrap="none" rtlCol="0">
+            <a:spAutoFit/>
+          </a:bodyPr>
+          <a:lstStyle/>
+          <a:p>
+            <a:r>
+              <a:rPr kumimoji="1" lang="zh-CN" altLang="en-US" dirty="0">
+                <a:solidFill>
+                  <a:schemeClr val="tx1">
+                    <a:lumMod val="65000"/>
+                    <a:lumOff val="35000"/>
+                  </a:schemeClr>
+                </a:solidFill>
+                <a:latin typeface="Microsoft YaHei" panose="020B0503020204020204" pitchFamily="34" charset="-122"/>
+                <a:ea typeface="Microsoft YaHei" panose="020B0503020204020204" pitchFamily="34" charset="-122"/>
+              </a:rPr>
+              <a:t>③変種の初期値＝１、循環処理して１００になりましうたら出力する</a:t>
+            </a:r>
+            <a:endParaRPr kumimoji="1" lang="en-US" altLang="zh-CN" dirty="0">
+              <a:solidFill>
+                <a:schemeClr val="tx1">
+                  <a:lumMod val="65000"/>
+                  <a:lumOff val="35000"/>
+                </a:schemeClr>
+              </a:solidFill>
+              <a:latin typeface="Microsoft YaHei" panose="020B0503020204020204" pitchFamily="34" charset="-122"/>
+              <a:ea typeface="Microsoft YaHei" panose="020B0503020204020204" pitchFamily="34" charset="-122"/>
+            </a:endParaRPr>
+          </a:p>
         </p:txBody>
       </p:sp>
     </p:spTree>
     <p:extLst>
       <p:ext uri="{BB962C8B-B14F-4D97-AF65-F5344CB8AC3E}">
-        <p14:creationId xmlns:p14="http://schemas.microsoft.com/office/powerpoint/2010/main" val="3003065498"/>
+        <p14:creationId xmlns:p14="http://schemas.microsoft.com/office/powerpoint/2010/main" val="49765014"/>
       </p:ext>
     </p:extLst>
   </p:cSld>
@@ -8834,7 +9134,7 @@
 </p:sld>
 </file>
 
-<file path=ppt/slides/slide3.xml><?xml version="1.0" encoding="utf-8"?>
+<file path=ppt/slides/slide2.xml><?xml version="1.0" encoding="utf-8"?>
 <p:sld xmlns:a="http://schemas.openxmlformats.org/drawingml/2006/main" xmlns:r="http://schemas.openxmlformats.org/officeDocument/2006/relationships" xmlns:p="http://schemas.openxmlformats.org/presentationml/2006/main">
   <p:cSld>
     <p:spTree>
@@ -8907,6 +9207,428 @@
                 <a:latin typeface="Microsoft YaHei" panose="020B0503020204020204" pitchFamily="34" charset="-122"/>
                 <a:ea typeface="Microsoft YaHei" panose="020B0503020204020204" pitchFamily="34" charset="-122"/>
               </a:rPr>
+              <a:t>目標</a:t>
+            </a:r>
+          </a:p>
+        </p:txBody>
+      </p:sp>
+      <p:sp>
+        <p:nvSpPr>
+          <p:cNvPr id="9" name="文本框 8">
+            <a:extLst>
+              <a:ext uri="{FF2B5EF4-FFF2-40B4-BE49-F238E27FC236}">
+                <a16:creationId xmlns:a16="http://schemas.microsoft.com/office/drawing/2014/main" id="{004DCEA4-4400-4149-9172-65651219B67A}"/>
+              </a:ext>
+            </a:extLst>
+          </p:cNvPr>
+          <p:cNvSpPr txBox="1"/>
+          <p:nvPr/>
+        </p:nvSpPr>
+        <p:spPr>
+          <a:xfrm>
+            <a:off x="464969" y="1186934"/>
+            <a:ext cx="2692019" cy="923330"/>
+          </a:xfrm>
+          <a:prstGeom prst="rect">
+            <a:avLst/>
+          </a:prstGeom>
+          <a:noFill/>
+        </p:spPr>
+        <p:txBody>
+          <a:bodyPr wrap="none" rtlCol="0">
+            <a:spAutoFit/>
+          </a:bodyPr>
+          <a:lstStyle/>
+          <a:p>
+            <a:r>
+              <a:rPr kumimoji="1" lang="en-US" altLang="zh-CN" dirty="0">
+                <a:solidFill>
+                  <a:schemeClr val="tx1">
+                    <a:lumMod val="95000"/>
+                    <a:lumOff val="5000"/>
+                  </a:schemeClr>
+                </a:solidFill>
+                <a:latin typeface="Microsoft YaHei" panose="020B0503020204020204" pitchFamily="34" charset="-122"/>
+                <a:ea typeface="Microsoft YaHei" panose="020B0503020204020204" pitchFamily="34" charset="-122"/>
+              </a:rPr>
+              <a:t>1. </a:t>
+            </a:r>
+            <a:r>
+              <a:rPr kumimoji="1" lang="zh-CN" altLang="en-US" dirty="0">
+                <a:solidFill>
+                  <a:schemeClr val="tx1">
+                    <a:lumMod val="95000"/>
+                    <a:lumOff val="5000"/>
+                  </a:schemeClr>
+                </a:solidFill>
+                <a:latin typeface="Microsoft YaHei" panose="020B0503020204020204" pitchFamily="34" charset="-122"/>
+                <a:ea typeface="Microsoft YaHei" panose="020B0503020204020204" pitchFamily="34" charset="-122"/>
+              </a:rPr>
+              <a:t>開発環境準備</a:t>
+            </a:r>
+            <a:endParaRPr kumimoji="1" lang="en-US" altLang="zh-CN" dirty="0">
+              <a:solidFill>
+                <a:schemeClr val="tx1">
+                  <a:lumMod val="95000"/>
+                  <a:lumOff val="5000"/>
+                </a:schemeClr>
+              </a:solidFill>
+              <a:latin typeface="Microsoft YaHei" panose="020B0503020204020204" pitchFamily="34" charset="-122"/>
+              <a:ea typeface="Microsoft YaHei" panose="020B0503020204020204" pitchFamily="34" charset="-122"/>
+            </a:endParaRPr>
+          </a:p>
+          <a:p>
+            <a:r>
+              <a:rPr kumimoji="1" lang="en-US" altLang="zh-CN" dirty="0">
+                <a:solidFill>
+                  <a:schemeClr val="tx1">
+                    <a:lumMod val="95000"/>
+                    <a:lumOff val="5000"/>
+                  </a:schemeClr>
+                </a:solidFill>
+                <a:latin typeface="Microsoft YaHei" panose="020B0503020204020204" pitchFamily="34" charset="-122"/>
+                <a:ea typeface="Microsoft YaHei" panose="020B0503020204020204" pitchFamily="34" charset="-122"/>
+              </a:rPr>
+              <a:t>2. JavaScript</a:t>
+            </a:r>
+            <a:r>
+              <a:rPr kumimoji="1" lang="zh-CN" altLang="en-US" dirty="0">
+                <a:solidFill>
+                  <a:schemeClr val="tx1">
+                    <a:lumMod val="95000"/>
+                    <a:lumOff val="5000"/>
+                  </a:schemeClr>
+                </a:solidFill>
+                <a:latin typeface="Microsoft YaHei" panose="020B0503020204020204" pitchFamily="34" charset="-122"/>
+                <a:ea typeface="Microsoft YaHei" panose="020B0503020204020204" pitchFamily="34" charset="-122"/>
+              </a:rPr>
+              <a:t>概要を把握</a:t>
+            </a:r>
+            <a:endParaRPr kumimoji="1" lang="en-US" altLang="zh-CN" dirty="0">
+              <a:solidFill>
+                <a:schemeClr val="tx1">
+                  <a:lumMod val="95000"/>
+                  <a:lumOff val="5000"/>
+                </a:schemeClr>
+              </a:solidFill>
+              <a:latin typeface="Microsoft YaHei" panose="020B0503020204020204" pitchFamily="34" charset="-122"/>
+              <a:ea typeface="Microsoft YaHei" panose="020B0503020204020204" pitchFamily="34" charset="-122"/>
+            </a:endParaRPr>
+          </a:p>
+          <a:p>
+            <a:endParaRPr kumimoji="1" lang="en-US" altLang="zh-CN" dirty="0">
+              <a:solidFill>
+                <a:schemeClr val="tx1">
+                  <a:lumMod val="65000"/>
+                  <a:lumOff val="35000"/>
+                </a:schemeClr>
+              </a:solidFill>
+              <a:latin typeface="Microsoft YaHei" panose="020B0503020204020204" pitchFamily="34" charset="-122"/>
+              <a:ea typeface="Microsoft YaHei" panose="020B0503020204020204" pitchFamily="34" charset="-122"/>
+            </a:endParaRPr>
+          </a:p>
+        </p:txBody>
+      </p:sp>
+    </p:spTree>
+    <p:extLst>
+      <p:ext uri="{BB962C8B-B14F-4D97-AF65-F5344CB8AC3E}">
+        <p14:creationId xmlns:p14="http://schemas.microsoft.com/office/powerpoint/2010/main" val="3199370619"/>
+      </p:ext>
+    </p:extLst>
+  </p:cSld>
+  <p:clrMapOvr>
+    <a:masterClrMapping/>
+  </p:clrMapOvr>
+</p:sld>
+</file>
+
+<file path=ppt/slides/slide3.xml><?xml version="1.0" encoding="utf-8"?>
+<p:sld xmlns:a="http://schemas.openxmlformats.org/drawingml/2006/main" xmlns:r="http://schemas.openxmlformats.org/officeDocument/2006/relationships" xmlns:p="http://schemas.openxmlformats.org/presentationml/2006/main">
+  <p:cSld>
+    <p:spTree>
+      <p:nvGrpSpPr>
+        <p:cNvPr id="1" name=""/>
+        <p:cNvGrpSpPr/>
+        <p:nvPr/>
+      </p:nvGrpSpPr>
+      <p:grpSpPr>
+        <a:xfrm>
+          <a:off x="0" y="0"/>
+          <a:ext cx="0" cy="0"/>
+          <a:chOff x="0" y="0"/>
+          <a:chExt cx="0" cy="0"/>
+        </a:xfrm>
+      </p:grpSpPr>
+      <p:sp>
+        <p:nvSpPr>
+          <p:cNvPr id="5" name="矩形 4">
+            <a:extLst>
+              <a:ext uri="{FF2B5EF4-FFF2-40B4-BE49-F238E27FC236}">
+                <a16:creationId xmlns:a16="http://schemas.microsoft.com/office/drawing/2014/main" id="{F979A305-980D-624D-98F0-376F455F6824}"/>
+              </a:ext>
+            </a:extLst>
+          </p:cNvPr>
+          <p:cNvSpPr/>
+          <p:nvPr/>
+        </p:nvSpPr>
+        <p:spPr>
+          <a:xfrm>
+            <a:off x="464969" y="325676"/>
+            <a:ext cx="11727032" cy="770562"/>
+          </a:xfrm>
+          <a:prstGeom prst="rect">
+            <a:avLst/>
+          </a:prstGeom>
+          <a:noFill/>
+          <a:ln>
+            <a:noFill/>
+          </a:ln>
+        </p:spPr>
+        <p:style>
+          <a:lnRef idx="2">
+            <a:schemeClr val="accent1">
+              <a:shade val="50000"/>
+            </a:schemeClr>
+          </a:lnRef>
+          <a:fillRef idx="1">
+            <a:schemeClr val="accent1"/>
+          </a:fillRef>
+          <a:effectRef idx="0">
+            <a:schemeClr val="accent1"/>
+          </a:effectRef>
+          <a:fontRef idx="minor">
+            <a:schemeClr val="lt1"/>
+          </a:fontRef>
+        </p:style>
+        <p:txBody>
+          <a:bodyPr rtlCol="0" anchor="ctr"/>
+          <a:lstStyle/>
+          <a:p>
+            <a:r>
+              <a:rPr kumimoji="1" lang="zh-CN" altLang="en-US" sz="3600" b="1" u="sng" dirty="0">
+                <a:solidFill>
+                  <a:schemeClr val="tx1">
+                    <a:lumMod val="85000"/>
+                    <a:lumOff val="15000"/>
+                  </a:schemeClr>
+                </a:solidFill>
+                <a:latin typeface="Microsoft YaHei" panose="020B0503020204020204" pitchFamily="34" charset="-122"/>
+                <a:ea typeface="Microsoft YaHei" panose="020B0503020204020204" pitchFamily="34" charset="-122"/>
+              </a:rPr>
+              <a:t>開発環境の準備</a:t>
+            </a:r>
+          </a:p>
+        </p:txBody>
+      </p:sp>
+      <p:sp>
+        <p:nvSpPr>
+          <p:cNvPr id="9" name="文本框 8">
+            <a:extLst>
+              <a:ext uri="{FF2B5EF4-FFF2-40B4-BE49-F238E27FC236}">
+                <a16:creationId xmlns:a16="http://schemas.microsoft.com/office/drawing/2014/main" id="{004DCEA4-4400-4149-9172-65651219B67A}"/>
+              </a:ext>
+            </a:extLst>
+          </p:cNvPr>
+          <p:cNvSpPr txBox="1"/>
+          <p:nvPr/>
+        </p:nvSpPr>
+        <p:spPr>
+          <a:xfrm>
+            <a:off x="464969" y="1186934"/>
+            <a:ext cx="2916119" cy="923330"/>
+          </a:xfrm>
+          <a:prstGeom prst="rect">
+            <a:avLst/>
+          </a:prstGeom>
+          <a:noFill/>
+        </p:spPr>
+        <p:txBody>
+          <a:bodyPr wrap="none" rtlCol="0">
+            <a:spAutoFit/>
+          </a:bodyPr>
+          <a:lstStyle/>
+          <a:p>
+            <a:r>
+              <a:rPr kumimoji="1" lang="en-US" altLang="zh-CN" dirty="0">
+                <a:solidFill>
+                  <a:schemeClr val="tx1">
+                    <a:lumMod val="95000"/>
+                    <a:lumOff val="5000"/>
+                  </a:schemeClr>
+                </a:solidFill>
+                <a:latin typeface="Microsoft YaHei" panose="020B0503020204020204" pitchFamily="34" charset="-122"/>
+                <a:ea typeface="Microsoft YaHei" panose="020B0503020204020204" pitchFamily="34" charset="-122"/>
+              </a:rPr>
+              <a:t>1. https://</a:t>
+            </a:r>
+            <a:r>
+              <a:rPr kumimoji="1" lang="en-US" altLang="zh-CN" dirty="0" err="1">
+                <a:solidFill>
+                  <a:schemeClr val="tx1">
+                    <a:lumMod val="95000"/>
+                    <a:lumOff val="5000"/>
+                  </a:schemeClr>
+                </a:solidFill>
+                <a:latin typeface="Microsoft YaHei" panose="020B0503020204020204" pitchFamily="34" charset="-122"/>
+                <a:ea typeface="Microsoft YaHei" panose="020B0503020204020204" pitchFamily="34" charset="-122"/>
+              </a:rPr>
+              <a:t>nodejs.org</a:t>
+            </a:r>
+            <a:r>
+              <a:rPr kumimoji="1" lang="en-US" altLang="zh-CN" dirty="0">
+                <a:solidFill>
+                  <a:schemeClr val="tx1">
+                    <a:lumMod val="95000"/>
+                    <a:lumOff val="5000"/>
+                  </a:schemeClr>
+                </a:solidFill>
+                <a:latin typeface="Microsoft YaHei" panose="020B0503020204020204" pitchFamily="34" charset="-122"/>
+                <a:ea typeface="Microsoft YaHei" panose="020B0503020204020204" pitchFamily="34" charset="-122"/>
+              </a:rPr>
+              <a:t>/</a:t>
+            </a:r>
+            <a:r>
+              <a:rPr kumimoji="1" lang="en-US" altLang="zh-CN" dirty="0" err="1">
+                <a:solidFill>
+                  <a:schemeClr val="tx1">
+                    <a:lumMod val="95000"/>
+                    <a:lumOff val="5000"/>
+                  </a:schemeClr>
+                </a:solidFill>
+                <a:latin typeface="Microsoft YaHei" panose="020B0503020204020204" pitchFamily="34" charset="-122"/>
+                <a:ea typeface="Microsoft YaHei" panose="020B0503020204020204" pitchFamily="34" charset="-122"/>
+              </a:rPr>
+              <a:t>en</a:t>
+            </a:r>
+            <a:r>
+              <a:rPr kumimoji="1" lang="en-US" altLang="zh-CN" dirty="0">
+                <a:solidFill>
+                  <a:schemeClr val="tx1">
+                    <a:lumMod val="95000"/>
+                    <a:lumOff val="5000"/>
+                  </a:schemeClr>
+                </a:solidFill>
+                <a:latin typeface="Microsoft YaHei" panose="020B0503020204020204" pitchFamily="34" charset="-122"/>
+                <a:ea typeface="Microsoft YaHei" panose="020B0503020204020204" pitchFamily="34" charset="-122"/>
+              </a:rPr>
+              <a:t>/</a:t>
+            </a:r>
+          </a:p>
+          <a:p>
+            <a:r>
+              <a:rPr kumimoji="1" lang="en-US" altLang="zh-CN" dirty="0">
+                <a:solidFill>
+                  <a:schemeClr val="tx1">
+                    <a:lumMod val="95000"/>
+                    <a:lumOff val="5000"/>
+                  </a:schemeClr>
+                </a:solidFill>
+                <a:latin typeface="Microsoft YaHei" panose="020B0503020204020204" pitchFamily="34" charset="-122"/>
+                <a:ea typeface="Microsoft YaHei" panose="020B0503020204020204" pitchFamily="34" charset="-122"/>
+              </a:rPr>
+              <a:t>2. Microsoft edge</a:t>
+            </a:r>
+          </a:p>
+          <a:p>
+            <a:endParaRPr kumimoji="1" lang="en-US" altLang="zh-CN" dirty="0">
+              <a:solidFill>
+                <a:schemeClr val="tx1">
+                  <a:lumMod val="65000"/>
+                  <a:lumOff val="35000"/>
+                </a:schemeClr>
+              </a:solidFill>
+              <a:latin typeface="Microsoft YaHei" panose="020B0503020204020204" pitchFamily="34" charset="-122"/>
+              <a:ea typeface="Microsoft YaHei" panose="020B0503020204020204" pitchFamily="34" charset="-122"/>
+            </a:endParaRPr>
+          </a:p>
+        </p:txBody>
+      </p:sp>
+    </p:spTree>
+    <p:extLst>
+      <p:ext uri="{BB962C8B-B14F-4D97-AF65-F5344CB8AC3E}">
+        <p14:creationId xmlns:p14="http://schemas.microsoft.com/office/powerpoint/2010/main" val="3003065498"/>
+      </p:ext>
+    </p:extLst>
+  </p:cSld>
+  <p:clrMapOvr>
+    <a:masterClrMapping/>
+  </p:clrMapOvr>
+</p:sld>
+</file>
+
+<file path=ppt/slides/slide4.xml><?xml version="1.0" encoding="utf-8"?>
+<p:sld xmlns:a="http://schemas.openxmlformats.org/drawingml/2006/main" xmlns:r="http://schemas.openxmlformats.org/officeDocument/2006/relationships" xmlns:p="http://schemas.openxmlformats.org/presentationml/2006/main">
+  <p:cSld>
+    <p:spTree>
+      <p:nvGrpSpPr>
+        <p:cNvPr id="1" name=""/>
+        <p:cNvGrpSpPr/>
+        <p:nvPr/>
+      </p:nvGrpSpPr>
+      <p:grpSpPr>
+        <a:xfrm>
+          <a:off x="0" y="0"/>
+          <a:ext cx="0" cy="0"/>
+          <a:chOff x="0" y="0"/>
+          <a:chExt cx="0" cy="0"/>
+        </a:xfrm>
+      </p:grpSpPr>
+      <p:sp>
+        <p:nvSpPr>
+          <p:cNvPr id="5" name="矩形 4">
+            <a:extLst>
+              <a:ext uri="{FF2B5EF4-FFF2-40B4-BE49-F238E27FC236}">
+                <a16:creationId xmlns:a16="http://schemas.microsoft.com/office/drawing/2014/main" id="{F979A305-980D-624D-98F0-376F455F6824}"/>
+              </a:ext>
+            </a:extLst>
+          </p:cNvPr>
+          <p:cNvSpPr/>
+          <p:nvPr/>
+        </p:nvSpPr>
+        <p:spPr>
+          <a:xfrm>
+            <a:off x="464969" y="325676"/>
+            <a:ext cx="11727032" cy="770562"/>
+          </a:xfrm>
+          <a:prstGeom prst="rect">
+            <a:avLst/>
+          </a:prstGeom>
+          <a:noFill/>
+          <a:ln>
+            <a:noFill/>
+          </a:ln>
+        </p:spPr>
+        <p:style>
+          <a:lnRef idx="2">
+            <a:schemeClr val="accent1">
+              <a:shade val="50000"/>
+            </a:schemeClr>
+          </a:lnRef>
+          <a:fillRef idx="1">
+            <a:schemeClr val="accent1"/>
+          </a:fillRef>
+          <a:effectRef idx="0">
+            <a:schemeClr val="accent1"/>
+          </a:effectRef>
+          <a:fontRef idx="minor">
+            <a:schemeClr val="lt1"/>
+          </a:fontRef>
+        </p:style>
+        <p:txBody>
+          <a:bodyPr rtlCol="0" anchor="ctr"/>
+          <a:lstStyle/>
+          <a:p>
+            <a:r>
+              <a:rPr kumimoji="1" lang="zh-CN" altLang="en-US" sz="3600" b="1" u="sng" dirty="0">
+                <a:solidFill>
+                  <a:schemeClr val="tx1">
+                    <a:lumMod val="85000"/>
+                    <a:lumOff val="15000"/>
+                  </a:schemeClr>
+                </a:solidFill>
+                <a:latin typeface="Microsoft YaHei" panose="020B0503020204020204" pitchFamily="34" charset="-122"/>
+                <a:ea typeface="Microsoft YaHei" panose="020B0503020204020204" pitchFamily="34" charset="-122"/>
+              </a:rPr>
               <a:t>プログラムとは</a:t>
             </a:r>
           </a:p>
@@ -9129,7 +9851,7 @@
 </p:sld>
 </file>
 
-<file path=ppt/slides/slide4.xml><?xml version="1.0" encoding="utf-8"?>
+<file path=ppt/slides/slide5.xml><?xml version="1.0" encoding="utf-8"?>
 <p:sld xmlns:a="http://schemas.openxmlformats.org/drawingml/2006/main" xmlns:r="http://schemas.openxmlformats.org/officeDocument/2006/relationships" xmlns:p="http://schemas.openxmlformats.org/presentationml/2006/main">
   <p:cSld>
     <p:spTree>
@@ -10299,7 +11021,7 @@
 </p:sld>
 </file>
 
-<file path=ppt/slides/slide5.xml><?xml version="1.0" encoding="utf-8"?>
+<file path=ppt/slides/slide6.xml><?xml version="1.0" encoding="utf-8"?>
 <p:sld xmlns:a="http://schemas.openxmlformats.org/drawingml/2006/main" xmlns:r="http://schemas.openxmlformats.org/officeDocument/2006/relationships" xmlns:p="http://schemas.openxmlformats.org/presentationml/2006/main">
   <p:cSld>
     <p:spTree>
@@ -10471,7 +11193,7 @@
 </p:sld>
 </file>
 
-<file path=ppt/slides/slide6.xml><?xml version="1.0" encoding="utf-8"?>
+<file path=ppt/slides/slide7.xml><?xml version="1.0" encoding="utf-8"?>
 <p:sld xmlns:a="http://schemas.openxmlformats.org/drawingml/2006/main" xmlns:r="http://schemas.openxmlformats.org/officeDocument/2006/relationships" xmlns:p="http://schemas.openxmlformats.org/presentationml/2006/main">
   <p:cSld>
     <p:spTree>
@@ -11220,7 +11942,7 @@
 </p:sld>
 </file>
 
-<file path=ppt/slides/slide7.xml><?xml version="1.0" encoding="utf-8"?>
+<file path=ppt/slides/slide8.xml><?xml version="1.0" encoding="utf-8"?>
 <p:sld xmlns:a="http://schemas.openxmlformats.org/drawingml/2006/main" xmlns:r="http://schemas.openxmlformats.org/officeDocument/2006/relationships" xmlns:p="http://schemas.openxmlformats.org/presentationml/2006/main">
   <p:cSld>
     <p:spTree>
@@ -11366,7 +12088,33 @@
                 <a:latin typeface="Microsoft YaHei" panose="020B0503020204020204" pitchFamily="34" charset="-122"/>
                 <a:ea typeface="Microsoft YaHei" panose="020B0503020204020204" pitchFamily="34" charset="-122"/>
               </a:rPr>
-              <a:t>を操作（</a:t>
+              <a:t>を</a:t>
+            </a:r>
+            <a:r>
+              <a:rPr kumimoji="1" lang="en-US" altLang="zh-CN" dirty="0">
+                <a:solidFill>
+                  <a:schemeClr val="tx1">
+                    <a:lumMod val="65000"/>
+                    <a:lumOff val="35000"/>
+                  </a:schemeClr>
+                </a:solidFill>
+                <a:latin typeface="Microsoft YaHei" panose="020B0503020204020204" pitchFamily="34" charset="-122"/>
+                <a:ea typeface="Microsoft YaHei" panose="020B0503020204020204" pitchFamily="34" charset="-122"/>
+              </a:rPr>
+              <a:t> html </a:t>
+            </a:r>
+            <a:r>
+              <a:rPr kumimoji="1" lang="zh-CN" altLang="en-US" dirty="0">
+                <a:solidFill>
+                  <a:schemeClr val="tx1">
+                    <a:lumMod val="65000"/>
+                    <a:lumOff val="35000"/>
+                  </a:schemeClr>
+                </a:solidFill>
+                <a:latin typeface="Microsoft YaHei" panose="020B0503020204020204" pitchFamily="34" charset="-122"/>
+                <a:ea typeface="Microsoft YaHei" panose="020B0503020204020204" pitchFamily="34" charset="-122"/>
+              </a:rPr>
+              <a:t>操作（</a:t>
             </a:r>
             <a:r>
               <a:rPr kumimoji="1" lang="en-US" altLang="zh-CN" dirty="0" err="1">
@@ -11707,7 +12455,7 @@
 </p:sld>
 </file>
 
-<file path=ppt/slides/slide8.xml><?xml version="1.0" encoding="utf-8"?>
+<file path=ppt/slides/slide9.xml><?xml version="1.0" encoding="utf-8"?>
 <p:sld xmlns:a="http://schemas.openxmlformats.org/drawingml/2006/main" xmlns:r="http://schemas.openxmlformats.org/officeDocument/2006/relationships" xmlns:p="http://schemas.openxmlformats.org/presentationml/2006/main">
   <p:cSld>
     <p:spTree>
@@ -11974,180 +12722,6 @@
     <p:extLst>
       <p:ext uri="{BB962C8B-B14F-4D97-AF65-F5344CB8AC3E}">
         <p14:creationId xmlns:p14="http://schemas.microsoft.com/office/powerpoint/2010/main" val="2895966856"/>
-      </p:ext>
-    </p:extLst>
-  </p:cSld>
-  <p:clrMapOvr>
-    <a:masterClrMapping/>
-  </p:clrMapOvr>
-</p:sld>
-</file>
-
-<file path=ppt/slides/slide9.xml><?xml version="1.0" encoding="utf-8"?>
-<p:sld xmlns:a="http://schemas.openxmlformats.org/drawingml/2006/main" xmlns:r="http://schemas.openxmlformats.org/officeDocument/2006/relationships" xmlns:p="http://schemas.openxmlformats.org/presentationml/2006/main">
-  <p:cSld>
-    <p:spTree>
-      <p:nvGrpSpPr>
-        <p:cNvPr id="1" name=""/>
-        <p:cNvGrpSpPr/>
-        <p:nvPr/>
-      </p:nvGrpSpPr>
-      <p:grpSpPr>
-        <a:xfrm>
-          <a:off x="0" y="0"/>
-          <a:ext cx="0" cy="0"/>
-          <a:chOff x="0" y="0"/>
-          <a:chExt cx="0" cy="0"/>
-        </a:xfrm>
-      </p:grpSpPr>
-      <p:sp>
-        <p:nvSpPr>
-          <p:cNvPr id="5" name="矩形 4">
-            <a:extLst>
-              <a:ext uri="{FF2B5EF4-FFF2-40B4-BE49-F238E27FC236}">
-                <a16:creationId xmlns:a16="http://schemas.microsoft.com/office/drawing/2014/main" id="{F979A305-980D-624D-98F0-376F455F6824}"/>
-              </a:ext>
-            </a:extLst>
-          </p:cNvPr>
-          <p:cNvSpPr/>
-          <p:nvPr/>
-        </p:nvSpPr>
-        <p:spPr>
-          <a:xfrm>
-            <a:off x="464969" y="325676"/>
-            <a:ext cx="11727032" cy="770562"/>
-          </a:xfrm>
-          <a:prstGeom prst="rect">
-            <a:avLst/>
-          </a:prstGeom>
-          <a:noFill/>
-          <a:ln>
-            <a:noFill/>
-          </a:ln>
-        </p:spPr>
-        <p:style>
-          <a:lnRef idx="2">
-            <a:schemeClr val="accent1">
-              <a:shade val="50000"/>
-            </a:schemeClr>
-          </a:lnRef>
-          <a:fillRef idx="1">
-            <a:schemeClr val="accent1"/>
-          </a:fillRef>
-          <a:effectRef idx="0">
-            <a:schemeClr val="accent1"/>
-          </a:effectRef>
-          <a:fontRef idx="minor">
-            <a:schemeClr val="lt1"/>
-          </a:fontRef>
-        </p:style>
-        <p:txBody>
-          <a:bodyPr rtlCol="0" anchor="ctr"/>
-          <a:lstStyle/>
-          <a:p>
-            <a:r>
-              <a:rPr kumimoji="1" lang="zh-CN" altLang="en-US" sz="3600" b="1" u="sng" dirty="0">
-                <a:solidFill>
-                  <a:schemeClr val="tx1">
-                    <a:lumMod val="85000"/>
-                    <a:lumOff val="15000"/>
-                  </a:schemeClr>
-                </a:solidFill>
-                <a:latin typeface="Microsoft YaHei" panose="020B0503020204020204" pitchFamily="34" charset="-122"/>
-                <a:ea typeface="Microsoft YaHei" panose="020B0503020204020204" pitchFamily="34" charset="-122"/>
-              </a:rPr>
-              <a:t>変数定義</a:t>
-            </a:r>
-          </a:p>
-        </p:txBody>
-      </p:sp>
-      <p:sp>
-        <p:nvSpPr>
-          <p:cNvPr id="9" name="文本框 8">
-            <a:extLst>
-              <a:ext uri="{FF2B5EF4-FFF2-40B4-BE49-F238E27FC236}">
-                <a16:creationId xmlns:a16="http://schemas.microsoft.com/office/drawing/2014/main" id="{004DCEA4-4400-4149-9172-65651219B67A}"/>
-              </a:ext>
-            </a:extLst>
-          </p:cNvPr>
-          <p:cNvSpPr txBox="1"/>
-          <p:nvPr/>
-        </p:nvSpPr>
-        <p:spPr>
-          <a:xfrm>
-            <a:off x="668604" y="1574560"/>
-            <a:ext cx="1130438" cy="923330"/>
-          </a:xfrm>
-          <a:prstGeom prst="rect">
-            <a:avLst/>
-          </a:prstGeom>
-          <a:noFill/>
-        </p:spPr>
-        <p:txBody>
-          <a:bodyPr wrap="none" rtlCol="0">
-            <a:spAutoFit/>
-          </a:bodyPr>
-          <a:lstStyle/>
-          <a:p>
-            <a:pPr marL="342900" indent="-342900">
-              <a:buAutoNum type="arabicPeriod"/>
-            </a:pPr>
-            <a:r>
-              <a:rPr kumimoji="1" lang="en-US" altLang="zh-CN" dirty="0">
-                <a:solidFill>
-                  <a:schemeClr val="tx1">
-                    <a:lumMod val="65000"/>
-                    <a:lumOff val="35000"/>
-                  </a:schemeClr>
-                </a:solidFill>
-                <a:latin typeface="Microsoft YaHei" panose="020B0503020204020204" pitchFamily="34" charset="-122"/>
-                <a:ea typeface="Microsoft YaHei" panose="020B0503020204020204" pitchFamily="34" charset="-122"/>
-              </a:rPr>
-              <a:t>Var</a:t>
-            </a:r>
-          </a:p>
-          <a:p>
-            <a:pPr marL="342900" indent="-342900">
-              <a:buAutoNum type="arabicPeriod"/>
-            </a:pPr>
-            <a:r>
-              <a:rPr kumimoji="1" lang="en-US" altLang="zh-CN" dirty="0">
-                <a:solidFill>
-                  <a:schemeClr val="tx1">
-                    <a:lumMod val="65000"/>
-                    <a:lumOff val="35000"/>
-                  </a:schemeClr>
-                </a:solidFill>
-                <a:latin typeface="Microsoft YaHei" panose="020B0503020204020204" pitchFamily="34" charset="-122"/>
-                <a:ea typeface="Microsoft YaHei" panose="020B0503020204020204" pitchFamily="34" charset="-122"/>
-              </a:rPr>
-              <a:t>Let</a:t>
-            </a:r>
-          </a:p>
-          <a:p>
-            <a:pPr marL="342900" indent="-342900">
-              <a:buAutoNum type="arabicPeriod"/>
-            </a:pPr>
-            <a:r>
-              <a:rPr kumimoji="1" lang="en-US" altLang="zh-CN" dirty="0">
-                <a:solidFill>
-                  <a:schemeClr val="tx1">
-                    <a:lumMod val="65000"/>
-                    <a:lumOff val="35000"/>
-                  </a:schemeClr>
-                </a:solidFill>
-                <a:latin typeface="Microsoft YaHei" panose="020B0503020204020204" pitchFamily="34" charset="-122"/>
-                <a:ea typeface="Microsoft YaHei" panose="020B0503020204020204" pitchFamily="34" charset="-122"/>
-              </a:rPr>
-              <a:t>const</a:t>
-            </a:r>
-          </a:p>
-        </p:txBody>
-      </p:sp>
-    </p:spTree>
-    <p:extLst>
-      <p:ext uri="{BB962C8B-B14F-4D97-AF65-F5344CB8AC3E}">
-        <p14:creationId xmlns:p14="http://schemas.microsoft.com/office/powerpoint/2010/main" val="2734926246"/>
       </p:ext>
     </p:extLst>
   </p:cSld>

--- a/01.basic/day1/day01.pptx
+++ b/01.basic/day1/day01.pptx
@@ -8090,8 +8090,8 @@
         </p:nvSpPr>
         <p:spPr>
           <a:xfrm>
-            <a:off x="464969" y="1186934"/>
-            <a:ext cx="11108234" cy="1754326"/>
+            <a:off x="464968" y="1186934"/>
+            <a:ext cx="11367367" cy="1754326"/>
           </a:xfrm>
           <a:prstGeom prst="rect">
             <a:avLst/>
@@ -8099,7 +8099,7 @@
           <a:noFill/>
         </p:spPr>
         <p:txBody>
-          <a:bodyPr wrap="none" rtlCol="0">
+          <a:bodyPr wrap="square" rtlCol="0">
             <a:spAutoFit/>
           </a:bodyPr>
           <a:lstStyle/>
